--- a/Dokumentation/Björkbäcks advokatbyrå powerpoint.pptx
+++ b/Dokumentation/Björkbäcks advokatbyrå powerpoint.pptx
@@ -2,12 +2,27 @@
 <file path=ppt/presentation.xml><?xml version="1.0" encoding="utf-8"?>
 <p:presentation xmlns:a="http://schemas.openxmlformats.org/drawingml/2006/main" xmlns:r="http://schemas.openxmlformats.org/officeDocument/2006/relationships" xmlns:p="http://schemas.openxmlformats.org/presentationml/2006/main" saveSubsetFonts="1">
   <p:sldMasterIdLst>
-    <p:sldMasterId id="2147483648" r:id="rId1"/>
+    <p:sldMasterId id="2147483726" r:id="rId1"/>
   </p:sldMasterIdLst>
   <p:sldIdLst>
     <p:sldId id="256" r:id="rId2"/>
-    <p:sldId id="257" r:id="rId3"/>
-    <p:sldId id="258" r:id="rId4"/>
+    <p:sldId id="270" r:id="rId3"/>
+    <p:sldId id="259" r:id="rId4"/>
+    <p:sldId id="260" r:id="rId5"/>
+    <p:sldId id="261" r:id="rId6"/>
+    <p:sldId id="262" r:id="rId7"/>
+    <p:sldId id="274" r:id="rId8"/>
+    <p:sldId id="264" r:id="rId9"/>
+    <p:sldId id="265" r:id="rId10"/>
+    <p:sldId id="266" r:id="rId11"/>
+    <p:sldId id="267" r:id="rId12"/>
+    <p:sldId id="268" r:id="rId13"/>
+    <p:sldId id="269" r:id="rId14"/>
+    <p:sldId id="271" r:id="rId15"/>
+    <p:sldId id="257" r:id="rId16"/>
+    <p:sldId id="258" r:id="rId17"/>
+    <p:sldId id="272" r:id="rId18"/>
+    <p:sldId id="273" r:id="rId19"/>
   </p:sldIdLst>
   <p:sldSz cx="12192000" cy="6858000"/>
   <p:notesSz cx="6858000" cy="9144000"/>
@@ -106,7 +121,20 @@
       </a:defRPr>
     </a:lvl9pPr>
   </p:defaultTextStyle>
+  <p:extLst>
+    <p:ext uri="{EFAFB233-063F-42B5-8137-9DF3F51BA10A}">
+      <p15:sldGuideLst xmlns:p15="http://schemas.microsoft.com/office/powerpoint/2012/main"/>
+    </p:ext>
+  </p:extLst>
 </p:presentation>
+</file>
+
+<file path=ppt/revisionInfo.xml><?xml version="1.0" encoding="utf-8"?>
+<p1510:revInfo xmlns:a="http://schemas.openxmlformats.org/drawingml/2006/main" xmlns:r="http://schemas.openxmlformats.org/officeDocument/2006/relationships" xmlns:p1510="http://schemas.microsoft.com/office/powerpoint/2015/10/main">
+  <p1510:revLst>
+    <p1510:client id="{91BC7BF3-D452-41BB-B5DC-7506A7EC4B34}" v="25" dt="2021-05-24T15:00:18.187"/>
+  </p1510:revLst>
+</p1510:revInfo>
 </file>
 
 <file path=ppt/changesInfos/changesInfo1.xml><?xml version="1.0" encoding="utf-8"?>
@@ -155,6 +183,1691 @@
             <ac:spMk id="3" creationId="{EFD26ABD-6C5E-47F9-AD74-23EE32CA000E}"/>
           </ac:spMkLst>
         </pc:spChg>
+      </pc:sldChg>
+    </pc:docChg>
+  </pc:docChgLst>
+  <pc:docChgLst>
+    <pc:chgData name="Erik Björkbäck" userId="22d25936-2a37-4c94-9986-306a0ffe603f" providerId="ADAL" clId="{91BC7BF3-D452-41BB-B5DC-7506A7EC4B34}"/>
+    <pc:docChg chg="undo custSel addSld delSld modSld">
+      <pc:chgData name="Erik Björkbäck" userId="22d25936-2a37-4c94-9986-306a0ffe603f" providerId="ADAL" clId="{91BC7BF3-D452-41BB-B5DC-7506A7EC4B34}" dt="2021-05-24T15:03:48.597" v="1183" actId="26606"/>
+      <pc:docMkLst>
+        <pc:docMk/>
+      </pc:docMkLst>
+      <pc:sldChg chg="addSp delSp modSp mod setBg delDesignElem">
+        <pc:chgData name="Erik Björkbäck" userId="22d25936-2a37-4c94-9986-306a0ffe603f" providerId="ADAL" clId="{91BC7BF3-D452-41BB-B5DC-7506A7EC4B34}" dt="2021-05-24T15:03:28.692" v="1179" actId="26606"/>
+        <pc:sldMkLst>
+          <pc:docMk/>
+          <pc:sldMk cId="2475483495" sldId="256"/>
+        </pc:sldMkLst>
+        <pc:spChg chg="mod ord">
+          <ac:chgData name="Erik Björkbäck" userId="22d25936-2a37-4c94-9986-306a0ffe603f" providerId="ADAL" clId="{91BC7BF3-D452-41BB-B5DC-7506A7EC4B34}" dt="2021-05-24T15:03:28.692" v="1179" actId="26606"/>
+          <ac:spMkLst>
+            <pc:docMk/>
+            <pc:sldMk cId="2475483495" sldId="256"/>
+            <ac:spMk id="2" creationId="{EC319E5C-FB4B-4353-B55A-473FCA2AC57F}"/>
+          </ac:spMkLst>
+        </pc:spChg>
+        <pc:spChg chg="mod">
+          <ac:chgData name="Erik Björkbäck" userId="22d25936-2a37-4c94-9986-306a0ffe603f" providerId="ADAL" clId="{91BC7BF3-D452-41BB-B5DC-7506A7EC4B34}" dt="2021-05-24T14:52:59.931" v="1076" actId="26606"/>
+          <ac:spMkLst>
+            <pc:docMk/>
+            <pc:sldMk cId="2475483495" sldId="256"/>
+            <ac:spMk id="3" creationId="{22CBA697-7E20-4C26-932F-E8E01D4D409A}"/>
+          </ac:spMkLst>
+        </pc:spChg>
+        <pc:spChg chg="add">
+          <ac:chgData name="Erik Björkbäck" userId="22d25936-2a37-4c94-9986-306a0ffe603f" providerId="ADAL" clId="{91BC7BF3-D452-41BB-B5DC-7506A7EC4B34}" dt="2021-05-24T15:03:28.692" v="1179" actId="26606"/>
+          <ac:spMkLst>
+            <pc:docMk/>
+            <pc:sldMk cId="2475483495" sldId="256"/>
+            <ac:spMk id="5" creationId="{88294908-8B00-4F58-BBBA-20F71A40AA9E}"/>
+          </ac:spMkLst>
+        </pc:spChg>
+        <pc:spChg chg="add">
+          <ac:chgData name="Erik Björkbäck" userId="22d25936-2a37-4c94-9986-306a0ffe603f" providerId="ADAL" clId="{91BC7BF3-D452-41BB-B5DC-7506A7EC4B34}" dt="2021-05-24T15:03:28.692" v="1179" actId="26606"/>
+          <ac:spMkLst>
+            <pc:docMk/>
+            <pc:sldMk cId="2475483495" sldId="256"/>
+            <ac:spMk id="6" creationId="{4364C879-1404-4203-8E9D-CC5DE0A621A2}"/>
+          </ac:spMkLst>
+        </pc:spChg>
+        <pc:spChg chg="add">
+          <ac:chgData name="Erik Björkbäck" userId="22d25936-2a37-4c94-9986-306a0ffe603f" providerId="ADAL" clId="{91BC7BF3-D452-41BB-B5DC-7506A7EC4B34}" dt="2021-05-24T15:03:28.692" v="1179" actId="26606"/>
+          <ac:spMkLst>
+            <pc:docMk/>
+            <pc:sldMk cId="2475483495" sldId="256"/>
+            <ac:spMk id="7" creationId="{84617302-4B0D-4351-A6BB-6F0930D943AC}"/>
+          </ac:spMkLst>
+        </pc:spChg>
+        <pc:spChg chg="add del">
+          <ac:chgData name="Erik Björkbäck" userId="22d25936-2a37-4c94-9986-306a0ffe603f" providerId="ADAL" clId="{91BC7BF3-D452-41BB-B5DC-7506A7EC4B34}" dt="2021-05-24T14:55:42.099" v="1106"/>
+          <ac:spMkLst>
+            <pc:docMk/>
+            <pc:sldMk cId="2475483495" sldId="256"/>
+            <ac:spMk id="8" creationId="{88294908-8B00-4F58-BBBA-20F71A40AA9E}"/>
+          </ac:spMkLst>
+        </pc:spChg>
+        <pc:spChg chg="add">
+          <ac:chgData name="Erik Björkbäck" userId="22d25936-2a37-4c94-9986-306a0ffe603f" providerId="ADAL" clId="{91BC7BF3-D452-41BB-B5DC-7506A7EC4B34}" dt="2021-05-24T15:03:28.692" v="1179" actId="26606"/>
+          <ac:spMkLst>
+            <pc:docMk/>
+            <pc:sldMk cId="2475483495" sldId="256"/>
+            <ac:spMk id="9" creationId="{DA2C7802-C2E0-4218-8F89-8DD7CCD2CD1C}"/>
+          </ac:spMkLst>
+        </pc:spChg>
+        <pc:spChg chg="add del">
+          <ac:chgData name="Erik Björkbäck" userId="22d25936-2a37-4c94-9986-306a0ffe603f" providerId="ADAL" clId="{91BC7BF3-D452-41BB-B5DC-7506A7EC4B34}" dt="2021-05-24T14:55:42.099" v="1106"/>
+          <ac:spMkLst>
+            <pc:docMk/>
+            <pc:sldMk cId="2475483495" sldId="256"/>
+            <ac:spMk id="10" creationId="{4364C879-1404-4203-8E9D-CC5DE0A621A2}"/>
+          </ac:spMkLst>
+        </pc:spChg>
+        <pc:spChg chg="add">
+          <ac:chgData name="Erik Björkbäck" userId="22d25936-2a37-4c94-9986-306a0ffe603f" providerId="ADAL" clId="{91BC7BF3-D452-41BB-B5DC-7506A7EC4B34}" dt="2021-05-24T15:03:28.692" v="1179" actId="26606"/>
+          <ac:spMkLst>
+            <pc:docMk/>
+            <pc:sldMk cId="2475483495" sldId="256"/>
+            <ac:spMk id="11" creationId="{A6D7111A-21E5-4EE9-8A78-10E5530F0116}"/>
+          </ac:spMkLst>
+        </pc:spChg>
+        <pc:spChg chg="add del">
+          <ac:chgData name="Erik Björkbäck" userId="22d25936-2a37-4c94-9986-306a0ffe603f" providerId="ADAL" clId="{91BC7BF3-D452-41BB-B5DC-7506A7EC4B34}" dt="2021-05-24T14:55:42.099" v="1106"/>
+          <ac:spMkLst>
+            <pc:docMk/>
+            <pc:sldMk cId="2475483495" sldId="256"/>
+            <ac:spMk id="12" creationId="{84617302-4B0D-4351-A6BB-6F0930D943AC}"/>
+          </ac:spMkLst>
+        </pc:spChg>
+        <pc:spChg chg="add">
+          <ac:chgData name="Erik Björkbäck" userId="22d25936-2a37-4c94-9986-306a0ffe603f" providerId="ADAL" clId="{91BC7BF3-D452-41BB-B5DC-7506A7EC4B34}" dt="2021-05-24T15:03:28.692" v="1179" actId="26606"/>
+          <ac:spMkLst>
+            <pc:docMk/>
+            <pc:sldMk cId="2475483495" sldId="256"/>
+            <ac:spMk id="13" creationId="{A3969E80-A77B-49FC-9122-D89AFD5EE118}"/>
+          </ac:spMkLst>
+        </pc:spChg>
+        <pc:spChg chg="add del">
+          <ac:chgData name="Erik Björkbäck" userId="22d25936-2a37-4c94-9986-306a0ffe603f" providerId="ADAL" clId="{91BC7BF3-D452-41BB-B5DC-7506A7EC4B34}" dt="2021-05-24T14:55:42.099" v="1106"/>
+          <ac:spMkLst>
+            <pc:docMk/>
+            <pc:sldMk cId="2475483495" sldId="256"/>
+            <ac:spMk id="14" creationId="{DA2C7802-C2E0-4218-8F89-8DD7CCD2CD1C}"/>
+          </ac:spMkLst>
+        </pc:spChg>
+        <pc:spChg chg="add">
+          <ac:chgData name="Erik Björkbäck" userId="22d25936-2a37-4c94-9986-306a0ffe603f" providerId="ADAL" clId="{91BC7BF3-D452-41BB-B5DC-7506A7EC4B34}" dt="2021-05-24T15:03:28.692" v="1179" actId="26606"/>
+          <ac:spMkLst>
+            <pc:docMk/>
+            <pc:sldMk cId="2475483495" sldId="256"/>
+            <ac:spMk id="15" creationId="{1849CA57-76BD-4CF2-80BA-D7A46A01B7B1}"/>
+          </ac:spMkLst>
+        </pc:spChg>
+        <pc:spChg chg="add del">
+          <ac:chgData name="Erik Björkbäck" userId="22d25936-2a37-4c94-9986-306a0ffe603f" providerId="ADAL" clId="{91BC7BF3-D452-41BB-B5DC-7506A7EC4B34}" dt="2021-05-24T14:55:42.099" v="1106"/>
+          <ac:spMkLst>
+            <pc:docMk/>
+            <pc:sldMk cId="2475483495" sldId="256"/>
+            <ac:spMk id="16" creationId="{A6D7111A-21E5-4EE9-8A78-10E5530F0116}"/>
+          </ac:spMkLst>
+        </pc:spChg>
+        <pc:spChg chg="add">
+          <ac:chgData name="Erik Björkbäck" userId="22d25936-2a37-4c94-9986-306a0ffe603f" providerId="ADAL" clId="{91BC7BF3-D452-41BB-B5DC-7506A7EC4B34}" dt="2021-05-24T15:03:28.692" v="1179" actId="26606"/>
+          <ac:spMkLst>
+            <pc:docMk/>
+            <pc:sldMk cId="2475483495" sldId="256"/>
+            <ac:spMk id="17" creationId="{35E9085E-E730-4768-83D4-6CB7E9897153}"/>
+          </ac:spMkLst>
+        </pc:spChg>
+        <pc:spChg chg="add del">
+          <ac:chgData name="Erik Björkbäck" userId="22d25936-2a37-4c94-9986-306a0ffe603f" providerId="ADAL" clId="{91BC7BF3-D452-41BB-B5DC-7506A7EC4B34}" dt="2021-05-24T14:55:42.099" v="1106"/>
+          <ac:spMkLst>
+            <pc:docMk/>
+            <pc:sldMk cId="2475483495" sldId="256"/>
+            <ac:spMk id="18" creationId="{A3969E80-A77B-49FC-9122-D89AFD5EE118}"/>
+          </ac:spMkLst>
+        </pc:spChg>
+        <pc:spChg chg="add">
+          <ac:chgData name="Erik Björkbäck" userId="22d25936-2a37-4c94-9986-306a0ffe603f" providerId="ADAL" clId="{91BC7BF3-D452-41BB-B5DC-7506A7EC4B34}" dt="2021-05-24T15:03:28.692" v="1179" actId="26606"/>
+          <ac:spMkLst>
+            <pc:docMk/>
+            <pc:sldMk cId="2475483495" sldId="256"/>
+            <ac:spMk id="19" creationId="{973272FE-A474-4CAE-8CA2-BCC8B476C3F4}"/>
+          </ac:spMkLst>
+        </pc:spChg>
+        <pc:spChg chg="add del">
+          <ac:chgData name="Erik Björkbäck" userId="22d25936-2a37-4c94-9986-306a0ffe603f" providerId="ADAL" clId="{91BC7BF3-D452-41BB-B5DC-7506A7EC4B34}" dt="2021-05-24T14:55:42.099" v="1106"/>
+          <ac:spMkLst>
+            <pc:docMk/>
+            <pc:sldMk cId="2475483495" sldId="256"/>
+            <ac:spMk id="20" creationId="{1849CA57-76BD-4CF2-80BA-D7A46A01B7B1}"/>
+          </ac:spMkLst>
+        </pc:spChg>
+        <pc:spChg chg="add">
+          <ac:chgData name="Erik Björkbäck" userId="22d25936-2a37-4c94-9986-306a0ffe603f" providerId="ADAL" clId="{91BC7BF3-D452-41BB-B5DC-7506A7EC4B34}" dt="2021-05-24T15:03:28.692" v="1179" actId="26606"/>
+          <ac:spMkLst>
+            <pc:docMk/>
+            <pc:sldMk cId="2475483495" sldId="256"/>
+            <ac:spMk id="21" creationId="{E07981EA-05A6-437C-88D7-B377B92B031D}"/>
+          </ac:spMkLst>
+        </pc:spChg>
+        <pc:spChg chg="add del">
+          <ac:chgData name="Erik Björkbäck" userId="22d25936-2a37-4c94-9986-306a0ffe603f" providerId="ADAL" clId="{91BC7BF3-D452-41BB-B5DC-7506A7EC4B34}" dt="2021-05-24T14:55:42.099" v="1106"/>
+          <ac:spMkLst>
+            <pc:docMk/>
+            <pc:sldMk cId="2475483495" sldId="256"/>
+            <ac:spMk id="22" creationId="{35E9085E-E730-4768-83D4-6CB7E9897153}"/>
+          </ac:spMkLst>
+        </pc:spChg>
+        <pc:spChg chg="add">
+          <ac:chgData name="Erik Björkbäck" userId="22d25936-2a37-4c94-9986-306a0ffe603f" providerId="ADAL" clId="{91BC7BF3-D452-41BB-B5DC-7506A7EC4B34}" dt="2021-05-24T15:03:28.692" v="1179" actId="26606"/>
+          <ac:spMkLst>
+            <pc:docMk/>
+            <pc:sldMk cId="2475483495" sldId="256"/>
+            <ac:spMk id="23" creationId="{15E3C750-986E-4769-B1AE-49289FBEE757}"/>
+          </ac:spMkLst>
+        </pc:spChg>
+        <pc:spChg chg="add del">
+          <ac:chgData name="Erik Björkbäck" userId="22d25936-2a37-4c94-9986-306a0ffe603f" providerId="ADAL" clId="{91BC7BF3-D452-41BB-B5DC-7506A7EC4B34}" dt="2021-05-24T14:55:42.099" v="1106"/>
+          <ac:spMkLst>
+            <pc:docMk/>
+            <pc:sldMk cId="2475483495" sldId="256"/>
+            <ac:spMk id="24" creationId="{973272FE-A474-4CAE-8CA2-BCC8B476C3F4}"/>
+          </ac:spMkLst>
+        </pc:spChg>
+        <pc:spChg chg="add del">
+          <ac:chgData name="Erik Björkbäck" userId="22d25936-2a37-4c94-9986-306a0ffe603f" providerId="ADAL" clId="{91BC7BF3-D452-41BB-B5DC-7506A7EC4B34}" dt="2021-05-24T14:55:42.099" v="1106"/>
+          <ac:spMkLst>
+            <pc:docMk/>
+            <pc:sldMk cId="2475483495" sldId="256"/>
+            <ac:spMk id="26" creationId="{E07981EA-05A6-437C-88D7-B377B92B031D}"/>
+          </ac:spMkLst>
+        </pc:spChg>
+        <pc:spChg chg="add del">
+          <ac:chgData name="Erik Björkbäck" userId="22d25936-2a37-4c94-9986-306a0ffe603f" providerId="ADAL" clId="{91BC7BF3-D452-41BB-B5DC-7506A7EC4B34}" dt="2021-05-24T14:55:42.099" v="1106"/>
+          <ac:spMkLst>
+            <pc:docMk/>
+            <pc:sldMk cId="2475483495" sldId="256"/>
+            <ac:spMk id="28" creationId="{15E3C750-986E-4769-B1AE-49289FBEE757}"/>
+          </ac:spMkLst>
+        </pc:spChg>
+      </pc:sldChg>
+      <pc:sldChg chg="addSp modSp mod setBg">
+        <pc:chgData name="Erik Björkbäck" userId="22d25936-2a37-4c94-9986-306a0ffe603f" providerId="ADAL" clId="{91BC7BF3-D452-41BB-B5DC-7506A7EC4B34}" dt="2021-05-24T15:03:39.153" v="1180" actId="26606"/>
+        <pc:sldMkLst>
+          <pc:docMk/>
+          <pc:sldMk cId="3589907290" sldId="257"/>
+        </pc:sldMkLst>
+        <pc:spChg chg="mod">
+          <ac:chgData name="Erik Björkbäck" userId="22d25936-2a37-4c94-9986-306a0ffe603f" providerId="ADAL" clId="{91BC7BF3-D452-41BB-B5DC-7506A7EC4B34}" dt="2021-05-24T15:03:39.153" v="1180" actId="26606"/>
+          <ac:spMkLst>
+            <pc:docMk/>
+            <pc:sldMk cId="3589907290" sldId="257"/>
+            <ac:spMk id="2" creationId="{36B2C353-011D-4B99-98FC-5C2176DBF0E6}"/>
+          </ac:spMkLst>
+        </pc:spChg>
+        <pc:spChg chg="mod">
+          <ac:chgData name="Erik Björkbäck" userId="22d25936-2a37-4c94-9986-306a0ffe603f" providerId="ADAL" clId="{91BC7BF3-D452-41BB-B5DC-7506A7EC4B34}" dt="2021-05-24T15:03:39.153" v="1180" actId="26606"/>
+          <ac:spMkLst>
+            <pc:docMk/>
+            <pc:sldMk cId="3589907290" sldId="257"/>
+            <ac:spMk id="3" creationId="{0E7794C3-713A-4E47-9088-D8BCE008C42C}"/>
+          </ac:spMkLst>
+        </pc:spChg>
+        <pc:spChg chg="add">
+          <ac:chgData name="Erik Björkbäck" userId="22d25936-2a37-4c94-9986-306a0ffe603f" providerId="ADAL" clId="{91BC7BF3-D452-41BB-B5DC-7506A7EC4B34}" dt="2021-05-24T15:03:39.153" v="1180" actId="26606"/>
+          <ac:spMkLst>
+            <pc:docMk/>
+            <pc:sldMk cId="3589907290" sldId="257"/>
+            <ac:spMk id="8" creationId="{46D6306C-ED4F-4AAE-B4A5-EEA6AFAD726E}"/>
+          </ac:spMkLst>
+        </pc:spChg>
+        <pc:spChg chg="add">
+          <ac:chgData name="Erik Björkbäck" userId="22d25936-2a37-4c94-9986-306a0ffe603f" providerId="ADAL" clId="{91BC7BF3-D452-41BB-B5DC-7506A7EC4B34}" dt="2021-05-24T15:03:39.153" v="1180" actId="26606"/>
+          <ac:spMkLst>
+            <pc:docMk/>
+            <pc:sldMk cId="3589907290" sldId="257"/>
+            <ac:spMk id="10" creationId="{0EC5361D-F897-4856-B945-0455A365EB24}"/>
+          </ac:spMkLst>
+        </pc:spChg>
+        <pc:spChg chg="add">
+          <ac:chgData name="Erik Björkbäck" userId="22d25936-2a37-4c94-9986-306a0ffe603f" providerId="ADAL" clId="{91BC7BF3-D452-41BB-B5DC-7506A7EC4B34}" dt="2021-05-24T15:03:39.153" v="1180" actId="26606"/>
+          <ac:spMkLst>
+            <pc:docMk/>
+            <pc:sldMk cId="3589907290" sldId="257"/>
+            <ac:spMk id="12" creationId="{4508C0C5-2268-42B5-B3C8-4D0899E05F8C}"/>
+          </ac:spMkLst>
+        </pc:spChg>
+        <pc:spChg chg="add">
+          <ac:chgData name="Erik Björkbäck" userId="22d25936-2a37-4c94-9986-306a0ffe603f" providerId="ADAL" clId="{91BC7BF3-D452-41BB-B5DC-7506A7EC4B34}" dt="2021-05-24T15:03:39.153" v="1180" actId="26606"/>
+          <ac:spMkLst>
+            <pc:docMk/>
+            <pc:sldMk cId="3589907290" sldId="257"/>
+            <ac:spMk id="14" creationId="{141ACBDB-38F8-4B34-8183-BD95B4E55A62}"/>
+          </ac:spMkLst>
+        </pc:spChg>
+        <pc:spChg chg="add">
+          <ac:chgData name="Erik Björkbäck" userId="22d25936-2a37-4c94-9986-306a0ffe603f" providerId="ADAL" clId="{91BC7BF3-D452-41BB-B5DC-7506A7EC4B34}" dt="2021-05-24T15:03:39.153" v="1180" actId="26606"/>
+          <ac:spMkLst>
+            <pc:docMk/>
+            <pc:sldMk cId="3589907290" sldId="257"/>
+            <ac:spMk id="16" creationId="{DE00DB52-3455-4E2F-867B-A6D0516E175B}"/>
+          </ac:spMkLst>
+        </pc:spChg>
+        <pc:spChg chg="add">
+          <ac:chgData name="Erik Björkbäck" userId="22d25936-2a37-4c94-9986-306a0ffe603f" providerId="ADAL" clId="{91BC7BF3-D452-41BB-B5DC-7506A7EC4B34}" dt="2021-05-24T15:03:39.153" v="1180" actId="26606"/>
+          <ac:spMkLst>
+            <pc:docMk/>
+            <pc:sldMk cId="3589907290" sldId="257"/>
+            <ac:spMk id="18" creationId="{9E914C83-E0D8-4953-92D5-169D28CB43AE}"/>
+          </ac:spMkLst>
+        </pc:spChg>
+        <pc:spChg chg="add">
+          <ac:chgData name="Erik Björkbäck" userId="22d25936-2a37-4c94-9986-306a0ffe603f" providerId="ADAL" clId="{91BC7BF3-D452-41BB-B5DC-7506A7EC4B34}" dt="2021-05-24T15:03:39.153" v="1180" actId="26606"/>
+          <ac:spMkLst>
+            <pc:docMk/>
+            <pc:sldMk cId="3589907290" sldId="257"/>
+            <ac:spMk id="20" creationId="{3512E083-F550-46AF-8490-767ECFD00CB7}"/>
+          </ac:spMkLst>
+        </pc:spChg>
+      </pc:sldChg>
+      <pc:sldChg chg="addSp modSp mod setBg">
+        <pc:chgData name="Erik Björkbäck" userId="22d25936-2a37-4c94-9986-306a0ffe603f" providerId="ADAL" clId="{91BC7BF3-D452-41BB-B5DC-7506A7EC4B34}" dt="2021-05-24T15:03:43.158" v="1181" actId="26606"/>
+        <pc:sldMkLst>
+          <pc:docMk/>
+          <pc:sldMk cId="3696238663" sldId="258"/>
+        </pc:sldMkLst>
+        <pc:spChg chg="mod">
+          <ac:chgData name="Erik Björkbäck" userId="22d25936-2a37-4c94-9986-306a0ffe603f" providerId="ADAL" clId="{91BC7BF3-D452-41BB-B5DC-7506A7EC4B34}" dt="2021-05-24T15:03:43.158" v="1181" actId="26606"/>
+          <ac:spMkLst>
+            <pc:docMk/>
+            <pc:sldMk cId="3696238663" sldId="258"/>
+            <ac:spMk id="2" creationId="{A47AC745-5E49-470A-8D60-F0D7F7F0F7D8}"/>
+          </ac:spMkLst>
+        </pc:spChg>
+        <pc:spChg chg="mod">
+          <ac:chgData name="Erik Björkbäck" userId="22d25936-2a37-4c94-9986-306a0ffe603f" providerId="ADAL" clId="{91BC7BF3-D452-41BB-B5DC-7506A7EC4B34}" dt="2021-05-24T15:03:43.158" v="1181" actId="26606"/>
+          <ac:spMkLst>
+            <pc:docMk/>
+            <pc:sldMk cId="3696238663" sldId="258"/>
+            <ac:spMk id="3" creationId="{EFD26ABD-6C5E-47F9-AD74-23EE32CA000E}"/>
+          </ac:spMkLst>
+        </pc:spChg>
+        <pc:spChg chg="add">
+          <ac:chgData name="Erik Björkbäck" userId="22d25936-2a37-4c94-9986-306a0ffe603f" providerId="ADAL" clId="{91BC7BF3-D452-41BB-B5DC-7506A7EC4B34}" dt="2021-05-24T15:03:43.158" v="1181" actId="26606"/>
+          <ac:spMkLst>
+            <pc:docMk/>
+            <pc:sldMk cId="3696238663" sldId="258"/>
+            <ac:spMk id="8" creationId="{46D6306C-ED4F-4AAE-B4A5-EEA6AFAD726E}"/>
+          </ac:spMkLst>
+        </pc:spChg>
+        <pc:spChg chg="add">
+          <ac:chgData name="Erik Björkbäck" userId="22d25936-2a37-4c94-9986-306a0ffe603f" providerId="ADAL" clId="{91BC7BF3-D452-41BB-B5DC-7506A7EC4B34}" dt="2021-05-24T15:03:43.158" v="1181" actId="26606"/>
+          <ac:spMkLst>
+            <pc:docMk/>
+            <pc:sldMk cId="3696238663" sldId="258"/>
+            <ac:spMk id="10" creationId="{0EC5361D-F897-4856-B945-0455A365EB24}"/>
+          </ac:spMkLst>
+        </pc:spChg>
+        <pc:spChg chg="add">
+          <ac:chgData name="Erik Björkbäck" userId="22d25936-2a37-4c94-9986-306a0ffe603f" providerId="ADAL" clId="{91BC7BF3-D452-41BB-B5DC-7506A7EC4B34}" dt="2021-05-24T15:03:43.158" v="1181" actId="26606"/>
+          <ac:spMkLst>
+            <pc:docMk/>
+            <pc:sldMk cId="3696238663" sldId="258"/>
+            <ac:spMk id="12" creationId="{4508C0C5-2268-42B5-B3C8-4D0899E05F8C}"/>
+          </ac:spMkLst>
+        </pc:spChg>
+        <pc:spChg chg="add">
+          <ac:chgData name="Erik Björkbäck" userId="22d25936-2a37-4c94-9986-306a0ffe603f" providerId="ADAL" clId="{91BC7BF3-D452-41BB-B5DC-7506A7EC4B34}" dt="2021-05-24T15:03:43.158" v="1181" actId="26606"/>
+          <ac:spMkLst>
+            <pc:docMk/>
+            <pc:sldMk cId="3696238663" sldId="258"/>
+            <ac:spMk id="14" creationId="{141ACBDB-38F8-4B34-8183-BD95B4E55A62}"/>
+          </ac:spMkLst>
+        </pc:spChg>
+        <pc:spChg chg="add">
+          <ac:chgData name="Erik Björkbäck" userId="22d25936-2a37-4c94-9986-306a0ffe603f" providerId="ADAL" clId="{91BC7BF3-D452-41BB-B5DC-7506A7EC4B34}" dt="2021-05-24T15:03:43.158" v="1181" actId="26606"/>
+          <ac:spMkLst>
+            <pc:docMk/>
+            <pc:sldMk cId="3696238663" sldId="258"/>
+            <ac:spMk id="16" creationId="{DE00DB52-3455-4E2F-867B-A6D0516E175B}"/>
+          </ac:spMkLst>
+        </pc:spChg>
+        <pc:spChg chg="add">
+          <ac:chgData name="Erik Björkbäck" userId="22d25936-2a37-4c94-9986-306a0ffe603f" providerId="ADAL" clId="{91BC7BF3-D452-41BB-B5DC-7506A7EC4B34}" dt="2021-05-24T15:03:43.158" v="1181" actId="26606"/>
+          <ac:spMkLst>
+            <pc:docMk/>
+            <pc:sldMk cId="3696238663" sldId="258"/>
+            <ac:spMk id="18" creationId="{9E914C83-E0D8-4953-92D5-169D28CB43AE}"/>
+          </ac:spMkLst>
+        </pc:spChg>
+        <pc:spChg chg="add">
+          <ac:chgData name="Erik Björkbäck" userId="22d25936-2a37-4c94-9986-306a0ffe603f" providerId="ADAL" clId="{91BC7BF3-D452-41BB-B5DC-7506A7EC4B34}" dt="2021-05-24T15:03:43.158" v="1181" actId="26606"/>
+          <ac:spMkLst>
+            <pc:docMk/>
+            <pc:sldMk cId="3696238663" sldId="258"/>
+            <ac:spMk id="20" creationId="{3512E083-F550-46AF-8490-767ECFD00CB7}"/>
+          </ac:spMkLst>
+        </pc:spChg>
+      </pc:sldChg>
+      <pc:sldChg chg="addSp delSp modSp new mod setBg delDesignElem">
+        <pc:chgData name="Erik Björkbäck" userId="22d25936-2a37-4c94-9986-306a0ffe603f" providerId="ADAL" clId="{91BC7BF3-D452-41BB-B5DC-7506A7EC4B34}" dt="2021-05-24T14:57:50.934" v="1125" actId="20577"/>
+        <pc:sldMkLst>
+          <pc:docMk/>
+          <pc:sldMk cId="3765504647" sldId="259"/>
+        </pc:sldMkLst>
+        <pc:spChg chg="mod ord">
+          <ac:chgData name="Erik Björkbäck" userId="22d25936-2a37-4c94-9986-306a0ffe603f" providerId="ADAL" clId="{91BC7BF3-D452-41BB-B5DC-7506A7EC4B34}" dt="2021-05-24T14:57:50.934" v="1125" actId="20577"/>
+          <ac:spMkLst>
+            <pc:docMk/>
+            <pc:sldMk cId="3765504647" sldId="259"/>
+            <ac:spMk id="2" creationId="{BC91CF93-C1EB-47C8-AF8A-60F9A4CB38AB}"/>
+          </ac:spMkLst>
+        </pc:spChg>
+        <pc:spChg chg="del">
+          <ac:chgData name="Erik Björkbäck" userId="22d25936-2a37-4c94-9986-306a0ffe603f" providerId="ADAL" clId="{91BC7BF3-D452-41BB-B5DC-7506A7EC4B34}" dt="2021-05-24T14:27:52.242" v="3"/>
+          <ac:spMkLst>
+            <pc:docMk/>
+            <pc:sldMk cId="3765504647" sldId="259"/>
+            <ac:spMk id="3" creationId="{72D1B663-BE95-4BBF-B472-E9F42F461E49}"/>
+          </ac:spMkLst>
+        </pc:spChg>
+        <pc:spChg chg="add del">
+          <ac:chgData name="Erik Björkbäck" userId="22d25936-2a37-4c94-9986-306a0ffe603f" providerId="ADAL" clId="{91BC7BF3-D452-41BB-B5DC-7506A7EC4B34}" dt="2021-05-24T14:53:30.780" v="1079" actId="26606"/>
+          <ac:spMkLst>
+            <pc:docMk/>
+            <pc:sldMk cId="3765504647" sldId="259"/>
+            <ac:spMk id="8" creationId="{3D4FF1D3-0545-4D12-BE4E-FA8DE0B8F1B5}"/>
+          </ac:spMkLst>
+        </pc:spChg>
+        <pc:spChg chg="add del">
+          <ac:chgData name="Erik Björkbäck" userId="22d25936-2a37-4c94-9986-306a0ffe603f" providerId="ADAL" clId="{91BC7BF3-D452-41BB-B5DC-7506A7EC4B34}" dt="2021-05-24T14:54:08.600" v="1090" actId="26606"/>
+          <ac:spMkLst>
+            <pc:docMk/>
+            <pc:sldMk cId="3765504647" sldId="259"/>
+            <ac:spMk id="9" creationId="{D4771268-CB57-404A-9271-370EB28F6090}"/>
+          </ac:spMkLst>
+        </pc:spChg>
+        <pc:spChg chg="add del">
+          <ac:chgData name="Erik Björkbäck" userId="22d25936-2a37-4c94-9986-306a0ffe603f" providerId="ADAL" clId="{91BC7BF3-D452-41BB-B5DC-7506A7EC4B34}" dt="2021-05-24T14:53:30.780" v="1079" actId="26606"/>
+          <ac:spMkLst>
+            <pc:docMk/>
+            <pc:sldMk cId="3765504647" sldId="259"/>
+            <ac:spMk id="11" creationId="{2B566528-1B12-4246-9431-5C2D7D081168}"/>
+          </ac:spMkLst>
+        </pc:spChg>
+        <pc:spChg chg="add del">
+          <ac:chgData name="Erik Björkbäck" userId="22d25936-2a37-4c94-9986-306a0ffe603f" providerId="ADAL" clId="{91BC7BF3-D452-41BB-B5DC-7506A7EC4B34}" dt="2021-05-24T14:54:27.537" v="1092" actId="26606"/>
+          <ac:spMkLst>
+            <pc:docMk/>
+            <pc:sldMk cId="3765504647" sldId="259"/>
+            <ac:spMk id="14" creationId="{37C89E4B-3C9F-44B9-8B86-D9E3D112D8EC}"/>
+          </ac:spMkLst>
+        </pc:spChg>
+        <pc:spChg chg="add del">
+          <ac:chgData name="Erik Björkbäck" userId="22d25936-2a37-4c94-9986-306a0ffe603f" providerId="ADAL" clId="{91BC7BF3-D452-41BB-B5DC-7506A7EC4B34}" dt="2021-05-24T14:55:42.099" v="1106"/>
+          <ac:spMkLst>
+            <pc:docMk/>
+            <pc:sldMk cId="3765504647" sldId="259"/>
+            <ac:spMk id="23" creationId="{A4AC5506-6312-4701-8D3C-40187889A947}"/>
+          </ac:spMkLst>
+        </pc:spChg>
+        <pc:grpChg chg="add del">
+          <ac:chgData name="Erik Björkbäck" userId="22d25936-2a37-4c94-9986-306a0ffe603f" providerId="ADAL" clId="{91BC7BF3-D452-41BB-B5DC-7506A7EC4B34}" dt="2021-05-24T14:53:30.780" v="1079" actId="26606"/>
+          <ac:grpSpMkLst>
+            <pc:docMk/>
+            <pc:sldMk cId="3765504647" sldId="259"/>
+            <ac:grpSpMk id="13" creationId="{287F69AB-2350-44E3-9076-00265B93F313}"/>
+          </ac:grpSpMkLst>
+        </pc:grpChg>
+        <pc:grpChg chg="add del">
+          <ac:chgData name="Erik Björkbäck" userId="22d25936-2a37-4c94-9986-306a0ffe603f" providerId="ADAL" clId="{91BC7BF3-D452-41BB-B5DC-7506A7EC4B34}" dt="2021-05-24T14:53:30.780" v="1079" actId="26606"/>
+          <ac:grpSpMkLst>
+            <pc:docMk/>
+            <pc:sldMk cId="3765504647" sldId="259"/>
+            <ac:grpSpMk id="17" creationId="{3EA7D759-6BEF-4CBD-A325-BCFA77832B3F}"/>
+          </ac:grpSpMkLst>
+        </pc:grpChg>
+        <pc:picChg chg="add mod ord">
+          <ac:chgData name="Erik Björkbäck" userId="22d25936-2a37-4c94-9986-306a0ffe603f" providerId="ADAL" clId="{91BC7BF3-D452-41BB-B5DC-7506A7EC4B34}" dt="2021-05-24T14:54:27.537" v="1092" actId="26606"/>
+          <ac:picMkLst>
+            <pc:docMk/>
+            <pc:sldMk cId="3765504647" sldId="259"/>
+            <ac:picMk id="4" creationId="{9D800DF4-9806-4279-9C70-2AAE0D55A7A1}"/>
+          </ac:picMkLst>
+        </pc:picChg>
+        <pc:cxnChg chg="add del">
+          <ac:chgData name="Erik Björkbäck" userId="22d25936-2a37-4c94-9986-306a0ffe603f" providerId="ADAL" clId="{91BC7BF3-D452-41BB-B5DC-7506A7EC4B34}" dt="2021-05-24T14:54:27.537" v="1092" actId="26606"/>
+          <ac:cxnSpMkLst>
+            <pc:docMk/>
+            <pc:sldMk cId="3765504647" sldId="259"/>
+            <ac:cxnSpMk id="16" creationId="{AA2EAA10-076F-46BD-8F0F-B9A2FB77A85C}"/>
+          </ac:cxnSpMkLst>
+        </pc:cxnChg>
+        <pc:cxnChg chg="add del">
+          <ac:chgData name="Erik Björkbäck" userId="22d25936-2a37-4c94-9986-306a0ffe603f" providerId="ADAL" clId="{91BC7BF3-D452-41BB-B5DC-7506A7EC4B34}" dt="2021-05-24T14:54:27.537" v="1092" actId="26606"/>
+          <ac:cxnSpMkLst>
+            <pc:docMk/>
+            <pc:sldMk cId="3765504647" sldId="259"/>
+            <ac:cxnSpMk id="18" creationId="{D891E407-403B-4764-86C9-33A56D3BCAA3}"/>
+          </ac:cxnSpMkLst>
+        </pc:cxnChg>
+      </pc:sldChg>
+      <pc:sldChg chg="addSp delSp modSp new mod setBg delDesignElem">
+        <pc:chgData name="Erik Björkbäck" userId="22d25936-2a37-4c94-9986-306a0ffe603f" providerId="ADAL" clId="{91BC7BF3-D452-41BB-B5DC-7506A7EC4B34}" dt="2021-05-24T14:58:28.126" v="1128"/>
+        <pc:sldMkLst>
+          <pc:docMk/>
+          <pc:sldMk cId="1008047324" sldId="260"/>
+        </pc:sldMkLst>
+        <pc:spChg chg="del">
+          <ac:chgData name="Erik Björkbäck" userId="22d25936-2a37-4c94-9986-306a0ffe603f" providerId="ADAL" clId="{91BC7BF3-D452-41BB-B5DC-7506A7EC4B34}" dt="2021-05-24T14:53:36.245" v="1081" actId="26606"/>
+          <ac:spMkLst>
+            <pc:docMk/>
+            <pc:sldMk cId="1008047324" sldId="260"/>
+            <ac:spMk id="2" creationId="{45CCB27B-980D-4987-B201-6E713BE90031}"/>
+          </ac:spMkLst>
+        </pc:spChg>
+        <pc:spChg chg="del">
+          <ac:chgData name="Erik Björkbäck" userId="22d25936-2a37-4c94-9986-306a0ffe603f" providerId="ADAL" clId="{91BC7BF3-D452-41BB-B5DC-7506A7EC4B34}" dt="2021-05-24T14:28:24.811" v="20"/>
+          <ac:spMkLst>
+            <pc:docMk/>
+            <pc:sldMk cId="1008047324" sldId="260"/>
+            <ac:spMk id="3" creationId="{3E7136AD-CFD5-4B08-AF43-5F957D7ACAA8}"/>
+          </ac:spMkLst>
+        </pc:spChg>
+        <pc:spChg chg="add del mod">
+          <ac:chgData name="Erik Björkbäck" userId="22d25936-2a37-4c94-9986-306a0ffe603f" providerId="ADAL" clId="{91BC7BF3-D452-41BB-B5DC-7506A7EC4B34}" dt="2021-05-24T14:58:28.126" v="1128"/>
+          <ac:spMkLst>
+            <pc:docMk/>
+            <pc:sldMk cId="1008047324" sldId="260"/>
+            <ac:spMk id="6" creationId="{E0FA3A30-8B3A-48CF-91CE-31F3448D8135}"/>
+          </ac:spMkLst>
+        </pc:spChg>
+        <pc:spChg chg="add del">
+          <ac:chgData name="Erik Björkbäck" userId="22d25936-2a37-4c94-9986-306a0ffe603f" providerId="ADAL" clId="{91BC7BF3-D452-41BB-B5DC-7506A7EC4B34}" dt="2021-05-24T14:54:05.109" v="1089" actId="26606"/>
+          <ac:spMkLst>
+            <pc:docMk/>
+            <pc:sldMk cId="1008047324" sldId="260"/>
+            <ac:spMk id="9" creationId="{F3060C83-F051-4F0E-ABAD-AA0DFC48B218}"/>
+          </ac:spMkLst>
+        </pc:spChg>
+        <pc:spChg chg="add del">
+          <ac:chgData name="Erik Björkbäck" userId="22d25936-2a37-4c94-9986-306a0ffe603f" providerId="ADAL" clId="{91BC7BF3-D452-41BB-B5DC-7506A7EC4B34}" dt="2021-05-24T14:54:05.109" v="1089" actId="26606"/>
+          <ac:spMkLst>
+            <pc:docMk/>
+            <pc:sldMk cId="1008047324" sldId="260"/>
+            <ac:spMk id="11" creationId="{83C98ABE-055B-441F-B07E-44F97F083C39}"/>
+          </ac:spMkLst>
+        </pc:spChg>
+        <pc:spChg chg="add del">
+          <ac:chgData name="Erik Björkbäck" userId="22d25936-2a37-4c94-9986-306a0ffe603f" providerId="ADAL" clId="{91BC7BF3-D452-41BB-B5DC-7506A7EC4B34}" dt="2021-05-24T14:54:05.109" v="1089" actId="26606"/>
+          <ac:spMkLst>
+            <pc:docMk/>
+            <pc:sldMk cId="1008047324" sldId="260"/>
+            <ac:spMk id="13" creationId="{29FDB030-9B49-4CED-8CCD-4D99382388AC}"/>
+          </ac:spMkLst>
+        </pc:spChg>
+        <pc:spChg chg="add del">
+          <ac:chgData name="Erik Björkbäck" userId="22d25936-2a37-4c94-9986-306a0ffe603f" providerId="ADAL" clId="{91BC7BF3-D452-41BB-B5DC-7506A7EC4B34}" dt="2021-05-24T14:54:05.109" v="1089" actId="26606"/>
+          <ac:spMkLst>
+            <pc:docMk/>
+            <pc:sldMk cId="1008047324" sldId="260"/>
+            <ac:spMk id="15" creationId="{3783CA14-24A1-485C-8B30-D6A5D87987AD}"/>
+          </ac:spMkLst>
+        </pc:spChg>
+        <pc:spChg chg="add del">
+          <ac:chgData name="Erik Björkbäck" userId="22d25936-2a37-4c94-9986-306a0ffe603f" providerId="ADAL" clId="{91BC7BF3-D452-41BB-B5DC-7506A7EC4B34}" dt="2021-05-24T14:54:05.109" v="1089" actId="26606"/>
+          <ac:spMkLst>
+            <pc:docMk/>
+            <pc:sldMk cId="1008047324" sldId="260"/>
+            <ac:spMk id="17" creationId="{9A97C86A-04D6-40F7-AE84-31AB43E6A846}"/>
+          </ac:spMkLst>
+        </pc:spChg>
+        <pc:spChg chg="add del">
+          <ac:chgData name="Erik Björkbäck" userId="22d25936-2a37-4c94-9986-306a0ffe603f" providerId="ADAL" clId="{91BC7BF3-D452-41BB-B5DC-7506A7EC4B34}" dt="2021-05-24T14:54:05.109" v="1089" actId="26606"/>
+          <ac:spMkLst>
+            <pc:docMk/>
+            <pc:sldMk cId="1008047324" sldId="260"/>
+            <ac:spMk id="19" creationId="{FF9F2414-84E8-453E-B1F3-389FDE8192D9}"/>
+          </ac:spMkLst>
+        </pc:spChg>
+        <pc:spChg chg="add del">
+          <ac:chgData name="Erik Björkbäck" userId="22d25936-2a37-4c94-9986-306a0ffe603f" providerId="ADAL" clId="{91BC7BF3-D452-41BB-B5DC-7506A7EC4B34}" dt="2021-05-24T14:54:05.109" v="1089" actId="26606"/>
+          <ac:spMkLst>
+            <pc:docMk/>
+            <pc:sldMk cId="1008047324" sldId="260"/>
+            <ac:spMk id="21" creationId="{3ECA69A1-7536-43AC-85EF-C7106179F5ED}"/>
+          </ac:spMkLst>
+        </pc:spChg>
+        <pc:spChg chg="add del">
+          <ac:chgData name="Erik Björkbäck" userId="22d25936-2a37-4c94-9986-306a0ffe603f" providerId="ADAL" clId="{91BC7BF3-D452-41BB-B5DC-7506A7EC4B34}" dt="2021-05-24T14:55:42.099" v="1106"/>
+          <ac:spMkLst>
+            <pc:docMk/>
+            <pc:sldMk cId="1008047324" sldId="260"/>
+            <ac:spMk id="26" creationId="{37C89E4B-3C9F-44B9-8B86-D9E3D112D8EC}"/>
+          </ac:spMkLst>
+        </pc:spChg>
+        <pc:picChg chg="add del mod">
+          <ac:chgData name="Erik Björkbäck" userId="22d25936-2a37-4c94-9986-306a0ffe603f" providerId="ADAL" clId="{91BC7BF3-D452-41BB-B5DC-7506A7EC4B34}" dt="2021-05-24T14:58:00.199" v="1126" actId="478"/>
+          <ac:picMkLst>
+            <pc:docMk/>
+            <pc:sldMk cId="1008047324" sldId="260"/>
+            <ac:picMk id="4" creationId="{9FF36DCD-60CB-4217-BEF6-9136AE3E87B0}"/>
+          </ac:picMkLst>
+        </pc:picChg>
+        <pc:picChg chg="add mod">
+          <ac:chgData name="Erik Björkbäck" userId="22d25936-2a37-4c94-9986-306a0ffe603f" providerId="ADAL" clId="{91BC7BF3-D452-41BB-B5DC-7506A7EC4B34}" dt="2021-05-24T14:58:28.126" v="1128"/>
+          <ac:picMkLst>
+            <pc:docMk/>
+            <pc:sldMk cId="1008047324" sldId="260"/>
+            <ac:picMk id="7" creationId="{BCC05400-7A6F-4A5A-8C34-010E2BD61CE8}"/>
+          </ac:picMkLst>
+        </pc:picChg>
+        <pc:cxnChg chg="add del">
+          <ac:chgData name="Erik Björkbäck" userId="22d25936-2a37-4c94-9986-306a0ffe603f" providerId="ADAL" clId="{91BC7BF3-D452-41BB-B5DC-7506A7EC4B34}" dt="2021-05-24T14:55:42.099" v="1106"/>
+          <ac:cxnSpMkLst>
+            <pc:docMk/>
+            <pc:sldMk cId="1008047324" sldId="260"/>
+            <ac:cxnSpMk id="28" creationId="{AA2EAA10-076F-46BD-8F0F-B9A2FB77A85C}"/>
+          </ac:cxnSpMkLst>
+        </pc:cxnChg>
+        <pc:cxnChg chg="add del">
+          <ac:chgData name="Erik Björkbäck" userId="22d25936-2a37-4c94-9986-306a0ffe603f" providerId="ADAL" clId="{91BC7BF3-D452-41BB-B5DC-7506A7EC4B34}" dt="2021-05-24T14:55:42.099" v="1106"/>
+          <ac:cxnSpMkLst>
+            <pc:docMk/>
+            <pc:sldMk cId="1008047324" sldId="260"/>
+            <ac:cxnSpMk id="30" creationId="{D891E407-403B-4764-86C9-33A56D3BCAA3}"/>
+          </ac:cxnSpMkLst>
+        </pc:cxnChg>
+      </pc:sldChg>
+      <pc:sldChg chg="addSp delSp modSp new mod setBg delDesignElem">
+        <pc:chgData name="Erik Björkbäck" userId="22d25936-2a37-4c94-9986-306a0ffe603f" providerId="ADAL" clId="{91BC7BF3-D452-41BB-B5DC-7506A7EC4B34}" dt="2021-05-24T14:58:53.990" v="1129"/>
+        <pc:sldMkLst>
+          <pc:docMk/>
+          <pc:sldMk cId="31944701" sldId="261"/>
+        </pc:sldMkLst>
+        <pc:spChg chg="del">
+          <ac:chgData name="Erik Björkbäck" userId="22d25936-2a37-4c94-9986-306a0ffe603f" providerId="ADAL" clId="{91BC7BF3-D452-41BB-B5DC-7506A7EC4B34}" dt="2021-05-24T14:53:41.798" v="1082" actId="26606"/>
+          <ac:spMkLst>
+            <pc:docMk/>
+            <pc:sldMk cId="31944701" sldId="261"/>
+            <ac:spMk id="2" creationId="{B7B1C024-2F77-4915-96F3-427E50B771C6}"/>
+          </ac:spMkLst>
+        </pc:spChg>
+        <pc:spChg chg="del">
+          <ac:chgData name="Erik Björkbäck" userId="22d25936-2a37-4c94-9986-306a0ffe603f" providerId="ADAL" clId="{91BC7BF3-D452-41BB-B5DC-7506A7EC4B34}" dt="2021-05-24T14:28:47.342" v="21"/>
+          <ac:spMkLst>
+            <pc:docMk/>
+            <pc:sldMk cId="31944701" sldId="261"/>
+            <ac:spMk id="3" creationId="{DCBC0418-5BC0-4F9A-974C-BCA0AFC44C39}"/>
+          </ac:spMkLst>
+        </pc:spChg>
+        <pc:spChg chg="add del mod">
+          <ac:chgData name="Erik Björkbäck" userId="22d25936-2a37-4c94-9986-306a0ffe603f" providerId="ADAL" clId="{91BC7BF3-D452-41BB-B5DC-7506A7EC4B34}" dt="2021-05-24T14:58:53.990" v="1129"/>
+          <ac:spMkLst>
+            <pc:docMk/>
+            <pc:sldMk cId="31944701" sldId="261"/>
+            <ac:spMk id="6" creationId="{37B22767-E60E-4858-AF2C-DFBEB904C416}"/>
+          </ac:spMkLst>
+        </pc:spChg>
+        <pc:spChg chg="add del">
+          <ac:chgData name="Erik Björkbäck" userId="22d25936-2a37-4c94-9986-306a0ffe603f" providerId="ADAL" clId="{91BC7BF3-D452-41BB-B5DC-7506A7EC4B34}" dt="2021-05-24T14:53:59.785" v="1088" actId="26606"/>
+          <ac:spMkLst>
+            <pc:docMk/>
+            <pc:sldMk cId="31944701" sldId="261"/>
+            <ac:spMk id="9" creationId="{F3060C83-F051-4F0E-ABAD-AA0DFC48B218}"/>
+          </ac:spMkLst>
+        </pc:spChg>
+        <pc:spChg chg="add del">
+          <ac:chgData name="Erik Björkbäck" userId="22d25936-2a37-4c94-9986-306a0ffe603f" providerId="ADAL" clId="{91BC7BF3-D452-41BB-B5DC-7506A7EC4B34}" dt="2021-05-24T14:53:59.785" v="1088" actId="26606"/>
+          <ac:spMkLst>
+            <pc:docMk/>
+            <pc:sldMk cId="31944701" sldId="261"/>
+            <ac:spMk id="11" creationId="{83C98ABE-055B-441F-B07E-44F97F083C39}"/>
+          </ac:spMkLst>
+        </pc:spChg>
+        <pc:spChg chg="add del">
+          <ac:chgData name="Erik Björkbäck" userId="22d25936-2a37-4c94-9986-306a0ffe603f" providerId="ADAL" clId="{91BC7BF3-D452-41BB-B5DC-7506A7EC4B34}" dt="2021-05-24T14:53:59.785" v="1088" actId="26606"/>
+          <ac:spMkLst>
+            <pc:docMk/>
+            <pc:sldMk cId="31944701" sldId="261"/>
+            <ac:spMk id="13" creationId="{29FDB030-9B49-4CED-8CCD-4D99382388AC}"/>
+          </ac:spMkLst>
+        </pc:spChg>
+        <pc:spChg chg="add del">
+          <ac:chgData name="Erik Björkbäck" userId="22d25936-2a37-4c94-9986-306a0ffe603f" providerId="ADAL" clId="{91BC7BF3-D452-41BB-B5DC-7506A7EC4B34}" dt="2021-05-24T14:53:59.785" v="1088" actId="26606"/>
+          <ac:spMkLst>
+            <pc:docMk/>
+            <pc:sldMk cId="31944701" sldId="261"/>
+            <ac:spMk id="15" creationId="{3783CA14-24A1-485C-8B30-D6A5D87987AD}"/>
+          </ac:spMkLst>
+        </pc:spChg>
+        <pc:spChg chg="add del">
+          <ac:chgData name="Erik Björkbäck" userId="22d25936-2a37-4c94-9986-306a0ffe603f" providerId="ADAL" clId="{91BC7BF3-D452-41BB-B5DC-7506A7EC4B34}" dt="2021-05-24T14:53:59.785" v="1088" actId="26606"/>
+          <ac:spMkLst>
+            <pc:docMk/>
+            <pc:sldMk cId="31944701" sldId="261"/>
+            <ac:spMk id="17" creationId="{9A97C86A-04D6-40F7-AE84-31AB43E6A846}"/>
+          </ac:spMkLst>
+        </pc:spChg>
+        <pc:spChg chg="add del">
+          <ac:chgData name="Erik Björkbäck" userId="22d25936-2a37-4c94-9986-306a0ffe603f" providerId="ADAL" clId="{91BC7BF3-D452-41BB-B5DC-7506A7EC4B34}" dt="2021-05-24T14:53:59.785" v="1088" actId="26606"/>
+          <ac:spMkLst>
+            <pc:docMk/>
+            <pc:sldMk cId="31944701" sldId="261"/>
+            <ac:spMk id="19" creationId="{FF9F2414-84E8-453E-B1F3-389FDE8192D9}"/>
+          </ac:spMkLst>
+        </pc:spChg>
+        <pc:spChg chg="add del">
+          <ac:chgData name="Erik Björkbäck" userId="22d25936-2a37-4c94-9986-306a0ffe603f" providerId="ADAL" clId="{91BC7BF3-D452-41BB-B5DC-7506A7EC4B34}" dt="2021-05-24T14:53:59.785" v="1088" actId="26606"/>
+          <ac:spMkLst>
+            <pc:docMk/>
+            <pc:sldMk cId="31944701" sldId="261"/>
+            <ac:spMk id="21" creationId="{3ECA69A1-7536-43AC-85EF-C7106179F5ED}"/>
+          </ac:spMkLst>
+        </pc:spChg>
+        <pc:spChg chg="add del">
+          <ac:chgData name="Erik Björkbäck" userId="22d25936-2a37-4c94-9986-306a0ffe603f" providerId="ADAL" clId="{91BC7BF3-D452-41BB-B5DC-7506A7EC4B34}" dt="2021-05-24T14:55:42.099" v="1106"/>
+          <ac:spMkLst>
+            <pc:docMk/>
+            <pc:sldMk cId="31944701" sldId="261"/>
+            <ac:spMk id="26" creationId="{37C89E4B-3C9F-44B9-8B86-D9E3D112D8EC}"/>
+          </ac:spMkLst>
+        </pc:spChg>
+        <pc:picChg chg="add del mod">
+          <ac:chgData name="Erik Björkbäck" userId="22d25936-2a37-4c94-9986-306a0ffe603f" providerId="ADAL" clId="{91BC7BF3-D452-41BB-B5DC-7506A7EC4B34}" dt="2021-05-24T14:58:11.471" v="1127" actId="478"/>
+          <ac:picMkLst>
+            <pc:docMk/>
+            <pc:sldMk cId="31944701" sldId="261"/>
+            <ac:picMk id="4" creationId="{46CFD06C-DFFB-4EBB-B2F3-8B9B19ED5E2F}"/>
+          </ac:picMkLst>
+        </pc:picChg>
+        <pc:picChg chg="add mod">
+          <ac:chgData name="Erik Björkbäck" userId="22d25936-2a37-4c94-9986-306a0ffe603f" providerId="ADAL" clId="{91BC7BF3-D452-41BB-B5DC-7506A7EC4B34}" dt="2021-05-24T14:58:53.990" v="1129"/>
+          <ac:picMkLst>
+            <pc:docMk/>
+            <pc:sldMk cId="31944701" sldId="261"/>
+            <ac:picMk id="7" creationId="{7F848B22-2415-492E-9C07-9C3D7B4229D8}"/>
+          </ac:picMkLst>
+        </pc:picChg>
+        <pc:cxnChg chg="add del">
+          <ac:chgData name="Erik Björkbäck" userId="22d25936-2a37-4c94-9986-306a0ffe603f" providerId="ADAL" clId="{91BC7BF3-D452-41BB-B5DC-7506A7EC4B34}" dt="2021-05-24T14:55:42.099" v="1106"/>
+          <ac:cxnSpMkLst>
+            <pc:docMk/>
+            <pc:sldMk cId="31944701" sldId="261"/>
+            <ac:cxnSpMk id="28" creationId="{AA2EAA10-076F-46BD-8F0F-B9A2FB77A85C}"/>
+          </ac:cxnSpMkLst>
+        </pc:cxnChg>
+        <pc:cxnChg chg="add del">
+          <ac:chgData name="Erik Björkbäck" userId="22d25936-2a37-4c94-9986-306a0ffe603f" providerId="ADAL" clId="{91BC7BF3-D452-41BB-B5DC-7506A7EC4B34}" dt="2021-05-24T14:55:42.099" v="1106"/>
+          <ac:cxnSpMkLst>
+            <pc:docMk/>
+            <pc:sldMk cId="31944701" sldId="261"/>
+            <ac:cxnSpMk id="30" creationId="{D891E407-403B-4764-86C9-33A56D3BCAA3}"/>
+          </ac:cxnSpMkLst>
+        </pc:cxnChg>
+      </pc:sldChg>
+      <pc:sldChg chg="addSp delSp modSp new mod setBg delDesignElem">
+        <pc:chgData name="Erik Björkbäck" userId="22d25936-2a37-4c94-9986-306a0ffe603f" providerId="ADAL" clId="{91BC7BF3-D452-41BB-B5DC-7506A7EC4B34}" dt="2021-05-24T15:00:45.641" v="1155" actId="1076"/>
+        <pc:sldMkLst>
+          <pc:docMk/>
+          <pc:sldMk cId="1297015533" sldId="262"/>
+        </pc:sldMkLst>
+        <pc:spChg chg="del mod ord">
+          <ac:chgData name="Erik Björkbäck" userId="22d25936-2a37-4c94-9986-306a0ffe603f" providerId="ADAL" clId="{91BC7BF3-D452-41BB-B5DC-7506A7EC4B34}" dt="2021-05-24T15:00:02.038" v="1141" actId="478"/>
+          <ac:spMkLst>
+            <pc:docMk/>
+            <pc:sldMk cId="1297015533" sldId="262"/>
+            <ac:spMk id="2" creationId="{318D978A-9797-419D-B278-25E7DBA99BF3}"/>
+          </ac:spMkLst>
+        </pc:spChg>
+        <pc:spChg chg="del">
+          <ac:chgData name="Erik Björkbäck" userId="22d25936-2a37-4c94-9986-306a0ffe603f" providerId="ADAL" clId="{91BC7BF3-D452-41BB-B5DC-7506A7EC4B34}" dt="2021-05-24T14:29:06.797" v="22"/>
+          <ac:spMkLst>
+            <pc:docMk/>
+            <pc:sldMk cId="1297015533" sldId="262"/>
+            <ac:spMk id="3" creationId="{2A946FAF-0B58-4224-B9A0-6BB8D9D70F4F}"/>
+          </ac:spMkLst>
+        </pc:spChg>
+        <pc:spChg chg="add del mod">
+          <ac:chgData name="Erik Björkbäck" userId="22d25936-2a37-4c94-9986-306a0ffe603f" providerId="ADAL" clId="{91BC7BF3-D452-41BB-B5DC-7506A7EC4B34}" dt="2021-05-24T14:59:22.448" v="1132"/>
+          <ac:spMkLst>
+            <pc:docMk/>
+            <pc:sldMk cId="1297015533" sldId="262"/>
+            <ac:spMk id="6" creationId="{F0936BC8-9EA8-43F9-9231-182FAABDC3AB}"/>
+          </ac:spMkLst>
+        </pc:spChg>
+        <pc:spChg chg="add del">
+          <ac:chgData name="Erik Björkbäck" userId="22d25936-2a37-4c94-9986-306a0ffe603f" providerId="ADAL" clId="{91BC7BF3-D452-41BB-B5DC-7506A7EC4B34}" dt="2021-05-24T14:53:55.724" v="1086" actId="26606"/>
+          <ac:spMkLst>
+            <pc:docMk/>
+            <pc:sldMk cId="1297015533" sldId="262"/>
+            <ac:spMk id="8" creationId="{7DE99B6C-7B34-4E51-8DAD-815EC1464427}"/>
+          </ac:spMkLst>
+        </pc:spChg>
+        <pc:spChg chg="add del">
+          <ac:chgData name="Erik Björkbäck" userId="22d25936-2a37-4c94-9986-306a0ffe603f" providerId="ADAL" clId="{91BC7BF3-D452-41BB-B5DC-7506A7EC4B34}" dt="2021-05-24T14:53:45.573" v="1084" actId="26606"/>
+          <ac:spMkLst>
+            <pc:docMk/>
+            <pc:sldMk cId="1297015533" sldId="262"/>
+            <ac:spMk id="9" creationId="{37C89E4B-3C9F-44B9-8B86-D9E3D112D8EC}"/>
+          </ac:spMkLst>
+        </pc:spChg>
+        <pc:spChg chg="add del mod">
+          <ac:chgData name="Erik Björkbäck" userId="22d25936-2a37-4c94-9986-306a0ffe603f" providerId="ADAL" clId="{91BC7BF3-D452-41BB-B5DC-7506A7EC4B34}" dt="2021-05-24T15:00:04.156" v="1142" actId="478"/>
+          <ac:spMkLst>
+            <pc:docMk/>
+            <pc:sldMk cId="1297015533" sldId="262"/>
+            <ac:spMk id="12" creationId="{BD838CC4-EB4A-43C3-80D2-C30E84F70F06}"/>
+          </ac:spMkLst>
+        </pc:spChg>
+        <pc:spChg chg="add del">
+          <ac:chgData name="Erik Björkbäck" userId="22d25936-2a37-4c94-9986-306a0ffe603f" providerId="ADAL" clId="{91BC7BF3-D452-41BB-B5DC-7506A7EC4B34}" dt="2021-05-24T14:53:55.724" v="1086" actId="26606"/>
+          <ac:spMkLst>
+            <pc:docMk/>
+            <pc:sldMk cId="1297015533" sldId="262"/>
+            <ac:spMk id="16" creationId="{2B566528-1B12-4246-9431-5C2D7D081168}"/>
+          </ac:spMkLst>
+        </pc:spChg>
+        <pc:spChg chg="add mod">
+          <ac:chgData name="Erik Björkbäck" userId="22d25936-2a37-4c94-9986-306a0ffe603f" providerId="ADAL" clId="{91BC7BF3-D452-41BB-B5DC-7506A7EC4B34}" dt="2021-05-24T15:00:45.641" v="1155" actId="1076"/>
+          <ac:spMkLst>
+            <pc:docMk/>
+            <pc:sldMk cId="1297015533" sldId="262"/>
+            <ac:spMk id="21" creationId="{6301593E-7EDF-47FB-8206-D173AAEE3FF2}"/>
+          </ac:spMkLst>
+        </pc:spChg>
+        <pc:spChg chg="add del">
+          <ac:chgData name="Erik Björkbäck" userId="22d25936-2a37-4c94-9986-306a0ffe603f" providerId="ADAL" clId="{91BC7BF3-D452-41BB-B5DC-7506A7EC4B34}" dt="2021-05-24T14:54:32.875" v="1093" actId="26606"/>
+          <ac:spMkLst>
+            <pc:docMk/>
+            <pc:sldMk cId="1297015533" sldId="262"/>
+            <ac:spMk id="22" creationId="{37C89E4B-3C9F-44B9-8B86-D9E3D112D8EC}"/>
+          </ac:spMkLst>
+        </pc:spChg>
+        <pc:spChg chg="add del">
+          <ac:chgData name="Erik Björkbäck" userId="22d25936-2a37-4c94-9986-306a0ffe603f" providerId="ADAL" clId="{91BC7BF3-D452-41BB-B5DC-7506A7EC4B34}" dt="2021-05-24T14:55:42.099" v="1106"/>
+          <ac:spMkLst>
+            <pc:docMk/>
+            <pc:sldMk cId="1297015533" sldId="262"/>
+            <ac:spMk id="29" creationId="{A4AC5506-6312-4701-8D3C-40187889A947}"/>
+          </ac:spMkLst>
+        </pc:spChg>
+        <pc:grpChg chg="add del">
+          <ac:chgData name="Erik Björkbäck" userId="22d25936-2a37-4c94-9986-306a0ffe603f" providerId="ADAL" clId="{91BC7BF3-D452-41BB-B5DC-7506A7EC4B34}" dt="2021-05-24T14:53:55.724" v="1086" actId="26606"/>
+          <ac:grpSpMkLst>
+            <pc:docMk/>
+            <pc:sldMk cId="1297015533" sldId="262"/>
+            <ac:grpSpMk id="17" creationId="{3EA7D759-6BEF-4CBD-A325-BCFA77832B3F}"/>
+          </ac:grpSpMkLst>
+        </pc:grpChg>
+        <pc:grpChg chg="add del">
+          <ac:chgData name="Erik Björkbäck" userId="22d25936-2a37-4c94-9986-306a0ffe603f" providerId="ADAL" clId="{91BC7BF3-D452-41BB-B5DC-7506A7EC4B34}" dt="2021-05-24T14:53:55.724" v="1086" actId="26606"/>
+          <ac:grpSpMkLst>
+            <pc:docMk/>
+            <pc:sldMk cId="1297015533" sldId="262"/>
+            <ac:grpSpMk id="20" creationId="{287F69AB-2350-44E3-9076-00265B93F313}"/>
+          </ac:grpSpMkLst>
+        </pc:grpChg>
+        <pc:picChg chg="add del mod ord">
+          <ac:chgData name="Erik Björkbäck" userId="22d25936-2a37-4c94-9986-306a0ffe603f" providerId="ADAL" clId="{91BC7BF3-D452-41BB-B5DC-7506A7EC4B34}" dt="2021-05-24T14:58:58.807" v="1130" actId="478"/>
+          <ac:picMkLst>
+            <pc:docMk/>
+            <pc:sldMk cId="1297015533" sldId="262"/>
+            <ac:picMk id="4" creationId="{B295EB4B-75D4-4A6B-AC56-C029ACBE6906}"/>
+          </ac:picMkLst>
+        </pc:picChg>
+        <pc:picChg chg="add mod">
+          <ac:chgData name="Erik Björkbäck" userId="22d25936-2a37-4c94-9986-306a0ffe603f" providerId="ADAL" clId="{91BC7BF3-D452-41BB-B5DC-7506A7EC4B34}" dt="2021-05-24T15:00:39.288" v="1153" actId="1076"/>
+          <ac:picMkLst>
+            <pc:docMk/>
+            <pc:sldMk cId="1297015533" sldId="262"/>
+            <ac:picMk id="7" creationId="{514FD0EC-6899-4F17-B076-42FF3DAE7D04}"/>
+          </ac:picMkLst>
+        </pc:picChg>
+        <pc:cxnChg chg="add del">
+          <ac:chgData name="Erik Björkbäck" userId="22d25936-2a37-4c94-9986-306a0ffe603f" providerId="ADAL" clId="{91BC7BF3-D452-41BB-B5DC-7506A7EC4B34}" dt="2021-05-24T14:53:45.573" v="1084" actId="26606"/>
+          <ac:cxnSpMkLst>
+            <pc:docMk/>
+            <pc:sldMk cId="1297015533" sldId="262"/>
+            <ac:cxnSpMk id="11" creationId="{AA2EAA10-076F-46BD-8F0F-B9A2FB77A85C}"/>
+          </ac:cxnSpMkLst>
+        </pc:cxnChg>
+        <pc:cxnChg chg="add del">
+          <ac:chgData name="Erik Björkbäck" userId="22d25936-2a37-4c94-9986-306a0ffe603f" providerId="ADAL" clId="{91BC7BF3-D452-41BB-B5DC-7506A7EC4B34}" dt="2021-05-24T14:53:45.573" v="1084" actId="26606"/>
+          <ac:cxnSpMkLst>
+            <pc:docMk/>
+            <pc:sldMk cId="1297015533" sldId="262"/>
+            <ac:cxnSpMk id="13" creationId="{D891E407-403B-4764-86C9-33A56D3BCAA3}"/>
+          </ac:cxnSpMkLst>
+        </pc:cxnChg>
+        <pc:cxnChg chg="add del">
+          <ac:chgData name="Erik Björkbäck" userId="22d25936-2a37-4c94-9986-306a0ffe603f" providerId="ADAL" clId="{91BC7BF3-D452-41BB-B5DC-7506A7EC4B34}" dt="2021-05-24T14:54:32.875" v="1093" actId="26606"/>
+          <ac:cxnSpMkLst>
+            <pc:docMk/>
+            <pc:sldMk cId="1297015533" sldId="262"/>
+            <ac:cxnSpMk id="23" creationId="{AA2EAA10-076F-46BD-8F0F-B9A2FB77A85C}"/>
+          </ac:cxnSpMkLst>
+        </pc:cxnChg>
+        <pc:cxnChg chg="add del">
+          <ac:chgData name="Erik Björkbäck" userId="22d25936-2a37-4c94-9986-306a0ffe603f" providerId="ADAL" clId="{91BC7BF3-D452-41BB-B5DC-7506A7EC4B34}" dt="2021-05-24T14:54:32.875" v="1093" actId="26606"/>
+          <ac:cxnSpMkLst>
+            <pc:docMk/>
+            <pc:sldMk cId="1297015533" sldId="262"/>
+            <ac:cxnSpMk id="24" creationId="{D891E407-403B-4764-86C9-33A56D3BCAA3}"/>
+          </ac:cxnSpMkLst>
+        </pc:cxnChg>
+      </pc:sldChg>
+      <pc:sldChg chg="addSp delSp modSp new del mod setBg delDesignElem">
+        <pc:chgData name="Erik Björkbäck" userId="22d25936-2a37-4c94-9986-306a0ffe603f" providerId="ADAL" clId="{91BC7BF3-D452-41BB-B5DC-7506A7EC4B34}" dt="2021-05-24T14:59:42.970" v="1135" actId="47"/>
+        <pc:sldMkLst>
+          <pc:docMk/>
+          <pc:sldMk cId="641486920" sldId="263"/>
+        </pc:sldMkLst>
+        <pc:spChg chg="del">
+          <ac:chgData name="Erik Björkbäck" userId="22d25936-2a37-4c94-9986-306a0ffe603f" providerId="ADAL" clId="{91BC7BF3-D452-41BB-B5DC-7506A7EC4B34}" dt="2021-05-24T14:54:13.873" v="1091" actId="26606"/>
+          <ac:spMkLst>
+            <pc:docMk/>
+            <pc:sldMk cId="641486920" sldId="263"/>
+            <ac:spMk id="2" creationId="{F5D718DD-F33B-4D3D-9D20-D35AAD258D40}"/>
+          </ac:spMkLst>
+        </pc:spChg>
+        <pc:spChg chg="del">
+          <ac:chgData name="Erik Björkbäck" userId="22d25936-2a37-4c94-9986-306a0ffe603f" providerId="ADAL" clId="{91BC7BF3-D452-41BB-B5DC-7506A7EC4B34}" dt="2021-05-24T14:29:25.052" v="29"/>
+          <ac:spMkLst>
+            <pc:docMk/>
+            <pc:sldMk cId="641486920" sldId="263"/>
+            <ac:spMk id="3" creationId="{1E7082D4-0812-4A7F-B30E-763F28ED304C}"/>
+          </ac:spMkLst>
+        </pc:spChg>
+        <pc:spChg chg="add del">
+          <ac:chgData name="Erik Björkbäck" userId="22d25936-2a37-4c94-9986-306a0ffe603f" providerId="ADAL" clId="{91BC7BF3-D452-41BB-B5DC-7506A7EC4B34}" dt="2021-05-24T14:54:44.469" v="1098" actId="26606"/>
+          <ac:spMkLst>
+            <pc:docMk/>
+            <pc:sldMk cId="641486920" sldId="263"/>
+            <ac:spMk id="9" creationId="{42A4FC2C-047E-45A5-965D-8E1E3BF09BC6}"/>
+          </ac:spMkLst>
+        </pc:spChg>
+        <pc:spChg chg="add del">
+          <ac:chgData name="Erik Björkbäck" userId="22d25936-2a37-4c94-9986-306a0ffe603f" providerId="ADAL" clId="{91BC7BF3-D452-41BB-B5DC-7506A7EC4B34}" dt="2021-05-24T14:59:40.846" v="1134"/>
+          <ac:spMkLst>
+            <pc:docMk/>
+            <pc:sldMk cId="641486920" sldId="263"/>
+            <ac:spMk id="13" creationId="{F296D5C9-9DD5-42E7-B983-4BFCCC3D0758}"/>
+          </ac:spMkLst>
+        </pc:spChg>
+        <pc:spChg chg="add del">
+          <ac:chgData name="Erik Björkbäck" userId="22d25936-2a37-4c94-9986-306a0ffe603f" providerId="ADAL" clId="{91BC7BF3-D452-41BB-B5DC-7506A7EC4B34}" dt="2021-05-24T14:54:41.601" v="1095" actId="26606"/>
+          <ac:spMkLst>
+            <pc:docMk/>
+            <pc:sldMk cId="641486920" sldId="263"/>
+            <ac:spMk id="14" creationId="{6753252F-4873-4F63-801D-CC719279A7D5}"/>
+          </ac:spMkLst>
+        </pc:spChg>
+        <pc:spChg chg="add del">
+          <ac:chgData name="Erik Björkbäck" userId="22d25936-2a37-4c94-9986-306a0ffe603f" providerId="ADAL" clId="{91BC7BF3-D452-41BB-B5DC-7506A7EC4B34}" dt="2021-05-24T14:54:41.601" v="1095" actId="26606"/>
+          <ac:spMkLst>
+            <pc:docMk/>
+            <pc:sldMk cId="641486920" sldId="263"/>
+            <ac:spMk id="16" creationId="{047C8CCB-F95D-4249-92DD-651249D3535A}"/>
+          </ac:spMkLst>
+        </pc:spChg>
+        <pc:spChg chg="add del">
+          <ac:chgData name="Erik Björkbäck" userId="22d25936-2a37-4c94-9986-306a0ffe603f" providerId="ADAL" clId="{91BC7BF3-D452-41BB-B5DC-7506A7EC4B34}" dt="2021-05-24T14:54:44.465" v="1097" actId="26606"/>
+          <ac:spMkLst>
+            <pc:docMk/>
+            <pc:sldMk cId="641486920" sldId="263"/>
+            <ac:spMk id="18" creationId="{1500B4A4-B1F1-41EA-886A-B8A210DBCA3B}"/>
+          </ac:spMkLst>
+        </pc:spChg>
+        <pc:spChg chg="add del">
+          <ac:chgData name="Erik Björkbäck" userId="22d25936-2a37-4c94-9986-306a0ffe603f" providerId="ADAL" clId="{91BC7BF3-D452-41BB-B5DC-7506A7EC4B34}" dt="2021-05-24T14:54:44.465" v="1097" actId="26606"/>
+          <ac:spMkLst>
+            <pc:docMk/>
+            <pc:sldMk cId="641486920" sldId="263"/>
+            <ac:spMk id="19" creationId="{5E55A99C-0BDC-4DBE-8E40-9FA66F629FA1}"/>
+          </ac:spMkLst>
+        </pc:spChg>
+        <pc:spChg chg="add del">
+          <ac:chgData name="Erik Björkbäck" userId="22d25936-2a37-4c94-9986-306a0ffe603f" providerId="ADAL" clId="{91BC7BF3-D452-41BB-B5DC-7506A7EC4B34}" dt="2021-05-24T14:55:42.099" v="1106"/>
+          <ac:spMkLst>
+            <pc:docMk/>
+            <pc:sldMk cId="641486920" sldId="263"/>
+            <ac:spMk id="21" creationId="{2B1D4F77-A17C-43D7-B7FA-545148E4E93D}"/>
+          </ac:spMkLst>
+        </pc:spChg>
+        <pc:picChg chg="add del mod">
+          <ac:chgData name="Erik Björkbäck" userId="22d25936-2a37-4c94-9986-306a0ffe603f" providerId="ADAL" clId="{91BC7BF3-D452-41BB-B5DC-7506A7EC4B34}" dt="2021-05-24T14:59:00.499" v="1131" actId="478"/>
+          <ac:picMkLst>
+            <pc:docMk/>
+            <pc:sldMk cId="641486920" sldId="263"/>
+            <ac:picMk id="4" creationId="{B48702AA-B51B-4CCB-93F5-FA342E3BD972}"/>
+          </ac:picMkLst>
+        </pc:picChg>
+        <pc:picChg chg="add del mod">
+          <ac:chgData name="Erik Björkbäck" userId="22d25936-2a37-4c94-9986-306a0ffe603f" providerId="ADAL" clId="{91BC7BF3-D452-41BB-B5DC-7506A7EC4B34}" dt="2021-05-24T14:59:40.846" v="1134"/>
+          <ac:picMkLst>
+            <pc:docMk/>
+            <pc:sldMk cId="641486920" sldId="263"/>
+            <ac:picMk id="5" creationId="{0969E588-783B-4019-91E6-86DED4E98E47}"/>
+          </ac:picMkLst>
+        </pc:picChg>
+      </pc:sldChg>
+      <pc:sldChg chg="addSp delSp modSp new mod">
+        <pc:chgData name="Erik Björkbäck" userId="22d25936-2a37-4c94-9986-306a0ffe603f" providerId="ADAL" clId="{91BC7BF3-D452-41BB-B5DC-7506A7EC4B34}" dt="2021-05-24T15:01:06.815" v="1159" actId="1076"/>
+        <pc:sldMkLst>
+          <pc:docMk/>
+          <pc:sldMk cId="3632537022" sldId="264"/>
+        </pc:sldMkLst>
+        <pc:spChg chg="mod">
+          <ac:chgData name="Erik Björkbäck" userId="22d25936-2a37-4c94-9986-306a0ffe603f" providerId="ADAL" clId="{91BC7BF3-D452-41BB-B5DC-7506A7EC4B34}" dt="2021-05-24T15:01:06.815" v="1159" actId="1076"/>
+          <ac:spMkLst>
+            <pc:docMk/>
+            <pc:sldMk cId="3632537022" sldId="264"/>
+            <ac:spMk id="2" creationId="{C42A1D09-73D9-47E6-8688-655D7562D3F1}"/>
+          </ac:spMkLst>
+        </pc:spChg>
+        <pc:spChg chg="del">
+          <ac:chgData name="Erik Björkbäck" userId="22d25936-2a37-4c94-9986-306a0ffe603f" providerId="ADAL" clId="{91BC7BF3-D452-41BB-B5DC-7506A7EC4B34}" dt="2021-05-24T14:29:47.117" v="30"/>
+          <ac:spMkLst>
+            <pc:docMk/>
+            <pc:sldMk cId="3632537022" sldId="264"/>
+            <ac:spMk id="3" creationId="{B83BE167-E521-460F-B647-E2A84D28C57B}"/>
+          </ac:spMkLst>
+        </pc:spChg>
+        <pc:picChg chg="add mod">
+          <ac:chgData name="Erik Björkbäck" userId="22d25936-2a37-4c94-9986-306a0ffe603f" providerId="ADAL" clId="{91BC7BF3-D452-41BB-B5DC-7506A7EC4B34}" dt="2021-05-24T14:56:40.655" v="1112"/>
+          <ac:picMkLst>
+            <pc:docMk/>
+            <pc:sldMk cId="3632537022" sldId="264"/>
+            <ac:picMk id="4" creationId="{E4C82D9F-9020-4D4A-A165-DAFF2D469AAF}"/>
+          </ac:picMkLst>
+        </pc:picChg>
+      </pc:sldChg>
+      <pc:sldChg chg="addSp delSp modSp new mod">
+        <pc:chgData name="Erik Björkbäck" userId="22d25936-2a37-4c94-9986-306a0ffe603f" providerId="ADAL" clId="{91BC7BF3-D452-41BB-B5DC-7506A7EC4B34}" dt="2021-05-24T15:01:19.381" v="1162" actId="1076"/>
+        <pc:sldMkLst>
+          <pc:docMk/>
+          <pc:sldMk cId="1045053652" sldId="265"/>
+        </pc:sldMkLst>
+        <pc:spChg chg="del mod">
+          <ac:chgData name="Erik Björkbäck" userId="22d25936-2a37-4c94-9986-306a0ffe603f" providerId="ADAL" clId="{91BC7BF3-D452-41BB-B5DC-7506A7EC4B34}" dt="2021-05-24T15:01:13.948" v="1160" actId="478"/>
+          <ac:spMkLst>
+            <pc:docMk/>
+            <pc:sldMk cId="1045053652" sldId="265"/>
+            <ac:spMk id="2" creationId="{E7EE2E2A-CFA7-4A0A-8A42-B06FCC247548}"/>
+          </ac:spMkLst>
+        </pc:spChg>
+        <pc:spChg chg="del">
+          <ac:chgData name="Erik Björkbäck" userId="22d25936-2a37-4c94-9986-306a0ffe603f" providerId="ADAL" clId="{91BC7BF3-D452-41BB-B5DC-7506A7EC4B34}" dt="2021-05-24T14:30:06.404" v="39"/>
+          <ac:spMkLst>
+            <pc:docMk/>
+            <pc:sldMk cId="1045053652" sldId="265"/>
+            <ac:spMk id="3" creationId="{AC785000-EA87-423F-8EF8-AC4C9164C454}"/>
+          </ac:spMkLst>
+        </pc:spChg>
+        <pc:picChg chg="add mod">
+          <ac:chgData name="Erik Björkbäck" userId="22d25936-2a37-4c94-9986-306a0ffe603f" providerId="ADAL" clId="{91BC7BF3-D452-41BB-B5DC-7506A7EC4B34}" dt="2021-05-24T15:01:19.381" v="1162" actId="1076"/>
+          <ac:picMkLst>
+            <pc:docMk/>
+            <pc:sldMk cId="1045053652" sldId="265"/>
+            <ac:picMk id="4" creationId="{764E970F-ADDC-4D32-961A-5061E4BCE45C}"/>
+          </ac:picMkLst>
+        </pc:picChg>
+      </pc:sldChg>
+      <pc:sldChg chg="addSp delSp modSp new mod">
+        <pc:chgData name="Erik Björkbäck" userId="22d25936-2a37-4c94-9986-306a0ffe603f" providerId="ADAL" clId="{91BC7BF3-D452-41BB-B5DC-7506A7EC4B34}" dt="2021-05-24T15:01:33.364" v="1166" actId="1076"/>
+        <pc:sldMkLst>
+          <pc:docMk/>
+          <pc:sldMk cId="3625886598" sldId="266"/>
+        </pc:sldMkLst>
+        <pc:spChg chg="mod">
+          <ac:chgData name="Erik Björkbäck" userId="22d25936-2a37-4c94-9986-306a0ffe603f" providerId="ADAL" clId="{91BC7BF3-D452-41BB-B5DC-7506A7EC4B34}" dt="2021-05-24T15:01:33.364" v="1166" actId="1076"/>
+          <ac:spMkLst>
+            <pc:docMk/>
+            <pc:sldMk cId="3625886598" sldId="266"/>
+            <ac:spMk id="2" creationId="{5C1CE72E-48F4-41C5-B076-C9312884476B}"/>
+          </ac:spMkLst>
+        </pc:spChg>
+        <pc:spChg chg="del">
+          <ac:chgData name="Erik Björkbäck" userId="22d25936-2a37-4c94-9986-306a0ffe603f" providerId="ADAL" clId="{91BC7BF3-D452-41BB-B5DC-7506A7EC4B34}" dt="2021-05-24T14:31:36.666" v="43"/>
+          <ac:spMkLst>
+            <pc:docMk/>
+            <pc:sldMk cId="3625886598" sldId="266"/>
+            <ac:spMk id="3" creationId="{5B40D774-65EE-447E-A4F8-8BC602EED525}"/>
+          </ac:spMkLst>
+        </pc:spChg>
+        <pc:picChg chg="add mod">
+          <ac:chgData name="Erik Björkbäck" userId="22d25936-2a37-4c94-9986-306a0ffe603f" providerId="ADAL" clId="{91BC7BF3-D452-41BB-B5DC-7506A7EC4B34}" dt="2021-05-24T14:56:40.655" v="1112"/>
+          <ac:picMkLst>
+            <pc:docMk/>
+            <pc:sldMk cId="3625886598" sldId="266"/>
+            <ac:picMk id="4" creationId="{9BE593B5-3E41-493E-92F1-321B21EBB5B5}"/>
+          </ac:picMkLst>
+        </pc:picChg>
+      </pc:sldChg>
+      <pc:sldChg chg="addSp delSp modSp new mod">
+        <pc:chgData name="Erik Björkbäck" userId="22d25936-2a37-4c94-9986-306a0ffe603f" providerId="ADAL" clId="{91BC7BF3-D452-41BB-B5DC-7506A7EC4B34}" dt="2021-05-24T15:01:42.486" v="1169" actId="1076"/>
+        <pc:sldMkLst>
+          <pc:docMk/>
+          <pc:sldMk cId="1033967372" sldId="267"/>
+        </pc:sldMkLst>
+        <pc:spChg chg="del mod">
+          <ac:chgData name="Erik Björkbäck" userId="22d25936-2a37-4c94-9986-306a0ffe603f" providerId="ADAL" clId="{91BC7BF3-D452-41BB-B5DC-7506A7EC4B34}" dt="2021-05-24T15:01:37.620" v="1167" actId="478"/>
+          <ac:spMkLst>
+            <pc:docMk/>
+            <pc:sldMk cId="1033967372" sldId="267"/>
+            <ac:spMk id="2" creationId="{772E07ED-BFDF-4659-B682-D46077DF76AC}"/>
+          </ac:spMkLst>
+        </pc:spChg>
+        <pc:spChg chg="del">
+          <ac:chgData name="Erik Björkbäck" userId="22d25936-2a37-4c94-9986-306a0ffe603f" providerId="ADAL" clId="{91BC7BF3-D452-41BB-B5DC-7506A7EC4B34}" dt="2021-05-24T14:31:53.185" v="56"/>
+          <ac:spMkLst>
+            <pc:docMk/>
+            <pc:sldMk cId="1033967372" sldId="267"/>
+            <ac:spMk id="3" creationId="{97E0146D-1462-4F2F-A668-4619EAE7D6FD}"/>
+          </ac:spMkLst>
+        </pc:spChg>
+        <pc:picChg chg="add mod">
+          <ac:chgData name="Erik Björkbäck" userId="22d25936-2a37-4c94-9986-306a0ffe603f" providerId="ADAL" clId="{91BC7BF3-D452-41BB-B5DC-7506A7EC4B34}" dt="2021-05-24T15:01:42.486" v="1169" actId="1076"/>
+          <ac:picMkLst>
+            <pc:docMk/>
+            <pc:sldMk cId="1033967372" sldId="267"/>
+            <ac:picMk id="4" creationId="{057D0E69-14BC-4022-94BE-0DC76C1860CF}"/>
+          </ac:picMkLst>
+        </pc:picChg>
+      </pc:sldChg>
+      <pc:sldChg chg="addSp delSp modSp new mod">
+        <pc:chgData name="Erik Björkbäck" userId="22d25936-2a37-4c94-9986-306a0ffe603f" providerId="ADAL" clId="{91BC7BF3-D452-41BB-B5DC-7506A7EC4B34}" dt="2021-05-24T15:02:37.654" v="1173" actId="1076"/>
+        <pc:sldMkLst>
+          <pc:docMk/>
+          <pc:sldMk cId="4293967947" sldId="268"/>
+        </pc:sldMkLst>
+        <pc:spChg chg="mod">
+          <ac:chgData name="Erik Björkbäck" userId="22d25936-2a37-4c94-9986-306a0ffe603f" providerId="ADAL" clId="{91BC7BF3-D452-41BB-B5DC-7506A7EC4B34}" dt="2021-05-24T15:02:37.654" v="1173" actId="1076"/>
+          <ac:spMkLst>
+            <pc:docMk/>
+            <pc:sldMk cId="4293967947" sldId="268"/>
+            <ac:spMk id="2" creationId="{3589A444-BA37-47B6-B9E7-5F7B13690545}"/>
+          </ac:spMkLst>
+        </pc:spChg>
+        <pc:spChg chg="del">
+          <ac:chgData name="Erik Björkbäck" userId="22d25936-2a37-4c94-9986-306a0ffe603f" providerId="ADAL" clId="{91BC7BF3-D452-41BB-B5DC-7506A7EC4B34}" dt="2021-05-24T14:32:07.656" v="57"/>
+          <ac:spMkLst>
+            <pc:docMk/>
+            <pc:sldMk cId="4293967947" sldId="268"/>
+            <ac:spMk id="3" creationId="{84936436-CF78-42EC-B339-5292827EC889}"/>
+          </ac:spMkLst>
+        </pc:spChg>
+        <pc:picChg chg="add mod">
+          <ac:chgData name="Erik Björkbäck" userId="22d25936-2a37-4c94-9986-306a0ffe603f" providerId="ADAL" clId="{91BC7BF3-D452-41BB-B5DC-7506A7EC4B34}" dt="2021-05-24T14:56:40.655" v="1112"/>
+          <ac:picMkLst>
+            <pc:docMk/>
+            <pc:sldMk cId="4293967947" sldId="268"/>
+            <ac:picMk id="4" creationId="{445218B1-A6F3-4F66-8829-E2E06E9839BA}"/>
+          </ac:picMkLst>
+        </pc:picChg>
+      </pc:sldChg>
+      <pc:sldChg chg="addSp delSp modSp new mod">
+        <pc:chgData name="Erik Björkbäck" userId="22d25936-2a37-4c94-9986-306a0ffe603f" providerId="ADAL" clId="{91BC7BF3-D452-41BB-B5DC-7506A7EC4B34}" dt="2021-05-24T15:02:47.876" v="1176" actId="1076"/>
+        <pc:sldMkLst>
+          <pc:docMk/>
+          <pc:sldMk cId="4178801886" sldId="269"/>
+        </pc:sldMkLst>
+        <pc:spChg chg="del mod">
+          <ac:chgData name="Erik Björkbäck" userId="22d25936-2a37-4c94-9986-306a0ffe603f" providerId="ADAL" clId="{91BC7BF3-D452-41BB-B5DC-7506A7EC4B34}" dt="2021-05-24T15:02:43.786" v="1174" actId="478"/>
+          <ac:spMkLst>
+            <pc:docMk/>
+            <pc:sldMk cId="4178801886" sldId="269"/>
+            <ac:spMk id="2" creationId="{D311E122-BD0A-49EB-ADD6-719E1E44CC4B}"/>
+          </ac:spMkLst>
+        </pc:spChg>
+        <pc:spChg chg="del">
+          <ac:chgData name="Erik Björkbäck" userId="22d25936-2a37-4c94-9986-306a0ffe603f" providerId="ADAL" clId="{91BC7BF3-D452-41BB-B5DC-7506A7EC4B34}" dt="2021-05-24T14:32:23.796" v="70"/>
+          <ac:spMkLst>
+            <pc:docMk/>
+            <pc:sldMk cId="4178801886" sldId="269"/>
+            <ac:spMk id="3" creationId="{CFB12652-569E-4971-AE1E-AF2AD9159838}"/>
+          </ac:spMkLst>
+        </pc:spChg>
+        <pc:picChg chg="add mod">
+          <ac:chgData name="Erik Björkbäck" userId="22d25936-2a37-4c94-9986-306a0ffe603f" providerId="ADAL" clId="{91BC7BF3-D452-41BB-B5DC-7506A7EC4B34}" dt="2021-05-24T15:02:47.876" v="1176" actId="1076"/>
+          <ac:picMkLst>
+            <pc:docMk/>
+            <pc:sldMk cId="4178801886" sldId="269"/>
+            <ac:picMk id="4" creationId="{22C57715-4E5B-4106-97BD-DE31BF9AE912}"/>
+          </ac:picMkLst>
+        </pc:picChg>
+      </pc:sldChg>
+      <pc:sldChg chg="addSp delSp modSp new mod setBg delDesignElem">
+        <pc:chgData name="Erik Björkbäck" userId="22d25936-2a37-4c94-9986-306a0ffe603f" providerId="ADAL" clId="{91BC7BF3-D452-41BB-B5DC-7506A7EC4B34}" dt="2021-05-24T15:03:26.376" v="1178" actId="26606"/>
+        <pc:sldMkLst>
+          <pc:docMk/>
+          <pc:sldMk cId="1361748005" sldId="270"/>
+        </pc:sldMkLst>
+        <pc:spChg chg="mod">
+          <ac:chgData name="Erik Björkbäck" userId="22d25936-2a37-4c94-9986-306a0ffe603f" providerId="ADAL" clId="{91BC7BF3-D452-41BB-B5DC-7506A7EC4B34}" dt="2021-05-24T14:53:05.722" v="1077" actId="26606"/>
+          <ac:spMkLst>
+            <pc:docMk/>
+            <pc:sldMk cId="1361748005" sldId="270"/>
+            <ac:spMk id="2" creationId="{2A885AAF-51F9-4C30-AD27-45B0BC31D96E}"/>
+          </ac:spMkLst>
+        </pc:spChg>
+        <pc:spChg chg="del mod">
+          <ac:chgData name="Erik Björkbäck" userId="22d25936-2a37-4c94-9986-306a0ffe603f" providerId="ADAL" clId="{91BC7BF3-D452-41BB-B5DC-7506A7EC4B34}" dt="2021-05-24T14:33:33.545" v="102" actId="478"/>
+          <ac:spMkLst>
+            <pc:docMk/>
+            <pc:sldMk cId="1361748005" sldId="270"/>
+            <ac:spMk id="3" creationId="{D5FFD60B-1C40-4A2E-96C3-923287DBCE5C}"/>
+          </ac:spMkLst>
+        </pc:spChg>
+        <pc:spChg chg="add">
+          <ac:chgData name="Erik Björkbäck" userId="22d25936-2a37-4c94-9986-306a0ffe603f" providerId="ADAL" clId="{91BC7BF3-D452-41BB-B5DC-7506A7EC4B34}" dt="2021-05-24T15:03:26.376" v="1178" actId="26606"/>
+          <ac:spMkLst>
+            <pc:docMk/>
+            <pc:sldMk cId="1361748005" sldId="270"/>
+            <ac:spMk id="4" creationId="{88294908-8B00-4F58-BBBA-20F71A40AA9E}"/>
+          </ac:spMkLst>
+        </pc:spChg>
+        <pc:spChg chg="add">
+          <ac:chgData name="Erik Björkbäck" userId="22d25936-2a37-4c94-9986-306a0ffe603f" providerId="ADAL" clId="{91BC7BF3-D452-41BB-B5DC-7506A7EC4B34}" dt="2021-05-24T15:03:26.376" v="1178" actId="26606"/>
+          <ac:spMkLst>
+            <pc:docMk/>
+            <pc:sldMk cId="1361748005" sldId="270"/>
+            <ac:spMk id="5" creationId="{4364C879-1404-4203-8E9D-CC5DE0A621A2}"/>
+          </ac:spMkLst>
+        </pc:spChg>
+        <pc:spChg chg="add">
+          <ac:chgData name="Erik Björkbäck" userId="22d25936-2a37-4c94-9986-306a0ffe603f" providerId="ADAL" clId="{91BC7BF3-D452-41BB-B5DC-7506A7EC4B34}" dt="2021-05-24T15:03:26.376" v="1178" actId="26606"/>
+          <ac:spMkLst>
+            <pc:docMk/>
+            <pc:sldMk cId="1361748005" sldId="270"/>
+            <ac:spMk id="6" creationId="{84617302-4B0D-4351-A6BB-6F0930D943AC}"/>
+          </ac:spMkLst>
+        </pc:spChg>
+        <pc:spChg chg="add del">
+          <ac:chgData name="Erik Björkbäck" userId="22d25936-2a37-4c94-9986-306a0ffe603f" providerId="ADAL" clId="{91BC7BF3-D452-41BB-B5DC-7506A7EC4B34}" dt="2021-05-24T14:55:42.099" v="1106"/>
+          <ac:spMkLst>
+            <pc:docMk/>
+            <pc:sldMk cId="1361748005" sldId="270"/>
+            <ac:spMk id="7" creationId="{88294908-8B00-4F58-BBBA-20F71A40AA9E}"/>
+          </ac:spMkLst>
+        </pc:spChg>
+        <pc:spChg chg="add">
+          <ac:chgData name="Erik Björkbäck" userId="22d25936-2a37-4c94-9986-306a0ffe603f" providerId="ADAL" clId="{91BC7BF3-D452-41BB-B5DC-7506A7EC4B34}" dt="2021-05-24T15:03:26.376" v="1178" actId="26606"/>
+          <ac:spMkLst>
+            <pc:docMk/>
+            <pc:sldMk cId="1361748005" sldId="270"/>
+            <ac:spMk id="8" creationId="{DA2C7802-C2E0-4218-8F89-8DD7CCD2CD1C}"/>
+          </ac:spMkLst>
+        </pc:spChg>
+        <pc:spChg chg="add del">
+          <ac:chgData name="Erik Björkbäck" userId="22d25936-2a37-4c94-9986-306a0ffe603f" providerId="ADAL" clId="{91BC7BF3-D452-41BB-B5DC-7506A7EC4B34}" dt="2021-05-24T14:55:42.099" v="1106"/>
+          <ac:spMkLst>
+            <pc:docMk/>
+            <pc:sldMk cId="1361748005" sldId="270"/>
+            <ac:spMk id="9" creationId="{4364C879-1404-4203-8E9D-CC5DE0A621A2}"/>
+          </ac:spMkLst>
+        </pc:spChg>
+        <pc:spChg chg="add">
+          <ac:chgData name="Erik Björkbäck" userId="22d25936-2a37-4c94-9986-306a0ffe603f" providerId="ADAL" clId="{91BC7BF3-D452-41BB-B5DC-7506A7EC4B34}" dt="2021-05-24T15:03:26.376" v="1178" actId="26606"/>
+          <ac:spMkLst>
+            <pc:docMk/>
+            <pc:sldMk cId="1361748005" sldId="270"/>
+            <ac:spMk id="10" creationId="{A6D7111A-21E5-4EE9-8A78-10E5530F0116}"/>
+          </ac:spMkLst>
+        </pc:spChg>
+        <pc:spChg chg="add del">
+          <ac:chgData name="Erik Björkbäck" userId="22d25936-2a37-4c94-9986-306a0ffe603f" providerId="ADAL" clId="{91BC7BF3-D452-41BB-B5DC-7506A7EC4B34}" dt="2021-05-24T14:55:42.099" v="1106"/>
+          <ac:spMkLst>
+            <pc:docMk/>
+            <pc:sldMk cId="1361748005" sldId="270"/>
+            <ac:spMk id="11" creationId="{84617302-4B0D-4351-A6BB-6F0930D943AC}"/>
+          </ac:spMkLst>
+        </pc:spChg>
+        <pc:spChg chg="add">
+          <ac:chgData name="Erik Björkbäck" userId="22d25936-2a37-4c94-9986-306a0ffe603f" providerId="ADAL" clId="{91BC7BF3-D452-41BB-B5DC-7506A7EC4B34}" dt="2021-05-24T15:03:26.376" v="1178" actId="26606"/>
+          <ac:spMkLst>
+            <pc:docMk/>
+            <pc:sldMk cId="1361748005" sldId="270"/>
+            <ac:spMk id="12" creationId="{A3969E80-A77B-49FC-9122-D89AFD5EE118}"/>
+          </ac:spMkLst>
+        </pc:spChg>
+        <pc:spChg chg="add del">
+          <ac:chgData name="Erik Björkbäck" userId="22d25936-2a37-4c94-9986-306a0ffe603f" providerId="ADAL" clId="{91BC7BF3-D452-41BB-B5DC-7506A7EC4B34}" dt="2021-05-24T14:55:42.099" v="1106"/>
+          <ac:spMkLst>
+            <pc:docMk/>
+            <pc:sldMk cId="1361748005" sldId="270"/>
+            <ac:spMk id="13" creationId="{DA2C7802-C2E0-4218-8F89-8DD7CCD2CD1C}"/>
+          </ac:spMkLst>
+        </pc:spChg>
+        <pc:spChg chg="add">
+          <ac:chgData name="Erik Björkbäck" userId="22d25936-2a37-4c94-9986-306a0ffe603f" providerId="ADAL" clId="{91BC7BF3-D452-41BB-B5DC-7506A7EC4B34}" dt="2021-05-24T15:03:26.376" v="1178" actId="26606"/>
+          <ac:spMkLst>
+            <pc:docMk/>
+            <pc:sldMk cId="1361748005" sldId="270"/>
+            <ac:spMk id="14" creationId="{1849CA57-76BD-4CF2-80BA-D7A46A01B7B1}"/>
+          </ac:spMkLst>
+        </pc:spChg>
+        <pc:spChg chg="add del">
+          <ac:chgData name="Erik Björkbäck" userId="22d25936-2a37-4c94-9986-306a0ffe603f" providerId="ADAL" clId="{91BC7BF3-D452-41BB-B5DC-7506A7EC4B34}" dt="2021-05-24T14:55:42.099" v="1106"/>
+          <ac:spMkLst>
+            <pc:docMk/>
+            <pc:sldMk cId="1361748005" sldId="270"/>
+            <ac:spMk id="15" creationId="{A6D7111A-21E5-4EE9-8A78-10E5530F0116}"/>
+          </ac:spMkLst>
+        </pc:spChg>
+        <pc:spChg chg="add">
+          <ac:chgData name="Erik Björkbäck" userId="22d25936-2a37-4c94-9986-306a0ffe603f" providerId="ADAL" clId="{91BC7BF3-D452-41BB-B5DC-7506A7EC4B34}" dt="2021-05-24T15:03:26.376" v="1178" actId="26606"/>
+          <ac:spMkLst>
+            <pc:docMk/>
+            <pc:sldMk cId="1361748005" sldId="270"/>
+            <ac:spMk id="16" creationId="{35E9085E-E730-4768-83D4-6CB7E9897153}"/>
+          </ac:spMkLst>
+        </pc:spChg>
+        <pc:spChg chg="add del">
+          <ac:chgData name="Erik Björkbäck" userId="22d25936-2a37-4c94-9986-306a0ffe603f" providerId="ADAL" clId="{91BC7BF3-D452-41BB-B5DC-7506A7EC4B34}" dt="2021-05-24T14:55:42.099" v="1106"/>
+          <ac:spMkLst>
+            <pc:docMk/>
+            <pc:sldMk cId="1361748005" sldId="270"/>
+            <ac:spMk id="17" creationId="{A3969E80-A77B-49FC-9122-D89AFD5EE118}"/>
+          </ac:spMkLst>
+        </pc:spChg>
+        <pc:spChg chg="add">
+          <ac:chgData name="Erik Björkbäck" userId="22d25936-2a37-4c94-9986-306a0ffe603f" providerId="ADAL" clId="{91BC7BF3-D452-41BB-B5DC-7506A7EC4B34}" dt="2021-05-24T15:03:26.376" v="1178" actId="26606"/>
+          <ac:spMkLst>
+            <pc:docMk/>
+            <pc:sldMk cId="1361748005" sldId="270"/>
+            <ac:spMk id="18" creationId="{973272FE-A474-4CAE-8CA2-BCC8B476C3F4}"/>
+          </ac:spMkLst>
+        </pc:spChg>
+        <pc:spChg chg="add del">
+          <ac:chgData name="Erik Björkbäck" userId="22d25936-2a37-4c94-9986-306a0ffe603f" providerId="ADAL" clId="{91BC7BF3-D452-41BB-B5DC-7506A7EC4B34}" dt="2021-05-24T14:55:42.099" v="1106"/>
+          <ac:spMkLst>
+            <pc:docMk/>
+            <pc:sldMk cId="1361748005" sldId="270"/>
+            <ac:spMk id="19" creationId="{1849CA57-76BD-4CF2-80BA-D7A46A01B7B1}"/>
+          </ac:spMkLst>
+        </pc:spChg>
+        <pc:spChg chg="add">
+          <ac:chgData name="Erik Björkbäck" userId="22d25936-2a37-4c94-9986-306a0ffe603f" providerId="ADAL" clId="{91BC7BF3-D452-41BB-B5DC-7506A7EC4B34}" dt="2021-05-24T15:03:26.376" v="1178" actId="26606"/>
+          <ac:spMkLst>
+            <pc:docMk/>
+            <pc:sldMk cId="1361748005" sldId="270"/>
+            <ac:spMk id="20" creationId="{E07981EA-05A6-437C-88D7-B377B92B031D}"/>
+          </ac:spMkLst>
+        </pc:spChg>
+        <pc:spChg chg="add del">
+          <ac:chgData name="Erik Björkbäck" userId="22d25936-2a37-4c94-9986-306a0ffe603f" providerId="ADAL" clId="{91BC7BF3-D452-41BB-B5DC-7506A7EC4B34}" dt="2021-05-24T14:55:42.099" v="1106"/>
+          <ac:spMkLst>
+            <pc:docMk/>
+            <pc:sldMk cId="1361748005" sldId="270"/>
+            <ac:spMk id="21" creationId="{35E9085E-E730-4768-83D4-6CB7E9897153}"/>
+          </ac:spMkLst>
+        </pc:spChg>
+        <pc:spChg chg="add">
+          <ac:chgData name="Erik Björkbäck" userId="22d25936-2a37-4c94-9986-306a0ffe603f" providerId="ADAL" clId="{91BC7BF3-D452-41BB-B5DC-7506A7EC4B34}" dt="2021-05-24T15:03:26.376" v="1178" actId="26606"/>
+          <ac:spMkLst>
+            <pc:docMk/>
+            <pc:sldMk cId="1361748005" sldId="270"/>
+            <ac:spMk id="22" creationId="{15E3C750-986E-4769-B1AE-49289FBEE757}"/>
+          </ac:spMkLst>
+        </pc:spChg>
+        <pc:spChg chg="add del">
+          <ac:chgData name="Erik Björkbäck" userId="22d25936-2a37-4c94-9986-306a0ffe603f" providerId="ADAL" clId="{91BC7BF3-D452-41BB-B5DC-7506A7EC4B34}" dt="2021-05-24T14:55:42.099" v="1106"/>
+          <ac:spMkLst>
+            <pc:docMk/>
+            <pc:sldMk cId="1361748005" sldId="270"/>
+            <ac:spMk id="23" creationId="{973272FE-A474-4CAE-8CA2-BCC8B476C3F4}"/>
+          </ac:spMkLst>
+        </pc:spChg>
+        <pc:spChg chg="add del">
+          <ac:chgData name="Erik Björkbäck" userId="22d25936-2a37-4c94-9986-306a0ffe603f" providerId="ADAL" clId="{91BC7BF3-D452-41BB-B5DC-7506A7EC4B34}" dt="2021-05-24T14:55:42.099" v="1106"/>
+          <ac:spMkLst>
+            <pc:docMk/>
+            <pc:sldMk cId="1361748005" sldId="270"/>
+            <ac:spMk id="25" creationId="{E07981EA-05A6-437C-88D7-B377B92B031D}"/>
+          </ac:spMkLst>
+        </pc:spChg>
+        <pc:spChg chg="add del">
+          <ac:chgData name="Erik Björkbäck" userId="22d25936-2a37-4c94-9986-306a0ffe603f" providerId="ADAL" clId="{91BC7BF3-D452-41BB-B5DC-7506A7EC4B34}" dt="2021-05-24T14:55:42.099" v="1106"/>
+          <ac:spMkLst>
+            <pc:docMk/>
+            <pc:sldMk cId="1361748005" sldId="270"/>
+            <ac:spMk id="27" creationId="{15E3C750-986E-4769-B1AE-49289FBEE757}"/>
+          </ac:spMkLst>
+        </pc:spChg>
+      </pc:sldChg>
+      <pc:sldChg chg="addSp delSp modSp new mod setBg">
+        <pc:chgData name="Erik Björkbäck" userId="22d25936-2a37-4c94-9986-306a0ffe603f" providerId="ADAL" clId="{91BC7BF3-D452-41BB-B5DC-7506A7EC4B34}" dt="2021-05-24T15:03:13.937" v="1177" actId="26606"/>
+        <pc:sldMkLst>
+          <pc:docMk/>
+          <pc:sldMk cId="434216062" sldId="271"/>
+        </pc:sldMkLst>
+        <pc:spChg chg="mod">
+          <ac:chgData name="Erik Björkbäck" userId="22d25936-2a37-4c94-9986-306a0ffe603f" providerId="ADAL" clId="{91BC7BF3-D452-41BB-B5DC-7506A7EC4B34}" dt="2021-05-24T15:03:13.937" v="1177" actId="26606"/>
+          <ac:spMkLst>
+            <pc:docMk/>
+            <pc:sldMk cId="434216062" sldId="271"/>
+            <ac:spMk id="2" creationId="{5BC5B338-BC31-43B0-81D4-798B81211CAD}"/>
+          </ac:spMkLst>
+        </pc:spChg>
+        <pc:spChg chg="del">
+          <ac:chgData name="Erik Björkbäck" userId="22d25936-2a37-4c94-9986-306a0ffe603f" providerId="ADAL" clId="{91BC7BF3-D452-41BB-B5DC-7506A7EC4B34}" dt="2021-05-24T14:34:26.956" v="120" actId="478"/>
+          <ac:spMkLst>
+            <pc:docMk/>
+            <pc:sldMk cId="434216062" sldId="271"/>
+            <ac:spMk id="3" creationId="{E1ED67C0-CB18-4FBA-9F87-FA058E0E004A}"/>
+          </ac:spMkLst>
+        </pc:spChg>
+        <pc:spChg chg="add">
+          <ac:chgData name="Erik Björkbäck" userId="22d25936-2a37-4c94-9986-306a0ffe603f" providerId="ADAL" clId="{91BC7BF3-D452-41BB-B5DC-7506A7EC4B34}" dt="2021-05-24T15:03:13.937" v="1177" actId="26606"/>
+          <ac:spMkLst>
+            <pc:docMk/>
+            <pc:sldMk cId="434216062" sldId="271"/>
+            <ac:spMk id="7" creationId="{88294908-8B00-4F58-BBBA-20F71A40AA9E}"/>
+          </ac:spMkLst>
+        </pc:spChg>
+        <pc:spChg chg="add">
+          <ac:chgData name="Erik Björkbäck" userId="22d25936-2a37-4c94-9986-306a0ffe603f" providerId="ADAL" clId="{91BC7BF3-D452-41BB-B5DC-7506A7EC4B34}" dt="2021-05-24T15:03:13.937" v="1177" actId="26606"/>
+          <ac:spMkLst>
+            <pc:docMk/>
+            <pc:sldMk cId="434216062" sldId="271"/>
+            <ac:spMk id="9" creationId="{4364C879-1404-4203-8E9D-CC5DE0A621A2}"/>
+          </ac:spMkLst>
+        </pc:spChg>
+        <pc:spChg chg="add">
+          <ac:chgData name="Erik Björkbäck" userId="22d25936-2a37-4c94-9986-306a0ffe603f" providerId="ADAL" clId="{91BC7BF3-D452-41BB-B5DC-7506A7EC4B34}" dt="2021-05-24T15:03:13.937" v="1177" actId="26606"/>
+          <ac:spMkLst>
+            <pc:docMk/>
+            <pc:sldMk cId="434216062" sldId="271"/>
+            <ac:spMk id="11" creationId="{84617302-4B0D-4351-A6BB-6F0930D943AC}"/>
+          </ac:spMkLst>
+        </pc:spChg>
+        <pc:spChg chg="add">
+          <ac:chgData name="Erik Björkbäck" userId="22d25936-2a37-4c94-9986-306a0ffe603f" providerId="ADAL" clId="{91BC7BF3-D452-41BB-B5DC-7506A7EC4B34}" dt="2021-05-24T15:03:13.937" v="1177" actId="26606"/>
+          <ac:spMkLst>
+            <pc:docMk/>
+            <pc:sldMk cId="434216062" sldId="271"/>
+            <ac:spMk id="13" creationId="{DA2C7802-C2E0-4218-8F89-8DD7CCD2CD1C}"/>
+          </ac:spMkLst>
+        </pc:spChg>
+        <pc:spChg chg="add">
+          <ac:chgData name="Erik Björkbäck" userId="22d25936-2a37-4c94-9986-306a0ffe603f" providerId="ADAL" clId="{91BC7BF3-D452-41BB-B5DC-7506A7EC4B34}" dt="2021-05-24T15:03:13.937" v="1177" actId="26606"/>
+          <ac:spMkLst>
+            <pc:docMk/>
+            <pc:sldMk cId="434216062" sldId="271"/>
+            <ac:spMk id="15" creationId="{A6D7111A-21E5-4EE9-8A78-10E5530F0116}"/>
+          </ac:spMkLst>
+        </pc:spChg>
+        <pc:spChg chg="add">
+          <ac:chgData name="Erik Björkbäck" userId="22d25936-2a37-4c94-9986-306a0ffe603f" providerId="ADAL" clId="{91BC7BF3-D452-41BB-B5DC-7506A7EC4B34}" dt="2021-05-24T15:03:13.937" v="1177" actId="26606"/>
+          <ac:spMkLst>
+            <pc:docMk/>
+            <pc:sldMk cId="434216062" sldId="271"/>
+            <ac:spMk id="17" creationId="{A3969E80-A77B-49FC-9122-D89AFD5EE118}"/>
+          </ac:spMkLst>
+        </pc:spChg>
+        <pc:spChg chg="add">
+          <ac:chgData name="Erik Björkbäck" userId="22d25936-2a37-4c94-9986-306a0ffe603f" providerId="ADAL" clId="{91BC7BF3-D452-41BB-B5DC-7506A7EC4B34}" dt="2021-05-24T15:03:13.937" v="1177" actId="26606"/>
+          <ac:spMkLst>
+            <pc:docMk/>
+            <pc:sldMk cId="434216062" sldId="271"/>
+            <ac:spMk id="19" creationId="{1849CA57-76BD-4CF2-80BA-D7A46A01B7B1}"/>
+          </ac:spMkLst>
+        </pc:spChg>
+        <pc:spChg chg="add">
+          <ac:chgData name="Erik Björkbäck" userId="22d25936-2a37-4c94-9986-306a0ffe603f" providerId="ADAL" clId="{91BC7BF3-D452-41BB-B5DC-7506A7EC4B34}" dt="2021-05-24T15:03:13.937" v="1177" actId="26606"/>
+          <ac:spMkLst>
+            <pc:docMk/>
+            <pc:sldMk cId="434216062" sldId="271"/>
+            <ac:spMk id="21" creationId="{35E9085E-E730-4768-83D4-6CB7E9897153}"/>
+          </ac:spMkLst>
+        </pc:spChg>
+        <pc:spChg chg="add">
+          <ac:chgData name="Erik Björkbäck" userId="22d25936-2a37-4c94-9986-306a0ffe603f" providerId="ADAL" clId="{91BC7BF3-D452-41BB-B5DC-7506A7EC4B34}" dt="2021-05-24T15:03:13.937" v="1177" actId="26606"/>
+          <ac:spMkLst>
+            <pc:docMk/>
+            <pc:sldMk cId="434216062" sldId="271"/>
+            <ac:spMk id="23" creationId="{973272FE-A474-4CAE-8CA2-BCC8B476C3F4}"/>
+          </ac:spMkLst>
+        </pc:spChg>
+        <pc:spChg chg="add">
+          <ac:chgData name="Erik Björkbäck" userId="22d25936-2a37-4c94-9986-306a0ffe603f" providerId="ADAL" clId="{91BC7BF3-D452-41BB-B5DC-7506A7EC4B34}" dt="2021-05-24T15:03:13.937" v="1177" actId="26606"/>
+          <ac:spMkLst>
+            <pc:docMk/>
+            <pc:sldMk cId="434216062" sldId="271"/>
+            <ac:spMk id="25" creationId="{E07981EA-05A6-437C-88D7-B377B92B031D}"/>
+          </ac:spMkLst>
+        </pc:spChg>
+        <pc:spChg chg="add">
+          <ac:chgData name="Erik Björkbäck" userId="22d25936-2a37-4c94-9986-306a0ffe603f" providerId="ADAL" clId="{91BC7BF3-D452-41BB-B5DC-7506A7EC4B34}" dt="2021-05-24T15:03:13.937" v="1177" actId="26606"/>
+          <ac:spMkLst>
+            <pc:docMk/>
+            <pc:sldMk cId="434216062" sldId="271"/>
+            <ac:spMk id="27" creationId="{15E3C750-986E-4769-B1AE-49289FBEE757}"/>
+          </ac:spMkLst>
+        </pc:spChg>
+      </pc:sldChg>
+      <pc:sldChg chg="addSp modSp new mod setBg">
+        <pc:chgData name="Erik Björkbäck" userId="22d25936-2a37-4c94-9986-306a0ffe603f" providerId="ADAL" clId="{91BC7BF3-D452-41BB-B5DC-7506A7EC4B34}" dt="2021-05-24T15:03:46.173" v="1182" actId="26606"/>
+        <pc:sldMkLst>
+          <pc:docMk/>
+          <pc:sldMk cId="1744220135" sldId="272"/>
+        </pc:sldMkLst>
+        <pc:spChg chg="mod">
+          <ac:chgData name="Erik Björkbäck" userId="22d25936-2a37-4c94-9986-306a0ffe603f" providerId="ADAL" clId="{91BC7BF3-D452-41BB-B5DC-7506A7EC4B34}" dt="2021-05-24T15:03:46.173" v="1182" actId="26606"/>
+          <ac:spMkLst>
+            <pc:docMk/>
+            <pc:sldMk cId="1744220135" sldId="272"/>
+            <ac:spMk id="2" creationId="{120343E6-8381-4BF7-8772-7B5B3AEB1778}"/>
+          </ac:spMkLst>
+        </pc:spChg>
+        <pc:spChg chg="mod">
+          <ac:chgData name="Erik Björkbäck" userId="22d25936-2a37-4c94-9986-306a0ffe603f" providerId="ADAL" clId="{91BC7BF3-D452-41BB-B5DC-7506A7EC4B34}" dt="2021-05-24T15:03:46.173" v="1182" actId="26606"/>
+          <ac:spMkLst>
+            <pc:docMk/>
+            <pc:sldMk cId="1744220135" sldId="272"/>
+            <ac:spMk id="3" creationId="{39F24F6C-C0FD-4148-A080-0E9FCA59BCDA}"/>
+          </ac:spMkLst>
+        </pc:spChg>
+        <pc:spChg chg="add">
+          <ac:chgData name="Erik Björkbäck" userId="22d25936-2a37-4c94-9986-306a0ffe603f" providerId="ADAL" clId="{91BC7BF3-D452-41BB-B5DC-7506A7EC4B34}" dt="2021-05-24T15:03:46.173" v="1182" actId="26606"/>
+          <ac:spMkLst>
+            <pc:docMk/>
+            <pc:sldMk cId="1744220135" sldId="272"/>
+            <ac:spMk id="8" creationId="{46D6306C-ED4F-4AAE-B4A5-EEA6AFAD726E}"/>
+          </ac:spMkLst>
+        </pc:spChg>
+        <pc:spChg chg="add">
+          <ac:chgData name="Erik Björkbäck" userId="22d25936-2a37-4c94-9986-306a0ffe603f" providerId="ADAL" clId="{91BC7BF3-D452-41BB-B5DC-7506A7EC4B34}" dt="2021-05-24T15:03:46.173" v="1182" actId="26606"/>
+          <ac:spMkLst>
+            <pc:docMk/>
+            <pc:sldMk cId="1744220135" sldId="272"/>
+            <ac:spMk id="10" creationId="{0EC5361D-F897-4856-B945-0455A365EB24}"/>
+          </ac:spMkLst>
+        </pc:spChg>
+        <pc:spChg chg="add">
+          <ac:chgData name="Erik Björkbäck" userId="22d25936-2a37-4c94-9986-306a0ffe603f" providerId="ADAL" clId="{91BC7BF3-D452-41BB-B5DC-7506A7EC4B34}" dt="2021-05-24T15:03:46.173" v="1182" actId="26606"/>
+          <ac:spMkLst>
+            <pc:docMk/>
+            <pc:sldMk cId="1744220135" sldId="272"/>
+            <ac:spMk id="12" creationId="{4508C0C5-2268-42B5-B3C8-4D0899E05F8C}"/>
+          </ac:spMkLst>
+        </pc:spChg>
+        <pc:spChg chg="add">
+          <ac:chgData name="Erik Björkbäck" userId="22d25936-2a37-4c94-9986-306a0ffe603f" providerId="ADAL" clId="{91BC7BF3-D452-41BB-B5DC-7506A7EC4B34}" dt="2021-05-24T15:03:46.173" v="1182" actId="26606"/>
+          <ac:spMkLst>
+            <pc:docMk/>
+            <pc:sldMk cId="1744220135" sldId="272"/>
+            <ac:spMk id="14" creationId="{141ACBDB-38F8-4B34-8183-BD95B4E55A62}"/>
+          </ac:spMkLst>
+        </pc:spChg>
+        <pc:spChg chg="add">
+          <ac:chgData name="Erik Björkbäck" userId="22d25936-2a37-4c94-9986-306a0ffe603f" providerId="ADAL" clId="{91BC7BF3-D452-41BB-B5DC-7506A7EC4B34}" dt="2021-05-24T15:03:46.173" v="1182" actId="26606"/>
+          <ac:spMkLst>
+            <pc:docMk/>
+            <pc:sldMk cId="1744220135" sldId="272"/>
+            <ac:spMk id="16" creationId="{DE00DB52-3455-4E2F-867B-A6D0516E175B}"/>
+          </ac:spMkLst>
+        </pc:spChg>
+        <pc:spChg chg="add">
+          <ac:chgData name="Erik Björkbäck" userId="22d25936-2a37-4c94-9986-306a0ffe603f" providerId="ADAL" clId="{91BC7BF3-D452-41BB-B5DC-7506A7EC4B34}" dt="2021-05-24T15:03:46.173" v="1182" actId="26606"/>
+          <ac:spMkLst>
+            <pc:docMk/>
+            <pc:sldMk cId="1744220135" sldId="272"/>
+            <ac:spMk id="18" creationId="{9E914C83-E0D8-4953-92D5-169D28CB43AE}"/>
+          </ac:spMkLst>
+        </pc:spChg>
+        <pc:spChg chg="add">
+          <ac:chgData name="Erik Björkbäck" userId="22d25936-2a37-4c94-9986-306a0ffe603f" providerId="ADAL" clId="{91BC7BF3-D452-41BB-B5DC-7506A7EC4B34}" dt="2021-05-24T15:03:46.173" v="1182" actId="26606"/>
+          <ac:spMkLst>
+            <pc:docMk/>
+            <pc:sldMk cId="1744220135" sldId="272"/>
+            <ac:spMk id="20" creationId="{3512E083-F550-46AF-8490-767ECFD00CB7}"/>
+          </ac:spMkLst>
+        </pc:spChg>
+      </pc:sldChg>
+      <pc:sldChg chg="addSp modSp new mod setBg">
+        <pc:chgData name="Erik Björkbäck" userId="22d25936-2a37-4c94-9986-306a0ffe603f" providerId="ADAL" clId="{91BC7BF3-D452-41BB-B5DC-7506A7EC4B34}" dt="2021-05-24T15:03:48.597" v="1183" actId="26606"/>
+        <pc:sldMkLst>
+          <pc:docMk/>
+          <pc:sldMk cId="4278392842" sldId="273"/>
+        </pc:sldMkLst>
+        <pc:spChg chg="mod">
+          <ac:chgData name="Erik Björkbäck" userId="22d25936-2a37-4c94-9986-306a0ffe603f" providerId="ADAL" clId="{91BC7BF3-D452-41BB-B5DC-7506A7EC4B34}" dt="2021-05-24T15:03:48.597" v="1183" actId="26606"/>
+          <ac:spMkLst>
+            <pc:docMk/>
+            <pc:sldMk cId="4278392842" sldId="273"/>
+            <ac:spMk id="2" creationId="{B4838749-2F4F-4124-8EA6-3D51AAF9EBCC}"/>
+          </ac:spMkLst>
+        </pc:spChg>
+        <pc:spChg chg="mod">
+          <ac:chgData name="Erik Björkbäck" userId="22d25936-2a37-4c94-9986-306a0ffe603f" providerId="ADAL" clId="{91BC7BF3-D452-41BB-B5DC-7506A7EC4B34}" dt="2021-05-24T15:03:48.597" v="1183" actId="26606"/>
+          <ac:spMkLst>
+            <pc:docMk/>
+            <pc:sldMk cId="4278392842" sldId="273"/>
+            <ac:spMk id="3" creationId="{8C057498-BCCF-4DE7-88A3-1DEC4B70666C}"/>
+          </ac:spMkLst>
+        </pc:spChg>
+        <pc:spChg chg="add">
+          <ac:chgData name="Erik Björkbäck" userId="22d25936-2a37-4c94-9986-306a0ffe603f" providerId="ADAL" clId="{91BC7BF3-D452-41BB-B5DC-7506A7EC4B34}" dt="2021-05-24T15:03:48.597" v="1183" actId="26606"/>
+          <ac:spMkLst>
+            <pc:docMk/>
+            <pc:sldMk cId="4278392842" sldId="273"/>
+            <ac:spMk id="8" creationId="{46D6306C-ED4F-4AAE-B4A5-EEA6AFAD726E}"/>
+          </ac:spMkLst>
+        </pc:spChg>
+        <pc:spChg chg="add">
+          <ac:chgData name="Erik Björkbäck" userId="22d25936-2a37-4c94-9986-306a0ffe603f" providerId="ADAL" clId="{91BC7BF3-D452-41BB-B5DC-7506A7EC4B34}" dt="2021-05-24T15:03:48.597" v="1183" actId="26606"/>
+          <ac:spMkLst>
+            <pc:docMk/>
+            <pc:sldMk cId="4278392842" sldId="273"/>
+            <ac:spMk id="10" creationId="{0EC5361D-F897-4856-B945-0455A365EB24}"/>
+          </ac:spMkLst>
+        </pc:spChg>
+        <pc:spChg chg="add">
+          <ac:chgData name="Erik Björkbäck" userId="22d25936-2a37-4c94-9986-306a0ffe603f" providerId="ADAL" clId="{91BC7BF3-D452-41BB-B5DC-7506A7EC4B34}" dt="2021-05-24T15:03:48.597" v="1183" actId="26606"/>
+          <ac:spMkLst>
+            <pc:docMk/>
+            <pc:sldMk cId="4278392842" sldId="273"/>
+            <ac:spMk id="12" creationId="{4508C0C5-2268-42B5-B3C8-4D0899E05F8C}"/>
+          </ac:spMkLst>
+        </pc:spChg>
+        <pc:spChg chg="add">
+          <ac:chgData name="Erik Björkbäck" userId="22d25936-2a37-4c94-9986-306a0ffe603f" providerId="ADAL" clId="{91BC7BF3-D452-41BB-B5DC-7506A7EC4B34}" dt="2021-05-24T15:03:48.597" v="1183" actId="26606"/>
+          <ac:spMkLst>
+            <pc:docMk/>
+            <pc:sldMk cId="4278392842" sldId="273"/>
+            <ac:spMk id="14" creationId="{141ACBDB-38F8-4B34-8183-BD95B4E55A62}"/>
+          </ac:spMkLst>
+        </pc:spChg>
+        <pc:spChg chg="add">
+          <ac:chgData name="Erik Björkbäck" userId="22d25936-2a37-4c94-9986-306a0ffe603f" providerId="ADAL" clId="{91BC7BF3-D452-41BB-B5DC-7506A7EC4B34}" dt="2021-05-24T15:03:48.597" v="1183" actId="26606"/>
+          <ac:spMkLst>
+            <pc:docMk/>
+            <pc:sldMk cId="4278392842" sldId="273"/>
+            <ac:spMk id="16" creationId="{DE00DB52-3455-4E2F-867B-A6D0516E175B}"/>
+          </ac:spMkLst>
+        </pc:spChg>
+        <pc:spChg chg="add">
+          <ac:chgData name="Erik Björkbäck" userId="22d25936-2a37-4c94-9986-306a0ffe603f" providerId="ADAL" clId="{91BC7BF3-D452-41BB-B5DC-7506A7EC4B34}" dt="2021-05-24T15:03:48.597" v="1183" actId="26606"/>
+          <ac:spMkLst>
+            <pc:docMk/>
+            <pc:sldMk cId="4278392842" sldId="273"/>
+            <ac:spMk id="18" creationId="{9E914C83-E0D8-4953-92D5-169D28CB43AE}"/>
+          </ac:spMkLst>
+        </pc:spChg>
+        <pc:spChg chg="add">
+          <ac:chgData name="Erik Björkbäck" userId="22d25936-2a37-4c94-9986-306a0ffe603f" providerId="ADAL" clId="{91BC7BF3-D452-41BB-B5DC-7506A7EC4B34}" dt="2021-05-24T15:03:48.597" v="1183" actId="26606"/>
+          <ac:spMkLst>
+            <pc:docMk/>
+            <pc:sldMk cId="4278392842" sldId="273"/>
+            <ac:spMk id="20" creationId="{3512E083-F550-46AF-8490-767ECFD00CB7}"/>
+          </ac:spMkLst>
+        </pc:spChg>
+      </pc:sldChg>
+      <pc:sldChg chg="addSp delSp modSp new del mod">
+        <pc:chgData name="Erik Björkbäck" userId="22d25936-2a37-4c94-9986-306a0ffe603f" providerId="ADAL" clId="{91BC7BF3-D452-41BB-B5DC-7506A7EC4B34}" dt="2021-05-24T14:48:40.306" v="1053" actId="47"/>
+        <pc:sldMkLst>
+          <pc:docMk/>
+          <pc:sldMk cId="604805814" sldId="274"/>
+        </pc:sldMkLst>
+        <pc:spChg chg="del mod">
+          <ac:chgData name="Erik Björkbäck" userId="22d25936-2a37-4c94-9986-306a0ffe603f" providerId="ADAL" clId="{91BC7BF3-D452-41BB-B5DC-7506A7EC4B34}" dt="2021-05-24T14:48:37.107" v="1050" actId="478"/>
+          <ac:spMkLst>
+            <pc:docMk/>
+            <pc:sldMk cId="604805814" sldId="274"/>
+            <ac:spMk id="2" creationId="{A10A28B2-A70E-43D6-8EFC-5E152B2A2C37}"/>
+          </ac:spMkLst>
+        </pc:spChg>
+        <pc:spChg chg="del">
+          <ac:chgData name="Erik Björkbäck" userId="22d25936-2a37-4c94-9986-306a0ffe603f" providerId="ADAL" clId="{91BC7BF3-D452-41BB-B5DC-7506A7EC4B34}" dt="2021-05-24T14:48:38.509" v="1051" actId="478"/>
+          <ac:spMkLst>
+            <pc:docMk/>
+            <pc:sldMk cId="604805814" sldId="274"/>
+            <ac:spMk id="3" creationId="{53B9A9EF-D639-4DE3-9E19-DB54A3035537}"/>
+          </ac:spMkLst>
+        </pc:spChg>
+        <pc:spChg chg="add del mod">
+          <ac:chgData name="Erik Björkbäck" userId="22d25936-2a37-4c94-9986-306a0ffe603f" providerId="ADAL" clId="{91BC7BF3-D452-41BB-B5DC-7506A7EC4B34}" dt="2021-05-24T14:48:39.350" v="1052" actId="478"/>
+          <ac:spMkLst>
+            <pc:docMk/>
+            <pc:sldMk cId="604805814" sldId="274"/>
+            <ac:spMk id="5" creationId="{9C3CF5CA-DA17-4DD0-A9F9-42E3E676E92E}"/>
+          </ac:spMkLst>
+        </pc:spChg>
+      </pc:sldChg>
+      <pc:sldChg chg="addSp delSp modSp new mod">
+        <pc:chgData name="Erik Björkbäck" userId="22d25936-2a37-4c94-9986-306a0ffe603f" providerId="ADAL" clId="{91BC7BF3-D452-41BB-B5DC-7506A7EC4B34}" dt="2021-05-24T14:59:59.231" v="1140" actId="1076"/>
+        <pc:sldMkLst>
+          <pc:docMk/>
+          <pc:sldMk cId="3056663397" sldId="274"/>
+        </pc:sldMkLst>
+        <pc:spChg chg="del">
+          <ac:chgData name="Erik Björkbäck" userId="22d25936-2a37-4c94-9986-306a0ffe603f" providerId="ADAL" clId="{91BC7BF3-D452-41BB-B5DC-7506A7EC4B34}" dt="2021-05-24T14:59:50.378" v="1138" actId="478"/>
+          <ac:spMkLst>
+            <pc:docMk/>
+            <pc:sldMk cId="3056663397" sldId="274"/>
+            <ac:spMk id="2" creationId="{3F7D6F97-85B2-401C-9B61-DAFD6FDF2B31}"/>
+          </ac:spMkLst>
+        </pc:spChg>
+        <pc:spChg chg="del">
+          <ac:chgData name="Erik Björkbäck" userId="22d25936-2a37-4c94-9986-306a0ffe603f" providerId="ADAL" clId="{91BC7BF3-D452-41BB-B5DC-7506A7EC4B34}" dt="2021-05-24T14:59:46.549" v="1137"/>
+          <ac:spMkLst>
+            <pc:docMk/>
+            <pc:sldMk cId="3056663397" sldId="274"/>
+            <ac:spMk id="3" creationId="{184609D7-C14B-4438-A791-B73F6B3B1AAA}"/>
+          </ac:spMkLst>
+        </pc:spChg>
+        <pc:picChg chg="add mod">
+          <ac:chgData name="Erik Björkbäck" userId="22d25936-2a37-4c94-9986-306a0ffe603f" providerId="ADAL" clId="{91BC7BF3-D452-41BB-B5DC-7506A7EC4B34}" dt="2021-05-24T14:59:59.231" v="1140" actId="1076"/>
+          <ac:picMkLst>
+            <pc:docMk/>
+            <pc:sldMk cId="3056663397" sldId="274"/>
+            <ac:picMk id="4" creationId="{FB870160-F85D-4CBB-B165-96C320D34DB3}"/>
+          </ac:picMkLst>
+        </pc:picChg>
       </pc:sldChg>
     </pc:docChg>
   </pc:docChgLst>
@@ -183,7 +1896,7 @@
           <p:cNvPr id="2" name="Rubrik 1">
             <a:extLst>
               <a:ext uri="{FF2B5EF4-FFF2-40B4-BE49-F238E27FC236}">
-                <a16:creationId xmlns:a16="http://schemas.microsoft.com/office/drawing/2014/main" id="{0710AC94-3E5F-4D31-ABC3-1167C6D32D09}"/>
+                <a16:creationId xmlns:a16="http://schemas.microsoft.com/office/drawing/2014/main" id="{69F5F6D1-3FD1-49DA-8901-F0C00F098A2B}"/>
               </a:ext>
             </a:extLst>
           </p:cNvPr>
@@ -220,7 +1933,7 @@
           <p:cNvPr id="3" name="Underrubrik 2">
             <a:extLst>
               <a:ext uri="{FF2B5EF4-FFF2-40B4-BE49-F238E27FC236}">
-                <a16:creationId xmlns:a16="http://schemas.microsoft.com/office/drawing/2014/main" id="{FE070F57-64A6-4F93-A6A2-48321DAD43BF}"/>
+                <a16:creationId xmlns:a16="http://schemas.microsoft.com/office/drawing/2014/main" id="{340DA066-9C5D-485F-A2A0-2D0FDA2EA847}"/>
               </a:ext>
             </a:extLst>
           </p:cNvPr>
@@ -290,7 +2003,7 @@
           <p:cNvPr id="4" name="Platshållare för datum 3">
             <a:extLst>
               <a:ext uri="{FF2B5EF4-FFF2-40B4-BE49-F238E27FC236}">
-                <a16:creationId xmlns:a16="http://schemas.microsoft.com/office/drawing/2014/main" id="{7C1A697F-0483-47BD-9C24-783B6CEE1F0D}"/>
+                <a16:creationId xmlns:a16="http://schemas.microsoft.com/office/drawing/2014/main" id="{1889C4E3-5662-4167-88F0-5CE32F17FC93}"/>
               </a:ext>
             </a:extLst>
           </p:cNvPr>
@@ -308,7 +2021,7 @@
           <a:p>
             <a:fld id="{AC968D02-C889-4882-ABB2-8A7A3C1FBB66}" type="datetimeFigureOut">
               <a:rPr lang="sv-SE" smtClean="0"/>
-              <a:t>2021-05-17</a:t>
+              <a:t>2021-05-24</a:t>
             </a:fld>
             <a:endParaRPr lang="sv-SE"/>
           </a:p>
@@ -319,7 +2032,7 @@
           <p:cNvPr id="5" name="Platshållare för sidfot 4">
             <a:extLst>
               <a:ext uri="{FF2B5EF4-FFF2-40B4-BE49-F238E27FC236}">
-                <a16:creationId xmlns:a16="http://schemas.microsoft.com/office/drawing/2014/main" id="{0570B601-C098-4FAC-AEE9-09EC24DF164E}"/>
+                <a16:creationId xmlns:a16="http://schemas.microsoft.com/office/drawing/2014/main" id="{06052DD8-292F-4D30-8154-103C83B1B5B2}"/>
               </a:ext>
             </a:extLst>
           </p:cNvPr>
@@ -344,7 +2057,7 @@
           <p:cNvPr id="6" name="Platshållare för bildnummer 5">
             <a:extLst>
               <a:ext uri="{FF2B5EF4-FFF2-40B4-BE49-F238E27FC236}">
-                <a16:creationId xmlns:a16="http://schemas.microsoft.com/office/drawing/2014/main" id="{6AEAFEF9-1B5D-453A-A1B5-787A34A6E542}"/>
+                <a16:creationId xmlns:a16="http://schemas.microsoft.com/office/drawing/2014/main" id="{AF86CC51-65CB-461A-8EBB-CCB5F2B3556A}"/>
               </a:ext>
             </a:extLst>
           </p:cNvPr>
@@ -371,7 +2084,7 @@
     </p:spTree>
     <p:extLst>
       <p:ext uri="{BB962C8B-B14F-4D97-AF65-F5344CB8AC3E}">
-        <p14:creationId xmlns:p14="http://schemas.microsoft.com/office/powerpoint/2010/main" val="815580647"/>
+        <p14:creationId xmlns:p14="http://schemas.microsoft.com/office/powerpoint/2010/main" val="3716300578"/>
       </p:ext>
     </p:extLst>
   </p:cSld>
@@ -403,7 +2116,7 @@
           <p:cNvPr id="2" name="Rubrik 1">
             <a:extLst>
               <a:ext uri="{FF2B5EF4-FFF2-40B4-BE49-F238E27FC236}">
-                <a16:creationId xmlns:a16="http://schemas.microsoft.com/office/drawing/2014/main" id="{A3654D50-155E-4FEF-86A3-FE80840B4FBB}"/>
+                <a16:creationId xmlns:a16="http://schemas.microsoft.com/office/drawing/2014/main" id="{27F888A5-70F1-4801-A1FF-92B9A92FEEAC}"/>
               </a:ext>
             </a:extLst>
           </p:cNvPr>
@@ -431,7 +2144,7 @@
           <p:cNvPr id="3" name="Platshållare för lodrät text 2">
             <a:extLst>
               <a:ext uri="{FF2B5EF4-FFF2-40B4-BE49-F238E27FC236}">
-                <a16:creationId xmlns:a16="http://schemas.microsoft.com/office/drawing/2014/main" id="{84E96556-E9B1-4FD0-8EB3-6F2D1A4A0E6C}"/>
+                <a16:creationId xmlns:a16="http://schemas.microsoft.com/office/drawing/2014/main" id="{1288A6C6-B6D6-40F3-95D2-C37B21385651}"/>
               </a:ext>
             </a:extLst>
           </p:cNvPr>
@@ -488,7 +2201,7 @@
           <p:cNvPr id="4" name="Platshållare för datum 3">
             <a:extLst>
               <a:ext uri="{FF2B5EF4-FFF2-40B4-BE49-F238E27FC236}">
-                <a16:creationId xmlns:a16="http://schemas.microsoft.com/office/drawing/2014/main" id="{4022874C-E7D0-4366-BCF1-52C3E2E04269}"/>
+                <a16:creationId xmlns:a16="http://schemas.microsoft.com/office/drawing/2014/main" id="{69D046CA-6EB0-48CB-8234-6A0F9037E7E3}"/>
               </a:ext>
             </a:extLst>
           </p:cNvPr>
@@ -506,7 +2219,7 @@
           <a:p>
             <a:fld id="{AC968D02-C889-4882-ABB2-8A7A3C1FBB66}" type="datetimeFigureOut">
               <a:rPr lang="sv-SE" smtClean="0"/>
-              <a:t>2021-05-17</a:t>
+              <a:t>2021-05-24</a:t>
             </a:fld>
             <a:endParaRPr lang="sv-SE"/>
           </a:p>
@@ -517,7 +2230,7 @@
           <p:cNvPr id="5" name="Platshållare för sidfot 4">
             <a:extLst>
               <a:ext uri="{FF2B5EF4-FFF2-40B4-BE49-F238E27FC236}">
-                <a16:creationId xmlns:a16="http://schemas.microsoft.com/office/drawing/2014/main" id="{72F35FAD-1984-4C39-8A9A-401FEE014BA9}"/>
+                <a16:creationId xmlns:a16="http://schemas.microsoft.com/office/drawing/2014/main" id="{8C335495-2412-4D10-838C-29DB13214519}"/>
               </a:ext>
             </a:extLst>
           </p:cNvPr>
@@ -542,7 +2255,7 @@
           <p:cNvPr id="6" name="Platshållare för bildnummer 5">
             <a:extLst>
               <a:ext uri="{FF2B5EF4-FFF2-40B4-BE49-F238E27FC236}">
-                <a16:creationId xmlns:a16="http://schemas.microsoft.com/office/drawing/2014/main" id="{7E2B3BBA-29C9-49F4-A796-D535C94FCF96}"/>
+                <a16:creationId xmlns:a16="http://schemas.microsoft.com/office/drawing/2014/main" id="{67478207-E54C-4164-9981-413E0AF1ACDA}"/>
               </a:ext>
             </a:extLst>
           </p:cNvPr>
@@ -569,7 +2282,7 @@
     </p:spTree>
     <p:extLst>
       <p:ext uri="{BB962C8B-B14F-4D97-AF65-F5344CB8AC3E}">
-        <p14:creationId xmlns:p14="http://schemas.microsoft.com/office/powerpoint/2010/main" val="1185943300"/>
+        <p14:creationId xmlns:p14="http://schemas.microsoft.com/office/powerpoint/2010/main" val="2472109727"/>
       </p:ext>
     </p:extLst>
   </p:cSld>
@@ -601,7 +2314,7 @@
           <p:cNvPr id="2" name="Lodrät rubrik 1">
             <a:extLst>
               <a:ext uri="{FF2B5EF4-FFF2-40B4-BE49-F238E27FC236}">
-                <a16:creationId xmlns:a16="http://schemas.microsoft.com/office/drawing/2014/main" id="{C276F6B1-F5AF-4C31-AD35-0D7B9EFF615D}"/>
+                <a16:creationId xmlns:a16="http://schemas.microsoft.com/office/drawing/2014/main" id="{BDB562CC-097C-45E1-AF7F-EF8BDBB9D878}"/>
               </a:ext>
             </a:extLst>
           </p:cNvPr>
@@ -634,7 +2347,7 @@
           <p:cNvPr id="3" name="Platshållare för lodrät text 2">
             <a:extLst>
               <a:ext uri="{FF2B5EF4-FFF2-40B4-BE49-F238E27FC236}">
-                <a16:creationId xmlns:a16="http://schemas.microsoft.com/office/drawing/2014/main" id="{81462B79-6DD1-44C9-B8A7-2C35774EE337}"/>
+                <a16:creationId xmlns:a16="http://schemas.microsoft.com/office/drawing/2014/main" id="{122F1F9D-E98F-41EB-9C7E-AFCD868755F5}"/>
               </a:ext>
             </a:extLst>
           </p:cNvPr>
@@ -696,7 +2409,7 @@
           <p:cNvPr id="4" name="Platshållare för datum 3">
             <a:extLst>
               <a:ext uri="{FF2B5EF4-FFF2-40B4-BE49-F238E27FC236}">
-                <a16:creationId xmlns:a16="http://schemas.microsoft.com/office/drawing/2014/main" id="{B37905C0-E561-4475-805C-3B2668886BAB}"/>
+                <a16:creationId xmlns:a16="http://schemas.microsoft.com/office/drawing/2014/main" id="{26F02CF8-FDF1-4788-BB73-C149C677A329}"/>
               </a:ext>
             </a:extLst>
           </p:cNvPr>
@@ -714,7 +2427,7 @@
           <a:p>
             <a:fld id="{AC968D02-C889-4882-ABB2-8A7A3C1FBB66}" type="datetimeFigureOut">
               <a:rPr lang="sv-SE" smtClean="0"/>
-              <a:t>2021-05-17</a:t>
+              <a:t>2021-05-24</a:t>
             </a:fld>
             <a:endParaRPr lang="sv-SE"/>
           </a:p>
@@ -725,7 +2438,7 @@
           <p:cNvPr id="5" name="Platshållare för sidfot 4">
             <a:extLst>
               <a:ext uri="{FF2B5EF4-FFF2-40B4-BE49-F238E27FC236}">
-                <a16:creationId xmlns:a16="http://schemas.microsoft.com/office/drawing/2014/main" id="{6B92CBAB-3EC6-4AEF-8ECA-CC1708F7CF21}"/>
+                <a16:creationId xmlns:a16="http://schemas.microsoft.com/office/drawing/2014/main" id="{660E4F25-685A-475F-82EE-11B670ECCAFD}"/>
               </a:ext>
             </a:extLst>
           </p:cNvPr>
@@ -750,7 +2463,7 @@
           <p:cNvPr id="6" name="Platshållare för bildnummer 5">
             <a:extLst>
               <a:ext uri="{FF2B5EF4-FFF2-40B4-BE49-F238E27FC236}">
-                <a16:creationId xmlns:a16="http://schemas.microsoft.com/office/drawing/2014/main" id="{150ACAC3-D1AE-4C79-8372-C5B4340FD331}"/>
+                <a16:creationId xmlns:a16="http://schemas.microsoft.com/office/drawing/2014/main" id="{F546A3A8-194E-4E4F-A780-301D23D94AEA}"/>
               </a:ext>
             </a:extLst>
           </p:cNvPr>
@@ -777,7 +2490,7 @@
     </p:spTree>
     <p:extLst>
       <p:ext uri="{BB962C8B-B14F-4D97-AF65-F5344CB8AC3E}">
-        <p14:creationId xmlns:p14="http://schemas.microsoft.com/office/powerpoint/2010/main" val="679543802"/>
+        <p14:creationId xmlns:p14="http://schemas.microsoft.com/office/powerpoint/2010/main" val="2739112193"/>
       </p:ext>
     </p:extLst>
   </p:cSld>
@@ -809,7 +2522,7 @@
           <p:cNvPr id="2" name="Rubrik 1">
             <a:extLst>
               <a:ext uri="{FF2B5EF4-FFF2-40B4-BE49-F238E27FC236}">
-                <a16:creationId xmlns:a16="http://schemas.microsoft.com/office/drawing/2014/main" id="{F99C5C31-48AE-49E1-A6BE-724EAF9F8371}"/>
+                <a16:creationId xmlns:a16="http://schemas.microsoft.com/office/drawing/2014/main" id="{866CC049-7397-44D0-A9A9-82F15F8AF013}"/>
               </a:ext>
             </a:extLst>
           </p:cNvPr>
@@ -837,7 +2550,7 @@
           <p:cNvPr id="3" name="Platshållare för innehåll 2">
             <a:extLst>
               <a:ext uri="{FF2B5EF4-FFF2-40B4-BE49-F238E27FC236}">
-                <a16:creationId xmlns:a16="http://schemas.microsoft.com/office/drawing/2014/main" id="{5A6E3CFE-6FC0-42ED-8113-2D95CEA4A79C}"/>
+                <a16:creationId xmlns:a16="http://schemas.microsoft.com/office/drawing/2014/main" id="{5C14ED74-E170-495B-A105-3B95ED95AF0B}"/>
               </a:ext>
             </a:extLst>
           </p:cNvPr>
@@ -894,7 +2607,7 @@
           <p:cNvPr id="4" name="Platshållare för datum 3">
             <a:extLst>
               <a:ext uri="{FF2B5EF4-FFF2-40B4-BE49-F238E27FC236}">
-                <a16:creationId xmlns:a16="http://schemas.microsoft.com/office/drawing/2014/main" id="{98CFB835-632C-47F2-B4A6-15A6AC999581}"/>
+                <a16:creationId xmlns:a16="http://schemas.microsoft.com/office/drawing/2014/main" id="{940B16EB-E6B7-46A8-A4FE-AB4B2C9FE03D}"/>
               </a:ext>
             </a:extLst>
           </p:cNvPr>
@@ -912,7 +2625,7 @@
           <a:p>
             <a:fld id="{AC968D02-C889-4882-ABB2-8A7A3C1FBB66}" type="datetimeFigureOut">
               <a:rPr lang="sv-SE" smtClean="0"/>
-              <a:t>2021-05-17</a:t>
+              <a:t>2021-05-24</a:t>
             </a:fld>
             <a:endParaRPr lang="sv-SE"/>
           </a:p>
@@ -923,7 +2636,7 @@
           <p:cNvPr id="5" name="Platshållare för sidfot 4">
             <a:extLst>
               <a:ext uri="{FF2B5EF4-FFF2-40B4-BE49-F238E27FC236}">
-                <a16:creationId xmlns:a16="http://schemas.microsoft.com/office/drawing/2014/main" id="{4B05BE09-1F47-4A71-A2E7-983C30CFF6DD}"/>
+                <a16:creationId xmlns:a16="http://schemas.microsoft.com/office/drawing/2014/main" id="{69061A6C-10D1-4AEB-A37F-58FA2FB39554}"/>
               </a:ext>
             </a:extLst>
           </p:cNvPr>
@@ -948,7 +2661,7 @@
           <p:cNvPr id="6" name="Platshållare för bildnummer 5">
             <a:extLst>
               <a:ext uri="{FF2B5EF4-FFF2-40B4-BE49-F238E27FC236}">
-                <a16:creationId xmlns:a16="http://schemas.microsoft.com/office/drawing/2014/main" id="{92CECE04-D8B1-4E41-9BD5-AB0682F6895B}"/>
+                <a16:creationId xmlns:a16="http://schemas.microsoft.com/office/drawing/2014/main" id="{33FC7F2C-9765-49AA-AFD7-A0A87FB831A7}"/>
               </a:ext>
             </a:extLst>
           </p:cNvPr>
@@ -975,7 +2688,7 @@
     </p:spTree>
     <p:extLst>
       <p:ext uri="{BB962C8B-B14F-4D97-AF65-F5344CB8AC3E}">
-        <p14:creationId xmlns:p14="http://schemas.microsoft.com/office/powerpoint/2010/main" val="460592677"/>
+        <p14:creationId xmlns:p14="http://schemas.microsoft.com/office/powerpoint/2010/main" val="360175102"/>
       </p:ext>
     </p:extLst>
   </p:cSld>
@@ -1007,7 +2720,7 @@
           <p:cNvPr id="2" name="Rubrik 1">
             <a:extLst>
               <a:ext uri="{FF2B5EF4-FFF2-40B4-BE49-F238E27FC236}">
-                <a16:creationId xmlns:a16="http://schemas.microsoft.com/office/drawing/2014/main" id="{66CD3E9D-4286-45FC-AF24-311F9CD3DB41}"/>
+                <a16:creationId xmlns:a16="http://schemas.microsoft.com/office/drawing/2014/main" id="{014BCF2D-F325-4307-9967-9EACED905E58}"/>
               </a:ext>
             </a:extLst>
           </p:cNvPr>
@@ -1044,7 +2757,7 @@
           <p:cNvPr id="3" name="Platshållare för text 2">
             <a:extLst>
               <a:ext uri="{FF2B5EF4-FFF2-40B4-BE49-F238E27FC236}">
-                <a16:creationId xmlns:a16="http://schemas.microsoft.com/office/drawing/2014/main" id="{C803DA51-3F78-41F4-81A9-C2F91576530C}"/>
+                <a16:creationId xmlns:a16="http://schemas.microsoft.com/office/drawing/2014/main" id="{CAFE5764-4A9B-4B56-BE1A-E9A5606C6201}"/>
               </a:ext>
             </a:extLst>
           </p:cNvPr>
@@ -1169,7 +2882,7 @@
           <p:cNvPr id="4" name="Platshållare för datum 3">
             <a:extLst>
               <a:ext uri="{FF2B5EF4-FFF2-40B4-BE49-F238E27FC236}">
-                <a16:creationId xmlns:a16="http://schemas.microsoft.com/office/drawing/2014/main" id="{FFDEEB58-F54E-41A0-AFA9-C28ADC143BBF}"/>
+                <a16:creationId xmlns:a16="http://schemas.microsoft.com/office/drawing/2014/main" id="{62DDB114-76AE-4A28-9986-A89EE70710B4}"/>
               </a:ext>
             </a:extLst>
           </p:cNvPr>
@@ -1187,7 +2900,7 @@
           <a:p>
             <a:fld id="{AC968D02-C889-4882-ABB2-8A7A3C1FBB66}" type="datetimeFigureOut">
               <a:rPr lang="sv-SE" smtClean="0"/>
-              <a:t>2021-05-17</a:t>
+              <a:t>2021-05-24</a:t>
             </a:fld>
             <a:endParaRPr lang="sv-SE"/>
           </a:p>
@@ -1198,7 +2911,7 @@
           <p:cNvPr id="5" name="Platshållare för sidfot 4">
             <a:extLst>
               <a:ext uri="{FF2B5EF4-FFF2-40B4-BE49-F238E27FC236}">
-                <a16:creationId xmlns:a16="http://schemas.microsoft.com/office/drawing/2014/main" id="{0CC2F95E-9BFF-4372-89EE-3E0D0FECE456}"/>
+                <a16:creationId xmlns:a16="http://schemas.microsoft.com/office/drawing/2014/main" id="{EBAAA74C-5D42-416E-A8BB-45118C40A0DF}"/>
               </a:ext>
             </a:extLst>
           </p:cNvPr>
@@ -1223,7 +2936,7 @@
           <p:cNvPr id="6" name="Platshållare för bildnummer 5">
             <a:extLst>
               <a:ext uri="{FF2B5EF4-FFF2-40B4-BE49-F238E27FC236}">
-                <a16:creationId xmlns:a16="http://schemas.microsoft.com/office/drawing/2014/main" id="{4CD929A5-CDEE-4E19-9976-95F705E5EECC}"/>
+                <a16:creationId xmlns:a16="http://schemas.microsoft.com/office/drawing/2014/main" id="{7D8FE8A7-E53D-415A-9DB2-AA09768E44DA}"/>
               </a:ext>
             </a:extLst>
           </p:cNvPr>
@@ -1250,7 +2963,7 @@
     </p:spTree>
     <p:extLst>
       <p:ext uri="{BB962C8B-B14F-4D97-AF65-F5344CB8AC3E}">
-        <p14:creationId xmlns:p14="http://schemas.microsoft.com/office/powerpoint/2010/main" val="40450752"/>
+        <p14:creationId xmlns:p14="http://schemas.microsoft.com/office/powerpoint/2010/main" val="3356329123"/>
       </p:ext>
     </p:extLst>
   </p:cSld>
@@ -1282,7 +2995,7 @@
           <p:cNvPr id="2" name="Rubrik 1">
             <a:extLst>
               <a:ext uri="{FF2B5EF4-FFF2-40B4-BE49-F238E27FC236}">
-                <a16:creationId xmlns:a16="http://schemas.microsoft.com/office/drawing/2014/main" id="{37985D2D-5EA1-4F33-ACD7-A0DD2C673E4A}"/>
+                <a16:creationId xmlns:a16="http://schemas.microsoft.com/office/drawing/2014/main" id="{707A4A2A-16CB-4FEE-9D8E-2A0D3C0DBA70}"/>
               </a:ext>
             </a:extLst>
           </p:cNvPr>
@@ -1310,7 +3023,7 @@
           <p:cNvPr id="3" name="Platshållare för innehåll 2">
             <a:extLst>
               <a:ext uri="{FF2B5EF4-FFF2-40B4-BE49-F238E27FC236}">
-                <a16:creationId xmlns:a16="http://schemas.microsoft.com/office/drawing/2014/main" id="{BC34B4B2-E1E8-4D44-9203-3E9FF6FCC6F4}"/>
+                <a16:creationId xmlns:a16="http://schemas.microsoft.com/office/drawing/2014/main" id="{8081EF4E-CE79-4B44-88CC-1467F18C69A9}"/>
               </a:ext>
             </a:extLst>
           </p:cNvPr>
@@ -1372,7 +3085,7 @@
           <p:cNvPr id="4" name="Platshållare för innehåll 3">
             <a:extLst>
               <a:ext uri="{FF2B5EF4-FFF2-40B4-BE49-F238E27FC236}">
-                <a16:creationId xmlns:a16="http://schemas.microsoft.com/office/drawing/2014/main" id="{8068EFF4-87D5-4BD4-BE56-E43F61FEB078}"/>
+                <a16:creationId xmlns:a16="http://schemas.microsoft.com/office/drawing/2014/main" id="{A1302A05-760D-4893-A608-D7FC5087F8CC}"/>
               </a:ext>
             </a:extLst>
           </p:cNvPr>
@@ -1434,7 +3147,7 @@
           <p:cNvPr id="5" name="Platshållare för datum 4">
             <a:extLst>
               <a:ext uri="{FF2B5EF4-FFF2-40B4-BE49-F238E27FC236}">
-                <a16:creationId xmlns:a16="http://schemas.microsoft.com/office/drawing/2014/main" id="{95FB8A59-FA18-4D24-B3BB-2A2BED7EE1B1}"/>
+                <a16:creationId xmlns:a16="http://schemas.microsoft.com/office/drawing/2014/main" id="{A4564C42-EB82-4D70-8E1F-67632FDCA58E}"/>
               </a:ext>
             </a:extLst>
           </p:cNvPr>
@@ -1452,7 +3165,7 @@
           <a:p>
             <a:fld id="{AC968D02-C889-4882-ABB2-8A7A3C1FBB66}" type="datetimeFigureOut">
               <a:rPr lang="sv-SE" smtClean="0"/>
-              <a:t>2021-05-17</a:t>
+              <a:t>2021-05-24</a:t>
             </a:fld>
             <a:endParaRPr lang="sv-SE"/>
           </a:p>
@@ -1463,7 +3176,7 @@
           <p:cNvPr id="6" name="Platshållare för sidfot 5">
             <a:extLst>
               <a:ext uri="{FF2B5EF4-FFF2-40B4-BE49-F238E27FC236}">
-                <a16:creationId xmlns:a16="http://schemas.microsoft.com/office/drawing/2014/main" id="{C0CB8627-514F-4612-8B9B-A29544E21251}"/>
+                <a16:creationId xmlns:a16="http://schemas.microsoft.com/office/drawing/2014/main" id="{FFE9CEC9-1F4C-4B1F-B418-E5C89DE6724A}"/>
               </a:ext>
             </a:extLst>
           </p:cNvPr>
@@ -1488,7 +3201,7 @@
           <p:cNvPr id="7" name="Platshållare för bildnummer 6">
             <a:extLst>
               <a:ext uri="{FF2B5EF4-FFF2-40B4-BE49-F238E27FC236}">
-                <a16:creationId xmlns:a16="http://schemas.microsoft.com/office/drawing/2014/main" id="{7B8B27EA-0ECD-4FB3-823E-5BD38ADC82FD}"/>
+                <a16:creationId xmlns:a16="http://schemas.microsoft.com/office/drawing/2014/main" id="{ED822E04-3A61-4085-8DE1-F0EDB248BFD1}"/>
               </a:ext>
             </a:extLst>
           </p:cNvPr>
@@ -1515,7 +3228,7 @@
     </p:spTree>
     <p:extLst>
       <p:ext uri="{BB962C8B-B14F-4D97-AF65-F5344CB8AC3E}">
-        <p14:creationId xmlns:p14="http://schemas.microsoft.com/office/powerpoint/2010/main" val="3420339876"/>
+        <p14:creationId xmlns:p14="http://schemas.microsoft.com/office/powerpoint/2010/main" val="3483414824"/>
       </p:ext>
     </p:extLst>
   </p:cSld>
@@ -1547,7 +3260,7 @@
           <p:cNvPr id="2" name="Rubrik 1">
             <a:extLst>
               <a:ext uri="{FF2B5EF4-FFF2-40B4-BE49-F238E27FC236}">
-                <a16:creationId xmlns:a16="http://schemas.microsoft.com/office/drawing/2014/main" id="{F3303DA8-BF45-45FD-8964-6FD6F58BE843}"/>
+                <a16:creationId xmlns:a16="http://schemas.microsoft.com/office/drawing/2014/main" id="{23DC2313-AC46-40A0-9116-45BF5F9EABEB}"/>
               </a:ext>
             </a:extLst>
           </p:cNvPr>
@@ -1580,7 +3293,7 @@
           <p:cNvPr id="3" name="Platshållare för text 2">
             <a:extLst>
               <a:ext uri="{FF2B5EF4-FFF2-40B4-BE49-F238E27FC236}">
-                <a16:creationId xmlns:a16="http://schemas.microsoft.com/office/drawing/2014/main" id="{B5EC4F45-DF81-4336-BA0E-330154957CE3}"/>
+                <a16:creationId xmlns:a16="http://schemas.microsoft.com/office/drawing/2014/main" id="{80AC14C4-6E60-4D58-969E-CB7825A2A857}"/>
               </a:ext>
             </a:extLst>
           </p:cNvPr>
@@ -1651,7 +3364,7 @@
           <p:cNvPr id="4" name="Platshållare för innehåll 3">
             <a:extLst>
               <a:ext uri="{FF2B5EF4-FFF2-40B4-BE49-F238E27FC236}">
-                <a16:creationId xmlns:a16="http://schemas.microsoft.com/office/drawing/2014/main" id="{F9654CA2-0A8C-4EB6-A52F-0D919EFB55A4}"/>
+                <a16:creationId xmlns:a16="http://schemas.microsoft.com/office/drawing/2014/main" id="{7BC9BBE5-FC93-4908-97E5-F4744549618A}"/>
               </a:ext>
             </a:extLst>
           </p:cNvPr>
@@ -1713,7 +3426,7 @@
           <p:cNvPr id="5" name="Platshållare för text 4">
             <a:extLst>
               <a:ext uri="{FF2B5EF4-FFF2-40B4-BE49-F238E27FC236}">
-                <a16:creationId xmlns:a16="http://schemas.microsoft.com/office/drawing/2014/main" id="{AB82E208-C114-4A68-9C60-3E2D2E2BA3CC}"/>
+                <a16:creationId xmlns:a16="http://schemas.microsoft.com/office/drawing/2014/main" id="{7CE97618-826F-46B3-A312-FF33BA6C8A23}"/>
               </a:ext>
             </a:extLst>
           </p:cNvPr>
@@ -1784,7 +3497,7 @@
           <p:cNvPr id="6" name="Platshållare för innehåll 5">
             <a:extLst>
               <a:ext uri="{FF2B5EF4-FFF2-40B4-BE49-F238E27FC236}">
-                <a16:creationId xmlns:a16="http://schemas.microsoft.com/office/drawing/2014/main" id="{48EACDF1-47B2-45A0-B0F9-81C145EDB3C1}"/>
+                <a16:creationId xmlns:a16="http://schemas.microsoft.com/office/drawing/2014/main" id="{6A0596D1-E0AF-4F5D-9B7E-E0C46EA18E40}"/>
               </a:ext>
             </a:extLst>
           </p:cNvPr>
@@ -1846,7 +3559,7 @@
           <p:cNvPr id="7" name="Platshållare för datum 6">
             <a:extLst>
               <a:ext uri="{FF2B5EF4-FFF2-40B4-BE49-F238E27FC236}">
-                <a16:creationId xmlns:a16="http://schemas.microsoft.com/office/drawing/2014/main" id="{FC18B3C5-348A-4F51-9D0B-9717CFE367F8}"/>
+                <a16:creationId xmlns:a16="http://schemas.microsoft.com/office/drawing/2014/main" id="{9D726DF7-0D28-4278-B521-8E4255A4E5ED}"/>
               </a:ext>
             </a:extLst>
           </p:cNvPr>
@@ -1864,7 +3577,7 @@
           <a:p>
             <a:fld id="{AC968D02-C889-4882-ABB2-8A7A3C1FBB66}" type="datetimeFigureOut">
               <a:rPr lang="sv-SE" smtClean="0"/>
-              <a:t>2021-05-17</a:t>
+              <a:t>2021-05-24</a:t>
             </a:fld>
             <a:endParaRPr lang="sv-SE"/>
           </a:p>
@@ -1875,7 +3588,7 @@
           <p:cNvPr id="8" name="Platshållare för sidfot 7">
             <a:extLst>
               <a:ext uri="{FF2B5EF4-FFF2-40B4-BE49-F238E27FC236}">
-                <a16:creationId xmlns:a16="http://schemas.microsoft.com/office/drawing/2014/main" id="{D6BD8366-C7E8-43B6-AB26-B241699C3556}"/>
+                <a16:creationId xmlns:a16="http://schemas.microsoft.com/office/drawing/2014/main" id="{FF7EFA89-65CE-484F-8D9C-2C4CADAF2DEE}"/>
               </a:ext>
             </a:extLst>
           </p:cNvPr>
@@ -1900,7 +3613,7 @@
           <p:cNvPr id="9" name="Platshållare för bildnummer 8">
             <a:extLst>
               <a:ext uri="{FF2B5EF4-FFF2-40B4-BE49-F238E27FC236}">
-                <a16:creationId xmlns:a16="http://schemas.microsoft.com/office/drawing/2014/main" id="{E1C66B38-878C-4CE2-8978-FB6169180DE4}"/>
+                <a16:creationId xmlns:a16="http://schemas.microsoft.com/office/drawing/2014/main" id="{7F334ED9-40EF-4F65-901C-0F34598595F6}"/>
               </a:ext>
             </a:extLst>
           </p:cNvPr>
@@ -1927,7 +3640,7 @@
     </p:spTree>
     <p:extLst>
       <p:ext uri="{BB962C8B-B14F-4D97-AF65-F5344CB8AC3E}">
-        <p14:creationId xmlns:p14="http://schemas.microsoft.com/office/powerpoint/2010/main" val="1370875431"/>
+        <p14:creationId xmlns:p14="http://schemas.microsoft.com/office/powerpoint/2010/main" val="1663674862"/>
       </p:ext>
     </p:extLst>
   </p:cSld>
@@ -1959,7 +3672,7 @@
           <p:cNvPr id="2" name="Rubrik 1">
             <a:extLst>
               <a:ext uri="{FF2B5EF4-FFF2-40B4-BE49-F238E27FC236}">
-                <a16:creationId xmlns:a16="http://schemas.microsoft.com/office/drawing/2014/main" id="{91A6BF1A-F91C-4C96-A399-B1D87C358C78}"/>
+                <a16:creationId xmlns:a16="http://schemas.microsoft.com/office/drawing/2014/main" id="{B403AF88-C112-43CB-A434-84E49B9D04A8}"/>
               </a:ext>
             </a:extLst>
           </p:cNvPr>
@@ -1987,7 +3700,7 @@
           <p:cNvPr id="3" name="Platshållare för datum 2">
             <a:extLst>
               <a:ext uri="{FF2B5EF4-FFF2-40B4-BE49-F238E27FC236}">
-                <a16:creationId xmlns:a16="http://schemas.microsoft.com/office/drawing/2014/main" id="{EFCC80FC-3D2C-4476-BD2D-0AD1AA8F84E8}"/>
+                <a16:creationId xmlns:a16="http://schemas.microsoft.com/office/drawing/2014/main" id="{7161CAAD-2637-428B-9997-B273E59F50F8}"/>
               </a:ext>
             </a:extLst>
           </p:cNvPr>
@@ -2005,7 +3718,7 @@
           <a:p>
             <a:fld id="{AC968D02-C889-4882-ABB2-8A7A3C1FBB66}" type="datetimeFigureOut">
               <a:rPr lang="sv-SE" smtClean="0"/>
-              <a:t>2021-05-17</a:t>
+              <a:t>2021-05-24</a:t>
             </a:fld>
             <a:endParaRPr lang="sv-SE"/>
           </a:p>
@@ -2016,7 +3729,7 @@
           <p:cNvPr id="4" name="Platshållare för sidfot 3">
             <a:extLst>
               <a:ext uri="{FF2B5EF4-FFF2-40B4-BE49-F238E27FC236}">
-                <a16:creationId xmlns:a16="http://schemas.microsoft.com/office/drawing/2014/main" id="{43D12823-76B8-4127-A6B5-34B3F340A3B0}"/>
+                <a16:creationId xmlns:a16="http://schemas.microsoft.com/office/drawing/2014/main" id="{71C75F79-59C8-48AE-80AA-F62E152CD17E}"/>
               </a:ext>
             </a:extLst>
           </p:cNvPr>
@@ -2041,7 +3754,7 @@
           <p:cNvPr id="5" name="Platshållare för bildnummer 4">
             <a:extLst>
               <a:ext uri="{FF2B5EF4-FFF2-40B4-BE49-F238E27FC236}">
-                <a16:creationId xmlns:a16="http://schemas.microsoft.com/office/drawing/2014/main" id="{46D42F82-20C7-4640-92AA-17DD316ED3C1}"/>
+                <a16:creationId xmlns:a16="http://schemas.microsoft.com/office/drawing/2014/main" id="{BE28FE5F-D68D-427E-B057-BF1DE5BA79E1}"/>
               </a:ext>
             </a:extLst>
           </p:cNvPr>
@@ -2068,7 +3781,7 @@
     </p:spTree>
     <p:extLst>
       <p:ext uri="{BB962C8B-B14F-4D97-AF65-F5344CB8AC3E}">
-        <p14:creationId xmlns:p14="http://schemas.microsoft.com/office/powerpoint/2010/main" val="4287411728"/>
+        <p14:creationId xmlns:p14="http://schemas.microsoft.com/office/powerpoint/2010/main" val="2555046347"/>
       </p:ext>
     </p:extLst>
   </p:cSld>
@@ -2100,7 +3813,7 @@
           <p:cNvPr id="2" name="Platshållare för datum 1">
             <a:extLst>
               <a:ext uri="{FF2B5EF4-FFF2-40B4-BE49-F238E27FC236}">
-                <a16:creationId xmlns:a16="http://schemas.microsoft.com/office/drawing/2014/main" id="{BF68206A-7223-4F5C-892D-84E46F30833F}"/>
+                <a16:creationId xmlns:a16="http://schemas.microsoft.com/office/drawing/2014/main" id="{82BE488F-2E92-4043-A616-4D8CE2EF8D24}"/>
               </a:ext>
             </a:extLst>
           </p:cNvPr>
@@ -2118,7 +3831,7 @@
           <a:p>
             <a:fld id="{AC968D02-C889-4882-ABB2-8A7A3C1FBB66}" type="datetimeFigureOut">
               <a:rPr lang="sv-SE" smtClean="0"/>
-              <a:t>2021-05-17</a:t>
+              <a:t>2021-05-24</a:t>
             </a:fld>
             <a:endParaRPr lang="sv-SE"/>
           </a:p>
@@ -2129,7 +3842,7 @@
           <p:cNvPr id="3" name="Platshållare för sidfot 2">
             <a:extLst>
               <a:ext uri="{FF2B5EF4-FFF2-40B4-BE49-F238E27FC236}">
-                <a16:creationId xmlns:a16="http://schemas.microsoft.com/office/drawing/2014/main" id="{6F18ECA4-EE59-4C76-8F94-98FCE77B37D8}"/>
+                <a16:creationId xmlns:a16="http://schemas.microsoft.com/office/drawing/2014/main" id="{2E802CA1-D91B-4C5E-9812-AD4C1E4AB57B}"/>
               </a:ext>
             </a:extLst>
           </p:cNvPr>
@@ -2154,7 +3867,7 @@
           <p:cNvPr id="4" name="Platshållare för bildnummer 3">
             <a:extLst>
               <a:ext uri="{FF2B5EF4-FFF2-40B4-BE49-F238E27FC236}">
-                <a16:creationId xmlns:a16="http://schemas.microsoft.com/office/drawing/2014/main" id="{12BFD63A-8FC0-4E73-9CA6-55AEA49CBF0B}"/>
+                <a16:creationId xmlns:a16="http://schemas.microsoft.com/office/drawing/2014/main" id="{AF814FA5-E53E-4779-95A9-CCA35F672641}"/>
               </a:ext>
             </a:extLst>
           </p:cNvPr>
@@ -2181,7 +3894,7 @@
     </p:spTree>
     <p:extLst>
       <p:ext uri="{BB962C8B-B14F-4D97-AF65-F5344CB8AC3E}">
-        <p14:creationId xmlns:p14="http://schemas.microsoft.com/office/powerpoint/2010/main" val="2307297719"/>
+        <p14:creationId xmlns:p14="http://schemas.microsoft.com/office/powerpoint/2010/main" val="3770101945"/>
       </p:ext>
     </p:extLst>
   </p:cSld>
@@ -2213,7 +3926,7 @@
           <p:cNvPr id="2" name="Rubrik 1">
             <a:extLst>
               <a:ext uri="{FF2B5EF4-FFF2-40B4-BE49-F238E27FC236}">
-                <a16:creationId xmlns:a16="http://schemas.microsoft.com/office/drawing/2014/main" id="{CA28253A-03CC-4741-BF24-3A89914FC5E2}"/>
+                <a16:creationId xmlns:a16="http://schemas.microsoft.com/office/drawing/2014/main" id="{D87D95E2-B499-4409-8AB4-98F9AAD11F99}"/>
               </a:ext>
             </a:extLst>
           </p:cNvPr>
@@ -2250,7 +3963,7 @@
           <p:cNvPr id="3" name="Platshållare för innehåll 2">
             <a:extLst>
               <a:ext uri="{FF2B5EF4-FFF2-40B4-BE49-F238E27FC236}">
-                <a16:creationId xmlns:a16="http://schemas.microsoft.com/office/drawing/2014/main" id="{822E93E3-DBE5-422A-8182-2F75DB31715D}"/>
+                <a16:creationId xmlns:a16="http://schemas.microsoft.com/office/drawing/2014/main" id="{AA2A34A9-2FCF-4E5B-8019-39935D57968A}"/>
               </a:ext>
             </a:extLst>
           </p:cNvPr>
@@ -2340,7 +4053,7 @@
           <p:cNvPr id="4" name="Platshållare för text 3">
             <a:extLst>
               <a:ext uri="{FF2B5EF4-FFF2-40B4-BE49-F238E27FC236}">
-                <a16:creationId xmlns:a16="http://schemas.microsoft.com/office/drawing/2014/main" id="{CCAAFF08-DD2B-44AF-8387-CA0187DCA4F0}"/>
+                <a16:creationId xmlns:a16="http://schemas.microsoft.com/office/drawing/2014/main" id="{11D2FAA2-1659-451E-8A3B-267F20770F04}"/>
               </a:ext>
             </a:extLst>
           </p:cNvPr>
@@ -2411,7 +4124,7 @@
           <p:cNvPr id="5" name="Platshållare för datum 4">
             <a:extLst>
               <a:ext uri="{FF2B5EF4-FFF2-40B4-BE49-F238E27FC236}">
-                <a16:creationId xmlns:a16="http://schemas.microsoft.com/office/drawing/2014/main" id="{0B512C11-AD9A-4014-8717-213F5D24244A}"/>
+                <a16:creationId xmlns:a16="http://schemas.microsoft.com/office/drawing/2014/main" id="{1AB15C41-3724-4906-A0BB-DE790F0419EE}"/>
               </a:ext>
             </a:extLst>
           </p:cNvPr>
@@ -2429,7 +4142,7 @@
           <a:p>
             <a:fld id="{AC968D02-C889-4882-ABB2-8A7A3C1FBB66}" type="datetimeFigureOut">
               <a:rPr lang="sv-SE" smtClean="0"/>
-              <a:t>2021-05-17</a:t>
+              <a:t>2021-05-24</a:t>
             </a:fld>
             <a:endParaRPr lang="sv-SE"/>
           </a:p>
@@ -2440,7 +4153,7 @@
           <p:cNvPr id="6" name="Platshållare för sidfot 5">
             <a:extLst>
               <a:ext uri="{FF2B5EF4-FFF2-40B4-BE49-F238E27FC236}">
-                <a16:creationId xmlns:a16="http://schemas.microsoft.com/office/drawing/2014/main" id="{3348A8FC-98D6-478B-A771-DE337B7DF0E7}"/>
+                <a16:creationId xmlns:a16="http://schemas.microsoft.com/office/drawing/2014/main" id="{7E240F88-A514-4F0B-8557-2FD717B754A7}"/>
               </a:ext>
             </a:extLst>
           </p:cNvPr>
@@ -2465,7 +4178,7 @@
           <p:cNvPr id="7" name="Platshållare för bildnummer 6">
             <a:extLst>
               <a:ext uri="{FF2B5EF4-FFF2-40B4-BE49-F238E27FC236}">
-                <a16:creationId xmlns:a16="http://schemas.microsoft.com/office/drawing/2014/main" id="{EF844065-FE4C-4C63-A7ED-4992ABF9E6C1}"/>
+                <a16:creationId xmlns:a16="http://schemas.microsoft.com/office/drawing/2014/main" id="{6CFD05BF-8FE1-4CE5-8813-7100A7611ACB}"/>
               </a:ext>
             </a:extLst>
           </p:cNvPr>
@@ -2492,7 +4205,7 @@
     </p:spTree>
     <p:extLst>
       <p:ext uri="{BB962C8B-B14F-4D97-AF65-F5344CB8AC3E}">
-        <p14:creationId xmlns:p14="http://schemas.microsoft.com/office/powerpoint/2010/main" val="857817414"/>
+        <p14:creationId xmlns:p14="http://schemas.microsoft.com/office/powerpoint/2010/main" val="3784932955"/>
       </p:ext>
     </p:extLst>
   </p:cSld>
@@ -2524,7 +4237,7 @@
           <p:cNvPr id="2" name="Rubrik 1">
             <a:extLst>
               <a:ext uri="{FF2B5EF4-FFF2-40B4-BE49-F238E27FC236}">
-                <a16:creationId xmlns:a16="http://schemas.microsoft.com/office/drawing/2014/main" id="{7D8A78E0-34E5-41B8-ADA8-4DA400227C21}"/>
+                <a16:creationId xmlns:a16="http://schemas.microsoft.com/office/drawing/2014/main" id="{E08AD4C7-1D78-455D-9A6C-F4C9F63EAE49}"/>
               </a:ext>
             </a:extLst>
           </p:cNvPr>
@@ -2561,7 +4274,7 @@
           <p:cNvPr id="3" name="Platshållare för bild 2">
             <a:extLst>
               <a:ext uri="{FF2B5EF4-FFF2-40B4-BE49-F238E27FC236}">
-                <a16:creationId xmlns:a16="http://schemas.microsoft.com/office/drawing/2014/main" id="{36D06017-2520-4899-B021-3014695D3A1C}"/>
+                <a16:creationId xmlns:a16="http://schemas.microsoft.com/office/drawing/2014/main" id="{99EDF06B-9FBC-4CAB-8F4B-8BEBA60CC296}"/>
               </a:ext>
             </a:extLst>
           </p:cNvPr>
@@ -2628,7 +4341,7 @@
           <p:cNvPr id="4" name="Platshållare för text 3">
             <a:extLst>
               <a:ext uri="{FF2B5EF4-FFF2-40B4-BE49-F238E27FC236}">
-                <a16:creationId xmlns:a16="http://schemas.microsoft.com/office/drawing/2014/main" id="{20127AC3-C1BB-4F10-A945-DFA2FFFAD7D0}"/>
+                <a16:creationId xmlns:a16="http://schemas.microsoft.com/office/drawing/2014/main" id="{47532068-41F5-46E5-BA7A-E1B3D0E7970F}"/>
               </a:ext>
             </a:extLst>
           </p:cNvPr>
@@ -2699,7 +4412,7 @@
           <p:cNvPr id="5" name="Platshållare för datum 4">
             <a:extLst>
               <a:ext uri="{FF2B5EF4-FFF2-40B4-BE49-F238E27FC236}">
-                <a16:creationId xmlns:a16="http://schemas.microsoft.com/office/drawing/2014/main" id="{0CC64841-1725-415F-9848-A58CDADEE658}"/>
+                <a16:creationId xmlns:a16="http://schemas.microsoft.com/office/drawing/2014/main" id="{6335070F-1F04-4B38-88EC-23BE467CF50A}"/>
               </a:ext>
             </a:extLst>
           </p:cNvPr>
@@ -2717,7 +4430,7 @@
           <a:p>
             <a:fld id="{AC968D02-C889-4882-ABB2-8A7A3C1FBB66}" type="datetimeFigureOut">
               <a:rPr lang="sv-SE" smtClean="0"/>
-              <a:t>2021-05-17</a:t>
+              <a:t>2021-05-24</a:t>
             </a:fld>
             <a:endParaRPr lang="sv-SE"/>
           </a:p>
@@ -2728,7 +4441,7 @@
           <p:cNvPr id="6" name="Platshållare för sidfot 5">
             <a:extLst>
               <a:ext uri="{FF2B5EF4-FFF2-40B4-BE49-F238E27FC236}">
-                <a16:creationId xmlns:a16="http://schemas.microsoft.com/office/drawing/2014/main" id="{EE0878D0-C04E-4328-ADBD-57A3B3FA1DBD}"/>
+                <a16:creationId xmlns:a16="http://schemas.microsoft.com/office/drawing/2014/main" id="{9ABD1DC5-2B2D-4F15-99EB-BC1FABFECAF3}"/>
               </a:ext>
             </a:extLst>
           </p:cNvPr>
@@ -2753,7 +4466,7 @@
           <p:cNvPr id="7" name="Platshållare för bildnummer 6">
             <a:extLst>
               <a:ext uri="{FF2B5EF4-FFF2-40B4-BE49-F238E27FC236}">
-                <a16:creationId xmlns:a16="http://schemas.microsoft.com/office/drawing/2014/main" id="{3F519DBF-8358-4C3C-A23F-C9700009F2F5}"/>
+                <a16:creationId xmlns:a16="http://schemas.microsoft.com/office/drawing/2014/main" id="{441D5959-0EF0-45E4-8D11-373BC41F8709}"/>
               </a:ext>
             </a:extLst>
           </p:cNvPr>
@@ -2780,7 +4493,7 @@
     </p:spTree>
     <p:extLst>
       <p:ext uri="{BB962C8B-B14F-4D97-AF65-F5344CB8AC3E}">
-        <p14:creationId xmlns:p14="http://schemas.microsoft.com/office/powerpoint/2010/main" val="731162971"/>
+        <p14:creationId xmlns:p14="http://schemas.microsoft.com/office/powerpoint/2010/main" val="2709988282"/>
       </p:ext>
     </p:extLst>
   </p:cSld>
@@ -2817,7 +4530,7 @@
           <p:cNvPr id="2" name="Platshållare för rubrik 1">
             <a:extLst>
               <a:ext uri="{FF2B5EF4-FFF2-40B4-BE49-F238E27FC236}">
-                <a16:creationId xmlns:a16="http://schemas.microsoft.com/office/drawing/2014/main" id="{012C94C9-9A03-4C42-8E6E-9B9B3A4F6841}"/>
+                <a16:creationId xmlns:a16="http://schemas.microsoft.com/office/drawing/2014/main" id="{74A5BA98-840F-4E74-BA17-D869AB69EA2A}"/>
               </a:ext>
             </a:extLst>
           </p:cNvPr>
@@ -2855,7 +4568,7 @@
           <p:cNvPr id="3" name="Platshållare för text 2">
             <a:extLst>
               <a:ext uri="{FF2B5EF4-FFF2-40B4-BE49-F238E27FC236}">
-                <a16:creationId xmlns:a16="http://schemas.microsoft.com/office/drawing/2014/main" id="{FA217DAF-E533-4FA2-A5BF-74A85800E313}"/>
+                <a16:creationId xmlns:a16="http://schemas.microsoft.com/office/drawing/2014/main" id="{F55AB94A-83DE-4D4B-9CEA-15235D049E03}"/>
               </a:ext>
             </a:extLst>
           </p:cNvPr>
@@ -2922,7 +4635,7 @@
           <p:cNvPr id="4" name="Platshållare för datum 3">
             <a:extLst>
               <a:ext uri="{FF2B5EF4-FFF2-40B4-BE49-F238E27FC236}">
-                <a16:creationId xmlns:a16="http://schemas.microsoft.com/office/drawing/2014/main" id="{9D63EB69-BB3A-466F-9286-93CBC6F6F5E2}"/>
+                <a16:creationId xmlns:a16="http://schemas.microsoft.com/office/drawing/2014/main" id="{E96E5196-EDCD-4858-BA0E-F2A26BA6F79D}"/>
               </a:ext>
             </a:extLst>
           </p:cNvPr>
@@ -2958,7 +4671,7 @@
           <a:p>
             <a:fld id="{AC968D02-C889-4882-ABB2-8A7A3C1FBB66}" type="datetimeFigureOut">
               <a:rPr lang="sv-SE" smtClean="0"/>
-              <a:t>2021-05-17</a:t>
+              <a:t>2021-05-24</a:t>
             </a:fld>
             <a:endParaRPr lang="sv-SE"/>
           </a:p>
@@ -2969,7 +4682,7 @@
           <p:cNvPr id="5" name="Platshållare för sidfot 4">
             <a:extLst>
               <a:ext uri="{FF2B5EF4-FFF2-40B4-BE49-F238E27FC236}">
-                <a16:creationId xmlns:a16="http://schemas.microsoft.com/office/drawing/2014/main" id="{16668548-D802-4C07-9CC4-18EBBB28D2CC}"/>
+                <a16:creationId xmlns:a16="http://schemas.microsoft.com/office/drawing/2014/main" id="{B24C8206-115F-456D-8C6D-801BDEEC8263}"/>
               </a:ext>
             </a:extLst>
           </p:cNvPr>
@@ -3012,7 +4725,7 @@
           <p:cNvPr id="6" name="Platshållare för bildnummer 5">
             <a:extLst>
               <a:ext uri="{FF2B5EF4-FFF2-40B4-BE49-F238E27FC236}">
-                <a16:creationId xmlns:a16="http://schemas.microsoft.com/office/drawing/2014/main" id="{F19327E7-C144-45AD-A66B-E223266C48FD}"/>
+                <a16:creationId xmlns:a16="http://schemas.microsoft.com/office/drawing/2014/main" id="{EA78DAAD-2A11-44FE-91FB-D64B3C3AAC70}"/>
               </a:ext>
             </a:extLst>
           </p:cNvPr>
@@ -3057,23 +4770,23 @@
     </p:spTree>
     <p:extLst>
       <p:ext uri="{BB962C8B-B14F-4D97-AF65-F5344CB8AC3E}">
-        <p14:creationId xmlns:p14="http://schemas.microsoft.com/office/powerpoint/2010/main" val="3320588395"/>
+        <p14:creationId xmlns:p14="http://schemas.microsoft.com/office/powerpoint/2010/main" val="2536405530"/>
       </p:ext>
     </p:extLst>
   </p:cSld>
   <p:clrMap bg1="lt1" tx1="dk1" bg2="lt2" tx2="dk2" accent1="accent1" accent2="accent2" accent3="accent3" accent4="accent4" accent5="accent5" accent6="accent6" hlink="hlink" folHlink="folHlink"/>
   <p:sldLayoutIdLst>
-    <p:sldLayoutId id="2147483649" r:id="rId1"/>
-    <p:sldLayoutId id="2147483650" r:id="rId2"/>
-    <p:sldLayoutId id="2147483651" r:id="rId3"/>
-    <p:sldLayoutId id="2147483652" r:id="rId4"/>
-    <p:sldLayoutId id="2147483653" r:id="rId5"/>
-    <p:sldLayoutId id="2147483654" r:id="rId6"/>
-    <p:sldLayoutId id="2147483655" r:id="rId7"/>
-    <p:sldLayoutId id="2147483656" r:id="rId8"/>
-    <p:sldLayoutId id="2147483657" r:id="rId9"/>
-    <p:sldLayoutId id="2147483658" r:id="rId10"/>
-    <p:sldLayoutId id="2147483659" r:id="rId11"/>
+    <p:sldLayoutId id="2147483727" r:id="rId1"/>
+    <p:sldLayoutId id="2147483728" r:id="rId2"/>
+    <p:sldLayoutId id="2147483729" r:id="rId3"/>
+    <p:sldLayoutId id="2147483730" r:id="rId4"/>
+    <p:sldLayoutId id="2147483731" r:id="rId5"/>
+    <p:sldLayoutId id="2147483732" r:id="rId6"/>
+    <p:sldLayoutId id="2147483733" r:id="rId7"/>
+    <p:sldLayoutId id="2147483734" r:id="rId8"/>
+    <p:sldLayoutId id="2147483735" r:id="rId9"/>
+    <p:sldLayoutId id="2147483736" r:id="rId10"/>
+    <p:sldLayoutId id="2147483737" r:id="rId11"/>
   </p:sldLayoutIdLst>
   <p:txStyles>
     <p:titleStyle>
@@ -3361,6 +5074,14 @@
 <file path=ppt/slides/slide1.xml><?xml version="1.0" encoding="utf-8"?>
 <p:sld xmlns:a="http://schemas.openxmlformats.org/drawingml/2006/main" xmlns:r="http://schemas.openxmlformats.org/officeDocument/2006/relationships" xmlns:p="http://schemas.openxmlformats.org/presentationml/2006/main">
   <p:cSld>
+    <p:bg>
+      <p:bgPr>
+        <a:solidFill>
+          <a:schemeClr val="bg1"/>
+        </a:solidFill>
+        <a:effectLst/>
+      </p:bgPr>
+    </p:bg>
     <p:spTree>
       <p:nvGrpSpPr>
         <p:cNvPr id="1" name=""/>
@@ -3377,6 +5098,1010 @@
       </p:grpSpPr>
       <p:sp>
         <p:nvSpPr>
+          <p:cNvPr id="5" name="Rectangle 7">
+            <a:extLst>
+              <a:ext uri="{FF2B5EF4-FFF2-40B4-BE49-F238E27FC236}">
+                <a16:creationId xmlns:a16="http://schemas.microsoft.com/office/drawing/2014/main" id="{88294908-8B00-4F58-BBBA-20F71A40AA9E}"/>
+              </a:ext>
+              <a:ext uri="{C183D7F6-B498-43B3-948B-1728B52AA6E4}">
+                <adec:decorative xmlns:adec="http://schemas.microsoft.com/office/drawing/2017/decorative" val="1"/>
+              </a:ext>
+            </a:extLst>
+          </p:cNvPr>
+          <p:cNvSpPr>
+            <a:spLocks noGrp="1" noRot="1" noChangeAspect="1" noMove="1" noResize="1" noEditPoints="1" noAdjustHandles="1" noChangeArrowheads="1" noChangeShapeType="1" noTextEdit="1"/>
+          </p:cNvSpPr>
+          <p:nvPr>
+            <p:extLst>
+              <p:ext uri="{386F3935-93C4-4BCD-93E2-E3B085C9AB24}">
+                <p16:designElem xmlns:p16="http://schemas.microsoft.com/office/powerpoint/2015/main" val="1"/>
+              </p:ext>
+            </p:extLst>
+          </p:nvPr>
+        </p:nvSpPr>
+        <p:spPr>
+          <a:xfrm>
+            <a:off x="0" y="0"/>
+            <a:ext cx="12192000" cy="6858000"/>
+          </a:xfrm>
+          <a:prstGeom prst="rect">
+            <a:avLst/>
+          </a:prstGeom>
+          <a:solidFill>
+            <a:schemeClr val="bg2"/>
+          </a:solidFill>
+          <a:ln>
+            <a:noFill/>
+          </a:ln>
+        </p:spPr>
+        <p:style>
+          <a:lnRef idx="2">
+            <a:schemeClr val="accent1">
+              <a:shade val="50000"/>
+            </a:schemeClr>
+          </a:lnRef>
+          <a:fillRef idx="1">
+            <a:schemeClr val="accent1"/>
+          </a:fillRef>
+          <a:effectRef idx="0">
+            <a:schemeClr val="accent1"/>
+          </a:effectRef>
+          <a:fontRef idx="minor">
+            <a:schemeClr val="lt1"/>
+          </a:fontRef>
+        </p:style>
+        <p:txBody>
+          <a:bodyPr rtlCol="0" anchor="ctr"/>
+          <a:lstStyle/>
+          <a:p>
+            <a:pPr algn="ctr"/>
+            <a:endParaRPr lang="en-US" dirty="0"/>
+          </a:p>
+        </p:txBody>
+      </p:sp>
+      <p:sp>
+        <p:nvSpPr>
+          <p:cNvPr id="6" name="Freeform: Shape 9">
+            <a:extLst>
+              <a:ext uri="{FF2B5EF4-FFF2-40B4-BE49-F238E27FC236}">
+                <a16:creationId xmlns:a16="http://schemas.microsoft.com/office/drawing/2014/main" id="{4364C879-1404-4203-8E9D-CC5DE0A621A2}"/>
+              </a:ext>
+              <a:ext uri="{C183D7F6-B498-43B3-948B-1728B52AA6E4}">
+                <adec:decorative xmlns:adec="http://schemas.microsoft.com/office/drawing/2017/decorative" val="1"/>
+              </a:ext>
+            </a:extLst>
+          </p:cNvPr>
+          <p:cNvSpPr>
+            <a:spLocks noGrp="1" noRot="1" noChangeAspect="1" noMove="1" noResize="1" noEditPoints="1" noAdjustHandles="1" noChangeArrowheads="1" noChangeShapeType="1" noTextEdit="1"/>
+          </p:cNvSpPr>
+          <p:nvPr>
+            <p:extLst>
+              <p:ext uri="{386F3935-93C4-4BCD-93E2-E3B085C9AB24}">
+                <p16:designElem xmlns:p16="http://schemas.microsoft.com/office/powerpoint/2015/main" val="1"/>
+              </p:ext>
+            </p:extLst>
+          </p:nvPr>
+        </p:nvSpPr>
+        <p:spPr>
+          <a:xfrm rot="2700000">
+            <a:off x="82782" y="-1386168"/>
+            <a:ext cx="2424873" cy="3611191"/>
+          </a:xfrm>
+          <a:custGeom>
+            <a:avLst/>
+            <a:gdLst>
+              <a:gd name="connsiteX0" fmla="*/ 0 w 2424873"/>
+              <a:gd name="connsiteY0" fmla="*/ 2424874 h 3611191"/>
+              <a:gd name="connsiteX1" fmla="*/ 2424873 w 2424873"/>
+              <a:gd name="connsiteY1" fmla="*/ 0 h 3611191"/>
+              <a:gd name="connsiteX2" fmla="*/ 2424873 w 2424873"/>
+              <a:gd name="connsiteY2" fmla="*/ 3611191 h 3611191"/>
+              <a:gd name="connsiteX3" fmla="*/ 1186317 w 2424873"/>
+              <a:gd name="connsiteY3" fmla="*/ 3611191 h 3611191"/>
+            </a:gdLst>
+            <a:ahLst/>
+            <a:cxnLst>
+              <a:cxn ang="0">
+                <a:pos x="connsiteX0" y="connsiteY0"/>
+              </a:cxn>
+              <a:cxn ang="0">
+                <a:pos x="connsiteX1" y="connsiteY1"/>
+              </a:cxn>
+              <a:cxn ang="0">
+                <a:pos x="connsiteX2" y="connsiteY2"/>
+              </a:cxn>
+              <a:cxn ang="0">
+                <a:pos x="connsiteX3" y="connsiteY3"/>
+              </a:cxn>
+            </a:cxnLst>
+            <a:rect l="l" t="t" r="r" b="b"/>
+            <a:pathLst>
+              <a:path w="2424873" h="3611191">
+                <a:moveTo>
+                  <a:pt x="0" y="2424874"/>
+                </a:moveTo>
+                <a:lnTo>
+                  <a:pt x="2424873" y="0"/>
+                </a:lnTo>
+                <a:lnTo>
+                  <a:pt x="2424873" y="3611191"/>
+                </a:lnTo>
+                <a:lnTo>
+                  <a:pt x="1186317" y="3611191"/>
+                </a:lnTo>
+                <a:close/>
+              </a:path>
+            </a:pathLst>
+          </a:custGeom>
+          <a:solidFill>
+            <a:schemeClr val="accent4">
+              <a:alpha val="40000"/>
+            </a:schemeClr>
+          </a:solidFill>
+          <a:ln>
+            <a:noFill/>
+          </a:ln>
+        </p:spPr>
+        <p:style>
+          <a:lnRef idx="2">
+            <a:schemeClr val="accent1">
+              <a:shade val="50000"/>
+            </a:schemeClr>
+          </a:lnRef>
+          <a:fillRef idx="1">
+            <a:schemeClr val="accent1"/>
+          </a:fillRef>
+          <a:effectRef idx="0">
+            <a:schemeClr val="accent1"/>
+          </a:effectRef>
+          <a:fontRef idx="minor">
+            <a:schemeClr val="lt1"/>
+          </a:fontRef>
+        </p:style>
+        <p:txBody>
+          <a:bodyPr wrap="square" rtlCol="0" anchor="ctr">
+            <a:noAutofit/>
+          </a:bodyPr>
+          <a:lstStyle/>
+          <a:p>
+            <a:pPr algn="ctr"/>
+            <a:endParaRPr lang="en-US"/>
+          </a:p>
+        </p:txBody>
+      </p:sp>
+      <p:sp>
+        <p:nvSpPr>
+          <p:cNvPr id="7" name="Freeform: Shape 11">
+            <a:extLst>
+              <a:ext uri="{FF2B5EF4-FFF2-40B4-BE49-F238E27FC236}">
+                <a16:creationId xmlns:a16="http://schemas.microsoft.com/office/drawing/2014/main" id="{84617302-4B0D-4351-A6BB-6F0930D943AC}"/>
+              </a:ext>
+              <a:ext uri="{C183D7F6-B498-43B3-948B-1728B52AA6E4}">
+                <adec:decorative xmlns:adec="http://schemas.microsoft.com/office/drawing/2017/decorative" val="1"/>
+              </a:ext>
+            </a:extLst>
+          </p:cNvPr>
+          <p:cNvSpPr>
+            <a:spLocks noGrp="1" noRot="1" noChangeAspect="1" noMove="1" noResize="1" noEditPoints="1" noAdjustHandles="1" noChangeArrowheads="1" noChangeShapeType="1" noTextEdit="1"/>
+          </p:cNvSpPr>
+          <p:nvPr>
+            <p:extLst>
+              <p:ext uri="{386F3935-93C4-4BCD-93E2-E3B085C9AB24}">
+                <p16:designElem xmlns:p16="http://schemas.microsoft.com/office/powerpoint/2015/main" val="1"/>
+              </p:ext>
+            </p:extLst>
+          </p:nvPr>
+        </p:nvSpPr>
+        <p:spPr>
+          <a:xfrm rot="2700000">
+            <a:off x="1571000" y="-338582"/>
+            <a:ext cx="1635955" cy="1635955"/>
+          </a:xfrm>
+          <a:custGeom>
+            <a:avLst/>
+            <a:gdLst>
+              <a:gd name="connsiteX0" fmla="*/ 0 w 1635955"/>
+              <a:gd name="connsiteY0" fmla="*/ 957987 h 1635955"/>
+              <a:gd name="connsiteX1" fmla="*/ 957987 w 1635955"/>
+              <a:gd name="connsiteY1" fmla="*/ 0 h 1635955"/>
+              <a:gd name="connsiteX2" fmla="*/ 1635955 w 1635955"/>
+              <a:gd name="connsiteY2" fmla="*/ 0 h 1635955"/>
+              <a:gd name="connsiteX3" fmla="*/ 1635955 w 1635955"/>
+              <a:gd name="connsiteY3" fmla="*/ 1635955 h 1635955"/>
+              <a:gd name="connsiteX4" fmla="*/ 0 w 1635955"/>
+              <a:gd name="connsiteY4" fmla="*/ 1635955 h 1635955"/>
+            </a:gdLst>
+            <a:ahLst/>
+            <a:cxnLst>
+              <a:cxn ang="0">
+                <a:pos x="connsiteX0" y="connsiteY0"/>
+              </a:cxn>
+              <a:cxn ang="0">
+                <a:pos x="connsiteX1" y="connsiteY1"/>
+              </a:cxn>
+              <a:cxn ang="0">
+                <a:pos x="connsiteX2" y="connsiteY2"/>
+              </a:cxn>
+              <a:cxn ang="0">
+                <a:pos x="connsiteX3" y="connsiteY3"/>
+              </a:cxn>
+              <a:cxn ang="0">
+                <a:pos x="connsiteX4" y="connsiteY4"/>
+              </a:cxn>
+            </a:cxnLst>
+            <a:rect l="l" t="t" r="r" b="b"/>
+            <a:pathLst>
+              <a:path w="1635955" h="1635955">
+                <a:moveTo>
+                  <a:pt x="0" y="957987"/>
+                </a:moveTo>
+                <a:lnTo>
+                  <a:pt x="957987" y="0"/>
+                </a:lnTo>
+                <a:lnTo>
+                  <a:pt x="1635955" y="0"/>
+                </a:lnTo>
+                <a:lnTo>
+                  <a:pt x="1635955" y="1635955"/>
+                </a:lnTo>
+                <a:lnTo>
+                  <a:pt x="0" y="1635955"/>
+                </a:lnTo>
+                <a:close/>
+              </a:path>
+            </a:pathLst>
+          </a:custGeom>
+          <a:solidFill>
+            <a:schemeClr val="accent4">
+              <a:alpha val="40000"/>
+            </a:schemeClr>
+          </a:solidFill>
+          <a:ln>
+            <a:noFill/>
+          </a:ln>
+        </p:spPr>
+        <p:style>
+          <a:lnRef idx="2">
+            <a:schemeClr val="accent1">
+              <a:shade val="50000"/>
+            </a:schemeClr>
+          </a:lnRef>
+          <a:fillRef idx="1">
+            <a:schemeClr val="accent1"/>
+          </a:fillRef>
+          <a:effectRef idx="0">
+            <a:schemeClr val="accent1"/>
+          </a:effectRef>
+          <a:fontRef idx="minor">
+            <a:schemeClr val="lt1"/>
+          </a:fontRef>
+        </p:style>
+        <p:txBody>
+          <a:bodyPr wrap="square" rtlCol="0" anchor="ctr">
+            <a:noAutofit/>
+          </a:bodyPr>
+          <a:lstStyle/>
+          <a:p>
+            <a:pPr algn="ctr"/>
+            <a:endParaRPr lang="en-US"/>
+          </a:p>
+        </p:txBody>
+      </p:sp>
+      <p:sp>
+        <p:nvSpPr>
+          <p:cNvPr id="9" name="Freeform: Shape 13">
+            <a:extLst>
+              <a:ext uri="{FF2B5EF4-FFF2-40B4-BE49-F238E27FC236}">
+                <a16:creationId xmlns:a16="http://schemas.microsoft.com/office/drawing/2014/main" id="{DA2C7802-C2E0-4218-8F89-8DD7CCD2CD1C}"/>
+              </a:ext>
+              <a:ext uri="{C183D7F6-B498-43B3-948B-1728B52AA6E4}">
+                <adec:decorative xmlns:adec="http://schemas.microsoft.com/office/drawing/2017/decorative" val="1"/>
+              </a:ext>
+            </a:extLst>
+          </p:cNvPr>
+          <p:cNvSpPr>
+            <a:spLocks noGrp="1" noRot="1" noChangeAspect="1" noMove="1" noResize="1" noEditPoints="1" noAdjustHandles="1" noChangeArrowheads="1" noChangeShapeType="1" noTextEdit="1"/>
+          </p:cNvSpPr>
+          <p:nvPr>
+            <p:extLst>
+              <p:ext uri="{386F3935-93C4-4BCD-93E2-E3B085C9AB24}">
+                <p16:designElem xmlns:p16="http://schemas.microsoft.com/office/powerpoint/2015/main" val="1"/>
+              </p:ext>
+            </p:extLst>
+          </p:nvPr>
+        </p:nvSpPr>
+        <p:spPr>
+          <a:xfrm rot="2700000">
+            <a:off x="9627985" y="-6588"/>
+            <a:ext cx="4059393" cy="2548110"/>
+          </a:xfrm>
+          <a:custGeom>
+            <a:avLst/>
+            <a:gdLst>
+              <a:gd name="connsiteX0" fmla="*/ 0 w 4059393"/>
+              <a:gd name="connsiteY0" fmla="*/ 1511282 h 2548110"/>
+              <a:gd name="connsiteX1" fmla="*/ 1511282 w 4059393"/>
+              <a:gd name="connsiteY1" fmla="*/ 0 h 2548110"/>
+              <a:gd name="connsiteX2" fmla="*/ 4059393 w 4059393"/>
+              <a:gd name="connsiteY2" fmla="*/ 2548110 h 2548110"/>
+              <a:gd name="connsiteX3" fmla="*/ 0 w 4059393"/>
+              <a:gd name="connsiteY3" fmla="*/ 2548110 h 2548110"/>
+            </a:gdLst>
+            <a:ahLst/>
+            <a:cxnLst>
+              <a:cxn ang="0">
+                <a:pos x="connsiteX0" y="connsiteY0"/>
+              </a:cxn>
+              <a:cxn ang="0">
+                <a:pos x="connsiteX1" y="connsiteY1"/>
+              </a:cxn>
+              <a:cxn ang="0">
+                <a:pos x="connsiteX2" y="connsiteY2"/>
+              </a:cxn>
+              <a:cxn ang="0">
+                <a:pos x="connsiteX3" y="connsiteY3"/>
+              </a:cxn>
+            </a:cxnLst>
+            <a:rect l="l" t="t" r="r" b="b"/>
+            <a:pathLst>
+              <a:path w="4059393" h="2548110">
+                <a:moveTo>
+                  <a:pt x="0" y="1511282"/>
+                </a:moveTo>
+                <a:lnTo>
+                  <a:pt x="1511282" y="0"/>
+                </a:lnTo>
+                <a:lnTo>
+                  <a:pt x="4059393" y="2548110"/>
+                </a:lnTo>
+                <a:lnTo>
+                  <a:pt x="0" y="2548110"/>
+                </a:lnTo>
+                <a:close/>
+              </a:path>
+            </a:pathLst>
+          </a:custGeom>
+          <a:solidFill>
+            <a:schemeClr val="accent1">
+              <a:alpha val="30000"/>
+            </a:schemeClr>
+          </a:solidFill>
+          <a:ln>
+            <a:noFill/>
+          </a:ln>
+        </p:spPr>
+        <p:style>
+          <a:lnRef idx="2">
+            <a:schemeClr val="accent1">
+              <a:shade val="50000"/>
+            </a:schemeClr>
+          </a:lnRef>
+          <a:fillRef idx="1">
+            <a:schemeClr val="accent1"/>
+          </a:fillRef>
+          <a:effectRef idx="0">
+            <a:schemeClr val="accent1"/>
+          </a:effectRef>
+          <a:fontRef idx="minor">
+            <a:schemeClr val="lt1"/>
+          </a:fontRef>
+        </p:style>
+        <p:txBody>
+          <a:bodyPr wrap="square" rtlCol="0" anchor="ctr">
+            <a:noAutofit/>
+          </a:bodyPr>
+          <a:lstStyle/>
+          <a:p>
+            <a:pPr algn="ctr"/>
+            <a:endParaRPr lang="en-US"/>
+          </a:p>
+        </p:txBody>
+      </p:sp>
+      <p:sp>
+        <p:nvSpPr>
+          <p:cNvPr id="11" name="Rectangle 15">
+            <a:extLst>
+              <a:ext uri="{FF2B5EF4-FFF2-40B4-BE49-F238E27FC236}">
+                <a16:creationId xmlns:a16="http://schemas.microsoft.com/office/drawing/2014/main" id="{A6D7111A-21E5-4EE9-8A78-10E5530F0116}"/>
+              </a:ext>
+              <a:ext uri="{C183D7F6-B498-43B3-948B-1728B52AA6E4}">
+                <adec:decorative xmlns:adec="http://schemas.microsoft.com/office/drawing/2017/decorative" val="1"/>
+              </a:ext>
+            </a:extLst>
+          </p:cNvPr>
+          <p:cNvSpPr>
+            <a:spLocks noGrp="1" noRot="1" noChangeAspect="1" noMove="1" noResize="1" noEditPoints="1" noAdjustHandles="1" noChangeArrowheads="1" noChangeShapeType="1" noTextEdit="1"/>
+          </p:cNvSpPr>
+          <p:nvPr>
+            <p:extLst>
+              <p:ext uri="{386F3935-93C4-4BCD-93E2-E3B085C9AB24}">
+                <p16:designElem xmlns:p16="http://schemas.microsoft.com/office/powerpoint/2015/main" val="1"/>
+              </p:ext>
+            </p:extLst>
+          </p:nvPr>
+        </p:nvSpPr>
+        <p:spPr>
+          <a:xfrm rot="2700000">
+            <a:off x="10262924" y="1465780"/>
+            <a:ext cx="1185708" cy="1185708"/>
+          </a:xfrm>
+          <a:prstGeom prst="rect">
+            <a:avLst/>
+          </a:prstGeom>
+          <a:solidFill>
+            <a:schemeClr val="accent1">
+              <a:alpha val="30000"/>
+            </a:schemeClr>
+          </a:solidFill>
+          <a:ln>
+            <a:noFill/>
+          </a:ln>
+        </p:spPr>
+        <p:style>
+          <a:lnRef idx="2">
+            <a:schemeClr val="accent1">
+              <a:shade val="50000"/>
+            </a:schemeClr>
+          </a:lnRef>
+          <a:fillRef idx="1">
+            <a:schemeClr val="accent1"/>
+          </a:fillRef>
+          <a:effectRef idx="0">
+            <a:schemeClr val="accent1"/>
+          </a:effectRef>
+          <a:fontRef idx="minor">
+            <a:schemeClr val="lt1"/>
+          </a:fontRef>
+        </p:style>
+        <p:txBody>
+          <a:bodyPr wrap="square" rtlCol="0" anchor="ctr">
+            <a:noAutofit/>
+          </a:bodyPr>
+          <a:lstStyle/>
+          <a:p>
+            <a:pPr algn="ctr"/>
+            <a:endParaRPr lang="en-US"/>
+          </a:p>
+        </p:txBody>
+      </p:sp>
+      <p:sp>
+        <p:nvSpPr>
+          <p:cNvPr id="13" name="Freeform: Shape 17">
+            <a:extLst>
+              <a:ext uri="{FF2B5EF4-FFF2-40B4-BE49-F238E27FC236}">
+                <a16:creationId xmlns:a16="http://schemas.microsoft.com/office/drawing/2014/main" id="{A3969E80-A77B-49FC-9122-D89AFD5EE118}"/>
+              </a:ext>
+              <a:ext uri="{C183D7F6-B498-43B3-948B-1728B52AA6E4}">
+                <adec:decorative xmlns:adec="http://schemas.microsoft.com/office/drawing/2017/decorative" val="1"/>
+              </a:ext>
+            </a:extLst>
+          </p:cNvPr>
+          <p:cNvSpPr>
+            <a:spLocks noGrp="1" noRot="1" noChangeAspect="1" noMove="1" noResize="1" noEditPoints="1" noAdjustHandles="1" noChangeArrowheads="1" noChangeShapeType="1" noTextEdit="1"/>
+          </p:cNvSpPr>
+          <p:nvPr>
+            <p:extLst>
+              <p:ext uri="{386F3935-93C4-4BCD-93E2-E3B085C9AB24}">
+                <p16:designElem xmlns:p16="http://schemas.microsoft.com/office/powerpoint/2015/main" val="1"/>
+              </p:ext>
+            </p:extLst>
+          </p:nvPr>
+        </p:nvSpPr>
+        <p:spPr>
+          <a:xfrm rot="2700000">
+            <a:off x="-29557" y="5198743"/>
+            <a:ext cx="2444907" cy="2366116"/>
+          </a:xfrm>
+          <a:custGeom>
+            <a:avLst/>
+            <a:gdLst>
+              <a:gd name="connsiteX0" fmla="*/ 0 w 2203753"/>
+              <a:gd name="connsiteY0" fmla="*/ 0 h 2132734"/>
+              <a:gd name="connsiteX1" fmla="*/ 2203753 w 2203753"/>
+              <a:gd name="connsiteY1" fmla="*/ 0 h 2132734"/>
+              <a:gd name="connsiteX2" fmla="*/ 2203753 w 2203753"/>
+              <a:gd name="connsiteY2" fmla="*/ 576461 h 2132734"/>
+              <a:gd name="connsiteX3" fmla="*/ 647480 w 2203753"/>
+              <a:gd name="connsiteY3" fmla="*/ 2132734 h 2132734"/>
+              <a:gd name="connsiteX4" fmla="*/ 0 w 2203753"/>
+              <a:gd name="connsiteY4" fmla="*/ 1485255 h 2132734"/>
+            </a:gdLst>
+            <a:ahLst/>
+            <a:cxnLst>
+              <a:cxn ang="0">
+                <a:pos x="connsiteX0" y="connsiteY0"/>
+              </a:cxn>
+              <a:cxn ang="0">
+                <a:pos x="connsiteX1" y="connsiteY1"/>
+              </a:cxn>
+              <a:cxn ang="0">
+                <a:pos x="connsiteX2" y="connsiteY2"/>
+              </a:cxn>
+              <a:cxn ang="0">
+                <a:pos x="connsiteX3" y="connsiteY3"/>
+              </a:cxn>
+              <a:cxn ang="0">
+                <a:pos x="connsiteX4" y="connsiteY4"/>
+              </a:cxn>
+            </a:cxnLst>
+            <a:rect l="l" t="t" r="r" b="b"/>
+            <a:pathLst>
+              <a:path w="2203753" h="2132734">
+                <a:moveTo>
+                  <a:pt x="0" y="0"/>
+                </a:moveTo>
+                <a:lnTo>
+                  <a:pt x="2203753" y="0"/>
+                </a:lnTo>
+                <a:lnTo>
+                  <a:pt x="2203753" y="576461"/>
+                </a:lnTo>
+                <a:lnTo>
+                  <a:pt x="647480" y="2132734"/>
+                </a:lnTo>
+                <a:lnTo>
+                  <a:pt x="0" y="1485255"/>
+                </a:lnTo>
+                <a:close/>
+              </a:path>
+            </a:pathLst>
+          </a:custGeom>
+          <a:solidFill>
+            <a:schemeClr val="accent1">
+              <a:alpha val="30000"/>
+            </a:schemeClr>
+          </a:solidFill>
+          <a:ln>
+            <a:noFill/>
+          </a:ln>
+        </p:spPr>
+        <p:style>
+          <a:lnRef idx="2">
+            <a:schemeClr val="accent1">
+              <a:shade val="50000"/>
+            </a:schemeClr>
+          </a:lnRef>
+          <a:fillRef idx="1">
+            <a:schemeClr val="accent1"/>
+          </a:fillRef>
+          <a:effectRef idx="0">
+            <a:schemeClr val="accent1"/>
+          </a:effectRef>
+          <a:fontRef idx="minor">
+            <a:schemeClr val="lt1"/>
+          </a:fontRef>
+        </p:style>
+        <p:txBody>
+          <a:bodyPr wrap="square" rtlCol="0" anchor="ctr">
+            <a:noAutofit/>
+          </a:bodyPr>
+          <a:lstStyle/>
+          <a:p>
+            <a:pPr algn="ctr"/>
+            <a:endParaRPr lang="en-US"/>
+          </a:p>
+        </p:txBody>
+      </p:sp>
+      <p:sp>
+        <p:nvSpPr>
+          <p:cNvPr id="15" name="Rectangle 19">
+            <a:extLst>
+              <a:ext uri="{FF2B5EF4-FFF2-40B4-BE49-F238E27FC236}">
+                <a16:creationId xmlns:a16="http://schemas.microsoft.com/office/drawing/2014/main" id="{1849CA57-76BD-4CF2-80BA-D7A46A01B7B1}"/>
+              </a:ext>
+              <a:ext uri="{C183D7F6-B498-43B3-948B-1728B52AA6E4}">
+                <adec:decorative xmlns:adec="http://schemas.microsoft.com/office/drawing/2017/decorative" val="1"/>
+              </a:ext>
+            </a:extLst>
+          </p:cNvPr>
+          <p:cNvSpPr>
+            <a:spLocks noGrp="1" noRot="1" noChangeAspect="1" noMove="1" noResize="1" noEditPoints="1" noAdjustHandles="1" noChangeArrowheads="1" noChangeShapeType="1" noTextEdit="1"/>
+          </p:cNvSpPr>
+          <p:nvPr>
+            <p:extLst>
+              <p:ext uri="{386F3935-93C4-4BCD-93E2-E3B085C9AB24}">
+                <p16:designElem xmlns:p16="http://schemas.microsoft.com/office/powerpoint/2015/main" val="1"/>
+              </p:ext>
+            </p:extLst>
+          </p:nvPr>
+        </p:nvSpPr>
+        <p:spPr>
+          <a:xfrm rot="2700000">
+            <a:off x="1769787" y="5439893"/>
+            <a:ext cx="928467" cy="928467"/>
+          </a:xfrm>
+          <a:prstGeom prst="rect">
+            <a:avLst/>
+          </a:prstGeom>
+          <a:solidFill>
+            <a:schemeClr val="accent1">
+              <a:alpha val="30000"/>
+            </a:schemeClr>
+          </a:solidFill>
+          <a:ln>
+            <a:noFill/>
+          </a:ln>
+        </p:spPr>
+        <p:style>
+          <a:lnRef idx="2">
+            <a:schemeClr val="accent1">
+              <a:shade val="50000"/>
+            </a:schemeClr>
+          </a:lnRef>
+          <a:fillRef idx="1">
+            <a:schemeClr val="accent1"/>
+          </a:fillRef>
+          <a:effectRef idx="0">
+            <a:schemeClr val="accent1"/>
+          </a:effectRef>
+          <a:fontRef idx="minor">
+            <a:schemeClr val="lt1"/>
+          </a:fontRef>
+        </p:style>
+        <p:txBody>
+          <a:bodyPr wrap="square" rtlCol="0" anchor="ctr">
+            <a:noAutofit/>
+          </a:bodyPr>
+          <a:lstStyle/>
+          <a:p>
+            <a:pPr algn="ctr"/>
+            <a:endParaRPr lang="en-US">
+              <a:solidFill>
+                <a:srgbClr val="FFFFFF"/>
+              </a:solidFill>
+              <a:effectLst>
+                <a:outerShdw blurRad="38100" dist="38100" dir="2700000" algn="tl">
+                  <a:srgbClr val="000000">
+                    <a:alpha val="43137"/>
+                  </a:srgbClr>
+                </a:outerShdw>
+              </a:effectLst>
+            </a:endParaRPr>
+          </a:p>
+        </p:txBody>
+      </p:sp>
+      <p:sp>
+        <p:nvSpPr>
+          <p:cNvPr id="17" name="Freeform: Shape 21">
+            <a:extLst>
+              <a:ext uri="{FF2B5EF4-FFF2-40B4-BE49-F238E27FC236}">
+                <a16:creationId xmlns:a16="http://schemas.microsoft.com/office/drawing/2014/main" id="{35E9085E-E730-4768-83D4-6CB7E9897153}"/>
+              </a:ext>
+              <a:ext uri="{C183D7F6-B498-43B3-948B-1728B52AA6E4}">
+                <adec:decorative xmlns:adec="http://schemas.microsoft.com/office/drawing/2017/decorative" val="1"/>
+              </a:ext>
+            </a:extLst>
+          </p:cNvPr>
+          <p:cNvSpPr>
+            <a:spLocks noGrp="1" noRot="1" noChangeAspect="1" noMove="1" noResize="1" noEditPoints="1" noAdjustHandles="1" noChangeArrowheads="1" noChangeShapeType="1" noTextEdit="1"/>
+          </p:cNvSpPr>
+          <p:nvPr>
+            <p:extLst>
+              <p:ext uri="{386F3935-93C4-4BCD-93E2-E3B085C9AB24}">
+                <p16:designElem xmlns:p16="http://schemas.microsoft.com/office/powerpoint/2015/main" val="1"/>
+              </p:ext>
+            </p:extLst>
+          </p:nvPr>
+        </p:nvSpPr>
+        <p:spPr>
+          <a:xfrm rot="2700000">
+            <a:off x="3401311" y="734311"/>
+            <a:ext cx="5389379" cy="5389379"/>
+          </a:xfrm>
+          <a:custGeom>
+            <a:avLst/>
+            <a:gdLst>
+              <a:gd name="connsiteX0" fmla="*/ 0 w 5389379"/>
+              <a:gd name="connsiteY0" fmla="*/ 540040 h 5389379"/>
+              <a:gd name="connsiteX1" fmla="*/ 540040 w 5389379"/>
+              <a:gd name="connsiteY1" fmla="*/ 0 h 5389379"/>
+              <a:gd name="connsiteX2" fmla="*/ 5389379 w 5389379"/>
+              <a:gd name="connsiteY2" fmla="*/ 0 h 5389379"/>
+              <a:gd name="connsiteX3" fmla="*/ 5389379 w 5389379"/>
+              <a:gd name="connsiteY3" fmla="*/ 4838655 h 5389379"/>
+              <a:gd name="connsiteX4" fmla="*/ 4838655 w 5389379"/>
+              <a:gd name="connsiteY4" fmla="*/ 5389379 h 5389379"/>
+              <a:gd name="connsiteX5" fmla="*/ 0 w 5389379"/>
+              <a:gd name="connsiteY5" fmla="*/ 5389379 h 5389379"/>
+            </a:gdLst>
+            <a:ahLst/>
+            <a:cxnLst>
+              <a:cxn ang="0">
+                <a:pos x="connsiteX0" y="connsiteY0"/>
+              </a:cxn>
+              <a:cxn ang="0">
+                <a:pos x="connsiteX1" y="connsiteY1"/>
+              </a:cxn>
+              <a:cxn ang="0">
+                <a:pos x="connsiteX2" y="connsiteY2"/>
+              </a:cxn>
+              <a:cxn ang="0">
+                <a:pos x="connsiteX3" y="connsiteY3"/>
+              </a:cxn>
+              <a:cxn ang="0">
+                <a:pos x="connsiteX4" y="connsiteY4"/>
+              </a:cxn>
+              <a:cxn ang="0">
+                <a:pos x="connsiteX5" y="connsiteY5"/>
+              </a:cxn>
+            </a:cxnLst>
+            <a:rect l="l" t="t" r="r" b="b"/>
+            <a:pathLst>
+              <a:path w="5389379" h="5389379">
+                <a:moveTo>
+                  <a:pt x="0" y="540040"/>
+                </a:moveTo>
+                <a:lnTo>
+                  <a:pt x="540040" y="0"/>
+                </a:lnTo>
+                <a:lnTo>
+                  <a:pt x="5389379" y="0"/>
+                </a:lnTo>
+                <a:lnTo>
+                  <a:pt x="5389379" y="4838655"/>
+                </a:lnTo>
+                <a:lnTo>
+                  <a:pt x="4838655" y="5389379"/>
+                </a:lnTo>
+                <a:lnTo>
+                  <a:pt x="0" y="5389379"/>
+                </a:lnTo>
+                <a:close/>
+              </a:path>
+            </a:pathLst>
+          </a:custGeom>
+          <a:solidFill>
+            <a:srgbClr val="FFFFFF"/>
+          </a:solidFill>
+          <a:ln>
+            <a:noFill/>
+          </a:ln>
+        </p:spPr>
+        <p:style>
+          <a:lnRef idx="2">
+            <a:schemeClr val="accent1">
+              <a:shade val="50000"/>
+            </a:schemeClr>
+          </a:lnRef>
+          <a:fillRef idx="1">
+            <a:schemeClr val="accent1"/>
+          </a:fillRef>
+          <a:effectRef idx="0">
+            <a:schemeClr val="accent1"/>
+          </a:effectRef>
+          <a:fontRef idx="minor">
+            <a:schemeClr val="lt1"/>
+          </a:fontRef>
+        </p:style>
+        <p:txBody>
+          <a:bodyPr wrap="square" rtlCol="0" anchor="ctr">
+            <a:noAutofit/>
+          </a:bodyPr>
+          <a:lstStyle/>
+          <a:p>
+            <a:pPr algn="ctr"/>
+            <a:endParaRPr lang="en-US"/>
+          </a:p>
+        </p:txBody>
+      </p:sp>
+      <p:sp>
+        <p:nvSpPr>
+          <p:cNvPr id="19" name="Freeform: Shape 23">
+            <a:extLst>
+              <a:ext uri="{FF2B5EF4-FFF2-40B4-BE49-F238E27FC236}">
+                <a16:creationId xmlns:a16="http://schemas.microsoft.com/office/drawing/2014/main" id="{973272FE-A474-4CAE-8CA2-BCC8B476C3F4}"/>
+              </a:ext>
+              <a:ext uri="{C183D7F6-B498-43B3-948B-1728B52AA6E4}">
+                <adec:decorative xmlns:adec="http://schemas.microsoft.com/office/drawing/2017/decorative" val="1"/>
+              </a:ext>
+            </a:extLst>
+          </p:cNvPr>
+          <p:cNvSpPr>
+            <a:spLocks noGrp="1" noRot="1" noChangeAspect="1" noMove="1" noResize="1" noEditPoints="1" noAdjustHandles="1" noChangeArrowheads="1" noChangeShapeType="1" noTextEdit="1"/>
+          </p:cNvSpPr>
+          <p:nvPr>
+            <p:extLst>
+              <p:ext uri="{386F3935-93C4-4BCD-93E2-E3B085C9AB24}">
+                <p16:designElem xmlns:p16="http://schemas.microsoft.com/office/powerpoint/2015/main" val="1"/>
+              </p:ext>
+            </p:extLst>
+          </p:nvPr>
+        </p:nvSpPr>
+        <p:spPr>
+          <a:xfrm rot="2700000">
+            <a:off x="2700283" y="33283"/>
+            <a:ext cx="6791435" cy="6791435"/>
+          </a:xfrm>
+          <a:custGeom>
+            <a:avLst/>
+            <a:gdLst>
+              <a:gd name="connsiteX0" fmla="*/ 1860938 w 6791435"/>
+              <a:gd name="connsiteY0" fmla="*/ 81158 h 6791435"/>
+              <a:gd name="connsiteX1" fmla="*/ 1942096 w 6791435"/>
+              <a:gd name="connsiteY1" fmla="*/ 0 h 6791435"/>
+              <a:gd name="connsiteX2" fmla="*/ 6791435 w 6791435"/>
+              <a:gd name="connsiteY2" fmla="*/ 0 h 6791435"/>
+              <a:gd name="connsiteX3" fmla="*/ 6791435 w 6791435"/>
+              <a:gd name="connsiteY3" fmla="*/ 4838655 h 6791435"/>
+              <a:gd name="connsiteX4" fmla="*/ 6710277 w 6791435"/>
+              <a:gd name="connsiteY4" fmla="*/ 4919813 h 6791435"/>
+              <a:gd name="connsiteX5" fmla="*/ 6710277 w 6791435"/>
+              <a:gd name="connsiteY5" fmla="*/ 81158 h 6791435"/>
+              <a:gd name="connsiteX6" fmla="*/ 0 w 6791435"/>
+              <a:gd name="connsiteY6" fmla="*/ 1942096 h 6791435"/>
+              <a:gd name="connsiteX7" fmla="*/ 81158 w 6791435"/>
+              <a:gd name="connsiteY7" fmla="*/ 1860938 h 6791435"/>
+              <a:gd name="connsiteX8" fmla="*/ 81158 w 6791435"/>
+              <a:gd name="connsiteY8" fmla="*/ 6710277 h 6791435"/>
+              <a:gd name="connsiteX9" fmla="*/ 4919813 w 6791435"/>
+              <a:gd name="connsiteY9" fmla="*/ 6710277 h 6791435"/>
+              <a:gd name="connsiteX10" fmla="*/ 4838655 w 6791435"/>
+              <a:gd name="connsiteY10" fmla="*/ 6791435 h 6791435"/>
+              <a:gd name="connsiteX11" fmla="*/ 0 w 6791435"/>
+              <a:gd name="connsiteY11" fmla="*/ 6791435 h 6791435"/>
+            </a:gdLst>
+            <a:ahLst/>
+            <a:cxnLst>
+              <a:cxn ang="0">
+                <a:pos x="connsiteX0" y="connsiteY0"/>
+              </a:cxn>
+              <a:cxn ang="0">
+                <a:pos x="connsiteX1" y="connsiteY1"/>
+              </a:cxn>
+              <a:cxn ang="0">
+                <a:pos x="connsiteX2" y="connsiteY2"/>
+              </a:cxn>
+              <a:cxn ang="0">
+                <a:pos x="connsiteX3" y="connsiteY3"/>
+              </a:cxn>
+              <a:cxn ang="0">
+                <a:pos x="connsiteX4" y="connsiteY4"/>
+              </a:cxn>
+              <a:cxn ang="0">
+                <a:pos x="connsiteX5" y="connsiteY5"/>
+              </a:cxn>
+              <a:cxn ang="0">
+                <a:pos x="connsiteX6" y="connsiteY6"/>
+              </a:cxn>
+              <a:cxn ang="0">
+                <a:pos x="connsiteX7" y="connsiteY7"/>
+              </a:cxn>
+              <a:cxn ang="0">
+                <a:pos x="connsiteX8" y="connsiteY8"/>
+              </a:cxn>
+              <a:cxn ang="0">
+                <a:pos x="connsiteX9" y="connsiteY9"/>
+              </a:cxn>
+              <a:cxn ang="0">
+                <a:pos x="connsiteX10" y="connsiteY10"/>
+              </a:cxn>
+              <a:cxn ang="0">
+                <a:pos x="connsiteX11" y="connsiteY11"/>
+              </a:cxn>
+            </a:cxnLst>
+            <a:rect l="l" t="t" r="r" b="b"/>
+            <a:pathLst>
+              <a:path w="6791435" h="6791435">
+                <a:moveTo>
+                  <a:pt x="1860938" y="81158"/>
+                </a:moveTo>
+                <a:lnTo>
+                  <a:pt x="1942096" y="0"/>
+                </a:lnTo>
+                <a:lnTo>
+                  <a:pt x="6791435" y="0"/>
+                </a:lnTo>
+                <a:lnTo>
+                  <a:pt x="6791435" y="4838655"/>
+                </a:lnTo>
+                <a:lnTo>
+                  <a:pt x="6710277" y="4919813"/>
+                </a:lnTo>
+                <a:lnTo>
+                  <a:pt x="6710277" y="81158"/>
+                </a:lnTo>
+                <a:close/>
+                <a:moveTo>
+                  <a:pt x="0" y="1942096"/>
+                </a:moveTo>
+                <a:lnTo>
+                  <a:pt x="81158" y="1860938"/>
+                </a:lnTo>
+                <a:lnTo>
+                  <a:pt x="81158" y="6710277"/>
+                </a:lnTo>
+                <a:lnTo>
+                  <a:pt x="4919813" y="6710277"/>
+                </a:lnTo>
+                <a:lnTo>
+                  <a:pt x="4838655" y="6791435"/>
+                </a:lnTo>
+                <a:lnTo>
+                  <a:pt x="0" y="6791435"/>
+                </a:lnTo>
+                <a:close/>
+              </a:path>
+            </a:pathLst>
+          </a:custGeom>
+          <a:solidFill>
+            <a:srgbClr val="FFFFFF">
+              <a:alpha val="60000"/>
+            </a:srgbClr>
+          </a:solidFill>
+          <a:ln>
+            <a:noFill/>
+          </a:ln>
+        </p:spPr>
+        <p:style>
+          <a:lnRef idx="2">
+            <a:schemeClr val="accent1">
+              <a:shade val="50000"/>
+            </a:schemeClr>
+          </a:lnRef>
+          <a:fillRef idx="1">
+            <a:schemeClr val="accent1"/>
+          </a:fillRef>
+          <a:effectRef idx="0">
+            <a:schemeClr val="accent1"/>
+          </a:effectRef>
+          <a:fontRef idx="minor">
+            <a:schemeClr val="lt1"/>
+          </a:fontRef>
+        </p:style>
+        <p:txBody>
+          <a:bodyPr wrap="square" rtlCol="0" anchor="ctr">
+            <a:noAutofit/>
+          </a:bodyPr>
+          <a:lstStyle/>
+          <a:p>
+            <a:pPr algn="ctr"/>
+            <a:endParaRPr lang="en-US">
+              <a:solidFill>
+                <a:schemeClr val="tx1"/>
+              </a:solidFill>
+            </a:endParaRPr>
+          </a:p>
+        </p:txBody>
+      </p:sp>
+      <p:sp>
+        <p:nvSpPr>
+          <p:cNvPr id="3" name="Underrubrik 2">
+            <a:extLst>
+              <a:ext uri="{FF2B5EF4-FFF2-40B4-BE49-F238E27FC236}">
+                <a16:creationId xmlns:a16="http://schemas.microsoft.com/office/drawing/2014/main" id="{22CBA697-7E20-4C26-932F-E8E01D4D409A}"/>
+              </a:ext>
+            </a:extLst>
+          </p:cNvPr>
+          <p:cNvSpPr>
+            <a:spLocks noGrp="1"/>
+          </p:cNvSpPr>
+          <p:nvPr>
+            <p:ph type="subTitle" idx="1"/>
+          </p:nvPr>
+        </p:nvSpPr>
+        <p:spPr>
+          <a:xfrm>
+            <a:off x="4439633" y="4518923"/>
+            <a:ext cx="3312734" cy="1141851"/>
+          </a:xfrm>
+          <a:noFill/>
+        </p:spPr>
+        <p:txBody>
+          <a:bodyPr>
+            <a:normAutofit/>
+          </a:bodyPr>
+          <a:lstStyle/>
+          <a:p>
+            <a:endParaRPr lang="sv-SE" sz="2000">
+              <a:solidFill>
+                <a:srgbClr val="080808"/>
+              </a:solidFill>
+            </a:endParaRPr>
+          </a:p>
+        </p:txBody>
+      </p:sp>
+      <p:sp>
+        <p:nvSpPr>
           <p:cNvPr id="2" name="Rubrik 1">
             <a:extLst>
               <a:ext uri="{FF2B5EF4-FFF2-40B4-BE49-F238E27FC236}">
@@ -3391,44 +6116,204 @@
             <p:ph type="ctrTitle"/>
           </p:nvPr>
         </p:nvSpPr>
-        <p:spPr/>
-        <p:txBody>
-          <a:bodyPr/>
+        <p:spPr>
+          <a:xfrm>
+            <a:off x="3204642" y="2353641"/>
+            <a:ext cx="5782716" cy="2150719"/>
+          </a:xfrm>
+          <a:noFill/>
+        </p:spPr>
+        <p:txBody>
+          <a:bodyPr anchor="ctr">
+            <a:normAutofit/>
+          </a:bodyPr>
           <a:lstStyle/>
           <a:p>
             <a:r>
-              <a:rPr lang="sv-SE" dirty="0" err="1"/>
-              <a:t>Björkbäcks</a:t>
+              <a:rPr lang="sv-SE" sz="3600">
+                <a:solidFill>
+                  <a:srgbClr val="080808"/>
+                </a:solidFill>
+              </a:rPr>
+              <a:t>Björkbäcks advokatbyrå</a:t>
             </a:r>
-            <a:r>
-              <a:rPr lang="sv-SE" dirty="0"/>
-              <a:t> advokatbyrå</a:t>
-            </a:r>
-          </a:p>
-        </p:txBody>
-      </p:sp>
-      <p:sp>
-        <p:nvSpPr>
-          <p:cNvPr id="3" name="Underrubrik 2">
-            <a:extLst>
-              <a:ext uri="{FF2B5EF4-FFF2-40B4-BE49-F238E27FC236}">
-                <a16:creationId xmlns:a16="http://schemas.microsoft.com/office/drawing/2014/main" id="{22CBA697-7E20-4C26-932F-E8E01D4D409A}"/>
-              </a:ext>
-            </a:extLst>
-          </p:cNvPr>
-          <p:cNvSpPr>
-            <a:spLocks noGrp="1"/>
-          </p:cNvSpPr>
-          <p:nvPr>
-            <p:ph type="subTitle" idx="1"/>
-          </p:nvPr>
-        </p:nvSpPr>
-        <p:spPr/>
-        <p:txBody>
-          <a:bodyPr/>
+          </a:p>
+        </p:txBody>
+      </p:sp>
+      <p:sp>
+        <p:nvSpPr>
+          <p:cNvPr id="21" name="Freeform: Shape 25">
+            <a:extLst>
+              <a:ext uri="{FF2B5EF4-FFF2-40B4-BE49-F238E27FC236}">
+                <a16:creationId xmlns:a16="http://schemas.microsoft.com/office/drawing/2014/main" id="{E07981EA-05A6-437C-88D7-B377B92B031D}"/>
+              </a:ext>
+              <a:ext uri="{C183D7F6-B498-43B3-948B-1728B52AA6E4}">
+                <adec:decorative xmlns:adec="http://schemas.microsoft.com/office/drawing/2017/decorative" val="1"/>
+              </a:ext>
+            </a:extLst>
+          </p:cNvPr>
+          <p:cNvSpPr>
+            <a:spLocks noGrp="1" noRot="1" noChangeAspect="1" noMove="1" noResize="1" noEditPoints="1" noAdjustHandles="1" noChangeArrowheads="1" noChangeShapeType="1" noTextEdit="1"/>
+          </p:cNvSpPr>
+          <p:nvPr>
+            <p:extLst>
+              <p:ext uri="{386F3935-93C4-4BCD-93E2-E3B085C9AB24}">
+                <p16:designElem xmlns:p16="http://schemas.microsoft.com/office/powerpoint/2015/main" val="1"/>
+              </p:ext>
+            </p:extLst>
+          </p:nvPr>
+        </p:nvSpPr>
+        <p:spPr>
+          <a:xfrm rot="2700000">
+            <a:off x="9629823" y="5457591"/>
+            <a:ext cx="2231794" cy="2568811"/>
+          </a:xfrm>
+          <a:custGeom>
+            <a:avLst/>
+            <a:gdLst>
+              <a:gd name="connsiteX0" fmla="*/ 0 w 2940086"/>
+              <a:gd name="connsiteY0" fmla="*/ 0 h 3384061"/>
+              <a:gd name="connsiteX1" fmla="*/ 2496112 w 2940086"/>
+              <a:gd name="connsiteY1" fmla="*/ 0 h 3384061"/>
+              <a:gd name="connsiteX2" fmla="*/ 2940086 w 2940086"/>
+              <a:gd name="connsiteY2" fmla="*/ 443975 h 3384061"/>
+              <a:gd name="connsiteX3" fmla="*/ 0 w 2940086"/>
+              <a:gd name="connsiteY3" fmla="*/ 3384061 h 3384061"/>
+            </a:gdLst>
+            <a:ahLst/>
+            <a:cxnLst>
+              <a:cxn ang="0">
+                <a:pos x="connsiteX0" y="connsiteY0"/>
+              </a:cxn>
+              <a:cxn ang="0">
+                <a:pos x="connsiteX1" y="connsiteY1"/>
+              </a:cxn>
+              <a:cxn ang="0">
+                <a:pos x="connsiteX2" y="connsiteY2"/>
+              </a:cxn>
+              <a:cxn ang="0">
+                <a:pos x="connsiteX3" y="connsiteY3"/>
+              </a:cxn>
+            </a:cxnLst>
+            <a:rect l="l" t="t" r="r" b="b"/>
+            <a:pathLst>
+              <a:path w="2940086" h="3384061">
+                <a:moveTo>
+                  <a:pt x="0" y="0"/>
+                </a:moveTo>
+                <a:lnTo>
+                  <a:pt x="2496112" y="0"/>
+                </a:lnTo>
+                <a:lnTo>
+                  <a:pt x="2940086" y="443975"/>
+                </a:lnTo>
+                <a:lnTo>
+                  <a:pt x="0" y="3384061"/>
+                </a:lnTo>
+                <a:close/>
+              </a:path>
+            </a:pathLst>
+          </a:custGeom>
+          <a:solidFill>
+            <a:schemeClr val="accent4">
+              <a:alpha val="40000"/>
+            </a:schemeClr>
+          </a:solidFill>
+          <a:ln>
+            <a:noFill/>
+          </a:ln>
+        </p:spPr>
+        <p:style>
+          <a:lnRef idx="2">
+            <a:schemeClr val="accent1">
+              <a:shade val="50000"/>
+            </a:schemeClr>
+          </a:lnRef>
+          <a:fillRef idx="1">
+            <a:schemeClr val="accent1"/>
+          </a:fillRef>
+          <a:effectRef idx="0">
+            <a:schemeClr val="accent1"/>
+          </a:effectRef>
+          <a:fontRef idx="minor">
+            <a:schemeClr val="lt1"/>
+          </a:fontRef>
+        </p:style>
+        <p:txBody>
+          <a:bodyPr wrap="square" rtlCol="0" anchor="ctr">
+            <a:noAutofit/>
+          </a:bodyPr>
           <a:lstStyle/>
           <a:p>
-            <a:endParaRPr lang="sv-SE"/>
+            <a:pPr algn="ctr"/>
+            <a:endParaRPr lang="en-US"/>
+          </a:p>
+        </p:txBody>
+      </p:sp>
+      <p:sp>
+        <p:nvSpPr>
+          <p:cNvPr id="23" name="Rectangle 27">
+            <a:extLst>
+              <a:ext uri="{FF2B5EF4-FFF2-40B4-BE49-F238E27FC236}">
+                <a16:creationId xmlns:a16="http://schemas.microsoft.com/office/drawing/2014/main" id="{15E3C750-986E-4769-B1AE-49289FBEE757}"/>
+              </a:ext>
+              <a:ext uri="{C183D7F6-B498-43B3-948B-1728B52AA6E4}">
+                <adec:decorative xmlns:adec="http://schemas.microsoft.com/office/drawing/2017/decorative" val="1"/>
+              </a:ext>
+            </a:extLst>
+          </p:cNvPr>
+          <p:cNvSpPr>
+            <a:spLocks noGrp="1" noRot="1" noChangeAspect="1" noMove="1" noResize="1" noEditPoints="1" noAdjustHandles="1" noChangeArrowheads="1" noChangeShapeType="1" noTextEdit="1"/>
+          </p:cNvSpPr>
+          <p:nvPr>
+            <p:extLst>
+              <p:ext uri="{386F3935-93C4-4BCD-93E2-E3B085C9AB24}">
+                <p16:designElem xmlns:p16="http://schemas.microsoft.com/office/powerpoint/2015/main" val="1"/>
+              </p:ext>
+            </p:extLst>
+          </p:nvPr>
+        </p:nvSpPr>
+        <p:spPr>
+          <a:xfrm rot="2700000">
+            <a:off x="9720059" y="5243545"/>
+            <a:ext cx="959985" cy="959985"/>
+          </a:xfrm>
+          <a:prstGeom prst="rect">
+            <a:avLst/>
+          </a:prstGeom>
+          <a:solidFill>
+            <a:schemeClr val="accent4">
+              <a:alpha val="40000"/>
+            </a:schemeClr>
+          </a:solidFill>
+          <a:ln>
+            <a:noFill/>
+          </a:ln>
+        </p:spPr>
+        <p:style>
+          <a:lnRef idx="2">
+            <a:schemeClr val="accent1">
+              <a:shade val="50000"/>
+            </a:schemeClr>
+          </a:lnRef>
+          <a:fillRef idx="1">
+            <a:schemeClr val="accent1"/>
+          </a:fillRef>
+          <a:effectRef idx="0">
+            <a:schemeClr val="accent1"/>
+          </a:effectRef>
+          <a:fontRef idx="minor">
+            <a:schemeClr val="lt1"/>
+          </a:fontRef>
+        </p:style>
+        <p:txBody>
+          <a:bodyPr wrap="square" rtlCol="0" anchor="ctr">
+            <a:noAutofit/>
+          </a:bodyPr>
+          <a:lstStyle/>
+          <a:p>
+            <a:pPr algn="ctr"/>
+            <a:endParaRPr lang="en-US"/>
           </a:p>
         </p:txBody>
       </p:sp>
@@ -3445,7 +6330,7 @@
 </p:sld>
 </file>
 
-<file path=ppt/slides/slide2.xml><?xml version="1.0" encoding="utf-8"?>
+<file path=ppt/slides/slide10.xml><?xml version="1.0" encoding="utf-8"?>
 <p:sld xmlns:a="http://schemas.openxmlformats.org/drawingml/2006/main" xmlns:r="http://schemas.openxmlformats.org/officeDocument/2006/relationships" xmlns:p="http://schemas.openxmlformats.org/presentationml/2006/main">
   <p:cSld>
     <p:spTree>
@@ -3467,7 +6352,7 @@
           <p:cNvPr id="2" name="Rubrik 1">
             <a:extLst>
               <a:ext uri="{FF2B5EF4-FFF2-40B4-BE49-F238E27FC236}">
-                <a16:creationId xmlns:a16="http://schemas.microsoft.com/office/drawing/2014/main" id="{36B2C353-011D-4B99-98FC-5C2176DBF0E6}"/>
+                <a16:creationId xmlns:a16="http://schemas.microsoft.com/office/drawing/2014/main" id="{5C1CE72E-48F4-41C5-B076-C9312884476B}"/>
               </a:ext>
             </a:extLst>
           </p:cNvPr>
@@ -3478,85 +6363,61 @@
             <p:ph type="title"/>
           </p:nvPr>
         </p:nvSpPr>
-        <p:spPr/>
-        <p:txBody>
-          <a:bodyPr/>
+        <p:spPr>
+          <a:xfrm>
+            <a:off x="3781230" y="318472"/>
+            <a:ext cx="4629539" cy="1325563"/>
+          </a:xfrm>
+        </p:spPr>
+        <p:txBody>
+          <a:bodyPr>
+            <a:normAutofit/>
+          </a:bodyPr>
           <a:lstStyle/>
           <a:p>
             <a:r>
-              <a:rPr lang="sv-SE" dirty="0"/>
-              <a:t>Målgrupp och design</a:t>
+              <a:rPr lang="sv-SE" sz="6600" dirty="0"/>
+              <a:t>Kontakta oss</a:t>
             </a:r>
           </a:p>
         </p:txBody>
       </p:sp>
-      <p:sp>
-        <p:nvSpPr>
-          <p:cNvPr id="3" name="Platshållare för innehåll 2">
-            <a:extLst>
-              <a:ext uri="{FF2B5EF4-FFF2-40B4-BE49-F238E27FC236}">
-                <a16:creationId xmlns:a16="http://schemas.microsoft.com/office/drawing/2014/main" id="{0E7794C3-713A-4E47-9088-D8BCE008C42C}"/>
-              </a:ext>
-            </a:extLst>
-          </p:cNvPr>
-          <p:cNvSpPr>
-            <a:spLocks noGrp="1"/>
-          </p:cNvSpPr>
+      <p:pic>
+        <p:nvPicPr>
+          <p:cNvPr id="4" name="Platshållare för innehåll 3">
+            <a:extLst>
+              <a:ext uri="{FF2B5EF4-FFF2-40B4-BE49-F238E27FC236}">
+                <a16:creationId xmlns:a16="http://schemas.microsoft.com/office/drawing/2014/main" id="{9BE593B5-3E41-493E-92F1-321B21EBB5B5}"/>
+              </a:ext>
+            </a:extLst>
+          </p:cNvPr>
+          <p:cNvPicPr>
+            <a:picLocks noGrp="1" noChangeAspect="1"/>
+          </p:cNvPicPr>
           <p:nvPr>
             <p:ph idx="1"/>
           </p:nvPr>
-        </p:nvSpPr>
-        <p:spPr/>
-        <p:txBody>
-          <a:bodyPr/>
-          <a:lstStyle/>
-          <a:p>
-            <a:r>
-              <a:rPr lang="sv-SE" dirty="0"/>
-              <a:t>Målgruppen är 16-25 åringar samt 36-65</a:t>
-            </a:r>
-          </a:p>
-          <a:p>
-            <a:r>
-              <a:rPr lang="sv-SE" dirty="0"/>
-              <a:t>Deltagarna har inte behov av juridisk hjälp = ”överklaga parkering”.</a:t>
-            </a:r>
-          </a:p>
-          <a:p>
-            <a:r>
-              <a:rPr lang="sv-SE" dirty="0"/>
-              <a:t>Temat stilrent samt lite elegant</a:t>
-            </a:r>
-          </a:p>
-          <a:p>
-            <a:r>
-              <a:rPr lang="sv-SE" dirty="0"/>
-              <a:t>Färger som kopplas till advokatbyråer?: mörkblå och grå</a:t>
-            </a:r>
-          </a:p>
-          <a:p>
-            <a:r>
-              <a:rPr lang="sv-SE" dirty="0"/>
-              <a:t>Bästa typsnittet till en advokatbyrå är </a:t>
-            </a:r>
-            <a:r>
-              <a:rPr lang="sv-SE" dirty="0" err="1"/>
-              <a:t>Serif</a:t>
-            </a:r>
-            <a:endParaRPr lang="sv-SE" dirty="0"/>
-          </a:p>
-          <a:p>
-            <a:endParaRPr lang="sv-SE" dirty="0"/>
-          </a:p>
-          <a:p>
-            <a:endParaRPr lang="sv-SE" dirty="0"/>
-          </a:p>
-        </p:txBody>
-      </p:sp>
+        </p:nvPicPr>
+        <p:blipFill>
+          <a:blip r:embed="rId2"/>
+          <a:stretch>
+            <a:fillRect/>
+          </a:stretch>
+        </p:blipFill>
+        <p:spPr>
+          <a:xfrm>
+            <a:off x="1778411" y="1825625"/>
+            <a:ext cx="8635178" cy="4351338"/>
+          </a:xfrm>
+          <a:prstGeom prst="rect">
+            <a:avLst/>
+          </a:prstGeom>
+        </p:spPr>
+      </p:pic>
     </p:spTree>
     <p:extLst>
       <p:ext uri="{BB962C8B-B14F-4D97-AF65-F5344CB8AC3E}">
-        <p14:creationId xmlns:p14="http://schemas.microsoft.com/office/powerpoint/2010/main" val="3589907290"/>
+        <p14:creationId xmlns:p14="http://schemas.microsoft.com/office/powerpoint/2010/main" val="3625886598"/>
       </p:ext>
     </p:extLst>
   </p:cSld>
@@ -3566,7 +6427,7 @@
 </p:sld>
 </file>
 
-<file path=ppt/slides/slide3.xml><?xml version="1.0" encoding="utf-8"?>
+<file path=ppt/slides/slide11.xml><?xml version="1.0" encoding="utf-8"?>
 <p:sld xmlns:a="http://schemas.openxmlformats.org/drawingml/2006/main" xmlns:r="http://schemas.openxmlformats.org/officeDocument/2006/relationships" xmlns:p="http://schemas.openxmlformats.org/presentationml/2006/main">
   <p:cSld>
     <p:spTree>
@@ -3583,11 +6444,2230 @@
           <a:chExt cx="0" cy="0"/>
         </a:xfrm>
       </p:grpSpPr>
+      <p:pic>
+        <p:nvPicPr>
+          <p:cNvPr id="4" name="Platshållare för innehåll 3">
+            <a:extLst>
+              <a:ext uri="{FF2B5EF4-FFF2-40B4-BE49-F238E27FC236}">
+                <a16:creationId xmlns:a16="http://schemas.microsoft.com/office/drawing/2014/main" id="{057D0E69-14BC-4022-94BE-0DC76C1860CF}"/>
+              </a:ext>
+            </a:extLst>
+          </p:cNvPr>
+          <p:cNvPicPr>
+            <a:picLocks noGrp="1" noChangeAspect="1"/>
+          </p:cNvPicPr>
+          <p:nvPr>
+            <p:ph idx="1"/>
+          </p:nvPr>
+        </p:nvPicPr>
+        <p:blipFill>
+          <a:blip r:embed="rId2"/>
+          <a:stretch>
+            <a:fillRect/>
+          </a:stretch>
+        </p:blipFill>
+        <p:spPr>
+          <a:xfrm>
+            <a:off x="1209212" y="970335"/>
+            <a:ext cx="9773575" cy="4917330"/>
+          </a:xfrm>
+          <a:prstGeom prst="rect">
+            <a:avLst/>
+          </a:prstGeom>
+        </p:spPr>
+      </p:pic>
+    </p:spTree>
+    <p:extLst>
+      <p:ext uri="{BB962C8B-B14F-4D97-AF65-F5344CB8AC3E}">
+        <p14:creationId xmlns:p14="http://schemas.microsoft.com/office/powerpoint/2010/main" val="1033967372"/>
+      </p:ext>
+    </p:extLst>
+  </p:cSld>
+  <p:clrMapOvr>
+    <a:masterClrMapping/>
+  </p:clrMapOvr>
+</p:sld>
+</file>
+
+<file path=ppt/slides/slide12.xml><?xml version="1.0" encoding="utf-8"?>
+<p:sld xmlns:a="http://schemas.openxmlformats.org/drawingml/2006/main" xmlns:r="http://schemas.openxmlformats.org/officeDocument/2006/relationships" xmlns:p="http://schemas.openxmlformats.org/presentationml/2006/main">
+  <p:cSld>
+    <p:spTree>
+      <p:nvGrpSpPr>
+        <p:cNvPr id="1" name=""/>
+        <p:cNvGrpSpPr/>
+        <p:nvPr/>
+      </p:nvGrpSpPr>
+      <p:grpSpPr>
+        <a:xfrm>
+          <a:off x="0" y="0"/>
+          <a:ext cx="0" cy="0"/>
+          <a:chOff x="0" y="0"/>
+          <a:chExt cx="0" cy="0"/>
+        </a:xfrm>
+      </p:grpSpPr>
       <p:sp>
         <p:nvSpPr>
           <p:cNvPr id="2" name="Rubrik 1">
             <a:extLst>
               <a:ext uri="{FF2B5EF4-FFF2-40B4-BE49-F238E27FC236}">
+                <a16:creationId xmlns:a16="http://schemas.microsoft.com/office/drawing/2014/main" id="{3589A444-BA37-47B6-B9E7-5F7B13690545}"/>
+              </a:ext>
+            </a:extLst>
+          </p:cNvPr>
+          <p:cNvSpPr>
+            <a:spLocks noGrp="1"/>
+          </p:cNvSpPr>
+          <p:nvPr>
+            <p:ph type="title"/>
+          </p:nvPr>
+        </p:nvSpPr>
+        <p:spPr>
+          <a:xfrm>
+            <a:off x="3757904" y="500062"/>
+            <a:ext cx="4676192" cy="1325563"/>
+          </a:xfrm>
+        </p:spPr>
+        <p:txBody>
+          <a:bodyPr>
+            <a:noAutofit/>
+          </a:bodyPr>
+          <a:lstStyle/>
+          <a:p>
+            <a:r>
+              <a:rPr lang="sv-SE" sz="6600" dirty="0"/>
+              <a:t>Medarbetare</a:t>
+            </a:r>
+          </a:p>
+        </p:txBody>
+      </p:sp>
+      <p:pic>
+        <p:nvPicPr>
+          <p:cNvPr id="4" name="Platshållare för innehåll 3">
+            <a:extLst>
+              <a:ext uri="{FF2B5EF4-FFF2-40B4-BE49-F238E27FC236}">
+                <a16:creationId xmlns:a16="http://schemas.microsoft.com/office/drawing/2014/main" id="{445218B1-A6F3-4F66-8829-E2E06E9839BA}"/>
+              </a:ext>
+            </a:extLst>
+          </p:cNvPr>
+          <p:cNvPicPr>
+            <a:picLocks noGrp="1" noChangeAspect="1"/>
+          </p:cNvPicPr>
+          <p:nvPr>
+            <p:ph idx="1"/>
+          </p:nvPr>
+        </p:nvPicPr>
+        <p:blipFill>
+          <a:blip r:embed="rId2"/>
+          <a:stretch>
+            <a:fillRect/>
+          </a:stretch>
+        </p:blipFill>
+        <p:spPr>
+          <a:xfrm>
+            <a:off x="1776161" y="1825625"/>
+            <a:ext cx="8639678" cy="4351338"/>
+          </a:xfrm>
+          <a:prstGeom prst="rect">
+            <a:avLst/>
+          </a:prstGeom>
+        </p:spPr>
+      </p:pic>
+    </p:spTree>
+    <p:extLst>
+      <p:ext uri="{BB962C8B-B14F-4D97-AF65-F5344CB8AC3E}">
+        <p14:creationId xmlns:p14="http://schemas.microsoft.com/office/powerpoint/2010/main" val="4293967947"/>
+      </p:ext>
+    </p:extLst>
+  </p:cSld>
+  <p:clrMapOvr>
+    <a:masterClrMapping/>
+  </p:clrMapOvr>
+</p:sld>
+</file>
+
+<file path=ppt/slides/slide13.xml><?xml version="1.0" encoding="utf-8"?>
+<p:sld xmlns:a="http://schemas.openxmlformats.org/drawingml/2006/main" xmlns:r="http://schemas.openxmlformats.org/officeDocument/2006/relationships" xmlns:p="http://schemas.openxmlformats.org/presentationml/2006/main">
+  <p:cSld>
+    <p:spTree>
+      <p:nvGrpSpPr>
+        <p:cNvPr id="1" name=""/>
+        <p:cNvGrpSpPr/>
+        <p:nvPr/>
+      </p:nvGrpSpPr>
+      <p:grpSpPr>
+        <a:xfrm>
+          <a:off x="0" y="0"/>
+          <a:ext cx="0" cy="0"/>
+          <a:chOff x="0" y="0"/>
+          <a:chExt cx="0" cy="0"/>
+        </a:xfrm>
+      </p:grpSpPr>
+      <p:pic>
+        <p:nvPicPr>
+          <p:cNvPr id="4" name="Platshållare för innehåll 3">
+            <a:extLst>
+              <a:ext uri="{FF2B5EF4-FFF2-40B4-BE49-F238E27FC236}">
+                <a16:creationId xmlns:a16="http://schemas.microsoft.com/office/drawing/2014/main" id="{22C57715-4E5B-4106-97BD-DE31BF9AE912}"/>
+              </a:ext>
+            </a:extLst>
+          </p:cNvPr>
+          <p:cNvPicPr>
+            <a:picLocks noGrp="1" noChangeAspect="1"/>
+          </p:cNvPicPr>
+          <p:nvPr>
+            <p:ph idx="1"/>
+          </p:nvPr>
+        </p:nvPicPr>
+        <p:blipFill>
+          <a:blip r:embed="rId2"/>
+          <a:stretch>
+            <a:fillRect/>
+          </a:stretch>
+        </p:blipFill>
+        <p:spPr>
+          <a:xfrm>
+            <a:off x="836685" y="835041"/>
+            <a:ext cx="10295361" cy="5187918"/>
+          </a:xfrm>
+          <a:prstGeom prst="rect">
+            <a:avLst/>
+          </a:prstGeom>
+        </p:spPr>
+      </p:pic>
+    </p:spTree>
+    <p:extLst>
+      <p:ext uri="{BB962C8B-B14F-4D97-AF65-F5344CB8AC3E}">
+        <p14:creationId xmlns:p14="http://schemas.microsoft.com/office/powerpoint/2010/main" val="4178801886"/>
+      </p:ext>
+    </p:extLst>
+  </p:cSld>
+  <p:clrMapOvr>
+    <a:masterClrMapping/>
+  </p:clrMapOvr>
+</p:sld>
+</file>
+
+<file path=ppt/slides/slide14.xml><?xml version="1.0" encoding="utf-8"?>
+<p:sld xmlns:a="http://schemas.openxmlformats.org/drawingml/2006/main" xmlns:r="http://schemas.openxmlformats.org/officeDocument/2006/relationships" xmlns:p="http://schemas.openxmlformats.org/presentationml/2006/main">
+  <p:cSld>
+    <p:bg>
+      <p:bgPr>
+        <a:solidFill>
+          <a:schemeClr val="bg1"/>
+        </a:solidFill>
+        <a:effectLst/>
+      </p:bgPr>
+    </p:bg>
+    <p:spTree>
+      <p:nvGrpSpPr>
+        <p:cNvPr id="1" name=""/>
+        <p:cNvGrpSpPr/>
+        <p:nvPr/>
+      </p:nvGrpSpPr>
+      <p:grpSpPr>
+        <a:xfrm>
+          <a:off x="0" y="0"/>
+          <a:ext cx="0" cy="0"/>
+          <a:chOff x="0" y="0"/>
+          <a:chExt cx="0" cy="0"/>
+        </a:xfrm>
+      </p:grpSpPr>
+      <p:sp>
+        <p:nvSpPr>
+          <p:cNvPr id="7" name="Rectangle 6">
+            <a:extLst>
+              <a:ext uri="{FF2B5EF4-FFF2-40B4-BE49-F238E27FC236}">
+                <a16:creationId xmlns:a16="http://schemas.microsoft.com/office/drawing/2014/main" id="{88294908-8B00-4F58-BBBA-20F71A40AA9E}"/>
+              </a:ext>
+              <a:ext uri="{C183D7F6-B498-43B3-948B-1728B52AA6E4}">
+                <adec:decorative xmlns:adec="http://schemas.microsoft.com/office/drawing/2017/decorative" val="1"/>
+              </a:ext>
+            </a:extLst>
+          </p:cNvPr>
+          <p:cNvSpPr>
+            <a:spLocks noGrp="1" noRot="1" noChangeAspect="1" noMove="1" noResize="1" noEditPoints="1" noAdjustHandles="1" noChangeArrowheads="1" noChangeShapeType="1" noTextEdit="1"/>
+          </p:cNvSpPr>
+          <p:nvPr>
+            <p:extLst>
+              <p:ext uri="{386F3935-93C4-4BCD-93E2-E3B085C9AB24}">
+                <p16:designElem xmlns:p16="http://schemas.microsoft.com/office/powerpoint/2015/main" val="1"/>
+              </p:ext>
+            </p:extLst>
+          </p:nvPr>
+        </p:nvSpPr>
+        <p:spPr>
+          <a:xfrm>
+            <a:off x="0" y="0"/>
+            <a:ext cx="12192000" cy="6858000"/>
+          </a:xfrm>
+          <a:prstGeom prst="rect">
+            <a:avLst/>
+          </a:prstGeom>
+          <a:solidFill>
+            <a:schemeClr val="bg2"/>
+          </a:solidFill>
+          <a:ln>
+            <a:noFill/>
+          </a:ln>
+        </p:spPr>
+        <p:style>
+          <a:lnRef idx="2">
+            <a:schemeClr val="accent1">
+              <a:shade val="50000"/>
+            </a:schemeClr>
+          </a:lnRef>
+          <a:fillRef idx="1">
+            <a:schemeClr val="accent1"/>
+          </a:fillRef>
+          <a:effectRef idx="0">
+            <a:schemeClr val="accent1"/>
+          </a:effectRef>
+          <a:fontRef idx="minor">
+            <a:schemeClr val="lt1"/>
+          </a:fontRef>
+        </p:style>
+        <p:txBody>
+          <a:bodyPr rtlCol="0" anchor="ctr"/>
+          <a:lstStyle/>
+          <a:p>
+            <a:pPr algn="ctr"/>
+            <a:endParaRPr lang="en-US" dirty="0"/>
+          </a:p>
+        </p:txBody>
+      </p:sp>
+      <p:sp>
+        <p:nvSpPr>
+          <p:cNvPr id="9" name="Freeform: Shape 8">
+            <a:extLst>
+              <a:ext uri="{FF2B5EF4-FFF2-40B4-BE49-F238E27FC236}">
+                <a16:creationId xmlns:a16="http://schemas.microsoft.com/office/drawing/2014/main" id="{4364C879-1404-4203-8E9D-CC5DE0A621A2}"/>
+              </a:ext>
+              <a:ext uri="{C183D7F6-B498-43B3-948B-1728B52AA6E4}">
+                <adec:decorative xmlns:adec="http://schemas.microsoft.com/office/drawing/2017/decorative" val="1"/>
+              </a:ext>
+            </a:extLst>
+          </p:cNvPr>
+          <p:cNvSpPr>
+            <a:spLocks noGrp="1" noRot="1" noChangeAspect="1" noMove="1" noResize="1" noEditPoints="1" noAdjustHandles="1" noChangeArrowheads="1" noChangeShapeType="1" noTextEdit="1"/>
+          </p:cNvSpPr>
+          <p:nvPr>
+            <p:extLst>
+              <p:ext uri="{386F3935-93C4-4BCD-93E2-E3B085C9AB24}">
+                <p16:designElem xmlns:p16="http://schemas.microsoft.com/office/powerpoint/2015/main" val="1"/>
+              </p:ext>
+            </p:extLst>
+          </p:nvPr>
+        </p:nvSpPr>
+        <p:spPr>
+          <a:xfrm rot="2700000">
+            <a:off x="82782" y="-1386168"/>
+            <a:ext cx="2424873" cy="3611191"/>
+          </a:xfrm>
+          <a:custGeom>
+            <a:avLst/>
+            <a:gdLst>
+              <a:gd name="connsiteX0" fmla="*/ 0 w 2424873"/>
+              <a:gd name="connsiteY0" fmla="*/ 2424874 h 3611191"/>
+              <a:gd name="connsiteX1" fmla="*/ 2424873 w 2424873"/>
+              <a:gd name="connsiteY1" fmla="*/ 0 h 3611191"/>
+              <a:gd name="connsiteX2" fmla="*/ 2424873 w 2424873"/>
+              <a:gd name="connsiteY2" fmla="*/ 3611191 h 3611191"/>
+              <a:gd name="connsiteX3" fmla="*/ 1186317 w 2424873"/>
+              <a:gd name="connsiteY3" fmla="*/ 3611191 h 3611191"/>
+            </a:gdLst>
+            <a:ahLst/>
+            <a:cxnLst>
+              <a:cxn ang="0">
+                <a:pos x="connsiteX0" y="connsiteY0"/>
+              </a:cxn>
+              <a:cxn ang="0">
+                <a:pos x="connsiteX1" y="connsiteY1"/>
+              </a:cxn>
+              <a:cxn ang="0">
+                <a:pos x="connsiteX2" y="connsiteY2"/>
+              </a:cxn>
+              <a:cxn ang="0">
+                <a:pos x="connsiteX3" y="connsiteY3"/>
+              </a:cxn>
+            </a:cxnLst>
+            <a:rect l="l" t="t" r="r" b="b"/>
+            <a:pathLst>
+              <a:path w="2424873" h="3611191">
+                <a:moveTo>
+                  <a:pt x="0" y="2424874"/>
+                </a:moveTo>
+                <a:lnTo>
+                  <a:pt x="2424873" y="0"/>
+                </a:lnTo>
+                <a:lnTo>
+                  <a:pt x="2424873" y="3611191"/>
+                </a:lnTo>
+                <a:lnTo>
+                  <a:pt x="1186317" y="3611191"/>
+                </a:lnTo>
+                <a:close/>
+              </a:path>
+            </a:pathLst>
+          </a:custGeom>
+          <a:solidFill>
+            <a:schemeClr val="accent4">
+              <a:alpha val="40000"/>
+            </a:schemeClr>
+          </a:solidFill>
+          <a:ln>
+            <a:noFill/>
+          </a:ln>
+        </p:spPr>
+        <p:style>
+          <a:lnRef idx="2">
+            <a:schemeClr val="accent1">
+              <a:shade val="50000"/>
+            </a:schemeClr>
+          </a:lnRef>
+          <a:fillRef idx="1">
+            <a:schemeClr val="accent1"/>
+          </a:fillRef>
+          <a:effectRef idx="0">
+            <a:schemeClr val="accent1"/>
+          </a:effectRef>
+          <a:fontRef idx="minor">
+            <a:schemeClr val="lt1"/>
+          </a:fontRef>
+        </p:style>
+        <p:txBody>
+          <a:bodyPr wrap="square" rtlCol="0" anchor="ctr">
+            <a:noAutofit/>
+          </a:bodyPr>
+          <a:lstStyle/>
+          <a:p>
+            <a:pPr algn="ctr"/>
+            <a:endParaRPr lang="en-US"/>
+          </a:p>
+        </p:txBody>
+      </p:sp>
+      <p:sp>
+        <p:nvSpPr>
+          <p:cNvPr id="11" name="Freeform: Shape 10">
+            <a:extLst>
+              <a:ext uri="{FF2B5EF4-FFF2-40B4-BE49-F238E27FC236}">
+                <a16:creationId xmlns:a16="http://schemas.microsoft.com/office/drawing/2014/main" id="{84617302-4B0D-4351-A6BB-6F0930D943AC}"/>
+              </a:ext>
+              <a:ext uri="{C183D7F6-B498-43B3-948B-1728B52AA6E4}">
+                <adec:decorative xmlns:adec="http://schemas.microsoft.com/office/drawing/2017/decorative" val="1"/>
+              </a:ext>
+            </a:extLst>
+          </p:cNvPr>
+          <p:cNvSpPr>
+            <a:spLocks noGrp="1" noRot="1" noChangeAspect="1" noMove="1" noResize="1" noEditPoints="1" noAdjustHandles="1" noChangeArrowheads="1" noChangeShapeType="1" noTextEdit="1"/>
+          </p:cNvSpPr>
+          <p:nvPr>
+            <p:extLst>
+              <p:ext uri="{386F3935-93C4-4BCD-93E2-E3B085C9AB24}">
+                <p16:designElem xmlns:p16="http://schemas.microsoft.com/office/powerpoint/2015/main" val="1"/>
+              </p:ext>
+            </p:extLst>
+          </p:nvPr>
+        </p:nvSpPr>
+        <p:spPr>
+          <a:xfrm rot="2700000">
+            <a:off x="1571000" y="-338582"/>
+            <a:ext cx="1635955" cy="1635955"/>
+          </a:xfrm>
+          <a:custGeom>
+            <a:avLst/>
+            <a:gdLst>
+              <a:gd name="connsiteX0" fmla="*/ 0 w 1635955"/>
+              <a:gd name="connsiteY0" fmla="*/ 957987 h 1635955"/>
+              <a:gd name="connsiteX1" fmla="*/ 957987 w 1635955"/>
+              <a:gd name="connsiteY1" fmla="*/ 0 h 1635955"/>
+              <a:gd name="connsiteX2" fmla="*/ 1635955 w 1635955"/>
+              <a:gd name="connsiteY2" fmla="*/ 0 h 1635955"/>
+              <a:gd name="connsiteX3" fmla="*/ 1635955 w 1635955"/>
+              <a:gd name="connsiteY3" fmla="*/ 1635955 h 1635955"/>
+              <a:gd name="connsiteX4" fmla="*/ 0 w 1635955"/>
+              <a:gd name="connsiteY4" fmla="*/ 1635955 h 1635955"/>
+            </a:gdLst>
+            <a:ahLst/>
+            <a:cxnLst>
+              <a:cxn ang="0">
+                <a:pos x="connsiteX0" y="connsiteY0"/>
+              </a:cxn>
+              <a:cxn ang="0">
+                <a:pos x="connsiteX1" y="connsiteY1"/>
+              </a:cxn>
+              <a:cxn ang="0">
+                <a:pos x="connsiteX2" y="connsiteY2"/>
+              </a:cxn>
+              <a:cxn ang="0">
+                <a:pos x="connsiteX3" y="connsiteY3"/>
+              </a:cxn>
+              <a:cxn ang="0">
+                <a:pos x="connsiteX4" y="connsiteY4"/>
+              </a:cxn>
+            </a:cxnLst>
+            <a:rect l="l" t="t" r="r" b="b"/>
+            <a:pathLst>
+              <a:path w="1635955" h="1635955">
+                <a:moveTo>
+                  <a:pt x="0" y="957987"/>
+                </a:moveTo>
+                <a:lnTo>
+                  <a:pt x="957987" y="0"/>
+                </a:lnTo>
+                <a:lnTo>
+                  <a:pt x="1635955" y="0"/>
+                </a:lnTo>
+                <a:lnTo>
+                  <a:pt x="1635955" y="1635955"/>
+                </a:lnTo>
+                <a:lnTo>
+                  <a:pt x="0" y="1635955"/>
+                </a:lnTo>
+                <a:close/>
+              </a:path>
+            </a:pathLst>
+          </a:custGeom>
+          <a:solidFill>
+            <a:schemeClr val="accent4">
+              <a:alpha val="40000"/>
+            </a:schemeClr>
+          </a:solidFill>
+          <a:ln>
+            <a:noFill/>
+          </a:ln>
+        </p:spPr>
+        <p:style>
+          <a:lnRef idx="2">
+            <a:schemeClr val="accent1">
+              <a:shade val="50000"/>
+            </a:schemeClr>
+          </a:lnRef>
+          <a:fillRef idx="1">
+            <a:schemeClr val="accent1"/>
+          </a:fillRef>
+          <a:effectRef idx="0">
+            <a:schemeClr val="accent1"/>
+          </a:effectRef>
+          <a:fontRef idx="minor">
+            <a:schemeClr val="lt1"/>
+          </a:fontRef>
+        </p:style>
+        <p:txBody>
+          <a:bodyPr wrap="square" rtlCol="0" anchor="ctr">
+            <a:noAutofit/>
+          </a:bodyPr>
+          <a:lstStyle/>
+          <a:p>
+            <a:pPr algn="ctr"/>
+            <a:endParaRPr lang="en-US"/>
+          </a:p>
+        </p:txBody>
+      </p:sp>
+      <p:sp>
+        <p:nvSpPr>
+          <p:cNvPr id="13" name="Freeform: Shape 12">
+            <a:extLst>
+              <a:ext uri="{FF2B5EF4-FFF2-40B4-BE49-F238E27FC236}">
+                <a16:creationId xmlns:a16="http://schemas.microsoft.com/office/drawing/2014/main" id="{DA2C7802-C2E0-4218-8F89-8DD7CCD2CD1C}"/>
+              </a:ext>
+              <a:ext uri="{C183D7F6-B498-43B3-948B-1728B52AA6E4}">
+                <adec:decorative xmlns:adec="http://schemas.microsoft.com/office/drawing/2017/decorative" val="1"/>
+              </a:ext>
+            </a:extLst>
+          </p:cNvPr>
+          <p:cNvSpPr>
+            <a:spLocks noGrp="1" noRot="1" noChangeAspect="1" noMove="1" noResize="1" noEditPoints="1" noAdjustHandles="1" noChangeArrowheads="1" noChangeShapeType="1" noTextEdit="1"/>
+          </p:cNvSpPr>
+          <p:nvPr>
+            <p:extLst>
+              <p:ext uri="{386F3935-93C4-4BCD-93E2-E3B085C9AB24}">
+                <p16:designElem xmlns:p16="http://schemas.microsoft.com/office/powerpoint/2015/main" val="1"/>
+              </p:ext>
+            </p:extLst>
+          </p:nvPr>
+        </p:nvSpPr>
+        <p:spPr>
+          <a:xfrm rot="2700000">
+            <a:off x="9627985" y="-6588"/>
+            <a:ext cx="4059393" cy="2548110"/>
+          </a:xfrm>
+          <a:custGeom>
+            <a:avLst/>
+            <a:gdLst>
+              <a:gd name="connsiteX0" fmla="*/ 0 w 4059393"/>
+              <a:gd name="connsiteY0" fmla="*/ 1511282 h 2548110"/>
+              <a:gd name="connsiteX1" fmla="*/ 1511282 w 4059393"/>
+              <a:gd name="connsiteY1" fmla="*/ 0 h 2548110"/>
+              <a:gd name="connsiteX2" fmla="*/ 4059393 w 4059393"/>
+              <a:gd name="connsiteY2" fmla="*/ 2548110 h 2548110"/>
+              <a:gd name="connsiteX3" fmla="*/ 0 w 4059393"/>
+              <a:gd name="connsiteY3" fmla="*/ 2548110 h 2548110"/>
+            </a:gdLst>
+            <a:ahLst/>
+            <a:cxnLst>
+              <a:cxn ang="0">
+                <a:pos x="connsiteX0" y="connsiteY0"/>
+              </a:cxn>
+              <a:cxn ang="0">
+                <a:pos x="connsiteX1" y="connsiteY1"/>
+              </a:cxn>
+              <a:cxn ang="0">
+                <a:pos x="connsiteX2" y="connsiteY2"/>
+              </a:cxn>
+              <a:cxn ang="0">
+                <a:pos x="connsiteX3" y="connsiteY3"/>
+              </a:cxn>
+            </a:cxnLst>
+            <a:rect l="l" t="t" r="r" b="b"/>
+            <a:pathLst>
+              <a:path w="4059393" h="2548110">
+                <a:moveTo>
+                  <a:pt x="0" y="1511282"/>
+                </a:moveTo>
+                <a:lnTo>
+                  <a:pt x="1511282" y="0"/>
+                </a:lnTo>
+                <a:lnTo>
+                  <a:pt x="4059393" y="2548110"/>
+                </a:lnTo>
+                <a:lnTo>
+                  <a:pt x="0" y="2548110"/>
+                </a:lnTo>
+                <a:close/>
+              </a:path>
+            </a:pathLst>
+          </a:custGeom>
+          <a:solidFill>
+            <a:schemeClr val="accent1">
+              <a:alpha val="30000"/>
+            </a:schemeClr>
+          </a:solidFill>
+          <a:ln>
+            <a:noFill/>
+          </a:ln>
+        </p:spPr>
+        <p:style>
+          <a:lnRef idx="2">
+            <a:schemeClr val="accent1">
+              <a:shade val="50000"/>
+            </a:schemeClr>
+          </a:lnRef>
+          <a:fillRef idx="1">
+            <a:schemeClr val="accent1"/>
+          </a:fillRef>
+          <a:effectRef idx="0">
+            <a:schemeClr val="accent1"/>
+          </a:effectRef>
+          <a:fontRef idx="minor">
+            <a:schemeClr val="lt1"/>
+          </a:fontRef>
+        </p:style>
+        <p:txBody>
+          <a:bodyPr wrap="square" rtlCol="0" anchor="ctr">
+            <a:noAutofit/>
+          </a:bodyPr>
+          <a:lstStyle/>
+          <a:p>
+            <a:pPr algn="ctr"/>
+            <a:endParaRPr lang="en-US"/>
+          </a:p>
+        </p:txBody>
+      </p:sp>
+      <p:sp>
+        <p:nvSpPr>
+          <p:cNvPr id="15" name="Rectangle 14">
+            <a:extLst>
+              <a:ext uri="{FF2B5EF4-FFF2-40B4-BE49-F238E27FC236}">
+                <a16:creationId xmlns:a16="http://schemas.microsoft.com/office/drawing/2014/main" id="{A6D7111A-21E5-4EE9-8A78-10E5530F0116}"/>
+              </a:ext>
+              <a:ext uri="{C183D7F6-B498-43B3-948B-1728B52AA6E4}">
+                <adec:decorative xmlns:adec="http://schemas.microsoft.com/office/drawing/2017/decorative" val="1"/>
+              </a:ext>
+            </a:extLst>
+          </p:cNvPr>
+          <p:cNvSpPr>
+            <a:spLocks noGrp="1" noRot="1" noChangeAspect="1" noMove="1" noResize="1" noEditPoints="1" noAdjustHandles="1" noChangeArrowheads="1" noChangeShapeType="1" noTextEdit="1"/>
+          </p:cNvSpPr>
+          <p:nvPr>
+            <p:extLst>
+              <p:ext uri="{386F3935-93C4-4BCD-93E2-E3B085C9AB24}">
+                <p16:designElem xmlns:p16="http://schemas.microsoft.com/office/powerpoint/2015/main" val="1"/>
+              </p:ext>
+            </p:extLst>
+          </p:nvPr>
+        </p:nvSpPr>
+        <p:spPr>
+          <a:xfrm rot="2700000">
+            <a:off x="10262924" y="1465780"/>
+            <a:ext cx="1185708" cy="1185708"/>
+          </a:xfrm>
+          <a:prstGeom prst="rect">
+            <a:avLst/>
+          </a:prstGeom>
+          <a:solidFill>
+            <a:schemeClr val="accent1">
+              <a:alpha val="30000"/>
+            </a:schemeClr>
+          </a:solidFill>
+          <a:ln>
+            <a:noFill/>
+          </a:ln>
+        </p:spPr>
+        <p:style>
+          <a:lnRef idx="2">
+            <a:schemeClr val="accent1">
+              <a:shade val="50000"/>
+            </a:schemeClr>
+          </a:lnRef>
+          <a:fillRef idx="1">
+            <a:schemeClr val="accent1"/>
+          </a:fillRef>
+          <a:effectRef idx="0">
+            <a:schemeClr val="accent1"/>
+          </a:effectRef>
+          <a:fontRef idx="minor">
+            <a:schemeClr val="lt1"/>
+          </a:fontRef>
+        </p:style>
+        <p:txBody>
+          <a:bodyPr wrap="square" rtlCol="0" anchor="ctr">
+            <a:noAutofit/>
+          </a:bodyPr>
+          <a:lstStyle/>
+          <a:p>
+            <a:pPr algn="ctr"/>
+            <a:endParaRPr lang="en-US"/>
+          </a:p>
+        </p:txBody>
+      </p:sp>
+      <p:sp>
+        <p:nvSpPr>
+          <p:cNvPr id="17" name="Freeform: Shape 16">
+            <a:extLst>
+              <a:ext uri="{FF2B5EF4-FFF2-40B4-BE49-F238E27FC236}">
+                <a16:creationId xmlns:a16="http://schemas.microsoft.com/office/drawing/2014/main" id="{A3969E80-A77B-49FC-9122-D89AFD5EE118}"/>
+              </a:ext>
+              <a:ext uri="{C183D7F6-B498-43B3-948B-1728B52AA6E4}">
+                <adec:decorative xmlns:adec="http://schemas.microsoft.com/office/drawing/2017/decorative" val="1"/>
+              </a:ext>
+            </a:extLst>
+          </p:cNvPr>
+          <p:cNvSpPr>
+            <a:spLocks noGrp="1" noRot="1" noChangeAspect="1" noMove="1" noResize="1" noEditPoints="1" noAdjustHandles="1" noChangeArrowheads="1" noChangeShapeType="1" noTextEdit="1"/>
+          </p:cNvSpPr>
+          <p:nvPr>
+            <p:extLst>
+              <p:ext uri="{386F3935-93C4-4BCD-93E2-E3B085C9AB24}">
+                <p16:designElem xmlns:p16="http://schemas.microsoft.com/office/powerpoint/2015/main" val="1"/>
+              </p:ext>
+            </p:extLst>
+          </p:nvPr>
+        </p:nvSpPr>
+        <p:spPr>
+          <a:xfrm rot="2700000">
+            <a:off x="-29557" y="5198743"/>
+            <a:ext cx="2444907" cy="2366116"/>
+          </a:xfrm>
+          <a:custGeom>
+            <a:avLst/>
+            <a:gdLst>
+              <a:gd name="connsiteX0" fmla="*/ 0 w 2203753"/>
+              <a:gd name="connsiteY0" fmla="*/ 0 h 2132734"/>
+              <a:gd name="connsiteX1" fmla="*/ 2203753 w 2203753"/>
+              <a:gd name="connsiteY1" fmla="*/ 0 h 2132734"/>
+              <a:gd name="connsiteX2" fmla="*/ 2203753 w 2203753"/>
+              <a:gd name="connsiteY2" fmla="*/ 576461 h 2132734"/>
+              <a:gd name="connsiteX3" fmla="*/ 647480 w 2203753"/>
+              <a:gd name="connsiteY3" fmla="*/ 2132734 h 2132734"/>
+              <a:gd name="connsiteX4" fmla="*/ 0 w 2203753"/>
+              <a:gd name="connsiteY4" fmla="*/ 1485255 h 2132734"/>
+            </a:gdLst>
+            <a:ahLst/>
+            <a:cxnLst>
+              <a:cxn ang="0">
+                <a:pos x="connsiteX0" y="connsiteY0"/>
+              </a:cxn>
+              <a:cxn ang="0">
+                <a:pos x="connsiteX1" y="connsiteY1"/>
+              </a:cxn>
+              <a:cxn ang="0">
+                <a:pos x="connsiteX2" y="connsiteY2"/>
+              </a:cxn>
+              <a:cxn ang="0">
+                <a:pos x="connsiteX3" y="connsiteY3"/>
+              </a:cxn>
+              <a:cxn ang="0">
+                <a:pos x="connsiteX4" y="connsiteY4"/>
+              </a:cxn>
+            </a:cxnLst>
+            <a:rect l="l" t="t" r="r" b="b"/>
+            <a:pathLst>
+              <a:path w="2203753" h="2132734">
+                <a:moveTo>
+                  <a:pt x="0" y="0"/>
+                </a:moveTo>
+                <a:lnTo>
+                  <a:pt x="2203753" y="0"/>
+                </a:lnTo>
+                <a:lnTo>
+                  <a:pt x="2203753" y="576461"/>
+                </a:lnTo>
+                <a:lnTo>
+                  <a:pt x="647480" y="2132734"/>
+                </a:lnTo>
+                <a:lnTo>
+                  <a:pt x="0" y="1485255"/>
+                </a:lnTo>
+                <a:close/>
+              </a:path>
+            </a:pathLst>
+          </a:custGeom>
+          <a:solidFill>
+            <a:schemeClr val="accent1">
+              <a:alpha val="30000"/>
+            </a:schemeClr>
+          </a:solidFill>
+          <a:ln>
+            <a:noFill/>
+          </a:ln>
+        </p:spPr>
+        <p:style>
+          <a:lnRef idx="2">
+            <a:schemeClr val="accent1">
+              <a:shade val="50000"/>
+            </a:schemeClr>
+          </a:lnRef>
+          <a:fillRef idx="1">
+            <a:schemeClr val="accent1"/>
+          </a:fillRef>
+          <a:effectRef idx="0">
+            <a:schemeClr val="accent1"/>
+          </a:effectRef>
+          <a:fontRef idx="minor">
+            <a:schemeClr val="lt1"/>
+          </a:fontRef>
+        </p:style>
+        <p:txBody>
+          <a:bodyPr wrap="square" rtlCol="0" anchor="ctr">
+            <a:noAutofit/>
+          </a:bodyPr>
+          <a:lstStyle/>
+          <a:p>
+            <a:pPr algn="ctr"/>
+            <a:endParaRPr lang="en-US"/>
+          </a:p>
+        </p:txBody>
+      </p:sp>
+      <p:sp>
+        <p:nvSpPr>
+          <p:cNvPr id="19" name="Rectangle 18">
+            <a:extLst>
+              <a:ext uri="{FF2B5EF4-FFF2-40B4-BE49-F238E27FC236}">
+                <a16:creationId xmlns:a16="http://schemas.microsoft.com/office/drawing/2014/main" id="{1849CA57-76BD-4CF2-80BA-D7A46A01B7B1}"/>
+              </a:ext>
+              <a:ext uri="{C183D7F6-B498-43B3-948B-1728B52AA6E4}">
+                <adec:decorative xmlns:adec="http://schemas.microsoft.com/office/drawing/2017/decorative" val="1"/>
+              </a:ext>
+            </a:extLst>
+          </p:cNvPr>
+          <p:cNvSpPr>
+            <a:spLocks noGrp="1" noRot="1" noChangeAspect="1" noMove="1" noResize="1" noEditPoints="1" noAdjustHandles="1" noChangeArrowheads="1" noChangeShapeType="1" noTextEdit="1"/>
+          </p:cNvSpPr>
+          <p:nvPr>
+            <p:extLst>
+              <p:ext uri="{386F3935-93C4-4BCD-93E2-E3B085C9AB24}">
+                <p16:designElem xmlns:p16="http://schemas.microsoft.com/office/powerpoint/2015/main" val="1"/>
+              </p:ext>
+            </p:extLst>
+          </p:nvPr>
+        </p:nvSpPr>
+        <p:spPr>
+          <a:xfrm rot="2700000">
+            <a:off x="1769787" y="5439893"/>
+            <a:ext cx="928467" cy="928467"/>
+          </a:xfrm>
+          <a:prstGeom prst="rect">
+            <a:avLst/>
+          </a:prstGeom>
+          <a:solidFill>
+            <a:schemeClr val="accent1">
+              <a:alpha val="30000"/>
+            </a:schemeClr>
+          </a:solidFill>
+          <a:ln>
+            <a:noFill/>
+          </a:ln>
+        </p:spPr>
+        <p:style>
+          <a:lnRef idx="2">
+            <a:schemeClr val="accent1">
+              <a:shade val="50000"/>
+            </a:schemeClr>
+          </a:lnRef>
+          <a:fillRef idx="1">
+            <a:schemeClr val="accent1"/>
+          </a:fillRef>
+          <a:effectRef idx="0">
+            <a:schemeClr val="accent1"/>
+          </a:effectRef>
+          <a:fontRef idx="minor">
+            <a:schemeClr val="lt1"/>
+          </a:fontRef>
+        </p:style>
+        <p:txBody>
+          <a:bodyPr wrap="square" rtlCol="0" anchor="ctr">
+            <a:noAutofit/>
+          </a:bodyPr>
+          <a:lstStyle/>
+          <a:p>
+            <a:pPr algn="ctr"/>
+            <a:endParaRPr lang="en-US">
+              <a:solidFill>
+                <a:srgbClr val="FFFFFF"/>
+              </a:solidFill>
+              <a:effectLst>
+                <a:outerShdw blurRad="38100" dist="38100" dir="2700000" algn="tl">
+                  <a:srgbClr val="000000">
+                    <a:alpha val="43137"/>
+                  </a:srgbClr>
+                </a:outerShdw>
+              </a:effectLst>
+            </a:endParaRPr>
+          </a:p>
+        </p:txBody>
+      </p:sp>
+      <p:sp>
+        <p:nvSpPr>
+          <p:cNvPr id="21" name="Freeform: Shape 20">
+            <a:extLst>
+              <a:ext uri="{FF2B5EF4-FFF2-40B4-BE49-F238E27FC236}">
+                <a16:creationId xmlns:a16="http://schemas.microsoft.com/office/drawing/2014/main" id="{35E9085E-E730-4768-83D4-6CB7E9897153}"/>
+              </a:ext>
+              <a:ext uri="{C183D7F6-B498-43B3-948B-1728B52AA6E4}">
+                <adec:decorative xmlns:adec="http://schemas.microsoft.com/office/drawing/2017/decorative" val="1"/>
+              </a:ext>
+            </a:extLst>
+          </p:cNvPr>
+          <p:cNvSpPr>
+            <a:spLocks noGrp="1" noRot="1" noChangeAspect="1" noMove="1" noResize="1" noEditPoints="1" noAdjustHandles="1" noChangeArrowheads="1" noChangeShapeType="1" noTextEdit="1"/>
+          </p:cNvSpPr>
+          <p:nvPr>
+            <p:extLst>
+              <p:ext uri="{386F3935-93C4-4BCD-93E2-E3B085C9AB24}">
+                <p16:designElem xmlns:p16="http://schemas.microsoft.com/office/powerpoint/2015/main" val="1"/>
+              </p:ext>
+            </p:extLst>
+          </p:nvPr>
+        </p:nvSpPr>
+        <p:spPr>
+          <a:xfrm rot="2700000">
+            <a:off x="3401311" y="734311"/>
+            <a:ext cx="5389379" cy="5389379"/>
+          </a:xfrm>
+          <a:custGeom>
+            <a:avLst/>
+            <a:gdLst>
+              <a:gd name="connsiteX0" fmla="*/ 0 w 5389379"/>
+              <a:gd name="connsiteY0" fmla="*/ 540040 h 5389379"/>
+              <a:gd name="connsiteX1" fmla="*/ 540040 w 5389379"/>
+              <a:gd name="connsiteY1" fmla="*/ 0 h 5389379"/>
+              <a:gd name="connsiteX2" fmla="*/ 5389379 w 5389379"/>
+              <a:gd name="connsiteY2" fmla="*/ 0 h 5389379"/>
+              <a:gd name="connsiteX3" fmla="*/ 5389379 w 5389379"/>
+              <a:gd name="connsiteY3" fmla="*/ 4838655 h 5389379"/>
+              <a:gd name="connsiteX4" fmla="*/ 4838655 w 5389379"/>
+              <a:gd name="connsiteY4" fmla="*/ 5389379 h 5389379"/>
+              <a:gd name="connsiteX5" fmla="*/ 0 w 5389379"/>
+              <a:gd name="connsiteY5" fmla="*/ 5389379 h 5389379"/>
+            </a:gdLst>
+            <a:ahLst/>
+            <a:cxnLst>
+              <a:cxn ang="0">
+                <a:pos x="connsiteX0" y="connsiteY0"/>
+              </a:cxn>
+              <a:cxn ang="0">
+                <a:pos x="connsiteX1" y="connsiteY1"/>
+              </a:cxn>
+              <a:cxn ang="0">
+                <a:pos x="connsiteX2" y="connsiteY2"/>
+              </a:cxn>
+              <a:cxn ang="0">
+                <a:pos x="connsiteX3" y="connsiteY3"/>
+              </a:cxn>
+              <a:cxn ang="0">
+                <a:pos x="connsiteX4" y="connsiteY4"/>
+              </a:cxn>
+              <a:cxn ang="0">
+                <a:pos x="connsiteX5" y="connsiteY5"/>
+              </a:cxn>
+            </a:cxnLst>
+            <a:rect l="l" t="t" r="r" b="b"/>
+            <a:pathLst>
+              <a:path w="5389379" h="5389379">
+                <a:moveTo>
+                  <a:pt x="0" y="540040"/>
+                </a:moveTo>
+                <a:lnTo>
+                  <a:pt x="540040" y="0"/>
+                </a:lnTo>
+                <a:lnTo>
+                  <a:pt x="5389379" y="0"/>
+                </a:lnTo>
+                <a:lnTo>
+                  <a:pt x="5389379" y="4838655"/>
+                </a:lnTo>
+                <a:lnTo>
+                  <a:pt x="4838655" y="5389379"/>
+                </a:lnTo>
+                <a:lnTo>
+                  <a:pt x="0" y="5389379"/>
+                </a:lnTo>
+                <a:close/>
+              </a:path>
+            </a:pathLst>
+          </a:custGeom>
+          <a:solidFill>
+            <a:srgbClr val="FFFFFF"/>
+          </a:solidFill>
+          <a:ln>
+            <a:noFill/>
+          </a:ln>
+        </p:spPr>
+        <p:style>
+          <a:lnRef idx="2">
+            <a:schemeClr val="accent1">
+              <a:shade val="50000"/>
+            </a:schemeClr>
+          </a:lnRef>
+          <a:fillRef idx="1">
+            <a:schemeClr val="accent1"/>
+          </a:fillRef>
+          <a:effectRef idx="0">
+            <a:schemeClr val="accent1"/>
+          </a:effectRef>
+          <a:fontRef idx="minor">
+            <a:schemeClr val="lt1"/>
+          </a:fontRef>
+        </p:style>
+        <p:txBody>
+          <a:bodyPr wrap="square" rtlCol="0" anchor="ctr">
+            <a:noAutofit/>
+          </a:bodyPr>
+          <a:lstStyle/>
+          <a:p>
+            <a:pPr algn="ctr"/>
+            <a:endParaRPr lang="en-US"/>
+          </a:p>
+        </p:txBody>
+      </p:sp>
+      <p:sp>
+        <p:nvSpPr>
+          <p:cNvPr id="23" name="Freeform: Shape 22">
+            <a:extLst>
+              <a:ext uri="{FF2B5EF4-FFF2-40B4-BE49-F238E27FC236}">
+                <a16:creationId xmlns:a16="http://schemas.microsoft.com/office/drawing/2014/main" id="{973272FE-A474-4CAE-8CA2-BCC8B476C3F4}"/>
+              </a:ext>
+              <a:ext uri="{C183D7F6-B498-43B3-948B-1728B52AA6E4}">
+                <adec:decorative xmlns:adec="http://schemas.microsoft.com/office/drawing/2017/decorative" val="1"/>
+              </a:ext>
+            </a:extLst>
+          </p:cNvPr>
+          <p:cNvSpPr>
+            <a:spLocks noGrp="1" noRot="1" noChangeAspect="1" noMove="1" noResize="1" noEditPoints="1" noAdjustHandles="1" noChangeArrowheads="1" noChangeShapeType="1" noTextEdit="1"/>
+          </p:cNvSpPr>
+          <p:nvPr>
+            <p:extLst>
+              <p:ext uri="{386F3935-93C4-4BCD-93E2-E3B085C9AB24}">
+                <p16:designElem xmlns:p16="http://schemas.microsoft.com/office/powerpoint/2015/main" val="1"/>
+              </p:ext>
+            </p:extLst>
+          </p:nvPr>
+        </p:nvSpPr>
+        <p:spPr>
+          <a:xfrm rot="2700000">
+            <a:off x="2700283" y="33283"/>
+            <a:ext cx="6791435" cy="6791435"/>
+          </a:xfrm>
+          <a:custGeom>
+            <a:avLst/>
+            <a:gdLst>
+              <a:gd name="connsiteX0" fmla="*/ 1860938 w 6791435"/>
+              <a:gd name="connsiteY0" fmla="*/ 81158 h 6791435"/>
+              <a:gd name="connsiteX1" fmla="*/ 1942096 w 6791435"/>
+              <a:gd name="connsiteY1" fmla="*/ 0 h 6791435"/>
+              <a:gd name="connsiteX2" fmla="*/ 6791435 w 6791435"/>
+              <a:gd name="connsiteY2" fmla="*/ 0 h 6791435"/>
+              <a:gd name="connsiteX3" fmla="*/ 6791435 w 6791435"/>
+              <a:gd name="connsiteY3" fmla="*/ 4838655 h 6791435"/>
+              <a:gd name="connsiteX4" fmla="*/ 6710277 w 6791435"/>
+              <a:gd name="connsiteY4" fmla="*/ 4919813 h 6791435"/>
+              <a:gd name="connsiteX5" fmla="*/ 6710277 w 6791435"/>
+              <a:gd name="connsiteY5" fmla="*/ 81158 h 6791435"/>
+              <a:gd name="connsiteX6" fmla="*/ 0 w 6791435"/>
+              <a:gd name="connsiteY6" fmla="*/ 1942096 h 6791435"/>
+              <a:gd name="connsiteX7" fmla="*/ 81158 w 6791435"/>
+              <a:gd name="connsiteY7" fmla="*/ 1860938 h 6791435"/>
+              <a:gd name="connsiteX8" fmla="*/ 81158 w 6791435"/>
+              <a:gd name="connsiteY8" fmla="*/ 6710277 h 6791435"/>
+              <a:gd name="connsiteX9" fmla="*/ 4919813 w 6791435"/>
+              <a:gd name="connsiteY9" fmla="*/ 6710277 h 6791435"/>
+              <a:gd name="connsiteX10" fmla="*/ 4838655 w 6791435"/>
+              <a:gd name="connsiteY10" fmla="*/ 6791435 h 6791435"/>
+              <a:gd name="connsiteX11" fmla="*/ 0 w 6791435"/>
+              <a:gd name="connsiteY11" fmla="*/ 6791435 h 6791435"/>
+            </a:gdLst>
+            <a:ahLst/>
+            <a:cxnLst>
+              <a:cxn ang="0">
+                <a:pos x="connsiteX0" y="connsiteY0"/>
+              </a:cxn>
+              <a:cxn ang="0">
+                <a:pos x="connsiteX1" y="connsiteY1"/>
+              </a:cxn>
+              <a:cxn ang="0">
+                <a:pos x="connsiteX2" y="connsiteY2"/>
+              </a:cxn>
+              <a:cxn ang="0">
+                <a:pos x="connsiteX3" y="connsiteY3"/>
+              </a:cxn>
+              <a:cxn ang="0">
+                <a:pos x="connsiteX4" y="connsiteY4"/>
+              </a:cxn>
+              <a:cxn ang="0">
+                <a:pos x="connsiteX5" y="connsiteY5"/>
+              </a:cxn>
+              <a:cxn ang="0">
+                <a:pos x="connsiteX6" y="connsiteY6"/>
+              </a:cxn>
+              <a:cxn ang="0">
+                <a:pos x="connsiteX7" y="connsiteY7"/>
+              </a:cxn>
+              <a:cxn ang="0">
+                <a:pos x="connsiteX8" y="connsiteY8"/>
+              </a:cxn>
+              <a:cxn ang="0">
+                <a:pos x="connsiteX9" y="connsiteY9"/>
+              </a:cxn>
+              <a:cxn ang="0">
+                <a:pos x="connsiteX10" y="connsiteY10"/>
+              </a:cxn>
+              <a:cxn ang="0">
+                <a:pos x="connsiteX11" y="connsiteY11"/>
+              </a:cxn>
+            </a:cxnLst>
+            <a:rect l="l" t="t" r="r" b="b"/>
+            <a:pathLst>
+              <a:path w="6791435" h="6791435">
+                <a:moveTo>
+                  <a:pt x="1860938" y="81158"/>
+                </a:moveTo>
+                <a:lnTo>
+                  <a:pt x="1942096" y="0"/>
+                </a:lnTo>
+                <a:lnTo>
+                  <a:pt x="6791435" y="0"/>
+                </a:lnTo>
+                <a:lnTo>
+                  <a:pt x="6791435" y="4838655"/>
+                </a:lnTo>
+                <a:lnTo>
+                  <a:pt x="6710277" y="4919813"/>
+                </a:lnTo>
+                <a:lnTo>
+                  <a:pt x="6710277" y="81158"/>
+                </a:lnTo>
+                <a:close/>
+                <a:moveTo>
+                  <a:pt x="0" y="1942096"/>
+                </a:moveTo>
+                <a:lnTo>
+                  <a:pt x="81158" y="1860938"/>
+                </a:lnTo>
+                <a:lnTo>
+                  <a:pt x="81158" y="6710277"/>
+                </a:lnTo>
+                <a:lnTo>
+                  <a:pt x="4919813" y="6710277"/>
+                </a:lnTo>
+                <a:lnTo>
+                  <a:pt x="4838655" y="6791435"/>
+                </a:lnTo>
+                <a:lnTo>
+                  <a:pt x="0" y="6791435"/>
+                </a:lnTo>
+                <a:close/>
+              </a:path>
+            </a:pathLst>
+          </a:custGeom>
+          <a:solidFill>
+            <a:srgbClr val="FFFFFF">
+              <a:alpha val="60000"/>
+            </a:srgbClr>
+          </a:solidFill>
+          <a:ln>
+            <a:noFill/>
+          </a:ln>
+        </p:spPr>
+        <p:style>
+          <a:lnRef idx="2">
+            <a:schemeClr val="accent1">
+              <a:shade val="50000"/>
+            </a:schemeClr>
+          </a:lnRef>
+          <a:fillRef idx="1">
+            <a:schemeClr val="accent1"/>
+          </a:fillRef>
+          <a:effectRef idx="0">
+            <a:schemeClr val="accent1"/>
+          </a:effectRef>
+          <a:fontRef idx="minor">
+            <a:schemeClr val="lt1"/>
+          </a:fontRef>
+        </p:style>
+        <p:txBody>
+          <a:bodyPr wrap="square" rtlCol="0" anchor="ctr">
+            <a:noAutofit/>
+          </a:bodyPr>
+          <a:lstStyle/>
+          <a:p>
+            <a:pPr algn="ctr"/>
+            <a:endParaRPr lang="en-US">
+              <a:solidFill>
+                <a:schemeClr val="tx1"/>
+              </a:solidFill>
+            </a:endParaRPr>
+          </a:p>
+        </p:txBody>
+      </p:sp>
+      <p:sp>
+        <p:nvSpPr>
+          <p:cNvPr id="2" name="Rubrik 1">
+            <a:extLst>
+              <a:ext uri="{FF2B5EF4-FFF2-40B4-BE49-F238E27FC236}">
+                <a16:creationId xmlns:a16="http://schemas.microsoft.com/office/drawing/2014/main" id="{5BC5B338-BC31-43B0-81D4-798B81211CAD}"/>
+              </a:ext>
+            </a:extLst>
+          </p:cNvPr>
+          <p:cNvSpPr>
+            <a:spLocks noGrp="1"/>
+          </p:cNvSpPr>
+          <p:nvPr>
+            <p:ph type="title"/>
+          </p:nvPr>
+        </p:nvSpPr>
+        <p:spPr>
+          <a:xfrm>
+            <a:off x="3204642" y="2353641"/>
+            <a:ext cx="5782716" cy="2150719"/>
+          </a:xfrm>
+          <a:noFill/>
+        </p:spPr>
+        <p:txBody>
+          <a:bodyPr vert="horz" lIns="91440" tIns="45720" rIns="91440" bIns="45720" rtlCol="0" anchor="ctr">
+            <a:normAutofit/>
+          </a:bodyPr>
+          <a:lstStyle/>
+          <a:p>
+            <a:pPr algn="ctr"/>
+            <a:r>
+              <a:rPr lang="en-US" sz="3600" kern="1200">
+                <a:solidFill>
+                  <a:srgbClr val="080808"/>
+                </a:solidFill>
+                <a:latin typeface="+mj-lt"/>
+                <a:ea typeface="+mj-ea"/>
+                <a:cs typeface="+mj-cs"/>
+              </a:rPr>
+              <a:t>Funktioner:</a:t>
+            </a:r>
+          </a:p>
+        </p:txBody>
+      </p:sp>
+      <p:sp>
+        <p:nvSpPr>
+          <p:cNvPr id="25" name="Freeform: Shape 24">
+            <a:extLst>
+              <a:ext uri="{FF2B5EF4-FFF2-40B4-BE49-F238E27FC236}">
+                <a16:creationId xmlns:a16="http://schemas.microsoft.com/office/drawing/2014/main" id="{E07981EA-05A6-437C-88D7-B377B92B031D}"/>
+              </a:ext>
+              <a:ext uri="{C183D7F6-B498-43B3-948B-1728B52AA6E4}">
+                <adec:decorative xmlns:adec="http://schemas.microsoft.com/office/drawing/2017/decorative" val="1"/>
+              </a:ext>
+            </a:extLst>
+          </p:cNvPr>
+          <p:cNvSpPr>
+            <a:spLocks noGrp="1" noRot="1" noChangeAspect="1" noMove="1" noResize="1" noEditPoints="1" noAdjustHandles="1" noChangeArrowheads="1" noChangeShapeType="1" noTextEdit="1"/>
+          </p:cNvSpPr>
+          <p:nvPr>
+            <p:extLst>
+              <p:ext uri="{386F3935-93C4-4BCD-93E2-E3B085C9AB24}">
+                <p16:designElem xmlns:p16="http://schemas.microsoft.com/office/powerpoint/2015/main" val="1"/>
+              </p:ext>
+            </p:extLst>
+          </p:nvPr>
+        </p:nvSpPr>
+        <p:spPr>
+          <a:xfrm rot="2700000">
+            <a:off x="9629823" y="5457591"/>
+            <a:ext cx="2231794" cy="2568811"/>
+          </a:xfrm>
+          <a:custGeom>
+            <a:avLst/>
+            <a:gdLst>
+              <a:gd name="connsiteX0" fmla="*/ 0 w 2940086"/>
+              <a:gd name="connsiteY0" fmla="*/ 0 h 3384061"/>
+              <a:gd name="connsiteX1" fmla="*/ 2496112 w 2940086"/>
+              <a:gd name="connsiteY1" fmla="*/ 0 h 3384061"/>
+              <a:gd name="connsiteX2" fmla="*/ 2940086 w 2940086"/>
+              <a:gd name="connsiteY2" fmla="*/ 443975 h 3384061"/>
+              <a:gd name="connsiteX3" fmla="*/ 0 w 2940086"/>
+              <a:gd name="connsiteY3" fmla="*/ 3384061 h 3384061"/>
+            </a:gdLst>
+            <a:ahLst/>
+            <a:cxnLst>
+              <a:cxn ang="0">
+                <a:pos x="connsiteX0" y="connsiteY0"/>
+              </a:cxn>
+              <a:cxn ang="0">
+                <a:pos x="connsiteX1" y="connsiteY1"/>
+              </a:cxn>
+              <a:cxn ang="0">
+                <a:pos x="connsiteX2" y="connsiteY2"/>
+              </a:cxn>
+              <a:cxn ang="0">
+                <a:pos x="connsiteX3" y="connsiteY3"/>
+              </a:cxn>
+            </a:cxnLst>
+            <a:rect l="l" t="t" r="r" b="b"/>
+            <a:pathLst>
+              <a:path w="2940086" h="3384061">
+                <a:moveTo>
+                  <a:pt x="0" y="0"/>
+                </a:moveTo>
+                <a:lnTo>
+                  <a:pt x="2496112" y="0"/>
+                </a:lnTo>
+                <a:lnTo>
+                  <a:pt x="2940086" y="443975"/>
+                </a:lnTo>
+                <a:lnTo>
+                  <a:pt x="0" y="3384061"/>
+                </a:lnTo>
+                <a:close/>
+              </a:path>
+            </a:pathLst>
+          </a:custGeom>
+          <a:solidFill>
+            <a:schemeClr val="accent4">
+              <a:alpha val="40000"/>
+            </a:schemeClr>
+          </a:solidFill>
+          <a:ln>
+            <a:noFill/>
+          </a:ln>
+        </p:spPr>
+        <p:style>
+          <a:lnRef idx="2">
+            <a:schemeClr val="accent1">
+              <a:shade val="50000"/>
+            </a:schemeClr>
+          </a:lnRef>
+          <a:fillRef idx="1">
+            <a:schemeClr val="accent1"/>
+          </a:fillRef>
+          <a:effectRef idx="0">
+            <a:schemeClr val="accent1"/>
+          </a:effectRef>
+          <a:fontRef idx="minor">
+            <a:schemeClr val="lt1"/>
+          </a:fontRef>
+        </p:style>
+        <p:txBody>
+          <a:bodyPr wrap="square" rtlCol="0" anchor="ctr">
+            <a:noAutofit/>
+          </a:bodyPr>
+          <a:lstStyle/>
+          <a:p>
+            <a:pPr algn="ctr"/>
+            <a:endParaRPr lang="en-US"/>
+          </a:p>
+        </p:txBody>
+      </p:sp>
+      <p:sp>
+        <p:nvSpPr>
+          <p:cNvPr id="27" name="Rectangle 26">
+            <a:extLst>
+              <a:ext uri="{FF2B5EF4-FFF2-40B4-BE49-F238E27FC236}">
+                <a16:creationId xmlns:a16="http://schemas.microsoft.com/office/drawing/2014/main" id="{15E3C750-986E-4769-B1AE-49289FBEE757}"/>
+              </a:ext>
+              <a:ext uri="{C183D7F6-B498-43B3-948B-1728B52AA6E4}">
+                <adec:decorative xmlns:adec="http://schemas.microsoft.com/office/drawing/2017/decorative" val="1"/>
+              </a:ext>
+            </a:extLst>
+          </p:cNvPr>
+          <p:cNvSpPr>
+            <a:spLocks noGrp="1" noRot="1" noChangeAspect="1" noMove="1" noResize="1" noEditPoints="1" noAdjustHandles="1" noChangeArrowheads="1" noChangeShapeType="1" noTextEdit="1"/>
+          </p:cNvSpPr>
+          <p:nvPr>
+            <p:extLst>
+              <p:ext uri="{386F3935-93C4-4BCD-93E2-E3B085C9AB24}">
+                <p16:designElem xmlns:p16="http://schemas.microsoft.com/office/powerpoint/2015/main" val="1"/>
+              </p:ext>
+            </p:extLst>
+          </p:nvPr>
+        </p:nvSpPr>
+        <p:spPr>
+          <a:xfrm rot="2700000">
+            <a:off x="9720059" y="5243545"/>
+            <a:ext cx="959985" cy="959985"/>
+          </a:xfrm>
+          <a:prstGeom prst="rect">
+            <a:avLst/>
+          </a:prstGeom>
+          <a:solidFill>
+            <a:schemeClr val="accent4">
+              <a:alpha val="40000"/>
+            </a:schemeClr>
+          </a:solidFill>
+          <a:ln>
+            <a:noFill/>
+          </a:ln>
+        </p:spPr>
+        <p:style>
+          <a:lnRef idx="2">
+            <a:schemeClr val="accent1">
+              <a:shade val="50000"/>
+            </a:schemeClr>
+          </a:lnRef>
+          <a:fillRef idx="1">
+            <a:schemeClr val="accent1"/>
+          </a:fillRef>
+          <a:effectRef idx="0">
+            <a:schemeClr val="accent1"/>
+          </a:effectRef>
+          <a:fontRef idx="minor">
+            <a:schemeClr val="lt1"/>
+          </a:fontRef>
+        </p:style>
+        <p:txBody>
+          <a:bodyPr wrap="square" rtlCol="0" anchor="ctr">
+            <a:noAutofit/>
+          </a:bodyPr>
+          <a:lstStyle/>
+          <a:p>
+            <a:pPr algn="ctr"/>
+            <a:endParaRPr lang="en-US"/>
+          </a:p>
+        </p:txBody>
+      </p:sp>
+    </p:spTree>
+    <p:extLst>
+      <p:ext uri="{BB962C8B-B14F-4D97-AF65-F5344CB8AC3E}">
+        <p14:creationId xmlns:p14="http://schemas.microsoft.com/office/powerpoint/2010/main" val="434216062"/>
+      </p:ext>
+    </p:extLst>
+  </p:cSld>
+  <p:clrMapOvr>
+    <a:masterClrMapping/>
+  </p:clrMapOvr>
+</p:sld>
+</file>
+
+<file path=ppt/slides/slide15.xml><?xml version="1.0" encoding="utf-8"?>
+<p:sld xmlns:a="http://schemas.openxmlformats.org/drawingml/2006/main" xmlns:r="http://schemas.openxmlformats.org/officeDocument/2006/relationships" xmlns:p="http://schemas.openxmlformats.org/presentationml/2006/main">
+  <p:cSld>
+    <p:bg>
+      <p:bgPr>
+        <a:solidFill>
+          <a:schemeClr val="bg1"/>
+        </a:solidFill>
+        <a:effectLst/>
+      </p:bgPr>
+    </p:bg>
+    <p:spTree>
+      <p:nvGrpSpPr>
+        <p:cNvPr id="1" name=""/>
+        <p:cNvGrpSpPr/>
+        <p:nvPr/>
+      </p:nvGrpSpPr>
+      <p:grpSpPr>
+        <a:xfrm>
+          <a:off x="0" y="0"/>
+          <a:ext cx="0" cy="0"/>
+          <a:chOff x="0" y="0"/>
+          <a:chExt cx="0" cy="0"/>
+        </a:xfrm>
+      </p:grpSpPr>
+      <p:sp>
+        <p:nvSpPr>
+          <p:cNvPr id="8" name="Rectangle 7">
+            <a:extLst>
+              <a:ext uri="{FF2B5EF4-FFF2-40B4-BE49-F238E27FC236}">
+                <a16:creationId xmlns:a16="http://schemas.microsoft.com/office/drawing/2014/main" id="{46D6306C-ED4F-4AAE-B4A5-EEA6AFAD726E}"/>
+              </a:ext>
+              <a:ext uri="{C183D7F6-B498-43B3-948B-1728B52AA6E4}">
+                <adec:decorative xmlns:adec="http://schemas.microsoft.com/office/drawing/2017/decorative" val="1"/>
+              </a:ext>
+            </a:extLst>
+          </p:cNvPr>
+          <p:cNvSpPr>
+            <a:spLocks noGrp="1" noRot="1" noChangeAspect="1" noMove="1" noResize="1" noEditPoints="1" noAdjustHandles="1" noChangeArrowheads="1" noChangeShapeType="1" noTextEdit="1"/>
+          </p:cNvSpPr>
+          <p:nvPr>
+            <p:extLst>
+              <p:ext uri="{386F3935-93C4-4BCD-93E2-E3B085C9AB24}">
+                <p16:designElem xmlns:p16="http://schemas.microsoft.com/office/powerpoint/2015/main" val="1"/>
+              </p:ext>
+            </p:extLst>
+          </p:nvPr>
+        </p:nvSpPr>
+        <p:spPr>
+          <a:xfrm>
+            <a:off x="0" y="0"/>
+            <a:ext cx="12192000" cy="6858000"/>
+          </a:xfrm>
+          <a:prstGeom prst="rect">
+            <a:avLst/>
+          </a:prstGeom>
+          <a:solidFill>
+            <a:schemeClr val="bg1"/>
+          </a:solidFill>
+          <a:ln>
+            <a:noFill/>
+          </a:ln>
+        </p:spPr>
+        <p:style>
+          <a:lnRef idx="2">
+            <a:schemeClr val="accent1">
+              <a:shade val="50000"/>
+            </a:schemeClr>
+          </a:lnRef>
+          <a:fillRef idx="1">
+            <a:schemeClr val="accent1"/>
+          </a:fillRef>
+          <a:effectRef idx="0">
+            <a:schemeClr val="accent1"/>
+          </a:effectRef>
+          <a:fontRef idx="minor">
+            <a:schemeClr val="lt1"/>
+          </a:fontRef>
+        </p:style>
+        <p:txBody>
+          <a:bodyPr rtlCol="0" anchor="ctr"/>
+          <a:lstStyle/>
+          <a:p>
+            <a:pPr algn="ctr"/>
+            <a:endParaRPr lang="en-US" dirty="0"/>
+          </a:p>
+        </p:txBody>
+      </p:sp>
+      <p:sp>
+        <p:nvSpPr>
+          <p:cNvPr id="2" name="Rubrik 1">
+            <a:extLst>
+              <a:ext uri="{FF2B5EF4-FFF2-40B4-BE49-F238E27FC236}">
+                <a16:creationId xmlns:a16="http://schemas.microsoft.com/office/drawing/2014/main" id="{36B2C353-011D-4B99-98FC-5C2176DBF0E6}"/>
+              </a:ext>
+            </a:extLst>
+          </p:cNvPr>
+          <p:cNvSpPr>
+            <a:spLocks noGrp="1"/>
+          </p:cNvSpPr>
+          <p:nvPr>
+            <p:ph type="title"/>
+          </p:nvPr>
+        </p:nvSpPr>
+        <p:spPr>
+          <a:xfrm>
+            <a:off x="643467" y="1698171"/>
+            <a:ext cx="3962061" cy="4516360"/>
+          </a:xfrm>
+        </p:spPr>
+        <p:txBody>
+          <a:bodyPr anchor="t">
+            <a:normAutofit/>
+          </a:bodyPr>
+          <a:lstStyle/>
+          <a:p>
+            <a:r>
+              <a:rPr lang="sv-SE" sz="3600"/>
+              <a:t>Målgrupp och design</a:t>
+            </a:r>
+          </a:p>
+        </p:txBody>
+      </p:sp>
+      <p:sp>
+        <p:nvSpPr>
+          <p:cNvPr id="10" name="Rectangle 9">
+            <a:extLst>
+              <a:ext uri="{FF2B5EF4-FFF2-40B4-BE49-F238E27FC236}">
+                <a16:creationId xmlns:a16="http://schemas.microsoft.com/office/drawing/2014/main" id="{0EC5361D-F897-4856-B945-0455A365EB24}"/>
+              </a:ext>
+              <a:ext uri="{C183D7F6-B498-43B3-948B-1728B52AA6E4}">
+                <adec:decorative xmlns:adec="http://schemas.microsoft.com/office/drawing/2017/decorative" val="1"/>
+              </a:ext>
+            </a:extLst>
+          </p:cNvPr>
+          <p:cNvSpPr>
+            <a:spLocks noGrp="1" noRot="1" noChangeAspect="1" noMove="1" noResize="1" noEditPoints="1" noAdjustHandles="1" noChangeArrowheads="1" noChangeShapeType="1" noTextEdit="1"/>
+          </p:cNvSpPr>
+          <p:nvPr>
+            <p:extLst>
+              <p:ext uri="{386F3935-93C4-4BCD-93E2-E3B085C9AB24}">
+                <p16:designElem xmlns:p16="http://schemas.microsoft.com/office/powerpoint/2015/main" val="1"/>
+              </p:ext>
+            </p:extLst>
+          </p:nvPr>
+        </p:nvSpPr>
+        <p:spPr>
+          <a:xfrm rot="2700000">
+            <a:off x="415435" y="655140"/>
+            <a:ext cx="687472" cy="687472"/>
+          </a:xfrm>
+          <a:prstGeom prst="rect">
+            <a:avLst/>
+          </a:prstGeom>
+          <a:solidFill>
+            <a:schemeClr val="accent4">
+              <a:alpha val="30000"/>
+            </a:schemeClr>
+          </a:solidFill>
+          <a:ln>
+            <a:noFill/>
+          </a:ln>
+        </p:spPr>
+        <p:style>
+          <a:lnRef idx="2">
+            <a:schemeClr val="accent1">
+              <a:shade val="50000"/>
+            </a:schemeClr>
+          </a:lnRef>
+          <a:fillRef idx="1">
+            <a:schemeClr val="accent1"/>
+          </a:fillRef>
+          <a:effectRef idx="0">
+            <a:schemeClr val="accent1"/>
+          </a:effectRef>
+          <a:fontRef idx="minor">
+            <a:schemeClr val="lt1"/>
+          </a:fontRef>
+        </p:style>
+        <p:txBody>
+          <a:bodyPr rtlCol="0" anchor="ctr"/>
+          <a:lstStyle/>
+          <a:p>
+            <a:pPr algn="ctr"/>
+            <a:endParaRPr lang="en-US"/>
+          </a:p>
+        </p:txBody>
+      </p:sp>
+      <p:sp>
+        <p:nvSpPr>
+          <p:cNvPr id="12" name="Freeform: Shape 11">
+            <a:extLst>
+              <a:ext uri="{FF2B5EF4-FFF2-40B4-BE49-F238E27FC236}">
+                <a16:creationId xmlns:a16="http://schemas.microsoft.com/office/drawing/2014/main" id="{4508C0C5-2268-42B5-B3C8-4D0899E05F8C}"/>
+              </a:ext>
+              <a:ext uri="{C183D7F6-B498-43B3-948B-1728B52AA6E4}">
+                <adec:decorative xmlns:adec="http://schemas.microsoft.com/office/drawing/2017/decorative" val="1"/>
+              </a:ext>
+            </a:extLst>
+          </p:cNvPr>
+          <p:cNvSpPr>
+            <a:spLocks noGrp="1" noRot="1" noChangeAspect="1" noMove="1" noResize="1" noEditPoints="1" noAdjustHandles="1" noChangeArrowheads="1" noChangeShapeType="1" noTextEdit="1"/>
+          </p:cNvSpPr>
+          <p:nvPr>
+            <p:extLst>
+              <p:ext uri="{386F3935-93C4-4BCD-93E2-E3B085C9AB24}">
+                <p16:designElem xmlns:p16="http://schemas.microsoft.com/office/powerpoint/2015/main" val="1"/>
+              </p:ext>
+            </p:extLst>
+          </p:nvPr>
+        </p:nvSpPr>
+        <p:spPr>
+          <a:xfrm rot="10800000">
+            <a:off x="0" y="0"/>
+            <a:ext cx="2835357" cy="1480837"/>
+          </a:xfrm>
+          <a:custGeom>
+            <a:avLst/>
+            <a:gdLst>
+              <a:gd name="connsiteX0" fmla="*/ 2835357 w 2835357"/>
+              <a:gd name="connsiteY0" fmla="*/ 1480837 h 1480837"/>
+              <a:gd name="connsiteX1" fmla="*/ 0 w 2835357"/>
+              <a:gd name="connsiteY1" fmla="*/ 1480837 h 1480837"/>
+              <a:gd name="connsiteX2" fmla="*/ 1552727 w 2835357"/>
+              <a:gd name="connsiteY2" fmla="*/ 0 h 1480837"/>
+              <a:gd name="connsiteX3" fmla="*/ 2835357 w 2835357"/>
+              <a:gd name="connsiteY3" fmla="*/ 1223245 h 1480837"/>
+            </a:gdLst>
+            <a:ahLst/>
+            <a:cxnLst>
+              <a:cxn ang="0">
+                <a:pos x="connsiteX0" y="connsiteY0"/>
+              </a:cxn>
+              <a:cxn ang="0">
+                <a:pos x="connsiteX1" y="connsiteY1"/>
+              </a:cxn>
+              <a:cxn ang="0">
+                <a:pos x="connsiteX2" y="connsiteY2"/>
+              </a:cxn>
+              <a:cxn ang="0">
+                <a:pos x="connsiteX3" y="connsiteY3"/>
+              </a:cxn>
+            </a:cxnLst>
+            <a:rect l="l" t="t" r="r" b="b"/>
+            <a:pathLst>
+              <a:path w="2835357" h="1480837">
+                <a:moveTo>
+                  <a:pt x="2835357" y="1480837"/>
+                </a:moveTo>
+                <a:lnTo>
+                  <a:pt x="0" y="1480837"/>
+                </a:lnTo>
+                <a:lnTo>
+                  <a:pt x="1552727" y="0"/>
+                </a:lnTo>
+                <a:lnTo>
+                  <a:pt x="2835357" y="1223245"/>
+                </a:lnTo>
+                <a:close/>
+              </a:path>
+            </a:pathLst>
+          </a:custGeom>
+          <a:solidFill>
+            <a:schemeClr val="accent4">
+              <a:alpha val="30000"/>
+            </a:schemeClr>
+          </a:solidFill>
+          <a:ln>
+            <a:noFill/>
+          </a:ln>
+        </p:spPr>
+        <p:style>
+          <a:lnRef idx="2">
+            <a:schemeClr val="accent1">
+              <a:shade val="50000"/>
+            </a:schemeClr>
+          </a:lnRef>
+          <a:fillRef idx="1">
+            <a:schemeClr val="accent1"/>
+          </a:fillRef>
+          <a:effectRef idx="0">
+            <a:schemeClr val="accent1"/>
+          </a:effectRef>
+          <a:fontRef idx="minor">
+            <a:schemeClr val="lt1"/>
+          </a:fontRef>
+        </p:style>
+        <p:txBody>
+          <a:bodyPr wrap="square" rtlCol="0" anchor="ctr">
+            <a:noAutofit/>
+          </a:bodyPr>
+          <a:lstStyle/>
+          <a:p>
+            <a:pPr algn="ctr"/>
+            <a:endParaRPr lang="en-US" dirty="0"/>
+          </a:p>
+        </p:txBody>
+      </p:sp>
+      <p:sp>
+        <p:nvSpPr>
+          <p:cNvPr id="14" name="Freeform: Shape 13">
+            <a:extLst>
+              <a:ext uri="{FF2B5EF4-FFF2-40B4-BE49-F238E27FC236}">
+                <a16:creationId xmlns:a16="http://schemas.microsoft.com/office/drawing/2014/main" id="{141ACBDB-38F8-4B34-8183-BD95B4E55A62}"/>
+              </a:ext>
+              <a:ext uri="{C183D7F6-B498-43B3-948B-1728B52AA6E4}">
+                <adec:decorative xmlns:adec="http://schemas.microsoft.com/office/drawing/2017/decorative" val="1"/>
+              </a:ext>
+            </a:extLst>
+          </p:cNvPr>
+          <p:cNvSpPr>
+            <a:spLocks noGrp="1" noRot="1" noChangeAspect="1" noMove="1" noResize="1" noEditPoints="1" noAdjustHandles="1" noChangeArrowheads="1" noChangeShapeType="1" noTextEdit="1"/>
+          </p:cNvSpPr>
+          <p:nvPr>
+            <p:extLst>
+              <p:ext uri="{386F3935-93C4-4BCD-93E2-E3B085C9AB24}">
+                <p16:designElem xmlns:p16="http://schemas.microsoft.com/office/powerpoint/2015/main" val="1"/>
+              </p:ext>
+            </p:extLst>
+          </p:nvPr>
+        </p:nvSpPr>
+        <p:spPr>
+          <a:xfrm rot="2700000">
+            <a:off x="10739327" y="-253670"/>
+            <a:ext cx="1827638" cy="1376989"/>
+          </a:xfrm>
+          <a:custGeom>
+            <a:avLst/>
+            <a:gdLst>
+              <a:gd name="connsiteX0" fmla="*/ 0 w 1827638"/>
+              <a:gd name="connsiteY0" fmla="*/ 987379 h 1376989"/>
+              <a:gd name="connsiteX1" fmla="*/ 987379 w 1827638"/>
+              <a:gd name="connsiteY1" fmla="*/ 0 h 1376989"/>
+              <a:gd name="connsiteX2" fmla="*/ 1827638 w 1827638"/>
+              <a:gd name="connsiteY2" fmla="*/ 840260 h 1376989"/>
+              <a:gd name="connsiteX3" fmla="*/ 1827638 w 1827638"/>
+              <a:gd name="connsiteY3" fmla="*/ 1376989 h 1376989"/>
+              <a:gd name="connsiteX4" fmla="*/ 0 w 1827638"/>
+              <a:gd name="connsiteY4" fmla="*/ 1376989 h 1376989"/>
+            </a:gdLst>
+            <a:ahLst/>
+            <a:cxnLst>
+              <a:cxn ang="0">
+                <a:pos x="connsiteX0" y="connsiteY0"/>
+              </a:cxn>
+              <a:cxn ang="0">
+                <a:pos x="connsiteX1" y="connsiteY1"/>
+              </a:cxn>
+              <a:cxn ang="0">
+                <a:pos x="connsiteX2" y="connsiteY2"/>
+              </a:cxn>
+              <a:cxn ang="0">
+                <a:pos x="connsiteX3" y="connsiteY3"/>
+              </a:cxn>
+              <a:cxn ang="0">
+                <a:pos x="connsiteX4" y="connsiteY4"/>
+              </a:cxn>
+            </a:cxnLst>
+            <a:rect l="l" t="t" r="r" b="b"/>
+            <a:pathLst>
+              <a:path w="1827638" h="1376989">
+                <a:moveTo>
+                  <a:pt x="0" y="987379"/>
+                </a:moveTo>
+                <a:lnTo>
+                  <a:pt x="987379" y="0"/>
+                </a:lnTo>
+                <a:lnTo>
+                  <a:pt x="1827638" y="840260"/>
+                </a:lnTo>
+                <a:lnTo>
+                  <a:pt x="1827638" y="1376989"/>
+                </a:lnTo>
+                <a:lnTo>
+                  <a:pt x="0" y="1376989"/>
+                </a:lnTo>
+                <a:close/>
+              </a:path>
+            </a:pathLst>
+          </a:custGeom>
+          <a:solidFill>
+            <a:schemeClr val="accent1">
+              <a:alpha val="30000"/>
+            </a:schemeClr>
+          </a:solidFill>
+          <a:ln>
+            <a:noFill/>
+          </a:ln>
+        </p:spPr>
+        <p:style>
+          <a:lnRef idx="2">
+            <a:schemeClr val="accent1">
+              <a:shade val="50000"/>
+            </a:schemeClr>
+          </a:lnRef>
+          <a:fillRef idx="1">
+            <a:schemeClr val="accent1"/>
+          </a:fillRef>
+          <a:effectRef idx="0">
+            <a:schemeClr val="accent1"/>
+          </a:effectRef>
+          <a:fontRef idx="minor">
+            <a:schemeClr val="lt1"/>
+          </a:fontRef>
+        </p:style>
+        <p:txBody>
+          <a:bodyPr wrap="square" rtlCol="0" anchor="ctr">
+            <a:noAutofit/>
+          </a:bodyPr>
+          <a:lstStyle/>
+          <a:p>
+            <a:pPr algn="ctr"/>
+            <a:endParaRPr lang="en-US" dirty="0"/>
+          </a:p>
+        </p:txBody>
+      </p:sp>
+      <p:sp>
+        <p:nvSpPr>
+          <p:cNvPr id="16" name="Rectangle 15">
+            <a:extLst>
+              <a:ext uri="{FF2B5EF4-FFF2-40B4-BE49-F238E27FC236}">
+                <a16:creationId xmlns:a16="http://schemas.microsoft.com/office/drawing/2014/main" id="{DE00DB52-3455-4E2F-867B-A6D0516E175B}"/>
+              </a:ext>
+              <a:ext uri="{C183D7F6-B498-43B3-948B-1728B52AA6E4}">
+                <adec:decorative xmlns:adec="http://schemas.microsoft.com/office/drawing/2017/decorative" val="1"/>
+              </a:ext>
+            </a:extLst>
+          </p:cNvPr>
+          <p:cNvSpPr>
+            <a:spLocks noGrp="1" noRot="1" noChangeAspect="1" noMove="1" noResize="1" noEditPoints="1" noAdjustHandles="1" noChangeArrowheads="1" noChangeShapeType="1" noTextEdit="1"/>
+          </p:cNvSpPr>
+          <p:nvPr>
+            <p:extLst>
+              <p:ext uri="{386F3935-93C4-4BCD-93E2-E3B085C9AB24}">
+                <p16:designElem xmlns:p16="http://schemas.microsoft.com/office/powerpoint/2015/main" val="1"/>
+              </p:ext>
+            </p:extLst>
+          </p:nvPr>
+        </p:nvSpPr>
+        <p:spPr>
+          <a:xfrm rot="2700000">
+            <a:off x="10653800" y="422146"/>
+            <a:ext cx="645368" cy="645368"/>
+          </a:xfrm>
+          <a:prstGeom prst="rect">
+            <a:avLst/>
+          </a:prstGeom>
+          <a:solidFill>
+            <a:schemeClr val="accent1">
+              <a:alpha val="30000"/>
+            </a:schemeClr>
+          </a:solidFill>
+          <a:ln>
+            <a:noFill/>
+          </a:ln>
+        </p:spPr>
+        <p:style>
+          <a:lnRef idx="2">
+            <a:schemeClr val="accent1">
+              <a:shade val="50000"/>
+            </a:schemeClr>
+          </a:lnRef>
+          <a:fillRef idx="1">
+            <a:schemeClr val="accent1"/>
+          </a:fillRef>
+          <a:effectRef idx="0">
+            <a:schemeClr val="accent1"/>
+          </a:effectRef>
+          <a:fontRef idx="minor">
+            <a:schemeClr val="lt1"/>
+          </a:fontRef>
+        </p:style>
+        <p:txBody>
+          <a:bodyPr wrap="square" rtlCol="0" anchor="ctr">
+            <a:noAutofit/>
+          </a:bodyPr>
+          <a:lstStyle/>
+          <a:p>
+            <a:pPr algn="ctr"/>
+            <a:endParaRPr lang="en-US"/>
+          </a:p>
+        </p:txBody>
+      </p:sp>
+      <p:sp>
+        <p:nvSpPr>
+          <p:cNvPr id="3" name="Platshållare för innehåll 2">
+            <a:extLst>
+              <a:ext uri="{FF2B5EF4-FFF2-40B4-BE49-F238E27FC236}">
+                <a16:creationId xmlns:a16="http://schemas.microsoft.com/office/drawing/2014/main" id="{0E7794C3-713A-4E47-9088-D8BCE008C42C}"/>
+              </a:ext>
+            </a:extLst>
+          </p:cNvPr>
+          <p:cNvSpPr>
+            <a:spLocks noGrp="1"/>
+          </p:cNvSpPr>
+          <p:nvPr>
+            <p:ph idx="1"/>
+          </p:nvPr>
+        </p:nvSpPr>
+        <p:spPr>
+          <a:xfrm>
+            <a:off x="5070020" y="1698170"/>
+            <a:ext cx="6478513" cy="4516361"/>
+          </a:xfrm>
+        </p:spPr>
+        <p:txBody>
+          <a:bodyPr>
+            <a:normAutofit/>
+          </a:bodyPr>
+          <a:lstStyle/>
+          <a:p>
+            <a:r>
+              <a:rPr lang="sv-SE" sz="2000"/>
+              <a:t>Målgruppen är 16-25 åringar samt 36-65</a:t>
+            </a:r>
+          </a:p>
+          <a:p>
+            <a:r>
+              <a:rPr lang="sv-SE" sz="2000"/>
+              <a:t>Enkelt och direkt</a:t>
+            </a:r>
+          </a:p>
+          <a:p>
+            <a:r>
+              <a:rPr lang="sv-SE" sz="2000"/>
+              <a:t>kortafattat</a:t>
+            </a:r>
+          </a:p>
+          <a:p>
+            <a:r>
+              <a:rPr lang="sv-SE" sz="2000"/>
+              <a:t>Stilrent tema</a:t>
+            </a:r>
+          </a:p>
+          <a:p>
+            <a:r>
+              <a:rPr lang="sv-SE" sz="2000"/>
+              <a:t>Typsnitt: serif</a:t>
+            </a:r>
+          </a:p>
+          <a:p>
+            <a:r>
+              <a:rPr lang="sv-SE" sz="2000"/>
+              <a:t>Enkelt färgschema</a:t>
+            </a:r>
+          </a:p>
+          <a:p>
+            <a:endParaRPr lang="sv-SE" sz="2000"/>
+          </a:p>
+          <a:p>
+            <a:endParaRPr lang="sv-SE" sz="2000"/>
+          </a:p>
+        </p:txBody>
+      </p:sp>
+      <p:sp>
+        <p:nvSpPr>
+          <p:cNvPr id="18" name="Isosceles Triangle 17">
+            <a:extLst>
+              <a:ext uri="{FF2B5EF4-FFF2-40B4-BE49-F238E27FC236}">
+                <a16:creationId xmlns:a16="http://schemas.microsoft.com/office/drawing/2014/main" id="{9E914C83-E0D8-4953-92D5-169D28CB43AE}"/>
+              </a:ext>
+              <a:ext uri="{C183D7F6-B498-43B3-948B-1728B52AA6E4}">
+                <adec:decorative xmlns:adec="http://schemas.microsoft.com/office/drawing/2017/decorative" val="1"/>
+              </a:ext>
+            </a:extLst>
+          </p:cNvPr>
+          <p:cNvSpPr>
+            <a:spLocks noGrp="1" noRot="1" noChangeAspect="1" noMove="1" noResize="1" noEditPoints="1" noAdjustHandles="1" noChangeArrowheads="1" noChangeShapeType="1" noTextEdit="1"/>
+          </p:cNvSpPr>
+          <p:nvPr>
+            <p:extLst>
+              <p:ext uri="{386F3935-93C4-4BCD-93E2-E3B085C9AB24}">
+                <p16:designElem xmlns:p16="http://schemas.microsoft.com/office/powerpoint/2015/main" val="1"/>
+              </p:ext>
+            </p:extLst>
+          </p:nvPr>
+        </p:nvSpPr>
+        <p:spPr>
+          <a:xfrm>
+            <a:off x="8115423" y="6115501"/>
+            <a:ext cx="1494513" cy="742499"/>
+          </a:xfrm>
+          <a:prstGeom prst="triangle">
+            <a:avLst/>
+          </a:prstGeom>
+          <a:solidFill>
+            <a:schemeClr val="accent1">
+              <a:alpha val="30000"/>
+            </a:schemeClr>
+          </a:solidFill>
+          <a:ln>
+            <a:noFill/>
+          </a:ln>
+        </p:spPr>
+        <p:style>
+          <a:lnRef idx="2">
+            <a:schemeClr val="accent1">
+              <a:shade val="50000"/>
+            </a:schemeClr>
+          </a:lnRef>
+          <a:fillRef idx="1">
+            <a:schemeClr val="accent1"/>
+          </a:fillRef>
+          <a:effectRef idx="0">
+            <a:schemeClr val="accent1"/>
+          </a:effectRef>
+          <a:fontRef idx="minor">
+            <a:schemeClr val="lt1"/>
+          </a:fontRef>
+        </p:style>
+        <p:txBody>
+          <a:bodyPr wrap="square" rtlCol="0" anchor="ctr">
+            <a:noAutofit/>
+          </a:bodyPr>
+          <a:lstStyle/>
+          <a:p>
+            <a:pPr algn="ctr"/>
+            <a:endParaRPr lang="en-US"/>
+          </a:p>
+        </p:txBody>
+      </p:sp>
+      <p:sp>
+        <p:nvSpPr>
+          <p:cNvPr id="20" name="Isosceles Triangle 19">
+            <a:extLst>
+              <a:ext uri="{FF2B5EF4-FFF2-40B4-BE49-F238E27FC236}">
+                <a16:creationId xmlns:a16="http://schemas.microsoft.com/office/drawing/2014/main" id="{3512E083-F550-46AF-8490-767ECFD00CB7}"/>
+              </a:ext>
+              <a:ext uri="{C183D7F6-B498-43B3-948B-1728B52AA6E4}">
+                <adec:decorative xmlns:adec="http://schemas.microsoft.com/office/drawing/2017/decorative" val="1"/>
+              </a:ext>
+            </a:extLst>
+          </p:cNvPr>
+          <p:cNvSpPr>
+            <a:spLocks noGrp="1" noRot="1" noChangeAspect="1" noMove="1" noResize="1" noEditPoints="1" noAdjustHandles="1" noChangeArrowheads="1" noChangeShapeType="1" noTextEdit="1"/>
+          </p:cNvSpPr>
+          <p:nvPr>
+            <p:extLst>
+              <p:ext uri="{386F3935-93C4-4BCD-93E2-E3B085C9AB24}">
+                <p16:designElem xmlns:p16="http://schemas.microsoft.com/office/powerpoint/2015/main" val="1"/>
+              </p:ext>
+            </p:extLst>
+          </p:nvPr>
+        </p:nvSpPr>
+        <p:spPr>
+          <a:xfrm>
+            <a:off x="9167297" y="6453143"/>
+            <a:ext cx="814903" cy="404857"/>
+          </a:xfrm>
+          <a:prstGeom prst="triangle">
+            <a:avLst/>
+          </a:prstGeom>
+          <a:solidFill>
+            <a:schemeClr val="accent1">
+              <a:alpha val="30000"/>
+            </a:schemeClr>
+          </a:solidFill>
+          <a:ln>
+            <a:noFill/>
+          </a:ln>
+        </p:spPr>
+        <p:style>
+          <a:lnRef idx="2">
+            <a:schemeClr val="accent1">
+              <a:shade val="50000"/>
+            </a:schemeClr>
+          </a:lnRef>
+          <a:fillRef idx="1">
+            <a:schemeClr val="accent1"/>
+          </a:fillRef>
+          <a:effectRef idx="0">
+            <a:schemeClr val="accent1"/>
+          </a:effectRef>
+          <a:fontRef idx="minor">
+            <a:schemeClr val="lt1"/>
+          </a:fontRef>
+        </p:style>
+        <p:txBody>
+          <a:bodyPr wrap="square" rtlCol="0" anchor="ctr">
+            <a:noAutofit/>
+          </a:bodyPr>
+          <a:lstStyle/>
+          <a:p>
+            <a:pPr algn="ctr"/>
+            <a:endParaRPr lang="en-US"/>
+          </a:p>
+        </p:txBody>
+      </p:sp>
+    </p:spTree>
+    <p:extLst>
+      <p:ext uri="{BB962C8B-B14F-4D97-AF65-F5344CB8AC3E}">
+        <p14:creationId xmlns:p14="http://schemas.microsoft.com/office/powerpoint/2010/main" val="3589907290"/>
+      </p:ext>
+    </p:extLst>
+  </p:cSld>
+  <p:clrMapOvr>
+    <a:masterClrMapping/>
+  </p:clrMapOvr>
+</p:sld>
+</file>
+
+<file path=ppt/slides/slide16.xml><?xml version="1.0" encoding="utf-8"?>
+<p:sld xmlns:a="http://schemas.openxmlformats.org/drawingml/2006/main" xmlns:r="http://schemas.openxmlformats.org/officeDocument/2006/relationships" xmlns:p="http://schemas.openxmlformats.org/presentationml/2006/main">
+  <p:cSld>
+    <p:bg>
+      <p:bgPr>
+        <a:solidFill>
+          <a:schemeClr val="bg1"/>
+        </a:solidFill>
+        <a:effectLst/>
+      </p:bgPr>
+    </p:bg>
+    <p:spTree>
+      <p:nvGrpSpPr>
+        <p:cNvPr id="1" name=""/>
+        <p:cNvGrpSpPr/>
+        <p:nvPr/>
+      </p:nvGrpSpPr>
+      <p:grpSpPr>
+        <a:xfrm>
+          <a:off x="0" y="0"/>
+          <a:ext cx="0" cy="0"/>
+          <a:chOff x="0" y="0"/>
+          <a:chExt cx="0" cy="0"/>
+        </a:xfrm>
+      </p:grpSpPr>
+      <p:sp>
+        <p:nvSpPr>
+          <p:cNvPr id="8" name="Rectangle 7">
+            <a:extLst>
+              <a:ext uri="{FF2B5EF4-FFF2-40B4-BE49-F238E27FC236}">
+                <a16:creationId xmlns:a16="http://schemas.microsoft.com/office/drawing/2014/main" id="{46D6306C-ED4F-4AAE-B4A5-EEA6AFAD726E}"/>
+              </a:ext>
+              <a:ext uri="{C183D7F6-B498-43B3-948B-1728B52AA6E4}">
+                <adec:decorative xmlns:adec="http://schemas.microsoft.com/office/drawing/2017/decorative" val="1"/>
+              </a:ext>
+            </a:extLst>
+          </p:cNvPr>
+          <p:cNvSpPr>
+            <a:spLocks noGrp="1" noRot="1" noChangeAspect="1" noMove="1" noResize="1" noEditPoints="1" noAdjustHandles="1" noChangeArrowheads="1" noChangeShapeType="1" noTextEdit="1"/>
+          </p:cNvSpPr>
+          <p:nvPr>
+            <p:extLst>
+              <p:ext uri="{386F3935-93C4-4BCD-93E2-E3B085C9AB24}">
+                <p16:designElem xmlns:p16="http://schemas.microsoft.com/office/powerpoint/2015/main" val="1"/>
+              </p:ext>
+            </p:extLst>
+          </p:nvPr>
+        </p:nvSpPr>
+        <p:spPr>
+          <a:xfrm>
+            <a:off x="0" y="0"/>
+            <a:ext cx="12192000" cy="6858000"/>
+          </a:xfrm>
+          <a:prstGeom prst="rect">
+            <a:avLst/>
+          </a:prstGeom>
+          <a:solidFill>
+            <a:schemeClr val="bg1"/>
+          </a:solidFill>
+          <a:ln>
+            <a:noFill/>
+          </a:ln>
+        </p:spPr>
+        <p:style>
+          <a:lnRef idx="2">
+            <a:schemeClr val="accent1">
+              <a:shade val="50000"/>
+            </a:schemeClr>
+          </a:lnRef>
+          <a:fillRef idx="1">
+            <a:schemeClr val="accent1"/>
+          </a:fillRef>
+          <a:effectRef idx="0">
+            <a:schemeClr val="accent1"/>
+          </a:effectRef>
+          <a:fontRef idx="minor">
+            <a:schemeClr val="lt1"/>
+          </a:fontRef>
+        </p:style>
+        <p:txBody>
+          <a:bodyPr rtlCol="0" anchor="ctr"/>
+          <a:lstStyle/>
+          <a:p>
+            <a:pPr algn="ctr"/>
+            <a:endParaRPr lang="en-US" dirty="0"/>
+          </a:p>
+        </p:txBody>
+      </p:sp>
+      <p:sp>
+        <p:nvSpPr>
+          <p:cNvPr id="2" name="Rubrik 1">
+            <a:extLst>
+              <a:ext uri="{FF2B5EF4-FFF2-40B4-BE49-F238E27FC236}">
                 <a16:creationId xmlns:a16="http://schemas.microsoft.com/office/drawing/2014/main" id="{A47AC745-5E49-470A-8D60-F0D7F7F0F7D8}"/>
               </a:ext>
             </a:extLst>
@@ -3599,13 +8679,20 @@
             <p:ph type="title"/>
           </p:nvPr>
         </p:nvSpPr>
-        <p:spPr/>
-        <p:txBody>
-          <a:bodyPr/>
+        <p:spPr>
+          <a:xfrm>
+            <a:off x="643467" y="1698171"/>
+            <a:ext cx="3962061" cy="4516360"/>
+          </a:xfrm>
+        </p:spPr>
+        <p:txBody>
+          <a:bodyPr anchor="t">
+            <a:normAutofit/>
+          </a:bodyPr>
           <a:lstStyle/>
           <a:p>
             <a:r>
-              <a:rPr lang="sv-SE" dirty="0"/>
+              <a:rPr lang="sv-SE" sz="3600"/>
               <a:t>Funktionalitet</a:t>
             </a:r>
           </a:p>
@@ -3613,6 +8700,366 @@
       </p:sp>
       <p:sp>
         <p:nvSpPr>
+          <p:cNvPr id="10" name="Rectangle 9">
+            <a:extLst>
+              <a:ext uri="{FF2B5EF4-FFF2-40B4-BE49-F238E27FC236}">
+                <a16:creationId xmlns:a16="http://schemas.microsoft.com/office/drawing/2014/main" id="{0EC5361D-F897-4856-B945-0455A365EB24}"/>
+              </a:ext>
+              <a:ext uri="{C183D7F6-B498-43B3-948B-1728B52AA6E4}">
+                <adec:decorative xmlns:adec="http://schemas.microsoft.com/office/drawing/2017/decorative" val="1"/>
+              </a:ext>
+            </a:extLst>
+          </p:cNvPr>
+          <p:cNvSpPr>
+            <a:spLocks noGrp="1" noRot="1" noChangeAspect="1" noMove="1" noResize="1" noEditPoints="1" noAdjustHandles="1" noChangeArrowheads="1" noChangeShapeType="1" noTextEdit="1"/>
+          </p:cNvSpPr>
+          <p:nvPr>
+            <p:extLst>
+              <p:ext uri="{386F3935-93C4-4BCD-93E2-E3B085C9AB24}">
+                <p16:designElem xmlns:p16="http://schemas.microsoft.com/office/powerpoint/2015/main" val="1"/>
+              </p:ext>
+            </p:extLst>
+          </p:nvPr>
+        </p:nvSpPr>
+        <p:spPr>
+          <a:xfrm rot="2700000">
+            <a:off x="415435" y="655140"/>
+            <a:ext cx="687472" cy="687472"/>
+          </a:xfrm>
+          <a:prstGeom prst="rect">
+            <a:avLst/>
+          </a:prstGeom>
+          <a:solidFill>
+            <a:schemeClr val="accent4">
+              <a:alpha val="30000"/>
+            </a:schemeClr>
+          </a:solidFill>
+          <a:ln>
+            <a:noFill/>
+          </a:ln>
+        </p:spPr>
+        <p:style>
+          <a:lnRef idx="2">
+            <a:schemeClr val="accent1">
+              <a:shade val="50000"/>
+            </a:schemeClr>
+          </a:lnRef>
+          <a:fillRef idx="1">
+            <a:schemeClr val="accent1"/>
+          </a:fillRef>
+          <a:effectRef idx="0">
+            <a:schemeClr val="accent1"/>
+          </a:effectRef>
+          <a:fontRef idx="minor">
+            <a:schemeClr val="lt1"/>
+          </a:fontRef>
+        </p:style>
+        <p:txBody>
+          <a:bodyPr rtlCol="0" anchor="ctr"/>
+          <a:lstStyle/>
+          <a:p>
+            <a:pPr algn="ctr"/>
+            <a:endParaRPr lang="en-US"/>
+          </a:p>
+        </p:txBody>
+      </p:sp>
+      <p:sp>
+        <p:nvSpPr>
+          <p:cNvPr id="12" name="Freeform: Shape 11">
+            <a:extLst>
+              <a:ext uri="{FF2B5EF4-FFF2-40B4-BE49-F238E27FC236}">
+                <a16:creationId xmlns:a16="http://schemas.microsoft.com/office/drawing/2014/main" id="{4508C0C5-2268-42B5-B3C8-4D0899E05F8C}"/>
+              </a:ext>
+              <a:ext uri="{C183D7F6-B498-43B3-948B-1728B52AA6E4}">
+                <adec:decorative xmlns:adec="http://schemas.microsoft.com/office/drawing/2017/decorative" val="1"/>
+              </a:ext>
+            </a:extLst>
+          </p:cNvPr>
+          <p:cNvSpPr>
+            <a:spLocks noGrp="1" noRot="1" noChangeAspect="1" noMove="1" noResize="1" noEditPoints="1" noAdjustHandles="1" noChangeArrowheads="1" noChangeShapeType="1" noTextEdit="1"/>
+          </p:cNvSpPr>
+          <p:nvPr>
+            <p:extLst>
+              <p:ext uri="{386F3935-93C4-4BCD-93E2-E3B085C9AB24}">
+                <p16:designElem xmlns:p16="http://schemas.microsoft.com/office/powerpoint/2015/main" val="1"/>
+              </p:ext>
+            </p:extLst>
+          </p:nvPr>
+        </p:nvSpPr>
+        <p:spPr>
+          <a:xfrm rot="10800000">
+            <a:off x="0" y="0"/>
+            <a:ext cx="2835357" cy="1480837"/>
+          </a:xfrm>
+          <a:custGeom>
+            <a:avLst/>
+            <a:gdLst>
+              <a:gd name="connsiteX0" fmla="*/ 2835357 w 2835357"/>
+              <a:gd name="connsiteY0" fmla="*/ 1480837 h 1480837"/>
+              <a:gd name="connsiteX1" fmla="*/ 0 w 2835357"/>
+              <a:gd name="connsiteY1" fmla="*/ 1480837 h 1480837"/>
+              <a:gd name="connsiteX2" fmla="*/ 1552727 w 2835357"/>
+              <a:gd name="connsiteY2" fmla="*/ 0 h 1480837"/>
+              <a:gd name="connsiteX3" fmla="*/ 2835357 w 2835357"/>
+              <a:gd name="connsiteY3" fmla="*/ 1223245 h 1480837"/>
+            </a:gdLst>
+            <a:ahLst/>
+            <a:cxnLst>
+              <a:cxn ang="0">
+                <a:pos x="connsiteX0" y="connsiteY0"/>
+              </a:cxn>
+              <a:cxn ang="0">
+                <a:pos x="connsiteX1" y="connsiteY1"/>
+              </a:cxn>
+              <a:cxn ang="0">
+                <a:pos x="connsiteX2" y="connsiteY2"/>
+              </a:cxn>
+              <a:cxn ang="0">
+                <a:pos x="connsiteX3" y="connsiteY3"/>
+              </a:cxn>
+            </a:cxnLst>
+            <a:rect l="l" t="t" r="r" b="b"/>
+            <a:pathLst>
+              <a:path w="2835357" h="1480837">
+                <a:moveTo>
+                  <a:pt x="2835357" y="1480837"/>
+                </a:moveTo>
+                <a:lnTo>
+                  <a:pt x="0" y="1480837"/>
+                </a:lnTo>
+                <a:lnTo>
+                  <a:pt x="1552727" y="0"/>
+                </a:lnTo>
+                <a:lnTo>
+                  <a:pt x="2835357" y="1223245"/>
+                </a:lnTo>
+                <a:close/>
+              </a:path>
+            </a:pathLst>
+          </a:custGeom>
+          <a:solidFill>
+            <a:schemeClr val="accent4">
+              <a:alpha val="30000"/>
+            </a:schemeClr>
+          </a:solidFill>
+          <a:ln>
+            <a:noFill/>
+          </a:ln>
+        </p:spPr>
+        <p:style>
+          <a:lnRef idx="2">
+            <a:schemeClr val="accent1">
+              <a:shade val="50000"/>
+            </a:schemeClr>
+          </a:lnRef>
+          <a:fillRef idx="1">
+            <a:schemeClr val="accent1"/>
+          </a:fillRef>
+          <a:effectRef idx="0">
+            <a:schemeClr val="accent1"/>
+          </a:effectRef>
+          <a:fontRef idx="minor">
+            <a:schemeClr val="lt1"/>
+          </a:fontRef>
+        </p:style>
+        <p:txBody>
+          <a:bodyPr wrap="square" rtlCol="0" anchor="ctr">
+            <a:noAutofit/>
+          </a:bodyPr>
+          <a:lstStyle/>
+          <a:p>
+            <a:pPr algn="ctr"/>
+            <a:endParaRPr lang="en-US" dirty="0"/>
+          </a:p>
+        </p:txBody>
+      </p:sp>
+      <p:sp>
+        <p:nvSpPr>
+          <p:cNvPr id="14" name="Freeform: Shape 13">
+            <a:extLst>
+              <a:ext uri="{FF2B5EF4-FFF2-40B4-BE49-F238E27FC236}">
+                <a16:creationId xmlns:a16="http://schemas.microsoft.com/office/drawing/2014/main" id="{141ACBDB-38F8-4B34-8183-BD95B4E55A62}"/>
+              </a:ext>
+              <a:ext uri="{C183D7F6-B498-43B3-948B-1728B52AA6E4}">
+                <adec:decorative xmlns:adec="http://schemas.microsoft.com/office/drawing/2017/decorative" val="1"/>
+              </a:ext>
+            </a:extLst>
+          </p:cNvPr>
+          <p:cNvSpPr>
+            <a:spLocks noGrp="1" noRot="1" noChangeAspect="1" noMove="1" noResize="1" noEditPoints="1" noAdjustHandles="1" noChangeArrowheads="1" noChangeShapeType="1" noTextEdit="1"/>
+          </p:cNvSpPr>
+          <p:nvPr>
+            <p:extLst>
+              <p:ext uri="{386F3935-93C4-4BCD-93E2-E3B085C9AB24}">
+                <p16:designElem xmlns:p16="http://schemas.microsoft.com/office/powerpoint/2015/main" val="1"/>
+              </p:ext>
+            </p:extLst>
+          </p:nvPr>
+        </p:nvSpPr>
+        <p:spPr>
+          <a:xfrm rot="2700000">
+            <a:off x="10739327" y="-253670"/>
+            <a:ext cx="1827638" cy="1376989"/>
+          </a:xfrm>
+          <a:custGeom>
+            <a:avLst/>
+            <a:gdLst>
+              <a:gd name="connsiteX0" fmla="*/ 0 w 1827638"/>
+              <a:gd name="connsiteY0" fmla="*/ 987379 h 1376989"/>
+              <a:gd name="connsiteX1" fmla="*/ 987379 w 1827638"/>
+              <a:gd name="connsiteY1" fmla="*/ 0 h 1376989"/>
+              <a:gd name="connsiteX2" fmla="*/ 1827638 w 1827638"/>
+              <a:gd name="connsiteY2" fmla="*/ 840260 h 1376989"/>
+              <a:gd name="connsiteX3" fmla="*/ 1827638 w 1827638"/>
+              <a:gd name="connsiteY3" fmla="*/ 1376989 h 1376989"/>
+              <a:gd name="connsiteX4" fmla="*/ 0 w 1827638"/>
+              <a:gd name="connsiteY4" fmla="*/ 1376989 h 1376989"/>
+            </a:gdLst>
+            <a:ahLst/>
+            <a:cxnLst>
+              <a:cxn ang="0">
+                <a:pos x="connsiteX0" y="connsiteY0"/>
+              </a:cxn>
+              <a:cxn ang="0">
+                <a:pos x="connsiteX1" y="connsiteY1"/>
+              </a:cxn>
+              <a:cxn ang="0">
+                <a:pos x="connsiteX2" y="connsiteY2"/>
+              </a:cxn>
+              <a:cxn ang="0">
+                <a:pos x="connsiteX3" y="connsiteY3"/>
+              </a:cxn>
+              <a:cxn ang="0">
+                <a:pos x="connsiteX4" y="connsiteY4"/>
+              </a:cxn>
+            </a:cxnLst>
+            <a:rect l="l" t="t" r="r" b="b"/>
+            <a:pathLst>
+              <a:path w="1827638" h="1376989">
+                <a:moveTo>
+                  <a:pt x="0" y="987379"/>
+                </a:moveTo>
+                <a:lnTo>
+                  <a:pt x="987379" y="0"/>
+                </a:lnTo>
+                <a:lnTo>
+                  <a:pt x="1827638" y="840260"/>
+                </a:lnTo>
+                <a:lnTo>
+                  <a:pt x="1827638" y="1376989"/>
+                </a:lnTo>
+                <a:lnTo>
+                  <a:pt x="0" y="1376989"/>
+                </a:lnTo>
+                <a:close/>
+              </a:path>
+            </a:pathLst>
+          </a:custGeom>
+          <a:solidFill>
+            <a:schemeClr val="accent1">
+              <a:alpha val="30000"/>
+            </a:schemeClr>
+          </a:solidFill>
+          <a:ln>
+            <a:noFill/>
+          </a:ln>
+        </p:spPr>
+        <p:style>
+          <a:lnRef idx="2">
+            <a:schemeClr val="accent1">
+              <a:shade val="50000"/>
+            </a:schemeClr>
+          </a:lnRef>
+          <a:fillRef idx="1">
+            <a:schemeClr val="accent1"/>
+          </a:fillRef>
+          <a:effectRef idx="0">
+            <a:schemeClr val="accent1"/>
+          </a:effectRef>
+          <a:fontRef idx="minor">
+            <a:schemeClr val="lt1"/>
+          </a:fontRef>
+        </p:style>
+        <p:txBody>
+          <a:bodyPr wrap="square" rtlCol="0" anchor="ctr">
+            <a:noAutofit/>
+          </a:bodyPr>
+          <a:lstStyle/>
+          <a:p>
+            <a:pPr algn="ctr"/>
+            <a:endParaRPr lang="en-US" dirty="0"/>
+          </a:p>
+        </p:txBody>
+      </p:sp>
+      <p:sp>
+        <p:nvSpPr>
+          <p:cNvPr id="16" name="Rectangle 15">
+            <a:extLst>
+              <a:ext uri="{FF2B5EF4-FFF2-40B4-BE49-F238E27FC236}">
+                <a16:creationId xmlns:a16="http://schemas.microsoft.com/office/drawing/2014/main" id="{DE00DB52-3455-4E2F-867B-A6D0516E175B}"/>
+              </a:ext>
+              <a:ext uri="{C183D7F6-B498-43B3-948B-1728B52AA6E4}">
+                <adec:decorative xmlns:adec="http://schemas.microsoft.com/office/drawing/2017/decorative" val="1"/>
+              </a:ext>
+            </a:extLst>
+          </p:cNvPr>
+          <p:cNvSpPr>
+            <a:spLocks noGrp="1" noRot="1" noChangeAspect="1" noMove="1" noResize="1" noEditPoints="1" noAdjustHandles="1" noChangeArrowheads="1" noChangeShapeType="1" noTextEdit="1"/>
+          </p:cNvSpPr>
+          <p:nvPr>
+            <p:extLst>
+              <p:ext uri="{386F3935-93C4-4BCD-93E2-E3B085C9AB24}">
+                <p16:designElem xmlns:p16="http://schemas.microsoft.com/office/powerpoint/2015/main" val="1"/>
+              </p:ext>
+            </p:extLst>
+          </p:nvPr>
+        </p:nvSpPr>
+        <p:spPr>
+          <a:xfrm rot="2700000">
+            <a:off x="10653800" y="422146"/>
+            <a:ext cx="645368" cy="645368"/>
+          </a:xfrm>
+          <a:prstGeom prst="rect">
+            <a:avLst/>
+          </a:prstGeom>
+          <a:solidFill>
+            <a:schemeClr val="accent1">
+              <a:alpha val="30000"/>
+            </a:schemeClr>
+          </a:solidFill>
+          <a:ln>
+            <a:noFill/>
+          </a:ln>
+        </p:spPr>
+        <p:style>
+          <a:lnRef idx="2">
+            <a:schemeClr val="accent1">
+              <a:shade val="50000"/>
+            </a:schemeClr>
+          </a:lnRef>
+          <a:fillRef idx="1">
+            <a:schemeClr val="accent1"/>
+          </a:fillRef>
+          <a:effectRef idx="0">
+            <a:schemeClr val="accent1"/>
+          </a:effectRef>
+          <a:fontRef idx="minor">
+            <a:schemeClr val="lt1"/>
+          </a:fontRef>
+        </p:style>
+        <p:txBody>
+          <a:bodyPr wrap="square" rtlCol="0" anchor="ctr">
+            <a:noAutofit/>
+          </a:bodyPr>
+          <a:lstStyle/>
+          <a:p>
+            <a:pPr algn="ctr"/>
+            <a:endParaRPr lang="en-US"/>
+          </a:p>
+        </p:txBody>
+      </p:sp>
+      <p:sp>
+        <p:nvSpPr>
           <p:cNvPr id="3" name="Platshållare för innehåll 2">
             <a:extLst>
               <a:ext uri="{FF2B5EF4-FFF2-40B4-BE49-F238E27FC236}">
@@ -3627,22 +9074,195 @@
             <p:ph idx="1"/>
           </p:nvPr>
         </p:nvSpPr>
-        <p:spPr/>
-        <p:txBody>
-          <a:bodyPr/>
+        <p:spPr>
+          <a:xfrm>
+            <a:off x="5070020" y="1698170"/>
+            <a:ext cx="6478513" cy="4516361"/>
+          </a:xfrm>
+        </p:spPr>
+        <p:txBody>
+          <a:bodyPr>
+            <a:normAutofit/>
+          </a:bodyPr>
           <a:lstStyle/>
           <a:p>
             <a:r>
-              <a:rPr lang="sv-SE" dirty="0"/>
-              <a:t>Användbara flikar: ”hemsida”, ”priser”, ”tjänster”, ”medarbetare” och </a:t>
+              <a:rPr lang="sv-SE" sz="2000"/>
+              <a:t>Användbara flikar: ”Startsida”, ”priser”, ”tjänster”, ”medarbetare” och ”Kontakta oss”</a:t>
             </a:r>
+          </a:p>
+          <a:p>
             <a:r>
-              <a:rPr lang="sv-SE"/>
-              <a:t>”Kontakta oss”</a:t>
+              <a:rPr lang="sv-SE" sz="2000"/>
+              <a:t>Läs mer om medarbetare</a:t>
             </a:r>
           </a:p>
           <a:p>
-            <a:endParaRPr lang="sv-SE"/>
+            <a:r>
+              <a:rPr lang="sv-SE" sz="2000"/>
+              <a:t>Köp funktion för avtal</a:t>
+            </a:r>
+          </a:p>
+          <a:p>
+            <a:r>
+              <a:rPr lang="sv-SE" sz="2000"/>
+              <a:t>Vagn funktion</a:t>
+            </a:r>
+          </a:p>
+          <a:p>
+            <a:r>
+              <a:rPr lang="sv-SE" sz="2000"/>
+              <a:t>Kontakt funktion</a:t>
+            </a:r>
+          </a:p>
+          <a:p>
+            <a:r>
+              <a:rPr lang="sv-SE" sz="2000"/>
+              <a:t>”Betala” funktion</a:t>
+            </a:r>
+          </a:p>
+          <a:p>
+            <a:r>
+              <a:rPr lang="sv-SE" sz="2000"/>
+              <a:t>Röj funktion</a:t>
+            </a:r>
+          </a:p>
+          <a:p>
+            <a:endParaRPr lang="sv-SE" sz="2000"/>
+          </a:p>
+        </p:txBody>
+      </p:sp>
+      <p:sp>
+        <p:nvSpPr>
+          <p:cNvPr id="18" name="Isosceles Triangle 17">
+            <a:extLst>
+              <a:ext uri="{FF2B5EF4-FFF2-40B4-BE49-F238E27FC236}">
+                <a16:creationId xmlns:a16="http://schemas.microsoft.com/office/drawing/2014/main" id="{9E914C83-E0D8-4953-92D5-169D28CB43AE}"/>
+              </a:ext>
+              <a:ext uri="{C183D7F6-B498-43B3-948B-1728B52AA6E4}">
+                <adec:decorative xmlns:adec="http://schemas.microsoft.com/office/drawing/2017/decorative" val="1"/>
+              </a:ext>
+            </a:extLst>
+          </p:cNvPr>
+          <p:cNvSpPr>
+            <a:spLocks noGrp="1" noRot="1" noChangeAspect="1" noMove="1" noResize="1" noEditPoints="1" noAdjustHandles="1" noChangeArrowheads="1" noChangeShapeType="1" noTextEdit="1"/>
+          </p:cNvSpPr>
+          <p:nvPr>
+            <p:extLst>
+              <p:ext uri="{386F3935-93C4-4BCD-93E2-E3B085C9AB24}">
+                <p16:designElem xmlns:p16="http://schemas.microsoft.com/office/powerpoint/2015/main" val="1"/>
+              </p:ext>
+            </p:extLst>
+          </p:nvPr>
+        </p:nvSpPr>
+        <p:spPr>
+          <a:xfrm>
+            <a:off x="8115423" y="6115501"/>
+            <a:ext cx="1494513" cy="742499"/>
+          </a:xfrm>
+          <a:prstGeom prst="triangle">
+            <a:avLst/>
+          </a:prstGeom>
+          <a:solidFill>
+            <a:schemeClr val="accent1">
+              <a:alpha val="30000"/>
+            </a:schemeClr>
+          </a:solidFill>
+          <a:ln>
+            <a:noFill/>
+          </a:ln>
+        </p:spPr>
+        <p:style>
+          <a:lnRef idx="2">
+            <a:schemeClr val="accent1">
+              <a:shade val="50000"/>
+            </a:schemeClr>
+          </a:lnRef>
+          <a:fillRef idx="1">
+            <a:schemeClr val="accent1"/>
+          </a:fillRef>
+          <a:effectRef idx="0">
+            <a:schemeClr val="accent1"/>
+          </a:effectRef>
+          <a:fontRef idx="minor">
+            <a:schemeClr val="lt1"/>
+          </a:fontRef>
+        </p:style>
+        <p:txBody>
+          <a:bodyPr wrap="square" rtlCol="0" anchor="ctr">
+            <a:noAutofit/>
+          </a:bodyPr>
+          <a:lstStyle/>
+          <a:p>
+            <a:pPr algn="ctr"/>
+            <a:endParaRPr lang="en-US"/>
+          </a:p>
+        </p:txBody>
+      </p:sp>
+      <p:sp>
+        <p:nvSpPr>
+          <p:cNvPr id="20" name="Isosceles Triangle 19">
+            <a:extLst>
+              <a:ext uri="{FF2B5EF4-FFF2-40B4-BE49-F238E27FC236}">
+                <a16:creationId xmlns:a16="http://schemas.microsoft.com/office/drawing/2014/main" id="{3512E083-F550-46AF-8490-767ECFD00CB7}"/>
+              </a:ext>
+              <a:ext uri="{C183D7F6-B498-43B3-948B-1728B52AA6E4}">
+                <adec:decorative xmlns:adec="http://schemas.microsoft.com/office/drawing/2017/decorative" val="1"/>
+              </a:ext>
+            </a:extLst>
+          </p:cNvPr>
+          <p:cNvSpPr>
+            <a:spLocks noGrp="1" noRot="1" noChangeAspect="1" noMove="1" noResize="1" noEditPoints="1" noAdjustHandles="1" noChangeArrowheads="1" noChangeShapeType="1" noTextEdit="1"/>
+          </p:cNvSpPr>
+          <p:nvPr>
+            <p:extLst>
+              <p:ext uri="{386F3935-93C4-4BCD-93E2-E3B085C9AB24}">
+                <p16:designElem xmlns:p16="http://schemas.microsoft.com/office/powerpoint/2015/main" val="1"/>
+              </p:ext>
+            </p:extLst>
+          </p:nvPr>
+        </p:nvSpPr>
+        <p:spPr>
+          <a:xfrm>
+            <a:off x="9167297" y="6453143"/>
+            <a:ext cx="814903" cy="404857"/>
+          </a:xfrm>
+          <a:prstGeom prst="triangle">
+            <a:avLst/>
+          </a:prstGeom>
+          <a:solidFill>
+            <a:schemeClr val="accent1">
+              <a:alpha val="30000"/>
+            </a:schemeClr>
+          </a:solidFill>
+          <a:ln>
+            <a:noFill/>
+          </a:ln>
+        </p:spPr>
+        <p:style>
+          <a:lnRef idx="2">
+            <a:schemeClr val="accent1">
+              <a:shade val="50000"/>
+            </a:schemeClr>
+          </a:lnRef>
+          <a:fillRef idx="1">
+            <a:schemeClr val="accent1"/>
+          </a:fillRef>
+          <a:effectRef idx="0">
+            <a:schemeClr val="accent1"/>
+          </a:effectRef>
+          <a:fontRef idx="minor">
+            <a:schemeClr val="lt1"/>
+          </a:fontRef>
+        </p:style>
+        <p:txBody>
+          <a:bodyPr wrap="square" rtlCol="0" anchor="ctr">
+            <a:noAutofit/>
+          </a:bodyPr>
+          <a:lstStyle/>
+          <a:p>
+            <a:pPr algn="ctr"/>
+            <a:endParaRPr lang="en-US"/>
           </a:p>
         </p:txBody>
       </p:sp>
@@ -3650,6 +9270,3181 @@
     <p:extLst>
       <p:ext uri="{BB962C8B-B14F-4D97-AF65-F5344CB8AC3E}">
         <p14:creationId xmlns:p14="http://schemas.microsoft.com/office/powerpoint/2010/main" val="3696238663"/>
+      </p:ext>
+    </p:extLst>
+  </p:cSld>
+  <p:clrMapOvr>
+    <a:masterClrMapping/>
+  </p:clrMapOvr>
+</p:sld>
+</file>
+
+<file path=ppt/slides/slide17.xml><?xml version="1.0" encoding="utf-8"?>
+<p:sld xmlns:a="http://schemas.openxmlformats.org/drawingml/2006/main" xmlns:r="http://schemas.openxmlformats.org/officeDocument/2006/relationships" xmlns:p="http://schemas.openxmlformats.org/presentationml/2006/main">
+  <p:cSld>
+    <p:bg>
+      <p:bgPr>
+        <a:solidFill>
+          <a:schemeClr val="bg1"/>
+        </a:solidFill>
+        <a:effectLst/>
+      </p:bgPr>
+    </p:bg>
+    <p:spTree>
+      <p:nvGrpSpPr>
+        <p:cNvPr id="1" name=""/>
+        <p:cNvGrpSpPr/>
+        <p:nvPr/>
+      </p:nvGrpSpPr>
+      <p:grpSpPr>
+        <a:xfrm>
+          <a:off x="0" y="0"/>
+          <a:ext cx="0" cy="0"/>
+          <a:chOff x="0" y="0"/>
+          <a:chExt cx="0" cy="0"/>
+        </a:xfrm>
+      </p:grpSpPr>
+      <p:sp>
+        <p:nvSpPr>
+          <p:cNvPr id="8" name="Rectangle 7">
+            <a:extLst>
+              <a:ext uri="{FF2B5EF4-FFF2-40B4-BE49-F238E27FC236}">
+                <a16:creationId xmlns:a16="http://schemas.microsoft.com/office/drawing/2014/main" id="{46D6306C-ED4F-4AAE-B4A5-EEA6AFAD726E}"/>
+              </a:ext>
+              <a:ext uri="{C183D7F6-B498-43B3-948B-1728B52AA6E4}">
+                <adec:decorative xmlns:adec="http://schemas.microsoft.com/office/drawing/2017/decorative" val="1"/>
+              </a:ext>
+            </a:extLst>
+          </p:cNvPr>
+          <p:cNvSpPr>
+            <a:spLocks noGrp="1" noRot="1" noChangeAspect="1" noMove="1" noResize="1" noEditPoints="1" noAdjustHandles="1" noChangeArrowheads="1" noChangeShapeType="1" noTextEdit="1"/>
+          </p:cNvSpPr>
+          <p:nvPr>
+            <p:extLst>
+              <p:ext uri="{386F3935-93C4-4BCD-93E2-E3B085C9AB24}">
+                <p16:designElem xmlns:p16="http://schemas.microsoft.com/office/powerpoint/2015/main" val="1"/>
+              </p:ext>
+            </p:extLst>
+          </p:nvPr>
+        </p:nvSpPr>
+        <p:spPr>
+          <a:xfrm>
+            <a:off x="0" y="0"/>
+            <a:ext cx="12192000" cy="6858000"/>
+          </a:xfrm>
+          <a:prstGeom prst="rect">
+            <a:avLst/>
+          </a:prstGeom>
+          <a:solidFill>
+            <a:schemeClr val="bg1"/>
+          </a:solidFill>
+          <a:ln>
+            <a:noFill/>
+          </a:ln>
+        </p:spPr>
+        <p:style>
+          <a:lnRef idx="2">
+            <a:schemeClr val="accent1">
+              <a:shade val="50000"/>
+            </a:schemeClr>
+          </a:lnRef>
+          <a:fillRef idx="1">
+            <a:schemeClr val="accent1"/>
+          </a:fillRef>
+          <a:effectRef idx="0">
+            <a:schemeClr val="accent1"/>
+          </a:effectRef>
+          <a:fontRef idx="minor">
+            <a:schemeClr val="lt1"/>
+          </a:fontRef>
+        </p:style>
+        <p:txBody>
+          <a:bodyPr rtlCol="0" anchor="ctr"/>
+          <a:lstStyle/>
+          <a:p>
+            <a:pPr algn="ctr"/>
+            <a:endParaRPr lang="en-US" dirty="0"/>
+          </a:p>
+        </p:txBody>
+      </p:sp>
+      <p:sp>
+        <p:nvSpPr>
+          <p:cNvPr id="2" name="Rubrik 1">
+            <a:extLst>
+              <a:ext uri="{FF2B5EF4-FFF2-40B4-BE49-F238E27FC236}">
+                <a16:creationId xmlns:a16="http://schemas.microsoft.com/office/drawing/2014/main" id="{120343E6-8381-4BF7-8772-7B5B3AEB1778}"/>
+              </a:ext>
+            </a:extLst>
+          </p:cNvPr>
+          <p:cNvSpPr>
+            <a:spLocks noGrp="1"/>
+          </p:cNvSpPr>
+          <p:nvPr>
+            <p:ph type="title"/>
+          </p:nvPr>
+        </p:nvSpPr>
+        <p:spPr>
+          <a:xfrm>
+            <a:off x="643467" y="1698171"/>
+            <a:ext cx="3962061" cy="4516360"/>
+          </a:xfrm>
+        </p:spPr>
+        <p:txBody>
+          <a:bodyPr anchor="t">
+            <a:normAutofit/>
+          </a:bodyPr>
+          <a:lstStyle/>
+          <a:p>
+            <a:r>
+              <a:rPr lang="sv-SE" sz="3600"/>
+              <a:t>Höjdpunkter med arbetet</a:t>
+            </a:r>
+          </a:p>
+        </p:txBody>
+      </p:sp>
+      <p:sp>
+        <p:nvSpPr>
+          <p:cNvPr id="10" name="Rectangle 9">
+            <a:extLst>
+              <a:ext uri="{FF2B5EF4-FFF2-40B4-BE49-F238E27FC236}">
+                <a16:creationId xmlns:a16="http://schemas.microsoft.com/office/drawing/2014/main" id="{0EC5361D-F897-4856-B945-0455A365EB24}"/>
+              </a:ext>
+              <a:ext uri="{C183D7F6-B498-43B3-948B-1728B52AA6E4}">
+                <adec:decorative xmlns:adec="http://schemas.microsoft.com/office/drawing/2017/decorative" val="1"/>
+              </a:ext>
+            </a:extLst>
+          </p:cNvPr>
+          <p:cNvSpPr>
+            <a:spLocks noGrp="1" noRot="1" noChangeAspect="1" noMove="1" noResize="1" noEditPoints="1" noAdjustHandles="1" noChangeArrowheads="1" noChangeShapeType="1" noTextEdit="1"/>
+          </p:cNvSpPr>
+          <p:nvPr>
+            <p:extLst>
+              <p:ext uri="{386F3935-93C4-4BCD-93E2-E3B085C9AB24}">
+                <p16:designElem xmlns:p16="http://schemas.microsoft.com/office/powerpoint/2015/main" val="1"/>
+              </p:ext>
+            </p:extLst>
+          </p:nvPr>
+        </p:nvSpPr>
+        <p:spPr>
+          <a:xfrm rot="2700000">
+            <a:off x="415435" y="655140"/>
+            <a:ext cx="687472" cy="687472"/>
+          </a:xfrm>
+          <a:prstGeom prst="rect">
+            <a:avLst/>
+          </a:prstGeom>
+          <a:solidFill>
+            <a:schemeClr val="accent4">
+              <a:alpha val="30000"/>
+            </a:schemeClr>
+          </a:solidFill>
+          <a:ln>
+            <a:noFill/>
+          </a:ln>
+        </p:spPr>
+        <p:style>
+          <a:lnRef idx="2">
+            <a:schemeClr val="accent1">
+              <a:shade val="50000"/>
+            </a:schemeClr>
+          </a:lnRef>
+          <a:fillRef idx="1">
+            <a:schemeClr val="accent1"/>
+          </a:fillRef>
+          <a:effectRef idx="0">
+            <a:schemeClr val="accent1"/>
+          </a:effectRef>
+          <a:fontRef idx="minor">
+            <a:schemeClr val="lt1"/>
+          </a:fontRef>
+        </p:style>
+        <p:txBody>
+          <a:bodyPr rtlCol="0" anchor="ctr"/>
+          <a:lstStyle/>
+          <a:p>
+            <a:pPr algn="ctr"/>
+            <a:endParaRPr lang="en-US"/>
+          </a:p>
+        </p:txBody>
+      </p:sp>
+      <p:sp>
+        <p:nvSpPr>
+          <p:cNvPr id="12" name="Freeform: Shape 11">
+            <a:extLst>
+              <a:ext uri="{FF2B5EF4-FFF2-40B4-BE49-F238E27FC236}">
+                <a16:creationId xmlns:a16="http://schemas.microsoft.com/office/drawing/2014/main" id="{4508C0C5-2268-42B5-B3C8-4D0899E05F8C}"/>
+              </a:ext>
+              <a:ext uri="{C183D7F6-B498-43B3-948B-1728B52AA6E4}">
+                <adec:decorative xmlns:adec="http://schemas.microsoft.com/office/drawing/2017/decorative" val="1"/>
+              </a:ext>
+            </a:extLst>
+          </p:cNvPr>
+          <p:cNvSpPr>
+            <a:spLocks noGrp="1" noRot="1" noChangeAspect="1" noMove="1" noResize="1" noEditPoints="1" noAdjustHandles="1" noChangeArrowheads="1" noChangeShapeType="1" noTextEdit="1"/>
+          </p:cNvSpPr>
+          <p:nvPr>
+            <p:extLst>
+              <p:ext uri="{386F3935-93C4-4BCD-93E2-E3B085C9AB24}">
+                <p16:designElem xmlns:p16="http://schemas.microsoft.com/office/powerpoint/2015/main" val="1"/>
+              </p:ext>
+            </p:extLst>
+          </p:nvPr>
+        </p:nvSpPr>
+        <p:spPr>
+          <a:xfrm rot="10800000">
+            <a:off x="0" y="0"/>
+            <a:ext cx="2835357" cy="1480837"/>
+          </a:xfrm>
+          <a:custGeom>
+            <a:avLst/>
+            <a:gdLst>
+              <a:gd name="connsiteX0" fmla="*/ 2835357 w 2835357"/>
+              <a:gd name="connsiteY0" fmla="*/ 1480837 h 1480837"/>
+              <a:gd name="connsiteX1" fmla="*/ 0 w 2835357"/>
+              <a:gd name="connsiteY1" fmla="*/ 1480837 h 1480837"/>
+              <a:gd name="connsiteX2" fmla="*/ 1552727 w 2835357"/>
+              <a:gd name="connsiteY2" fmla="*/ 0 h 1480837"/>
+              <a:gd name="connsiteX3" fmla="*/ 2835357 w 2835357"/>
+              <a:gd name="connsiteY3" fmla="*/ 1223245 h 1480837"/>
+            </a:gdLst>
+            <a:ahLst/>
+            <a:cxnLst>
+              <a:cxn ang="0">
+                <a:pos x="connsiteX0" y="connsiteY0"/>
+              </a:cxn>
+              <a:cxn ang="0">
+                <a:pos x="connsiteX1" y="connsiteY1"/>
+              </a:cxn>
+              <a:cxn ang="0">
+                <a:pos x="connsiteX2" y="connsiteY2"/>
+              </a:cxn>
+              <a:cxn ang="0">
+                <a:pos x="connsiteX3" y="connsiteY3"/>
+              </a:cxn>
+            </a:cxnLst>
+            <a:rect l="l" t="t" r="r" b="b"/>
+            <a:pathLst>
+              <a:path w="2835357" h="1480837">
+                <a:moveTo>
+                  <a:pt x="2835357" y="1480837"/>
+                </a:moveTo>
+                <a:lnTo>
+                  <a:pt x="0" y="1480837"/>
+                </a:lnTo>
+                <a:lnTo>
+                  <a:pt x="1552727" y="0"/>
+                </a:lnTo>
+                <a:lnTo>
+                  <a:pt x="2835357" y="1223245"/>
+                </a:lnTo>
+                <a:close/>
+              </a:path>
+            </a:pathLst>
+          </a:custGeom>
+          <a:solidFill>
+            <a:schemeClr val="accent4">
+              <a:alpha val="30000"/>
+            </a:schemeClr>
+          </a:solidFill>
+          <a:ln>
+            <a:noFill/>
+          </a:ln>
+        </p:spPr>
+        <p:style>
+          <a:lnRef idx="2">
+            <a:schemeClr val="accent1">
+              <a:shade val="50000"/>
+            </a:schemeClr>
+          </a:lnRef>
+          <a:fillRef idx="1">
+            <a:schemeClr val="accent1"/>
+          </a:fillRef>
+          <a:effectRef idx="0">
+            <a:schemeClr val="accent1"/>
+          </a:effectRef>
+          <a:fontRef idx="minor">
+            <a:schemeClr val="lt1"/>
+          </a:fontRef>
+        </p:style>
+        <p:txBody>
+          <a:bodyPr wrap="square" rtlCol="0" anchor="ctr">
+            <a:noAutofit/>
+          </a:bodyPr>
+          <a:lstStyle/>
+          <a:p>
+            <a:pPr algn="ctr"/>
+            <a:endParaRPr lang="en-US" dirty="0"/>
+          </a:p>
+        </p:txBody>
+      </p:sp>
+      <p:sp>
+        <p:nvSpPr>
+          <p:cNvPr id="14" name="Freeform: Shape 13">
+            <a:extLst>
+              <a:ext uri="{FF2B5EF4-FFF2-40B4-BE49-F238E27FC236}">
+                <a16:creationId xmlns:a16="http://schemas.microsoft.com/office/drawing/2014/main" id="{141ACBDB-38F8-4B34-8183-BD95B4E55A62}"/>
+              </a:ext>
+              <a:ext uri="{C183D7F6-B498-43B3-948B-1728B52AA6E4}">
+                <adec:decorative xmlns:adec="http://schemas.microsoft.com/office/drawing/2017/decorative" val="1"/>
+              </a:ext>
+            </a:extLst>
+          </p:cNvPr>
+          <p:cNvSpPr>
+            <a:spLocks noGrp="1" noRot="1" noChangeAspect="1" noMove="1" noResize="1" noEditPoints="1" noAdjustHandles="1" noChangeArrowheads="1" noChangeShapeType="1" noTextEdit="1"/>
+          </p:cNvSpPr>
+          <p:nvPr>
+            <p:extLst>
+              <p:ext uri="{386F3935-93C4-4BCD-93E2-E3B085C9AB24}">
+                <p16:designElem xmlns:p16="http://schemas.microsoft.com/office/powerpoint/2015/main" val="1"/>
+              </p:ext>
+            </p:extLst>
+          </p:nvPr>
+        </p:nvSpPr>
+        <p:spPr>
+          <a:xfrm rot="2700000">
+            <a:off x="10739327" y="-253670"/>
+            <a:ext cx="1827638" cy="1376989"/>
+          </a:xfrm>
+          <a:custGeom>
+            <a:avLst/>
+            <a:gdLst>
+              <a:gd name="connsiteX0" fmla="*/ 0 w 1827638"/>
+              <a:gd name="connsiteY0" fmla="*/ 987379 h 1376989"/>
+              <a:gd name="connsiteX1" fmla="*/ 987379 w 1827638"/>
+              <a:gd name="connsiteY1" fmla="*/ 0 h 1376989"/>
+              <a:gd name="connsiteX2" fmla="*/ 1827638 w 1827638"/>
+              <a:gd name="connsiteY2" fmla="*/ 840260 h 1376989"/>
+              <a:gd name="connsiteX3" fmla="*/ 1827638 w 1827638"/>
+              <a:gd name="connsiteY3" fmla="*/ 1376989 h 1376989"/>
+              <a:gd name="connsiteX4" fmla="*/ 0 w 1827638"/>
+              <a:gd name="connsiteY4" fmla="*/ 1376989 h 1376989"/>
+            </a:gdLst>
+            <a:ahLst/>
+            <a:cxnLst>
+              <a:cxn ang="0">
+                <a:pos x="connsiteX0" y="connsiteY0"/>
+              </a:cxn>
+              <a:cxn ang="0">
+                <a:pos x="connsiteX1" y="connsiteY1"/>
+              </a:cxn>
+              <a:cxn ang="0">
+                <a:pos x="connsiteX2" y="connsiteY2"/>
+              </a:cxn>
+              <a:cxn ang="0">
+                <a:pos x="connsiteX3" y="connsiteY3"/>
+              </a:cxn>
+              <a:cxn ang="0">
+                <a:pos x="connsiteX4" y="connsiteY4"/>
+              </a:cxn>
+            </a:cxnLst>
+            <a:rect l="l" t="t" r="r" b="b"/>
+            <a:pathLst>
+              <a:path w="1827638" h="1376989">
+                <a:moveTo>
+                  <a:pt x="0" y="987379"/>
+                </a:moveTo>
+                <a:lnTo>
+                  <a:pt x="987379" y="0"/>
+                </a:lnTo>
+                <a:lnTo>
+                  <a:pt x="1827638" y="840260"/>
+                </a:lnTo>
+                <a:lnTo>
+                  <a:pt x="1827638" y="1376989"/>
+                </a:lnTo>
+                <a:lnTo>
+                  <a:pt x="0" y="1376989"/>
+                </a:lnTo>
+                <a:close/>
+              </a:path>
+            </a:pathLst>
+          </a:custGeom>
+          <a:solidFill>
+            <a:schemeClr val="accent1">
+              <a:alpha val="30000"/>
+            </a:schemeClr>
+          </a:solidFill>
+          <a:ln>
+            <a:noFill/>
+          </a:ln>
+        </p:spPr>
+        <p:style>
+          <a:lnRef idx="2">
+            <a:schemeClr val="accent1">
+              <a:shade val="50000"/>
+            </a:schemeClr>
+          </a:lnRef>
+          <a:fillRef idx="1">
+            <a:schemeClr val="accent1"/>
+          </a:fillRef>
+          <a:effectRef idx="0">
+            <a:schemeClr val="accent1"/>
+          </a:effectRef>
+          <a:fontRef idx="minor">
+            <a:schemeClr val="lt1"/>
+          </a:fontRef>
+        </p:style>
+        <p:txBody>
+          <a:bodyPr wrap="square" rtlCol="0" anchor="ctr">
+            <a:noAutofit/>
+          </a:bodyPr>
+          <a:lstStyle/>
+          <a:p>
+            <a:pPr algn="ctr"/>
+            <a:endParaRPr lang="en-US" dirty="0"/>
+          </a:p>
+        </p:txBody>
+      </p:sp>
+      <p:sp>
+        <p:nvSpPr>
+          <p:cNvPr id="16" name="Rectangle 15">
+            <a:extLst>
+              <a:ext uri="{FF2B5EF4-FFF2-40B4-BE49-F238E27FC236}">
+                <a16:creationId xmlns:a16="http://schemas.microsoft.com/office/drawing/2014/main" id="{DE00DB52-3455-4E2F-867B-A6D0516E175B}"/>
+              </a:ext>
+              <a:ext uri="{C183D7F6-B498-43B3-948B-1728B52AA6E4}">
+                <adec:decorative xmlns:adec="http://schemas.microsoft.com/office/drawing/2017/decorative" val="1"/>
+              </a:ext>
+            </a:extLst>
+          </p:cNvPr>
+          <p:cNvSpPr>
+            <a:spLocks noGrp="1" noRot="1" noChangeAspect="1" noMove="1" noResize="1" noEditPoints="1" noAdjustHandles="1" noChangeArrowheads="1" noChangeShapeType="1" noTextEdit="1"/>
+          </p:cNvSpPr>
+          <p:nvPr>
+            <p:extLst>
+              <p:ext uri="{386F3935-93C4-4BCD-93E2-E3B085C9AB24}">
+                <p16:designElem xmlns:p16="http://schemas.microsoft.com/office/powerpoint/2015/main" val="1"/>
+              </p:ext>
+            </p:extLst>
+          </p:nvPr>
+        </p:nvSpPr>
+        <p:spPr>
+          <a:xfrm rot="2700000">
+            <a:off x="10653800" y="422146"/>
+            <a:ext cx="645368" cy="645368"/>
+          </a:xfrm>
+          <a:prstGeom prst="rect">
+            <a:avLst/>
+          </a:prstGeom>
+          <a:solidFill>
+            <a:schemeClr val="accent1">
+              <a:alpha val="30000"/>
+            </a:schemeClr>
+          </a:solidFill>
+          <a:ln>
+            <a:noFill/>
+          </a:ln>
+        </p:spPr>
+        <p:style>
+          <a:lnRef idx="2">
+            <a:schemeClr val="accent1">
+              <a:shade val="50000"/>
+            </a:schemeClr>
+          </a:lnRef>
+          <a:fillRef idx="1">
+            <a:schemeClr val="accent1"/>
+          </a:fillRef>
+          <a:effectRef idx="0">
+            <a:schemeClr val="accent1"/>
+          </a:effectRef>
+          <a:fontRef idx="minor">
+            <a:schemeClr val="lt1"/>
+          </a:fontRef>
+        </p:style>
+        <p:txBody>
+          <a:bodyPr wrap="square" rtlCol="0" anchor="ctr">
+            <a:noAutofit/>
+          </a:bodyPr>
+          <a:lstStyle/>
+          <a:p>
+            <a:pPr algn="ctr"/>
+            <a:endParaRPr lang="en-US"/>
+          </a:p>
+        </p:txBody>
+      </p:sp>
+      <p:sp>
+        <p:nvSpPr>
+          <p:cNvPr id="3" name="Platshållare för innehåll 2">
+            <a:extLst>
+              <a:ext uri="{FF2B5EF4-FFF2-40B4-BE49-F238E27FC236}">
+                <a16:creationId xmlns:a16="http://schemas.microsoft.com/office/drawing/2014/main" id="{39F24F6C-C0FD-4148-A080-0E9FCA59BCDA}"/>
+              </a:ext>
+            </a:extLst>
+          </p:cNvPr>
+          <p:cNvSpPr>
+            <a:spLocks noGrp="1"/>
+          </p:cNvSpPr>
+          <p:nvPr>
+            <p:ph idx="1"/>
+          </p:nvPr>
+        </p:nvSpPr>
+        <p:spPr>
+          <a:xfrm>
+            <a:off x="5070020" y="1698170"/>
+            <a:ext cx="6478513" cy="4516361"/>
+          </a:xfrm>
+        </p:spPr>
+        <p:txBody>
+          <a:bodyPr>
+            <a:normAutofit/>
+          </a:bodyPr>
+          <a:lstStyle/>
+          <a:p>
+            <a:r>
+              <a:rPr lang="sv-SE" sz="2000"/>
+              <a:t>”Läs mer” funktionen</a:t>
+            </a:r>
+          </a:p>
+          <a:p>
+            <a:r>
+              <a:rPr lang="sv-SE" sz="2000"/>
+              <a:t>Overflow funktionen</a:t>
+            </a:r>
+          </a:p>
+        </p:txBody>
+      </p:sp>
+      <p:sp>
+        <p:nvSpPr>
+          <p:cNvPr id="18" name="Isosceles Triangle 17">
+            <a:extLst>
+              <a:ext uri="{FF2B5EF4-FFF2-40B4-BE49-F238E27FC236}">
+                <a16:creationId xmlns:a16="http://schemas.microsoft.com/office/drawing/2014/main" id="{9E914C83-E0D8-4953-92D5-169D28CB43AE}"/>
+              </a:ext>
+              <a:ext uri="{C183D7F6-B498-43B3-948B-1728B52AA6E4}">
+                <adec:decorative xmlns:adec="http://schemas.microsoft.com/office/drawing/2017/decorative" val="1"/>
+              </a:ext>
+            </a:extLst>
+          </p:cNvPr>
+          <p:cNvSpPr>
+            <a:spLocks noGrp="1" noRot="1" noChangeAspect="1" noMove="1" noResize="1" noEditPoints="1" noAdjustHandles="1" noChangeArrowheads="1" noChangeShapeType="1" noTextEdit="1"/>
+          </p:cNvSpPr>
+          <p:nvPr>
+            <p:extLst>
+              <p:ext uri="{386F3935-93C4-4BCD-93E2-E3B085C9AB24}">
+                <p16:designElem xmlns:p16="http://schemas.microsoft.com/office/powerpoint/2015/main" val="1"/>
+              </p:ext>
+            </p:extLst>
+          </p:nvPr>
+        </p:nvSpPr>
+        <p:spPr>
+          <a:xfrm>
+            <a:off x="8115423" y="6115501"/>
+            <a:ext cx="1494513" cy="742499"/>
+          </a:xfrm>
+          <a:prstGeom prst="triangle">
+            <a:avLst/>
+          </a:prstGeom>
+          <a:solidFill>
+            <a:schemeClr val="accent1">
+              <a:alpha val="30000"/>
+            </a:schemeClr>
+          </a:solidFill>
+          <a:ln>
+            <a:noFill/>
+          </a:ln>
+        </p:spPr>
+        <p:style>
+          <a:lnRef idx="2">
+            <a:schemeClr val="accent1">
+              <a:shade val="50000"/>
+            </a:schemeClr>
+          </a:lnRef>
+          <a:fillRef idx="1">
+            <a:schemeClr val="accent1"/>
+          </a:fillRef>
+          <a:effectRef idx="0">
+            <a:schemeClr val="accent1"/>
+          </a:effectRef>
+          <a:fontRef idx="minor">
+            <a:schemeClr val="lt1"/>
+          </a:fontRef>
+        </p:style>
+        <p:txBody>
+          <a:bodyPr wrap="square" rtlCol="0" anchor="ctr">
+            <a:noAutofit/>
+          </a:bodyPr>
+          <a:lstStyle/>
+          <a:p>
+            <a:pPr algn="ctr"/>
+            <a:endParaRPr lang="en-US"/>
+          </a:p>
+        </p:txBody>
+      </p:sp>
+      <p:sp>
+        <p:nvSpPr>
+          <p:cNvPr id="20" name="Isosceles Triangle 19">
+            <a:extLst>
+              <a:ext uri="{FF2B5EF4-FFF2-40B4-BE49-F238E27FC236}">
+                <a16:creationId xmlns:a16="http://schemas.microsoft.com/office/drawing/2014/main" id="{3512E083-F550-46AF-8490-767ECFD00CB7}"/>
+              </a:ext>
+              <a:ext uri="{C183D7F6-B498-43B3-948B-1728B52AA6E4}">
+                <adec:decorative xmlns:adec="http://schemas.microsoft.com/office/drawing/2017/decorative" val="1"/>
+              </a:ext>
+            </a:extLst>
+          </p:cNvPr>
+          <p:cNvSpPr>
+            <a:spLocks noGrp="1" noRot="1" noChangeAspect="1" noMove="1" noResize="1" noEditPoints="1" noAdjustHandles="1" noChangeArrowheads="1" noChangeShapeType="1" noTextEdit="1"/>
+          </p:cNvSpPr>
+          <p:nvPr>
+            <p:extLst>
+              <p:ext uri="{386F3935-93C4-4BCD-93E2-E3B085C9AB24}">
+                <p16:designElem xmlns:p16="http://schemas.microsoft.com/office/powerpoint/2015/main" val="1"/>
+              </p:ext>
+            </p:extLst>
+          </p:nvPr>
+        </p:nvSpPr>
+        <p:spPr>
+          <a:xfrm>
+            <a:off x="9167297" y="6453143"/>
+            <a:ext cx="814903" cy="404857"/>
+          </a:xfrm>
+          <a:prstGeom prst="triangle">
+            <a:avLst/>
+          </a:prstGeom>
+          <a:solidFill>
+            <a:schemeClr val="accent1">
+              <a:alpha val="30000"/>
+            </a:schemeClr>
+          </a:solidFill>
+          <a:ln>
+            <a:noFill/>
+          </a:ln>
+        </p:spPr>
+        <p:style>
+          <a:lnRef idx="2">
+            <a:schemeClr val="accent1">
+              <a:shade val="50000"/>
+            </a:schemeClr>
+          </a:lnRef>
+          <a:fillRef idx="1">
+            <a:schemeClr val="accent1"/>
+          </a:fillRef>
+          <a:effectRef idx="0">
+            <a:schemeClr val="accent1"/>
+          </a:effectRef>
+          <a:fontRef idx="minor">
+            <a:schemeClr val="lt1"/>
+          </a:fontRef>
+        </p:style>
+        <p:txBody>
+          <a:bodyPr wrap="square" rtlCol="0" anchor="ctr">
+            <a:noAutofit/>
+          </a:bodyPr>
+          <a:lstStyle/>
+          <a:p>
+            <a:pPr algn="ctr"/>
+            <a:endParaRPr lang="en-US"/>
+          </a:p>
+        </p:txBody>
+      </p:sp>
+    </p:spTree>
+    <p:extLst>
+      <p:ext uri="{BB962C8B-B14F-4D97-AF65-F5344CB8AC3E}">
+        <p14:creationId xmlns:p14="http://schemas.microsoft.com/office/powerpoint/2010/main" val="1744220135"/>
+      </p:ext>
+    </p:extLst>
+  </p:cSld>
+  <p:clrMapOvr>
+    <a:masterClrMapping/>
+  </p:clrMapOvr>
+</p:sld>
+</file>
+
+<file path=ppt/slides/slide18.xml><?xml version="1.0" encoding="utf-8"?>
+<p:sld xmlns:a="http://schemas.openxmlformats.org/drawingml/2006/main" xmlns:r="http://schemas.openxmlformats.org/officeDocument/2006/relationships" xmlns:p="http://schemas.openxmlformats.org/presentationml/2006/main">
+  <p:cSld>
+    <p:bg>
+      <p:bgPr>
+        <a:solidFill>
+          <a:schemeClr val="bg1"/>
+        </a:solidFill>
+        <a:effectLst/>
+      </p:bgPr>
+    </p:bg>
+    <p:spTree>
+      <p:nvGrpSpPr>
+        <p:cNvPr id="1" name=""/>
+        <p:cNvGrpSpPr/>
+        <p:nvPr/>
+      </p:nvGrpSpPr>
+      <p:grpSpPr>
+        <a:xfrm>
+          <a:off x="0" y="0"/>
+          <a:ext cx="0" cy="0"/>
+          <a:chOff x="0" y="0"/>
+          <a:chExt cx="0" cy="0"/>
+        </a:xfrm>
+      </p:grpSpPr>
+      <p:sp>
+        <p:nvSpPr>
+          <p:cNvPr id="8" name="Rectangle 7">
+            <a:extLst>
+              <a:ext uri="{FF2B5EF4-FFF2-40B4-BE49-F238E27FC236}">
+                <a16:creationId xmlns:a16="http://schemas.microsoft.com/office/drawing/2014/main" id="{46D6306C-ED4F-4AAE-B4A5-EEA6AFAD726E}"/>
+              </a:ext>
+              <a:ext uri="{C183D7F6-B498-43B3-948B-1728B52AA6E4}">
+                <adec:decorative xmlns:adec="http://schemas.microsoft.com/office/drawing/2017/decorative" val="1"/>
+              </a:ext>
+            </a:extLst>
+          </p:cNvPr>
+          <p:cNvSpPr>
+            <a:spLocks noGrp="1" noRot="1" noChangeAspect="1" noMove="1" noResize="1" noEditPoints="1" noAdjustHandles="1" noChangeArrowheads="1" noChangeShapeType="1" noTextEdit="1"/>
+          </p:cNvSpPr>
+          <p:nvPr>
+            <p:extLst>
+              <p:ext uri="{386F3935-93C4-4BCD-93E2-E3B085C9AB24}">
+                <p16:designElem xmlns:p16="http://schemas.microsoft.com/office/powerpoint/2015/main" val="1"/>
+              </p:ext>
+            </p:extLst>
+          </p:nvPr>
+        </p:nvSpPr>
+        <p:spPr>
+          <a:xfrm>
+            <a:off x="0" y="0"/>
+            <a:ext cx="12192000" cy="6858000"/>
+          </a:xfrm>
+          <a:prstGeom prst="rect">
+            <a:avLst/>
+          </a:prstGeom>
+          <a:solidFill>
+            <a:schemeClr val="bg1"/>
+          </a:solidFill>
+          <a:ln>
+            <a:noFill/>
+          </a:ln>
+        </p:spPr>
+        <p:style>
+          <a:lnRef idx="2">
+            <a:schemeClr val="accent1">
+              <a:shade val="50000"/>
+            </a:schemeClr>
+          </a:lnRef>
+          <a:fillRef idx="1">
+            <a:schemeClr val="accent1"/>
+          </a:fillRef>
+          <a:effectRef idx="0">
+            <a:schemeClr val="accent1"/>
+          </a:effectRef>
+          <a:fontRef idx="minor">
+            <a:schemeClr val="lt1"/>
+          </a:fontRef>
+        </p:style>
+        <p:txBody>
+          <a:bodyPr rtlCol="0" anchor="ctr"/>
+          <a:lstStyle/>
+          <a:p>
+            <a:pPr algn="ctr"/>
+            <a:endParaRPr lang="en-US" dirty="0"/>
+          </a:p>
+        </p:txBody>
+      </p:sp>
+      <p:sp>
+        <p:nvSpPr>
+          <p:cNvPr id="2" name="Rubrik 1">
+            <a:extLst>
+              <a:ext uri="{FF2B5EF4-FFF2-40B4-BE49-F238E27FC236}">
+                <a16:creationId xmlns:a16="http://schemas.microsoft.com/office/drawing/2014/main" id="{B4838749-2F4F-4124-8EA6-3D51AAF9EBCC}"/>
+              </a:ext>
+            </a:extLst>
+          </p:cNvPr>
+          <p:cNvSpPr>
+            <a:spLocks noGrp="1"/>
+          </p:cNvSpPr>
+          <p:nvPr>
+            <p:ph type="title"/>
+          </p:nvPr>
+        </p:nvSpPr>
+        <p:spPr>
+          <a:xfrm>
+            <a:off x="643467" y="1698171"/>
+            <a:ext cx="3962061" cy="4516360"/>
+          </a:xfrm>
+        </p:spPr>
+        <p:txBody>
+          <a:bodyPr anchor="t">
+            <a:normAutofit/>
+          </a:bodyPr>
+          <a:lstStyle/>
+          <a:p>
+            <a:r>
+              <a:rPr lang="sv-SE" sz="3600"/>
+              <a:t>Problem med mitt arbete</a:t>
+            </a:r>
+          </a:p>
+        </p:txBody>
+      </p:sp>
+      <p:sp>
+        <p:nvSpPr>
+          <p:cNvPr id="10" name="Rectangle 9">
+            <a:extLst>
+              <a:ext uri="{FF2B5EF4-FFF2-40B4-BE49-F238E27FC236}">
+                <a16:creationId xmlns:a16="http://schemas.microsoft.com/office/drawing/2014/main" id="{0EC5361D-F897-4856-B945-0455A365EB24}"/>
+              </a:ext>
+              <a:ext uri="{C183D7F6-B498-43B3-948B-1728B52AA6E4}">
+                <adec:decorative xmlns:adec="http://schemas.microsoft.com/office/drawing/2017/decorative" val="1"/>
+              </a:ext>
+            </a:extLst>
+          </p:cNvPr>
+          <p:cNvSpPr>
+            <a:spLocks noGrp="1" noRot="1" noChangeAspect="1" noMove="1" noResize="1" noEditPoints="1" noAdjustHandles="1" noChangeArrowheads="1" noChangeShapeType="1" noTextEdit="1"/>
+          </p:cNvSpPr>
+          <p:nvPr>
+            <p:extLst>
+              <p:ext uri="{386F3935-93C4-4BCD-93E2-E3B085C9AB24}">
+                <p16:designElem xmlns:p16="http://schemas.microsoft.com/office/powerpoint/2015/main" val="1"/>
+              </p:ext>
+            </p:extLst>
+          </p:nvPr>
+        </p:nvSpPr>
+        <p:spPr>
+          <a:xfrm rot="2700000">
+            <a:off x="415435" y="655140"/>
+            <a:ext cx="687472" cy="687472"/>
+          </a:xfrm>
+          <a:prstGeom prst="rect">
+            <a:avLst/>
+          </a:prstGeom>
+          <a:solidFill>
+            <a:schemeClr val="accent4">
+              <a:alpha val="30000"/>
+            </a:schemeClr>
+          </a:solidFill>
+          <a:ln>
+            <a:noFill/>
+          </a:ln>
+        </p:spPr>
+        <p:style>
+          <a:lnRef idx="2">
+            <a:schemeClr val="accent1">
+              <a:shade val="50000"/>
+            </a:schemeClr>
+          </a:lnRef>
+          <a:fillRef idx="1">
+            <a:schemeClr val="accent1"/>
+          </a:fillRef>
+          <a:effectRef idx="0">
+            <a:schemeClr val="accent1"/>
+          </a:effectRef>
+          <a:fontRef idx="minor">
+            <a:schemeClr val="lt1"/>
+          </a:fontRef>
+        </p:style>
+        <p:txBody>
+          <a:bodyPr rtlCol="0" anchor="ctr"/>
+          <a:lstStyle/>
+          <a:p>
+            <a:pPr algn="ctr"/>
+            <a:endParaRPr lang="en-US"/>
+          </a:p>
+        </p:txBody>
+      </p:sp>
+      <p:sp>
+        <p:nvSpPr>
+          <p:cNvPr id="12" name="Freeform: Shape 11">
+            <a:extLst>
+              <a:ext uri="{FF2B5EF4-FFF2-40B4-BE49-F238E27FC236}">
+                <a16:creationId xmlns:a16="http://schemas.microsoft.com/office/drawing/2014/main" id="{4508C0C5-2268-42B5-B3C8-4D0899E05F8C}"/>
+              </a:ext>
+              <a:ext uri="{C183D7F6-B498-43B3-948B-1728B52AA6E4}">
+                <adec:decorative xmlns:adec="http://schemas.microsoft.com/office/drawing/2017/decorative" val="1"/>
+              </a:ext>
+            </a:extLst>
+          </p:cNvPr>
+          <p:cNvSpPr>
+            <a:spLocks noGrp="1" noRot="1" noChangeAspect="1" noMove="1" noResize="1" noEditPoints="1" noAdjustHandles="1" noChangeArrowheads="1" noChangeShapeType="1" noTextEdit="1"/>
+          </p:cNvSpPr>
+          <p:nvPr>
+            <p:extLst>
+              <p:ext uri="{386F3935-93C4-4BCD-93E2-E3B085C9AB24}">
+                <p16:designElem xmlns:p16="http://schemas.microsoft.com/office/powerpoint/2015/main" val="1"/>
+              </p:ext>
+            </p:extLst>
+          </p:nvPr>
+        </p:nvSpPr>
+        <p:spPr>
+          <a:xfrm rot="10800000">
+            <a:off x="0" y="0"/>
+            <a:ext cx="2835357" cy="1480837"/>
+          </a:xfrm>
+          <a:custGeom>
+            <a:avLst/>
+            <a:gdLst>
+              <a:gd name="connsiteX0" fmla="*/ 2835357 w 2835357"/>
+              <a:gd name="connsiteY0" fmla="*/ 1480837 h 1480837"/>
+              <a:gd name="connsiteX1" fmla="*/ 0 w 2835357"/>
+              <a:gd name="connsiteY1" fmla="*/ 1480837 h 1480837"/>
+              <a:gd name="connsiteX2" fmla="*/ 1552727 w 2835357"/>
+              <a:gd name="connsiteY2" fmla="*/ 0 h 1480837"/>
+              <a:gd name="connsiteX3" fmla="*/ 2835357 w 2835357"/>
+              <a:gd name="connsiteY3" fmla="*/ 1223245 h 1480837"/>
+            </a:gdLst>
+            <a:ahLst/>
+            <a:cxnLst>
+              <a:cxn ang="0">
+                <a:pos x="connsiteX0" y="connsiteY0"/>
+              </a:cxn>
+              <a:cxn ang="0">
+                <a:pos x="connsiteX1" y="connsiteY1"/>
+              </a:cxn>
+              <a:cxn ang="0">
+                <a:pos x="connsiteX2" y="connsiteY2"/>
+              </a:cxn>
+              <a:cxn ang="0">
+                <a:pos x="connsiteX3" y="connsiteY3"/>
+              </a:cxn>
+            </a:cxnLst>
+            <a:rect l="l" t="t" r="r" b="b"/>
+            <a:pathLst>
+              <a:path w="2835357" h="1480837">
+                <a:moveTo>
+                  <a:pt x="2835357" y="1480837"/>
+                </a:moveTo>
+                <a:lnTo>
+                  <a:pt x="0" y="1480837"/>
+                </a:lnTo>
+                <a:lnTo>
+                  <a:pt x="1552727" y="0"/>
+                </a:lnTo>
+                <a:lnTo>
+                  <a:pt x="2835357" y="1223245"/>
+                </a:lnTo>
+                <a:close/>
+              </a:path>
+            </a:pathLst>
+          </a:custGeom>
+          <a:solidFill>
+            <a:schemeClr val="accent4">
+              <a:alpha val="30000"/>
+            </a:schemeClr>
+          </a:solidFill>
+          <a:ln>
+            <a:noFill/>
+          </a:ln>
+        </p:spPr>
+        <p:style>
+          <a:lnRef idx="2">
+            <a:schemeClr val="accent1">
+              <a:shade val="50000"/>
+            </a:schemeClr>
+          </a:lnRef>
+          <a:fillRef idx="1">
+            <a:schemeClr val="accent1"/>
+          </a:fillRef>
+          <a:effectRef idx="0">
+            <a:schemeClr val="accent1"/>
+          </a:effectRef>
+          <a:fontRef idx="minor">
+            <a:schemeClr val="lt1"/>
+          </a:fontRef>
+        </p:style>
+        <p:txBody>
+          <a:bodyPr wrap="square" rtlCol="0" anchor="ctr">
+            <a:noAutofit/>
+          </a:bodyPr>
+          <a:lstStyle/>
+          <a:p>
+            <a:pPr algn="ctr"/>
+            <a:endParaRPr lang="en-US" dirty="0"/>
+          </a:p>
+        </p:txBody>
+      </p:sp>
+      <p:sp>
+        <p:nvSpPr>
+          <p:cNvPr id="14" name="Freeform: Shape 13">
+            <a:extLst>
+              <a:ext uri="{FF2B5EF4-FFF2-40B4-BE49-F238E27FC236}">
+                <a16:creationId xmlns:a16="http://schemas.microsoft.com/office/drawing/2014/main" id="{141ACBDB-38F8-4B34-8183-BD95B4E55A62}"/>
+              </a:ext>
+              <a:ext uri="{C183D7F6-B498-43B3-948B-1728B52AA6E4}">
+                <adec:decorative xmlns:adec="http://schemas.microsoft.com/office/drawing/2017/decorative" val="1"/>
+              </a:ext>
+            </a:extLst>
+          </p:cNvPr>
+          <p:cNvSpPr>
+            <a:spLocks noGrp="1" noRot="1" noChangeAspect="1" noMove="1" noResize="1" noEditPoints="1" noAdjustHandles="1" noChangeArrowheads="1" noChangeShapeType="1" noTextEdit="1"/>
+          </p:cNvSpPr>
+          <p:nvPr>
+            <p:extLst>
+              <p:ext uri="{386F3935-93C4-4BCD-93E2-E3B085C9AB24}">
+                <p16:designElem xmlns:p16="http://schemas.microsoft.com/office/powerpoint/2015/main" val="1"/>
+              </p:ext>
+            </p:extLst>
+          </p:nvPr>
+        </p:nvSpPr>
+        <p:spPr>
+          <a:xfrm rot="2700000">
+            <a:off x="10739327" y="-253670"/>
+            <a:ext cx="1827638" cy="1376989"/>
+          </a:xfrm>
+          <a:custGeom>
+            <a:avLst/>
+            <a:gdLst>
+              <a:gd name="connsiteX0" fmla="*/ 0 w 1827638"/>
+              <a:gd name="connsiteY0" fmla="*/ 987379 h 1376989"/>
+              <a:gd name="connsiteX1" fmla="*/ 987379 w 1827638"/>
+              <a:gd name="connsiteY1" fmla="*/ 0 h 1376989"/>
+              <a:gd name="connsiteX2" fmla="*/ 1827638 w 1827638"/>
+              <a:gd name="connsiteY2" fmla="*/ 840260 h 1376989"/>
+              <a:gd name="connsiteX3" fmla="*/ 1827638 w 1827638"/>
+              <a:gd name="connsiteY3" fmla="*/ 1376989 h 1376989"/>
+              <a:gd name="connsiteX4" fmla="*/ 0 w 1827638"/>
+              <a:gd name="connsiteY4" fmla="*/ 1376989 h 1376989"/>
+            </a:gdLst>
+            <a:ahLst/>
+            <a:cxnLst>
+              <a:cxn ang="0">
+                <a:pos x="connsiteX0" y="connsiteY0"/>
+              </a:cxn>
+              <a:cxn ang="0">
+                <a:pos x="connsiteX1" y="connsiteY1"/>
+              </a:cxn>
+              <a:cxn ang="0">
+                <a:pos x="connsiteX2" y="connsiteY2"/>
+              </a:cxn>
+              <a:cxn ang="0">
+                <a:pos x="connsiteX3" y="connsiteY3"/>
+              </a:cxn>
+              <a:cxn ang="0">
+                <a:pos x="connsiteX4" y="connsiteY4"/>
+              </a:cxn>
+            </a:cxnLst>
+            <a:rect l="l" t="t" r="r" b="b"/>
+            <a:pathLst>
+              <a:path w="1827638" h="1376989">
+                <a:moveTo>
+                  <a:pt x="0" y="987379"/>
+                </a:moveTo>
+                <a:lnTo>
+                  <a:pt x="987379" y="0"/>
+                </a:lnTo>
+                <a:lnTo>
+                  <a:pt x="1827638" y="840260"/>
+                </a:lnTo>
+                <a:lnTo>
+                  <a:pt x="1827638" y="1376989"/>
+                </a:lnTo>
+                <a:lnTo>
+                  <a:pt x="0" y="1376989"/>
+                </a:lnTo>
+                <a:close/>
+              </a:path>
+            </a:pathLst>
+          </a:custGeom>
+          <a:solidFill>
+            <a:schemeClr val="accent1">
+              <a:alpha val="30000"/>
+            </a:schemeClr>
+          </a:solidFill>
+          <a:ln>
+            <a:noFill/>
+          </a:ln>
+        </p:spPr>
+        <p:style>
+          <a:lnRef idx="2">
+            <a:schemeClr val="accent1">
+              <a:shade val="50000"/>
+            </a:schemeClr>
+          </a:lnRef>
+          <a:fillRef idx="1">
+            <a:schemeClr val="accent1"/>
+          </a:fillRef>
+          <a:effectRef idx="0">
+            <a:schemeClr val="accent1"/>
+          </a:effectRef>
+          <a:fontRef idx="minor">
+            <a:schemeClr val="lt1"/>
+          </a:fontRef>
+        </p:style>
+        <p:txBody>
+          <a:bodyPr wrap="square" rtlCol="0" anchor="ctr">
+            <a:noAutofit/>
+          </a:bodyPr>
+          <a:lstStyle/>
+          <a:p>
+            <a:pPr algn="ctr"/>
+            <a:endParaRPr lang="en-US" dirty="0"/>
+          </a:p>
+        </p:txBody>
+      </p:sp>
+      <p:sp>
+        <p:nvSpPr>
+          <p:cNvPr id="16" name="Rectangle 15">
+            <a:extLst>
+              <a:ext uri="{FF2B5EF4-FFF2-40B4-BE49-F238E27FC236}">
+                <a16:creationId xmlns:a16="http://schemas.microsoft.com/office/drawing/2014/main" id="{DE00DB52-3455-4E2F-867B-A6D0516E175B}"/>
+              </a:ext>
+              <a:ext uri="{C183D7F6-B498-43B3-948B-1728B52AA6E4}">
+                <adec:decorative xmlns:adec="http://schemas.microsoft.com/office/drawing/2017/decorative" val="1"/>
+              </a:ext>
+            </a:extLst>
+          </p:cNvPr>
+          <p:cNvSpPr>
+            <a:spLocks noGrp="1" noRot="1" noChangeAspect="1" noMove="1" noResize="1" noEditPoints="1" noAdjustHandles="1" noChangeArrowheads="1" noChangeShapeType="1" noTextEdit="1"/>
+          </p:cNvSpPr>
+          <p:nvPr>
+            <p:extLst>
+              <p:ext uri="{386F3935-93C4-4BCD-93E2-E3B085C9AB24}">
+                <p16:designElem xmlns:p16="http://schemas.microsoft.com/office/powerpoint/2015/main" val="1"/>
+              </p:ext>
+            </p:extLst>
+          </p:nvPr>
+        </p:nvSpPr>
+        <p:spPr>
+          <a:xfrm rot="2700000">
+            <a:off x="10653800" y="422146"/>
+            <a:ext cx="645368" cy="645368"/>
+          </a:xfrm>
+          <a:prstGeom prst="rect">
+            <a:avLst/>
+          </a:prstGeom>
+          <a:solidFill>
+            <a:schemeClr val="accent1">
+              <a:alpha val="30000"/>
+            </a:schemeClr>
+          </a:solidFill>
+          <a:ln>
+            <a:noFill/>
+          </a:ln>
+        </p:spPr>
+        <p:style>
+          <a:lnRef idx="2">
+            <a:schemeClr val="accent1">
+              <a:shade val="50000"/>
+            </a:schemeClr>
+          </a:lnRef>
+          <a:fillRef idx="1">
+            <a:schemeClr val="accent1"/>
+          </a:fillRef>
+          <a:effectRef idx="0">
+            <a:schemeClr val="accent1"/>
+          </a:effectRef>
+          <a:fontRef idx="minor">
+            <a:schemeClr val="lt1"/>
+          </a:fontRef>
+        </p:style>
+        <p:txBody>
+          <a:bodyPr wrap="square" rtlCol="0" anchor="ctr">
+            <a:noAutofit/>
+          </a:bodyPr>
+          <a:lstStyle/>
+          <a:p>
+            <a:pPr algn="ctr"/>
+            <a:endParaRPr lang="en-US"/>
+          </a:p>
+        </p:txBody>
+      </p:sp>
+      <p:sp>
+        <p:nvSpPr>
+          <p:cNvPr id="3" name="Platshållare för innehåll 2">
+            <a:extLst>
+              <a:ext uri="{FF2B5EF4-FFF2-40B4-BE49-F238E27FC236}">
+                <a16:creationId xmlns:a16="http://schemas.microsoft.com/office/drawing/2014/main" id="{8C057498-BCCF-4DE7-88A3-1DEC4B70666C}"/>
+              </a:ext>
+            </a:extLst>
+          </p:cNvPr>
+          <p:cNvSpPr>
+            <a:spLocks noGrp="1"/>
+          </p:cNvSpPr>
+          <p:nvPr>
+            <p:ph idx="1"/>
+          </p:nvPr>
+        </p:nvSpPr>
+        <p:spPr>
+          <a:xfrm>
+            <a:off x="5070020" y="1698170"/>
+            <a:ext cx="6478513" cy="4516361"/>
+          </a:xfrm>
+        </p:spPr>
+        <p:txBody>
+          <a:bodyPr>
+            <a:normAutofit/>
+          </a:bodyPr>
+          <a:lstStyle/>
+          <a:p>
+            <a:r>
+              <a:rPr lang="sv-SE" sz="2000"/>
+              <a:t>Färgschemat- för enkelt</a:t>
+            </a:r>
+          </a:p>
+          <a:p>
+            <a:r>
+              <a:rPr lang="sv-SE" sz="2000"/>
+              <a:t>Relativt responsive</a:t>
+            </a:r>
+          </a:p>
+          <a:p>
+            <a:r>
+              <a:rPr lang="sv-SE" sz="2000"/>
+              <a:t>Tråkigt </a:t>
+            </a:r>
+          </a:p>
+          <a:p>
+            <a:r>
+              <a:rPr lang="sv-SE" sz="2000"/>
+              <a:t>Kontakt funktion kan utvecklas</a:t>
+            </a:r>
+          </a:p>
+          <a:p>
+            <a:r>
+              <a:rPr lang="sv-SE" sz="2000"/>
+              <a:t>Köp funktionen kan utvecklas</a:t>
+            </a:r>
+          </a:p>
+          <a:p>
+            <a:endParaRPr lang="sv-SE" sz="2000"/>
+          </a:p>
+          <a:p>
+            <a:endParaRPr lang="sv-SE" sz="2000"/>
+          </a:p>
+        </p:txBody>
+      </p:sp>
+      <p:sp>
+        <p:nvSpPr>
+          <p:cNvPr id="18" name="Isosceles Triangle 17">
+            <a:extLst>
+              <a:ext uri="{FF2B5EF4-FFF2-40B4-BE49-F238E27FC236}">
+                <a16:creationId xmlns:a16="http://schemas.microsoft.com/office/drawing/2014/main" id="{9E914C83-E0D8-4953-92D5-169D28CB43AE}"/>
+              </a:ext>
+              <a:ext uri="{C183D7F6-B498-43B3-948B-1728B52AA6E4}">
+                <adec:decorative xmlns:adec="http://schemas.microsoft.com/office/drawing/2017/decorative" val="1"/>
+              </a:ext>
+            </a:extLst>
+          </p:cNvPr>
+          <p:cNvSpPr>
+            <a:spLocks noGrp="1" noRot="1" noChangeAspect="1" noMove="1" noResize="1" noEditPoints="1" noAdjustHandles="1" noChangeArrowheads="1" noChangeShapeType="1" noTextEdit="1"/>
+          </p:cNvSpPr>
+          <p:nvPr>
+            <p:extLst>
+              <p:ext uri="{386F3935-93C4-4BCD-93E2-E3B085C9AB24}">
+                <p16:designElem xmlns:p16="http://schemas.microsoft.com/office/powerpoint/2015/main" val="1"/>
+              </p:ext>
+            </p:extLst>
+          </p:nvPr>
+        </p:nvSpPr>
+        <p:spPr>
+          <a:xfrm>
+            <a:off x="8115423" y="6115501"/>
+            <a:ext cx="1494513" cy="742499"/>
+          </a:xfrm>
+          <a:prstGeom prst="triangle">
+            <a:avLst/>
+          </a:prstGeom>
+          <a:solidFill>
+            <a:schemeClr val="accent1">
+              <a:alpha val="30000"/>
+            </a:schemeClr>
+          </a:solidFill>
+          <a:ln>
+            <a:noFill/>
+          </a:ln>
+        </p:spPr>
+        <p:style>
+          <a:lnRef idx="2">
+            <a:schemeClr val="accent1">
+              <a:shade val="50000"/>
+            </a:schemeClr>
+          </a:lnRef>
+          <a:fillRef idx="1">
+            <a:schemeClr val="accent1"/>
+          </a:fillRef>
+          <a:effectRef idx="0">
+            <a:schemeClr val="accent1"/>
+          </a:effectRef>
+          <a:fontRef idx="minor">
+            <a:schemeClr val="lt1"/>
+          </a:fontRef>
+        </p:style>
+        <p:txBody>
+          <a:bodyPr wrap="square" rtlCol="0" anchor="ctr">
+            <a:noAutofit/>
+          </a:bodyPr>
+          <a:lstStyle/>
+          <a:p>
+            <a:pPr algn="ctr"/>
+            <a:endParaRPr lang="en-US"/>
+          </a:p>
+        </p:txBody>
+      </p:sp>
+      <p:sp>
+        <p:nvSpPr>
+          <p:cNvPr id="20" name="Isosceles Triangle 19">
+            <a:extLst>
+              <a:ext uri="{FF2B5EF4-FFF2-40B4-BE49-F238E27FC236}">
+                <a16:creationId xmlns:a16="http://schemas.microsoft.com/office/drawing/2014/main" id="{3512E083-F550-46AF-8490-767ECFD00CB7}"/>
+              </a:ext>
+              <a:ext uri="{C183D7F6-B498-43B3-948B-1728B52AA6E4}">
+                <adec:decorative xmlns:adec="http://schemas.microsoft.com/office/drawing/2017/decorative" val="1"/>
+              </a:ext>
+            </a:extLst>
+          </p:cNvPr>
+          <p:cNvSpPr>
+            <a:spLocks noGrp="1" noRot="1" noChangeAspect="1" noMove="1" noResize="1" noEditPoints="1" noAdjustHandles="1" noChangeArrowheads="1" noChangeShapeType="1" noTextEdit="1"/>
+          </p:cNvSpPr>
+          <p:nvPr>
+            <p:extLst>
+              <p:ext uri="{386F3935-93C4-4BCD-93E2-E3B085C9AB24}">
+                <p16:designElem xmlns:p16="http://schemas.microsoft.com/office/powerpoint/2015/main" val="1"/>
+              </p:ext>
+            </p:extLst>
+          </p:nvPr>
+        </p:nvSpPr>
+        <p:spPr>
+          <a:xfrm>
+            <a:off x="9167297" y="6453143"/>
+            <a:ext cx="814903" cy="404857"/>
+          </a:xfrm>
+          <a:prstGeom prst="triangle">
+            <a:avLst/>
+          </a:prstGeom>
+          <a:solidFill>
+            <a:schemeClr val="accent1">
+              <a:alpha val="30000"/>
+            </a:schemeClr>
+          </a:solidFill>
+          <a:ln>
+            <a:noFill/>
+          </a:ln>
+        </p:spPr>
+        <p:style>
+          <a:lnRef idx="2">
+            <a:schemeClr val="accent1">
+              <a:shade val="50000"/>
+            </a:schemeClr>
+          </a:lnRef>
+          <a:fillRef idx="1">
+            <a:schemeClr val="accent1"/>
+          </a:fillRef>
+          <a:effectRef idx="0">
+            <a:schemeClr val="accent1"/>
+          </a:effectRef>
+          <a:fontRef idx="minor">
+            <a:schemeClr val="lt1"/>
+          </a:fontRef>
+        </p:style>
+        <p:txBody>
+          <a:bodyPr wrap="square" rtlCol="0" anchor="ctr">
+            <a:noAutofit/>
+          </a:bodyPr>
+          <a:lstStyle/>
+          <a:p>
+            <a:pPr algn="ctr"/>
+            <a:endParaRPr lang="en-US"/>
+          </a:p>
+        </p:txBody>
+      </p:sp>
+    </p:spTree>
+    <p:extLst>
+      <p:ext uri="{BB962C8B-B14F-4D97-AF65-F5344CB8AC3E}">
+        <p14:creationId xmlns:p14="http://schemas.microsoft.com/office/powerpoint/2010/main" val="4278392842"/>
+      </p:ext>
+    </p:extLst>
+  </p:cSld>
+  <p:clrMapOvr>
+    <a:masterClrMapping/>
+  </p:clrMapOvr>
+</p:sld>
+</file>
+
+<file path=ppt/slides/slide2.xml><?xml version="1.0" encoding="utf-8"?>
+<p:sld xmlns:a="http://schemas.openxmlformats.org/drawingml/2006/main" xmlns:r="http://schemas.openxmlformats.org/officeDocument/2006/relationships" xmlns:p="http://schemas.openxmlformats.org/presentationml/2006/main">
+  <p:cSld>
+    <p:bg>
+      <p:bgPr>
+        <a:solidFill>
+          <a:schemeClr val="bg1"/>
+        </a:solidFill>
+        <a:effectLst/>
+      </p:bgPr>
+    </p:bg>
+    <p:spTree>
+      <p:nvGrpSpPr>
+        <p:cNvPr id="1" name=""/>
+        <p:cNvGrpSpPr/>
+        <p:nvPr/>
+      </p:nvGrpSpPr>
+      <p:grpSpPr>
+        <a:xfrm>
+          <a:off x="0" y="0"/>
+          <a:ext cx="0" cy="0"/>
+          <a:chOff x="0" y="0"/>
+          <a:chExt cx="0" cy="0"/>
+        </a:xfrm>
+      </p:grpSpPr>
+      <p:sp>
+        <p:nvSpPr>
+          <p:cNvPr id="4" name="Rectangle 6">
+            <a:extLst>
+              <a:ext uri="{FF2B5EF4-FFF2-40B4-BE49-F238E27FC236}">
+                <a16:creationId xmlns:a16="http://schemas.microsoft.com/office/drawing/2014/main" id="{88294908-8B00-4F58-BBBA-20F71A40AA9E}"/>
+              </a:ext>
+              <a:ext uri="{C183D7F6-B498-43B3-948B-1728B52AA6E4}">
+                <adec:decorative xmlns:adec="http://schemas.microsoft.com/office/drawing/2017/decorative" val="1"/>
+              </a:ext>
+            </a:extLst>
+          </p:cNvPr>
+          <p:cNvSpPr>
+            <a:spLocks noGrp="1" noRot="1" noChangeAspect="1" noMove="1" noResize="1" noEditPoints="1" noAdjustHandles="1" noChangeArrowheads="1" noChangeShapeType="1" noTextEdit="1"/>
+          </p:cNvSpPr>
+          <p:nvPr>
+            <p:extLst>
+              <p:ext uri="{386F3935-93C4-4BCD-93E2-E3B085C9AB24}">
+                <p16:designElem xmlns:p16="http://schemas.microsoft.com/office/powerpoint/2015/main" val="1"/>
+              </p:ext>
+            </p:extLst>
+          </p:nvPr>
+        </p:nvSpPr>
+        <p:spPr>
+          <a:xfrm>
+            <a:off x="0" y="0"/>
+            <a:ext cx="12192000" cy="6858000"/>
+          </a:xfrm>
+          <a:prstGeom prst="rect">
+            <a:avLst/>
+          </a:prstGeom>
+          <a:solidFill>
+            <a:schemeClr val="bg2"/>
+          </a:solidFill>
+          <a:ln>
+            <a:noFill/>
+          </a:ln>
+        </p:spPr>
+        <p:style>
+          <a:lnRef idx="2">
+            <a:schemeClr val="accent1">
+              <a:shade val="50000"/>
+            </a:schemeClr>
+          </a:lnRef>
+          <a:fillRef idx="1">
+            <a:schemeClr val="accent1"/>
+          </a:fillRef>
+          <a:effectRef idx="0">
+            <a:schemeClr val="accent1"/>
+          </a:effectRef>
+          <a:fontRef idx="minor">
+            <a:schemeClr val="lt1"/>
+          </a:fontRef>
+        </p:style>
+        <p:txBody>
+          <a:bodyPr rtlCol="0" anchor="ctr"/>
+          <a:lstStyle/>
+          <a:p>
+            <a:pPr algn="ctr"/>
+            <a:endParaRPr lang="en-US" dirty="0"/>
+          </a:p>
+        </p:txBody>
+      </p:sp>
+      <p:sp>
+        <p:nvSpPr>
+          <p:cNvPr id="5" name="Freeform: Shape 8">
+            <a:extLst>
+              <a:ext uri="{FF2B5EF4-FFF2-40B4-BE49-F238E27FC236}">
+                <a16:creationId xmlns:a16="http://schemas.microsoft.com/office/drawing/2014/main" id="{4364C879-1404-4203-8E9D-CC5DE0A621A2}"/>
+              </a:ext>
+              <a:ext uri="{C183D7F6-B498-43B3-948B-1728B52AA6E4}">
+                <adec:decorative xmlns:adec="http://schemas.microsoft.com/office/drawing/2017/decorative" val="1"/>
+              </a:ext>
+            </a:extLst>
+          </p:cNvPr>
+          <p:cNvSpPr>
+            <a:spLocks noGrp="1" noRot="1" noChangeAspect="1" noMove="1" noResize="1" noEditPoints="1" noAdjustHandles="1" noChangeArrowheads="1" noChangeShapeType="1" noTextEdit="1"/>
+          </p:cNvSpPr>
+          <p:nvPr>
+            <p:extLst>
+              <p:ext uri="{386F3935-93C4-4BCD-93E2-E3B085C9AB24}">
+                <p16:designElem xmlns:p16="http://schemas.microsoft.com/office/powerpoint/2015/main" val="1"/>
+              </p:ext>
+            </p:extLst>
+          </p:nvPr>
+        </p:nvSpPr>
+        <p:spPr>
+          <a:xfrm rot="2700000">
+            <a:off x="82782" y="-1386168"/>
+            <a:ext cx="2424873" cy="3611191"/>
+          </a:xfrm>
+          <a:custGeom>
+            <a:avLst/>
+            <a:gdLst>
+              <a:gd name="connsiteX0" fmla="*/ 0 w 2424873"/>
+              <a:gd name="connsiteY0" fmla="*/ 2424874 h 3611191"/>
+              <a:gd name="connsiteX1" fmla="*/ 2424873 w 2424873"/>
+              <a:gd name="connsiteY1" fmla="*/ 0 h 3611191"/>
+              <a:gd name="connsiteX2" fmla="*/ 2424873 w 2424873"/>
+              <a:gd name="connsiteY2" fmla="*/ 3611191 h 3611191"/>
+              <a:gd name="connsiteX3" fmla="*/ 1186317 w 2424873"/>
+              <a:gd name="connsiteY3" fmla="*/ 3611191 h 3611191"/>
+            </a:gdLst>
+            <a:ahLst/>
+            <a:cxnLst>
+              <a:cxn ang="0">
+                <a:pos x="connsiteX0" y="connsiteY0"/>
+              </a:cxn>
+              <a:cxn ang="0">
+                <a:pos x="connsiteX1" y="connsiteY1"/>
+              </a:cxn>
+              <a:cxn ang="0">
+                <a:pos x="connsiteX2" y="connsiteY2"/>
+              </a:cxn>
+              <a:cxn ang="0">
+                <a:pos x="connsiteX3" y="connsiteY3"/>
+              </a:cxn>
+            </a:cxnLst>
+            <a:rect l="l" t="t" r="r" b="b"/>
+            <a:pathLst>
+              <a:path w="2424873" h="3611191">
+                <a:moveTo>
+                  <a:pt x="0" y="2424874"/>
+                </a:moveTo>
+                <a:lnTo>
+                  <a:pt x="2424873" y="0"/>
+                </a:lnTo>
+                <a:lnTo>
+                  <a:pt x="2424873" y="3611191"/>
+                </a:lnTo>
+                <a:lnTo>
+                  <a:pt x="1186317" y="3611191"/>
+                </a:lnTo>
+                <a:close/>
+              </a:path>
+            </a:pathLst>
+          </a:custGeom>
+          <a:solidFill>
+            <a:schemeClr val="accent4">
+              <a:alpha val="40000"/>
+            </a:schemeClr>
+          </a:solidFill>
+          <a:ln>
+            <a:noFill/>
+          </a:ln>
+        </p:spPr>
+        <p:style>
+          <a:lnRef idx="2">
+            <a:schemeClr val="accent1">
+              <a:shade val="50000"/>
+            </a:schemeClr>
+          </a:lnRef>
+          <a:fillRef idx="1">
+            <a:schemeClr val="accent1"/>
+          </a:fillRef>
+          <a:effectRef idx="0">
+            <a:schemeClr val="accent1"/>
+          </a:effectRef>
+          <a:fontRef idx="minor">
+            <a:schemeClr val="lt1"/>
+          </a:fontRef>
+        </p:style>
+        <p:txBody>
+          <a:bodyPr wrap="square" rtlCol="0" anchor="ctr">
+            <a:noAutofit/>
+          </a:bodyPr>
+          <a:lstStyle/>
+          <a:p>
+            <a:pPr algn="ctr"/>
+            <a:endParaRPr lang="en-US"/>
+          </a:p>
+        </p:txBody>
+      </p:sp>
+      <p:sp>
+        <p:nvSpPr>
+          <p:cNvPr id="6" name="Freeform: Shape 10">
+            <a:extLst>
+              <a:ext uri="{FF2B5EF4-FFF2-40B4-BE49-F238E27FC236}">
+                <a16:creationId xmlns:a16="http://schemas.microsoft.com/office/drawing/2014/main" id="{84617302-4B0D-4351-A6BB-6F0930D943AC}"/>
+              </a:ext>
+              <a:ext uri="{C183D7F6-B498-43B3-948B-1728B52AA6E4}">
+                <adec:decorative xmlns:adec="http://schemas.microsoft.com/office/drawing/2017/decorative" val="1"/>
+              </a:ext>
+            </a:extLst>
+          </p:cNvPr>
+          <p:cNvSpPr>
+            <a:spLocks noGrp="1" noRot="1" noChangeAspect="1" noMove="1" noResize="1" noEditPoints="1" noAdjustHandles="1" noChangeArrowheads="1" noChangeShapeType="1" noTextEdit="1"/>
+          </p:cNvSpPr>
+          <p:nvPr>
+            <p:extLst>
+              <p:ext uri="{386F3935-93C4-4BCD-93E2-E3B085C9AB24}">
+                <p16:designElem xmlns:p16="http://schemas.microsoft.com/office/powerpoint/2015/main" val="1"/>
+              </p:ext>
+            </p:extLst>
+          </p:nvPr>
+        </p:nvSpPr>
+        <p:spPr>
+          <a:xfrm rot="2700000">
+            <a:off x="1571000" y="-338582"/>
+            <a:ext cx="1635955" cy="1635955"/>
+          </a:xfrm>
+          <a:custGeom>
+            <a:avLst/>
+            <a:gdLst>
+              <a:gd name="connsiteX0" fmla="*/ 0 w 1635955"/>
+              <a:gd name="connsiteY0" fmla="*/ 957987 h 1635955"/>
+              <a:gd name="connsiteX1" fmla="*/ 957987 w 1635955"/>
+              <a:gd name="connsiteY1" fmla="*/ 0 h 1635955"/>
+              <a:gd name="connsiteX2" fmla="*/ 1635955 w 1635955"/>
+              <a:gd name="connsiteY2" fmla="*/ 0 h 1635955"/>
+              <a:gd name="connsiteX3" fmla="*/ 1635955 w 1635955"/>
+              <a:gd name="connsiteY3" fmla="*/ 1635955 h 1635955"/>
+              <a:gd name="connsiteX4" fmla="*/ 0 w 1635955"/>
+              <a:gd name="connsiteY4" fmla="*/ 1635955 h 1635955"/>
+            </a:gdLst>
+            <a:ahLst/>
+            <a:cxnLst>
+              <a:cxn ang="0">
+                <a:pos x="connsiteX0" y="connsiteY0"/>
+              </a:cxn>
+              <a:cxn ang="0">
+                <a:pos x="connsiteX1" y="connsiteY1"/>
+              </a:cxn>
+              <a:cxn ang="0">
+                <a:pos x="connsiteX2" y="connsiteY2"/>
+              </a:cxn>
+              <a:cxn ang="0">
+                <a:pos x="connsiteX3" y="connsiteY3"/>
+              </a:cxn>
+              <a:cxn ang="0">
+                <a:pos x="connsiteX4" y="connsiteY4"/>
+              </a:cxn>
+            </a:cxnLst>
+            <a:rect l="l" t="t" r="r" b="b"/>
+            <a:pathLst>
+              <a:path w="1635955" h="1635955">
+                <a:moveTo>
+                  <a:pt x="0" y="957987"/>
+                </a:moveTo>
+                <a:lnTo>
+                  <a:pt x="957987" y="0"/>
+                </a:lnTo>
+                <a:lnTo>
+                  <a:pt x="1635955" y="0"/>
+                </a:lnTo>
+                <a:lnTo>
+                  <a:pt x="1635955" y="1635955"/>
+                </a:lnTo>
+                <a:lnTo>
+                  <a:pt x="0" y="1635955"/>
+                </a:lnTo>
+                <a:close/>
+              </a:path>
+            </a:pathLst>
+          </a:custGeom>
+          <a:solidFill>
+            <a:schemeClr val="accent4">
+              <a:alpha val="40000"/>
+            </a:schemeClr>
+          </a:solidFill>
+          <a:ln>
+            <a:noFill/>
+          </a:ln>
+        </p:spPr>
+        <p:style>
+          <a:lnRef idx="2">
+            <a:schemeClr val="accent1">
+              <a:shade val="50000"/>
+            </a:schemeClr>
+          </a:lnRef>
+          <a:fillRef idx="1">
+            <a:schemeClr val="accent1"/>
+          </a:fillRef>
+          <a:effectRef idx="0">
+            <a:schemeClr val="accent1"/>
+          </a:effectRef>
+          <a:fontRef idx="minor">
+            <a:schemeClr val="lt1"/>
+          </a:fontRef>
+        </p:style>
+        <p:txBody>
+          <a:bodyPr wrap="square" rtlCol="0" anchor="ctr">
+            <a:noAutofit/>
+          </a:bodyPr>
+          <a:lstStyle/>
+          <a:p>
+            <a:pPr algn="ctr"/>
+            <a:endParaRPr lang="en-US"/>
+          </a:p>
+        </p:txBody>
+      </p:sp>
+      <p:sp>
+        <p:nvSpPr>
+          <p:cNvPr id="8" name="Freeform: Shape 12">
+            <a:extLst>
+              <a:ext uri="{FF2B5EF4-FFF2-40B4-BE49-F238E27FC236}">
+                <a16:creationId xmlns:a16="http://schemas.microsoft.com/office/drawing/2014/main" id="{DA2C7802-C2E0-4218-8F89-8DD7CCD2CD1C}"/>
+              </a:ext>
+              <a:ext uri="{C183D7F6-B498-43B3-948B-1728B52AA6E4}">
+                <adec:decorative xmlns:adec="http://schemas.microsoft.com/office/drawing/2017/decorative" val="1"/>
+              </a:ext>
+            </a:extLst>
+          </p:cNvPr>
+          <p:cNvSpPr>
+            <a:spLocks noGrp="1" noRot="1" noChangeAspect="1" noMove="1" noResize="1" noEditPoints="1" noAdjustHandles="1" noChangeArrowheads="1" noChangeShapeType="1" noTextEdit="1"/>
+          </p:cNvSpPr>
+          <p:nvPr>
+            <p:extLst>
+              <p:ext uri="{386F3935-93C4-4BCD-93E2-E3B085C9AB24}">
+                <p16:designElem xmlns:p16="http://schemas.microsoft.com/office/powerpoint/2015/main" val="1"/>
+              </p:ext>
+            </p:extLst>
+          </p:nvPr>
+        </p:nvSpPr>
+        <p:spPr>
+          <a:xfrm rot="2700000">
+            <a:off x="9627985" y="-6588"/>
+            <a:ext cx="4059393" cy="2548110"/>
+          </a:xfrm>
+          <a:custGeom>
+            <a:avLst/>
+            <a:gdLst>
+              <a:gd name="connsiteX0" fmla="*/ 0 w 4059393"/>
+              <a:gd name="connsiteY0" fmla="*/ 1511282 h 2548110"/>
+              <a:gd name="connsiteX1" fmla="*/ 1511282 w 4059393"/>
+              <a:gd name="connsiteY1" fmla="*/ 0 h 2548110"/>
+              <a:gd name="connsiteX2" fmla="*/ 4059393 w 4059393"/>
+              <a:gd name="connsiteY2" fmla="*/ 2548110 h 2548110"/>
+              <a:gd name="connsiteX3" fmla="*/ 0 w 4059393"/>
+              <a:gd name="connsiteY3" fmla="*/ 2548110 h 2548110"/>
+            </a:gdLst>
+            <a:ahLst/>
+            <a:cxnLst>
+              <a:cxn ang="0">
+                <a:pos x="connsiteX0" y="connsiteY0"/>
+              </a:cxn>
+              <a:cxn ang="0">
+                <a:pos x="connsiteX1" y="connsiteY1"/>
+              </a:cxn>
+              <a:cxn ang="0">
+                <a:pos x="connsiteX2" y="connsiteY2"/>
+              </a:cxn>
+              <a:cxn ang="0">
+                <a:pos x="connsiteX3" y="connsiteY3"/>
+              </a:cxn>
+            </a:cxnLst>
+            <a:rect l="l" t="t" r="r" b="b"/>
+            <a:pathLst>
+              <a:path w="4059393" h="2548110">
+                <a:moveTo>
+                  <a:pt x="0" y="1511282"/>
+                </a:moveTo>
+                <a:lnTo>
+                  <a:pt x="1511282" y="0"/>
+                </a:lnTo>
+                <a:lnTo>
+                  <a:pt x="4059393" y="2548110"/>
+                </a:lnTo>
+                <a:lnTo>
+                  <a:pt x="0" y="2548110"/>
+                </a:lnTo>
+                <a:close/>
+              </a:path>
+            </a:pathLst>
+          </a:custGeom>
+          <a:solidFill>
+            <a:schemeClr val="accent1">
+              <a:alpha val="30000"/>
+            </a:schemeClr>
+          </a:solidFill>
+          <a:ln>
+            <a:noFill/>
+          </a:ln>
+        </p:spPr>
+        <p:style>
+          <a:lnRef idx="2">
+            <a:schemeClr val="accent1">
+              <a:shade val="50000"/>
+            </a:schemeClr>
+          </a:lnRef>
+          <a:fillRef idx="1">
+            <a:schemeClr val="accent1"/>
+          </a:fillRef>
+          <a:effectRef idx="0">
+            <a:schemeClr val="accent1"/>
+          </a:effectRef>
+          <a:fontRef idx="minor">
+            <a:schemeClr val="lt1"/>
+          </a:fontRef>
+        </p:style>
+        <p:txBody>
+          <a:bodyPr wrap="square" rtlCol="0" anchor="ctr">
+            <a:noAutofit/>
+          </a:bodyPr>
+          <a:lstStyle/>
+          <a:p>
+            <a:pPr algn="ctr"/>
+            <a:endParaRPr lang="en-US"/>
+          </a:p>
+        </p:txBody>
+      </p:sp>
+      <p:sp>
+        <p:nvSpPr>
+          <p:cNvPr id="10" name="Rectangle 14">
+            <a:extLst>
+              <a:ext uri="{FF2B5EF4-FFF2-40B4-BE49-F238E27FC236}">
+                <a16:creationId xmlns:a16="http://schemas.microsoft.com/office/drawing/2014/main" id="{A6D7111A-21E5-4EE9-8A78-10E5530F0116}"/>
+              </a:ext>
+              <a:ext uri="{C183D7F6-B498-43B3-948B-1728B52AA6E4}">
+                <adec:decorative xmlns:adec="http://schemas.microsoft.com/office/drawing/2017/decorative" val="1"/>
+              </a:ext>
+            </a:extLst>
+          </p:cNvPr>
+          <p:cNvSpPr>
+            <a:spLocks noGrp="1" noRot="1" noChangeAspect="1" noMove="1" noResize="1" noEditPoints="1" noAdjustHandles="1" noChangeArrowheads="1" noChangeShapeType="1" noTextEdit="1"/>
+          </p:cNvSpPr>
+          <p:nvPr>
+            <p:extLst>
+              <p:ext uri="{386F3935-93C4-4BCD-93E2-E3B085C9AB24}">
+                <p16:designElem xmlns:p16="http://schemas.microsoft.com/office/powerpoint/2015/main" val="1"/>
+              </p:ext>
+            </p:extLst>
+          </p:nvPr>
+        </p:nvSpPr>
+        <p:spPr>
+          <a:xfrm rot="2700000">
+            <a:off x="10262924" y="1465780"/>
+            <a:ext cx="1185708" cy="1185708"/>
+          </a:xfrm>
+          <a:prstGeom prst="rect">
+            <a:avLst/>
+          </a:prstGeom>
+          <a:solidFill>
+            <a:schemeClr val="accent1">
+              <a:alpha val="30000"/>
+            </a:schemeClr>
+          </a:solidFill>
+          <a:ln>
+            <a:noFill/>
+          </a:ln>
+        </p:spPr>
+        <p:style>
+          <a:lnRef idx="2">
+            <a:schemeClr val="accent1">
+              <a:shade val="50000"/>
+            </a:schemeClr>
+          </a:lnRef>
+          <a:fillRef idx="1">
+            <a:schemeClr val="accent1"/>
+          </a:fillRef>
+          <a:effectRef idx="0">
+            <a:schemeClr val="accent1"/>
+          </a:effectRef>
+          <a:fontRef idx="minor">
+            <a:schemeClr val="lt1"/>
+          </a:fontRef>
+        </p:style>
+        <p:txBody>
+          <a:bodyPr wrap="square" rtlCol="0" anchor="ctr">
+            <a:noAutofit/>
+          </a:bodyPr>
+          <a:lstStyle/>
+          <a:p>
+            <a:pPr algn="ctr"/>
+            <a:endParaRPr lang="en-US"/>
+          </a:p>
+        </p:txBody>
+      </p:sp>
+      <p:sp>
+        <p:nvSpPr>
+          <p:cNvPr id="12" name="Freeform: Shape 16">
+            <a:extLst>
+              <a:ext uri="{FF2B5EF4-FFF2-40B4-BE49-F238E27FC236}">
+                <a16:creationId xmlns:a16="http://schemas.microsoft.com/office/drawing/2014/main" id="{A3969E80-A77B-49FC-9122-D89AFD5EE118}"/>
+              </a:ext>
+              <a:ext uri="{C183D7F6-B498-43B3-948B-1728B52AA6E4}">
+                <adec:decorative xmlns:adec="http://schemas.microsoft.com/office/drawing/2017/decorative" val="1"/>
+              </a:ext>
+            </a:extLst>
+          </p:cNvPr>
+          <p:cNvSpPr>
+            <a:spLocks noGrp="1" noRot="1" noChangeAspect="1" noMove="1" noResize="1" noEditPoints="1" noAdjustHandles="1" noChangeArrowheads="1" noChangeShapeType="1" noTextEdit="1"/>
+          </p:cNvSpPr>
+          <p:nvPr>
+            <p:extLst>
+              <p:ext uri="{386F3935-93C4-4BCD-93E2-E3B085C9AB24}">
+                <p16:designElem xmlns:p16="http://schemas.microsoft.com/office/powerpoint/2015/main" val="1"/>
+              </p:ext>
+            </p:extLst>
+          </p:nvPr>
+        </p:nvSpPr>
+        <p:spPr>
+          <a:xfrm rot="2700000">
+            <a:off x="-29557" y="5198743"/>
+            <a:ext cx="2444907" cy="2366116"/>
+          </a:xfrm>
+          <a:custGeom>
+            <a:avLst/>
+            <a:gdLst>
+              <a:gd name="connsiteX0" fmla="*/ 0 w 2203753"/>
+              <a:gd name="connsiteY0" fmla="*/ 0 h 2132734"/>
+              <a:gd name="connsiteX1" fmla="*/ 2203753 w 2203753"/>
+              <a:gd name="connsiteY1" fmla="*/ 0 h 2132734"/>
+              <a:gd name="connsiteX2" fmla="*/ 2203753 w 2203753"/>
+              <a:gd name="connsiteY2" fmla="*/ 576461 h 2132734"/>
+              <a:gd name="connsiteX3" fmla="*/ 647480 w 2203753"/>
+              <a:gd name="connsiteY3" fmla="*/ 2132734 h 2132734"/>
+              <a:gd name="connsiteX4" fmla="*/ 0 w 2203753"/>
+              <a:gd name="connsiteY4" fmla="*/ 1485255 h 2132734"/>
+            </a:gdLst>
+            <a:ahLst/>
+            <a:cxnLst>
+              <a:cxn ang="0">
+                <a:pos x="connsiteX0" y="connsiteY0"/>
+              </a:cxn>
+              <a:cxn ang="0">
+                <a:pos x="connsiteX1" y="connsiteY1"/>
+              </a:cxn>
+              <a:cxn ang="0">
+                <a:pos x="connsiteX2" y="connsiteY2"/>
+              </a:cxn>
+              <a:cxn ang="0">
+                <a:pos x="connsiteX3" y="connsiteY3"/>
+              </a:cxn>
+              <a:cxn ang="0">
+                <a:pos x="connsiteX4" y="connsiteY4"/>
+              </a:cxn>
+            </a:cxnLst>
+            <a:rect l="l" t="t" r="r" b="b"/>
+            <a:pathLst>
+              <a:path w="2203753" h="2132734">
+                <a:moveTo>
+                  <a:pt x="0" y="0"/>
+                </a:moveTo>
+                <a:lnTo>
+                  <a:pt x="2203753" y="0"/>
+                </a:lnTo>
+                <a:lnTo>
+                  <a:pt x="2203753" y="576461"/>
+                </a:lnTo>
+                <a:lnTo>
+                  <a:pt x="647480" y="2132734"/>
+                </a:lnTo>
+                <a:lnTo>
+                  <a:pt x="0" y="1485255"/>
+                </a:lnTo>
+                <a:close/>
+              </a:path>
+            </a:pathLst>
+          </a:custGeom>
+          <a:solidFill>
+            <a:schemeClr val="accent1">
+              <a:alpha val="30000"/>
+            </a:schemeClr>
+          </a:solidFill>
+          <a:ln>
+            <a:noFill/>
+          </a:ln>
+        </p:spPr>
+        <p:style>
+          <a:lnRef idx="2">
+            <a:schemeClr val="accent1">
+              <a:shade val="50000"/>
+            </a:schemeClr>
+          </a:lnRef>
+          <a:fillRef idx="1">
+            <a:schemeClr val="accent1"/>
+          </a:fillRef>
+          <a:effectRef idx="0">
+            <a:schemeClr val="accent1"/>
+          </a:effectRef>
+          <a:fontRef idx="minor">
+            <a:schemeClr val="lt1"/>
+          </a:fontRef>
+        </p:style>
+        <p:txBody>
+          <a:bodyPr wrap="square" rtlCol="0" anchor="ctr">
+            <a:noAutofit/>
+          </a:bodyPr>
+          <a:lstStyle/>
+          <a:p>
+            <a:pPr algn="ctr"/>
+            <a:endParaRPr lang="en-US"/>
+          </a:p>
+        </p:txBody>
+      </p:sp>
+      <p:sp>
+        <p:nvSpPr>
+          <p:cNvPr id="14" name="Rectangle 18">
+            <a:extLst>
+              <a:ext uri="{FF2B5EF4-FFF2-40B4-BE49-F238E27FC236}">
+                <a16:creationId xmlns:a16="http://schemas.microsoft.com/office/drawing/2014/main" id="{1849CA57-76BD-4CF2-80BA-D7A46A01B7B1}"/>
+              </a:ext>
+              <a:ext uri="{C183D7F6-B498-43B3-948B-1728B52AA6E4}">
+                <adec:decorative xmlns:adec="http://schemas.microsoft.com/office/drawing/2017/decorative" val="1"/>
+              </a:ext>
+            </a:extLst>
+          </p:cNvPr>
+          <p:cNvSpPr>
+            <a:spLocks noGrp="1" noRot="1" noChangeAspect="1" noMove="1" noResize="1" noEditPoints="1" noAdjustHandles="1" noChangeArrowheads="1" noChangeShapeType="1" noTextEdit="1"/>
+          </p:cNvSpPr>
+          <p:nvPr>
+            <p:extLst>
+              <p:ext uri="{386F3935-93C4-4BCD-93E2-E3B085C9AB24}">
+                <p16:designElem xmlns:p16="http://schemas.microsoft.com/office/powerpoint/2015/main" val="1"/>
+              </p:ext>
+            </p:extLst>
+          </p:nvPr>
+        </p:nvSpPr>
+        <p:spPr>
+          <a:xfrm rot="2700000">
+            <a:off x="1769787" y="5439893"/>
+            <a:ext cx="928467" cy="928467"/>
+          </a:xfrm>
+          <a:prstGeom prst="rect">
+            <a:avLst/>
+          </a:prstGeom>
+          <a:solidFill>
+            <a:schemeClr val="accent1">
+              <a:alpha val="30000"/>
+            </a:schemeClr>
+          </a:solidFill>
+          <a:ln>
+            <a:noFill/>
+          </a:ln>
+        </p:spPr>
+        <p:style>
+          <a:lnRef idx="2">
+            <a:schemeClr val="accent1">
+              <a:shade val="50000"/>
+            </a:schemeClr>
+          </a:lnRef>
+          <a:fillRef idx="1">
+            <a:schemeClr val="accent1"/>
+          </a:fillRef>
+          <a:effectRef idx="0">
+            <a:schemeClr val="accent1"/>
+          </a:effectRef>
+          <a:fontRef idx="minor">
+            <a:schemeClr val="lt1"/>
+          </a:fontRef>
+        </p:style>
+        <p:txBody>
+          <a:bodyPr wrap="square" rtlCol="0" anchor="ctr">
+            <a:noAutofit/>
+          </a:bodyPr>
+          <a:lstStyle/>
+          <a:p>
+            <a:pPr algn="ctr"/>
+            <a:endParaRPr lang="en-US">
+              <a:solidFill>
+                <a:srgbClr val="FFFFFF"/>
+              </a:solidFill>
+              <a:effectLst>
+                <a:outerShdw blurRad="38100" dist="38100" dir="2700000" algn="tl">
+                  <a:srgbClr val="000000">
+                    <a:alpha val="43137"/>
+                  </a:srgbClr>
+                </a:outerShdw>
+              </a:effectLst>
+            </a:endParaRPr>
+          </a:p>
+        </p:txBody>
+      </p:sp>
+      <p:sp>
+        <p:nvSpPr>
+          <p:cNvPr id="16" name="Freeform: Shape 20">
+            <a:extLst>
+              <a:ext uri="{FF2B5EF4-FFF2-40B4-BE49-F238E27FC236}">
+                <a16:creationId xmlns:a16="http://schemas.microsoft.com/office/drawing/2014/main" id="{35E9085E-E730-4768-83D4-6CB7E9897153}"/>
+              </a:ext>
+              <a:ext uri="{C183D7F6-B498-43B3-948B-1728B52AA6E4}">
+                <adec:decorative xmlns:adec="http://schemas.microsoft.com/office/drawing/2017/decorative" val="1"/>
+              </a:ext>
+            </a:extLst>
+          </p:cNvPr>
+          <p:cNvSpPr>
+            <a:spLocks noGrp="1" noRot="1" noChangeAspect="1" noMove="1" noResize="1" noEditPoints="1" noAdjustHandles="1" noChangeArrowheads="1" noChangeShapeType="1" noTextEdit="1"/>
+          </p:cNvSpPr>
+          <p:nvPr>
+            <p:extLst>
+              <p:ext uri="{386F3935-93C4-4BCD-93E2-E3B085C9AB24}">
+                <p16:designElem xmlns:p16="http://schemas.microsoft.com/office/powerpoint/2015/main" val="1"/>
+              </p:ext>
+            </p:extLst>
+          </p:nvPr>
+        </p:nvSpPr>
+        <p:spPr>
+          <a:xfrm rot="2700000">
+            <a:off x="3401311" y="734311"/>
+            <a:ext cx="5389379" cy="5389379"/>
+          </a:xfrm>
+          <a:custGeom>
+            <a:avLst/>
+            <a:gdLst>
+              <a:gd name="connsiteX0" fmla="*/ 0 w 5389379"/>
+              <a:gd name="connsiteY0" fmla="*/ 540040 h 5389379"/>
+              <a:gd name="connsiteX1" fmla="*/ 540040 w 5389379"/>
+              <a:gd name="connsiteY1" fmla="*/ 0 h 5389379"/>
+              <a:gd name="connsiteX2" fmla="*/ 5389379 w 5389379"/>
+              <a:gd name="connsiteY2" fmla="*/ 0 h 5389379"/>
+              <a:gd name="connsiteX3" fmla="*/ 5389379 w 5389379"/>
+              <a:gd name="connsiteY3" fmla="*/ 4838655 h 5389379"/>
+              <a:gd name="connsiteX4" fmla="*/ 4838655 w 5389379"/>
+              <a:gd name="connsiteY4" fmla="*/ 5389379 h 5389379"/>
+              <a:gd name="connsiteX5" fmla="*/ 0 w 5389379"/>
+              <a:gd name="connsiteY5" fmla="*/ 5389379 h 5389379"/>
+            </a:gdLst>
+            <a:ahLst/>
+            <a:cxnLst>
+              <a:cxn ang="0">
+                <a:pos x="connsiteX0" y="connsiteY0"/>
+              </a:cxn>
+              <a:cxn ang="0">
+                <a:pos x="connsiteX1" y="connsiteY1"/>
+              </a:cxn>
+              <a:cxn ang="0">
+                <a:pos x="connsiteX2" y="connsiteY2"/>
+              </a:cxn>
+              <a:cxn ang="0">
+                <a:pos x="connsiteX3" y="connsiteY3"/>
+              </a:cxn>
+              <a:cxn ang="0">
+                <a:pos x="connsiteX4" y="connsiteY4"/>
+              </a:cxn>
+              <a:cxn ang="0">
+                <a:pos x="connsiteX5" y="connsiteY5"/>
+              </a:cxn>
+            </a:cxnLst>
+            <a:rect l="l" t="t" r="r" b="b"/>
+            <a:pathLst>
+              <a:path w="5389379" h="5389379">
+                <a:moveTo>
+                  <a:pt x="0" y="540040"/>
+                </a:moveTo>
+                <a:lnTo>
+                  <a:pt x="540040" y="0"/>
+                </a:lnTo>
+                <a:lnTo>
+                  <a:pt x="5389379" y="0"/>
+                </a:lnTo>
+                <a:lnTo>
+                  <a:pt x="5389379" y="4838655"/>
+                </a:lnTo>
+                <a:lnTo>
+                  <a:pt x="4838655" y="5389379"/>
+                </a:lnTo>
+                <a:lnTo>
+                  <a:pt x="0" y="5389379"/>
+                </a:lnTo>
+                <a:close/>
+              </a:path>
+            </a:pathLst>
+          </a:custGeom>
+          <a:solidFill>
+            <a:srgbClr val="FFFFFF"/>
+          </a:solidFill>
+          <a:ln>
+            <a:noFill/>
+          </a:ln>
+        </p:spPr>
+        <p:style>
+          <a:lnRef idx="2">
+            <a:schemeClr val="accent1">
+              <a:shade val="50000"/>
+            </a:schemeClr>
+          </a:lnRef>
+          <a:fillRef idx="1">
+            <a:schemeClr val="accent1"/>
+          </a:fillRef>
+          <a:effectRef idx="0">
+            <a:schemeClr val="accent1"/>
+          </a:effectRef>
+          <a:fontRef idx="minor">
+            <a:schemeClr val="lt1"/>
+          </a:fontRef>
+        </p:style>
+        <p:txBody>
+          <a:bodyPr wrap="square" rtlCol="0" anchor="ctr">
+            <a:noAutofit/>
+          </a:bodyPr>
+          <a:lstStyle/>
+          <a:p>
+            <a:pPr algn="ctr"/>
+            <a:endParaRPr lang="en-US"/>
+          </a:p>
+        </p:txBody>
+      </p:sp>
+      <p:sp>
+        <p:nvSpPr>
+          <p:cNvPr id="18" name="Freeform: Shape 22">
+            <a:extLst>
+              <a:ext uri="{FF2B5EF4-FFF2-40B4-BE49-F238E27FC236}">
+                <a16:creationId xmlns:a16="http://schemas.microsoft.com/office/drawing/2014/main" id="{973272FE-A474-4CAE-8CA2-BCC8B476C3F4}"/>
+              </a:ext>
+              <a:ext uri="{C183D7F6-B498-43B3-948B-1728B52AA6E4}">
+                <adec:decorative xmlns:adec="http://schemas.microsoft.com/office/drawing/2017/decorative" val="1"/>
+              </a:ext>
+            </a:extLst>
+          </p:cNvPr>
+          <p:cNvSpPr>
+            <a:spLocks noGrp="1" noRot="1" noChangeAspect="1" noMove="1" noResize="1" noEditPoints="1" noAdjustHandles="1" noChangeArrowheads="1" noChangeShapeType="1" noTextEdit="1"/>
+          </p:cNvSpPr>
+          <p:nvPr>
+            <p:extLst>
+              <p:ext uri="{386F3935-93C4-4BCD-93E2-E3B085C9AB24}">
+                <p16:designElem xmlns:p16="http://schemas.microsoft.com/office/powerpoint/2015/main" val="1"/>
+              </p:ext>
+            </p:extLst>
+          </p:nvPr>
+        </p:nvSpPr>
+        <p:spPr>
+          <a:xfrm rot="2700000">
+            <a:off x="2700283" y="33283"/>
+            <a:ext cx="6791435" cy="6791435"/>
+          </a:xfrm>
+          <a:custGeom>
+            <a:avLst/>
+            <a:gdLst>
+              <a:gd name="connsiteX0" fmla="*/ 1860938 w 6791435"/>
+              <a:gd name="connsiteY0" fmla="*/ 81158 h 6791435"/>
+              <a:gd name="connsiteX1" fmla="*/ 1942096 w 6791435"/>
+              <a:gd name="connsiteY1" fmla="*/ 0 h 6791435"/>
+              <a:gd name="connsiteX2" fmla="*/ 6791435 w 6791435"/>
+              <a:gd name="connsiteY2" fmla="*/ 0 h 6791435"/>
+              <a:gd name="connsiteX3" fmla="*/ 6791435 w 6791435"/>
+              <a:gd name="connsiteY3" fmla="*/ 4838655 h 6791435"/>
+              <a:gd name="connsiteX4" fmla="*/ 6710277 w 6791435"/>
+              <a:gd name="connsiteY4" fmla="*/ 4919813 h 6791435"/>
+              <a:gd name="connsiteX5" fmla="*/ 6710277 w 6791435"/>
+              <a:gd name="connsiteY5" fmla="*/ 81158 h 6791435"/>
+              <a:gd name="connsiteX6" fmla="*/ 0 w 6791435"/>
+              <a:gd name="connsiteY6" fmla="*/ 1942096 h 6791435"/>
+              <a:gd name="connsiteX7" fmla="*/ 81158 w 6791435"/>
+              <a:gd name="connsiteY7" fmla="*/ 1860938 h 6791435"/>
+              <a:gd name="connsiteX8" fmla="*/ 81158 w 6791435"/>
+              <a:gd name="connsiteY8" fmla="*/ 6710277 h 6791435"/>
+              <a:gd name="connsiteX9" fmla="*/ 4919813 w 6791435"/>
+              <a:gd name="connsiteY9" fmla="*/ 6710277 h 6791435"/>
+              <a:gd name="connsiteX10" fmla="*/ 4838655 w 6791435"/>
+              <a:gd name="connsiteY10" fmla="*/ 6791435 h 6791435"/>
+              <a:gd name="connsiteX11" fmla="*/ 0 w 6791435"/>
+              <a:gd name="connsiteY11" fmla="*/ 6791435 h 6791435"/>
+            </a:gdLst>
+            <a:ahLst/>
+            <a:cxnLst>
+              <a:cxn ang="0">
+                <a:pos x="connsiteX0" y="connsiteY0"/>
+              </a:cxn>
+              <a:cxn ang="0">
+                <a:pos x="connsiteX1" y="connsiteY1"/>
+              </a:cxn>
+              <a:cxn ang="0">
+                <a:pos x="connsiteX2" y="connsiteY2"/>
+              </a:cxn>
+              <a:cxn ang="0">
+                <a:pos x="connsiteX3" y="connsiteY3"/>
+              </a:cxn>
+              <a:cxn ang="0">
+                <a:pos x="connsiteX4" y="connsiteY4"/>
+              </a:cxn>
+              <a:cxn ang="0">
+                <a:pos x="connsiteX5" y="connsiteY5"/>
+              </a:cxn>
+              <a:cxn ang="0">
+                <a:pos x="connsiteX6" y="connsiteY6"/>
+              </a:cxn>
+              <a:cxn ang="0">
+                <a:pos x="connsiteX7" y="connsiteY7"/>
+              </a:cxn>
+              <a:cxn ang="0">
+                <a:pos x="connsiteX8" y="connsiteY8"/>
+              </a:cxn>
+              <a:cxn ang="0">
+                <a:pos x="connsiteX9" y="connsiteY9"/>
+              </a:cxn>
+              <a:cxn ang="0">
+                <a:pos x="connsiteX10" y="connsiteY10"/>
+              </a:cxn>
+              <a:cxn ang="0">
+                <a:pos x="connsiteX11" y="connsiteY11"/>
+              </a:cxn>
+            </a:cxnLst>
+            <a:rect l="l" t="t" r="r" b="b"/>
+            <a:pathLst>
+              <a:path w="6791435" h="6791435">
+                <a:moveTo>
+                  <a:pt x="1860938" y="81158"/>
+                </a:moveTo>
+                <a:lnTo>
+                  <a:pt x="1942096" y="0"/>
+                </a:lnTo>
+                <a:lnTo>
+                  <a:pt x="6791435" y="0"/>
+                </a:lnTo>
+                <a:lnTo>
+                  <a:pt x="6791435" y="4838655"/>
+                </a:lnTo>
+                <a:lnTo>
+                  <a:pt x="6710277" y="4919813"/>
+                </a:lnTo>
+                <a:lnTo>
+                  <a:pt x="6710277" y="81158"/>
+                </a:lnTo>
+                <a:close/>
+                <a:moveTo>
+                  <a:pt x="0" y="1942096"/>
+                </a:moveTo>
+                <a:lnTo>
+                  <a:pt x="81158" y="1860938"/>
+                </a:lnTo>
+                <a:lnTo>
+                  <a:pt x="81158" y="6710277"/>
+                </a:lnTo>
+                <a:lnTo>
+                  <a:pt x="4919813" y="6710277"/>
+                </a:lnTo>
+                <a:lnTo>
+                  <a:pt x="4838655" y="6791435"/>
+                </a:lnTo>
+                <a:lnTo>
+                  <a:pt x="0" y="6791435"/>
+                </a:lnTo>
+                <a:close/>
+              </a:path>
+            </a:pathLst>
+          </a:custGeom>
+          <a:solidFill>
+            <a:srgbClr val="FFFFFF">
+              <a:alpha val="60000"/>
+            </a:srgbClr>
+          </a:solidFill>
+          <a:ln>
+            <a:noFill/>
+          </a:ln>
+        </p:spPr>
+        <p:style>
+          <a:lnRef idx="2">
+            <a:schemeClr val="accent1">
+              <a:shade val="50000"/>
+            </a:schemeClr>
+          </a:lnRef>
+          <a:fillRef idx="1">
+            <a:schemeClr val="accent1"/>
+          </a:fillRef>
+          <a:effectRef idx="0">
+            <a:schemeClr val="accent1"/>
+          </a:effectRef>
+          <a:fontRef idx="minor">
+            <a:schemeClr val="lt1"/>
+          </a:fontRef>
+        </p:style>
+        <p:txBody>
+          <a:bodyPr wrap="square" rtlCol="0" anchor="ctr">
+            <a:noAutofit/>
+          </a:bodyPr>
+          <a:lstStyle/>
+          <a:p>
+            <a:pPr algn="ctr"/>
+            <a:endParaRPr lang="en-US">
+              <a:solidFill>
+                <a:schemeClr val="tx1"/>
+              </a:solidFill>
+            </a:endParaRPr>
+          </a:p>
+        </p:txBody>
+      </p:sp>
+      <p:sp>
+        <p:nvSpPr>
+          <p:cNvPr id="2" name="Rubrik 1">
+            <a:extLst>
+              <a:ext uri="{FF2B5EF4-FFF2-40B4-BE49-F238E27FC236}">
+                <a16:creationId xmlns:a16="http://schemas.microsoft.com/office/drawing/2014/main" id="{2A885AAF-51F9-4C30-AD27-45B0BC31D96E}"/>
+              </a:ext>
+            </a:extLst>
+          </p:cNvPr>
+          <p:cNvSpPr>
+            <a:spLocks noGrp="1"/>
+          </p:cNvSpPr>
+          <p:nvPr>
+            <p:ph type="title"/>
+          </p:nvPr>
+        </p:nvSpPr>
+        <p:spPr>
+          <a:xfrm>
+            <a:off x="3204642" y="2353641"/>
+            <a:ext cx="5782716" cy="2150719"/>
+          </a:xfrm>
+          <a:noFill/>
+        </p:spPr>
+        <p:txBody>
+          <a:bodyPr vert="horz" lIns="91440" tIns="45720" rIns="91440" bIns="45720" rtlCol="0" anchor="ctr">
+            <a:normAutofit/>
+          </a:bodyPr>
+          <a:lstStyle/>
+          <a:p>
+            <a:pPr algn="ctr"/>
+            <a:r>
+              <a:rPr lang="en-US" sz="3600" kern="1200">
+                <a:solidFill>
+                  <a:srgbClr val="080808"/>
+                </a:solidFill>
+                <a:latin typeface="+mj-lt"/>
+                <a:ea typeface="+mj-ea"/>
+                <a:cs typeface="+mj-cs"/>
+              </a:rPr>
+              <a:t>Projektets struktur</a:t>
+            </a:r>
+          </a:p>
+        </p:txBody>
+      </p:sp>
+      <p:sp>
+        <p:nvSpPr>
+          <p:cNvPr id="20" name="Freeform: Shape 24">
+            <a:extLst>
+              <a:ext uri="{FF2B5EF4-FFF2-40B4-BE49-F238E27FC236}">
+                <a16:creationId xmlns:a16="http://schemas.microsoft.com/office/drawing/2014/main" id="{E07981EA-05A6-437C-88D7-B377B92B031D}"/>
+              </a:ext>
+              <a:ext uri="{C183D7F6-B498-43B3-948B-1728B52AA6E4}">
+                <adec:decorative xmlns:adec="http://schemas.microsoft.com/office/drawing/2017/decorative" val="1"/>
+              </a:ext>
+            </a:extLst>
+          </p:cNvPr>
+          <p:cNvSpPr>
+            <a:spLocks noGrp="1" noRot="1" noChangeAspect="1" noMove="1" noResize="1" noEditPoints="1" noAdjustHandles="1" noChangeArrowheads="1" noChangeShapeType="1" noTextEdit="1"/>
+          </p:cNvSpPr>
+          <p:nvPr>
+            <p:extLst>
+              <p:ext uri="{386F3935-93C4-4BCD-93E2-E3B085C9AB24}">
+                <p16:designElem xmlns:p16="http://schemas.microsoft.com/office/powerpoint/2015/main" val="1"/>
+              </p:ext>
+            </p:extLst>
+          </p:nvPr>
+        </p:nvSpPr>
+        <p:spPr>
+          <a:xfrm rot="2700000">
+            <a:off x="9629823" y="5457591"/>
+            <a:ext cx="2231794" cy="2568811"/>
+          </a:xfrm>
+          <a:custGeom>
+            <a:avLst/>
+            <a:gdLst>
+              <a:gd name="connsiteX0" fmla="*/ 0 w 2940086"/>
+              <a:gd name="connsiteY0" fmla="*/ 0 h 3384061"/>
+              <a:gd name="connsiteX1" fmla="*/ 2496112 w 2940086"/>
+              <a:gd name="connsiteY1" fmla="*/ 0 h 3384061"/>
+              <a:gd name="connsiteX2" fmla="*/ 2940086 w 2940086"/>
+              <a:gd name="connsiteY2" fmla="*/ 443975 h 3384061"/>
+              <a:gd name="connsiteX3" fmla="*/ 0 w 2940086"/>
+              <a:gd name="connsiteY3" fmla="*/ 3384061 h 3384061"/>
+            </a:gdLst>
+            <a:ahLst/>
+            <a:cxnLst>
+              <a:cxn ang="0">
+                <a:pos x="connsiteX0" y="connsiteY0"/>
+              </a:cxn>
+              <a:cxn ang="0">
+                <a:pos x="connsiteX1" y="connsiteY1"/>
+              </a:cxn>
+              <a:cxn ang="0">
+                <a:pos x="connsiteX2" y="connsiteY2"/>
+              </a:cxn>
+              <a:cxn ang="0">
+                <a:pos x="connsiteX3" y="connsiteY3"/>
+              </a:cxn>
+            </a:cxnLst>
+            <a:rect l="l" t="t" r="r" b="b"/>
+            <a:pathLst>
+              <a:path w="2940086" h="3384061">
+                <a:moveTo>
+                  <a:pt x="0" y="0"/>
+                </a:moveTo>
+                <a:lnTo>
+                  <a:pt x="2496112" y="0"/>
+                </a:lnTo>
+                <a:lnTo>
+                  <a:pt x="2940086" y="443975"/>
+                </a:lnTo>
+                <a:lnTo>
+                  <a:pt x="0" y="3384061"/>
+                </a:lnTo>
+                <a:close/>
+              </a:path>
+            </a:pathLst>
+          </a:custGeom>
+          <a:solidFill>
+            <a:schemeClr val="accent4">
+              <a:alpha val="40000"/>
+            </a:schemeClr>
+          </a:solidFill>
+          <a:ln>
+            <a:noFill/>
+          </a:ln>
+        </p:spPr>
+        <p:style>
+          <a:lnRef idx="2">
+            <a:schemeClr val="accent1">
+              <a:shade val="50000"/>
+            </a:schemeClr>
+          </a:lnRef>
+          <a:fillRef idx="1">
+            <a:schemeClr val="accent1"/>
+          </a:fillRef>
+          <a:effectRef idx="0">
+            <a:schemeClr val="accent1"/>
+          </a:effectRef>
+          <a:fontRef idx="minor">
+            <a:schemeClr val="lt1"/>
+          </a:fontRef>
+        </p:style>
+        <p:txBody>
+          <a:bodyPr wrap="square" rtlCol="0" anchor="ctr">
+            <a:noAutofit/>
+          </a:bodyPr>
+          <a:lstStyle/>
+          <a:p>
+            <a:pPr algn="ctr"/>
+            <a:endParaRPr lang="en-US"/>
+          </a:p>
+        </p:txBody>
+      </p:sp>
+      <p:sp>
+        <p:nvSpPr>
+          <p:cNvPr id="22" name="Rectangle 26">
+            <a:extLst>
+              <a:ext uri="{FF2B5EF4-FFF2-40B4-BE49-F238E27FC236}">
+                <a16:creationId xmlns:a16="http://schemas.microsoft.com/office/drawing/2014/main" id="{15E3C750-986E-4769-B1AE-49289FBEE757}"/>
+              </a:ext>
+              <a:ext uri="{C183D7F6-B498-43B3-948B-1728B52AA6E4}">
+                <adec:decorative xmlns:adec="http://schemas.microsoft.com/office/drawing/2017/decorative" val="1"/>
+              </a:ext>
+            </a:extLst>
+          </p:cNvPr>
+          <p:cNvSpPr>
+            <a:spLocks noGrp="1" noRot="1" noChangeAspect="1" noMove="1" noResize="1" noEditPoints="1" noAdjustHandles="1" noChangeArrowheads="1" noChangeShapeType="1" noTextEdit="1"/>
+          </p:cNvSpPr>
+          <p:nvPr>
+            <p:extLst>
+              <p:ext uri="{386F3935-93C4-4BCD-93E2-E3B085C9AB24}">
+                <p16:designElem xmlns:p16="http://schemas.microsoft.com/office/powerpoint/2015/main" val="1"/>
+              </p:ext>
+            </p:extLst>
+          </p:nvPr>
+        </p:nvSpPr>
+        <p:spPr>
+          <a:xfrm rot="2700000">
+            <a:off x="9720059" y="5243545"/>
+            <a:ext cx="959985" cy="959985"/>
+          </a:xfrm>
+          <a:prstGeom prst="rect">
+            <a:avLst/>
+          </a:prstGeom>
+          <a:solidFill>
+            <a:schemeClr val="accent4">
+              <a:alpha val="40000"/>
+            </a:schemeClr>
+          </a:solidFill>
+          <a:ln>
+            <a:noFill/>
+          </a:ln>
+        </p:spPr>
+        <p:style>
+          <a:lnRef idx="2">
+            <a:schemeClr val="accent1">
+              <a:shade val="50000"/>
+            </a:schemeClr>
+          </a:lnRef>
+          <a:fillRef idx="1">
+            <a:schemeClr val="accent1"/>
+          </a:fillRef>
+          <a:effectRef idx="0">
+            <a:schemeClr val="accent1"/>
+          </a:effectRef>
+          <a:fontRef idx="minor">
+            <a:schemeClr val="lt1"/>
+          </a:fontRef>
+        </p:style>
+        <p:txBody>
+          <a:bodyPr wrap="square" rtlCol="0" anchor="ctr">
+            <a:noAutofit/>
+          </a:bodyPr>
+          <a:lstStyle/>
+          <a:p>
+            <a:pPr algn="ctr"/>
+            <a:endParaRPr lang="en-US"/>
+          </a:p>
+        </p:txBody>
+      </p:sp>
+    </p:spTree>
+    <p:extLst>
+      <p:ext uri="{BB962C8B-B14F-4D97-AF65-F5344CB8AC3E}">
+        <p14:creationId xmlns:p14="http://schemas.microsoft.com/office/powerpoint/2010/main" val="1361748005"/>
+      </p:ext>
+    </p:extLst>
+  </p:cSld>
+  <p:clrMapOvr>
+    <a:masterClrMapping/>
+  </p:clrMapOvr>
+</p:sld>
+</file>
+
+<file path=ppt/slides/slide3.xml><?xml version="1.0" encoding="utf-8"?>
+<p:sld xmlns:a="http://schemas.openxmlformats.org/drawingml/2006/main" xmlns:r="http://schemas.openxmlformats.org/officeDocument/2006/relationships" xmlns:p="http://schemas.openxmlformats.org/presentationml/2006/main">
+  <p:cSld>
+    <p:bg>
+      <p:bgPr>
+        <a:solidFill>
+          <a:schemeClr val="bg1"/>
+        </a:solidFill>
+        <a:effectLst/>
+      </p:bgPr>
+    </p:bg>
+    <p:spTree>
+      <p:nvGrpSpPr>
+        <p:cNvPr id="1" name=""/>
+        <p:cNvGrpSpPr/>
+        <p:nvPr/>
+      </p:nvGrpSpPr>
+      <p:grpSpPr>
+        <a:xfrm>
+          <a:off x="0" y="0"/>
+          <a:ext cx="0" cy="0"/>
+          <a:chOff x="0" y="0"/>
+          <a:chExt cx="0" cy="0"/>
+        </a:xfrm>
+      </p:grpSpPr>
+      <p:sp>
+        <p:nvSpPr>
+          <p:cNvPr id="2" name="Rubrik 1">
+            <a:extLst>
+              <a:ext uri="{FF2B5EF4-FFF2-40B4-BE49-F238E27FC236}">
+                <a16:creationId xmlns:a16="http://schemas.microsoft.com/office/drawing/2014/main" id="{BC91CF93-C1EB-47C8-AF8A-60F9A4CB38AB}"/>
+              </a:ext>
+            </a:extLst>
+          </p:cNvPr>
+          <p:cNvSpPr>
+            <a:spLocks noGrp="1"/>
+          </p:cNvSpPr>
+          <p:nvPr>
+            <p:ph type="title"/>
+          </p:nvPr>
+        </p:nvSpPr>
+        <p:spPr>
+          <a:xfrm>
+            <a:off x="556532" y="643467"/>
+            <a:ext cx="11210925" cy="744836"/>
+          </a:xfrm>
+        </p:spPr>
+        <p:txBody>
+          <a:bodyPr vert="horz" lIns="91440" tIns="45720" rIns="91440" bIns="45720" rtlCol="0" anchor="ctr">
+            <a:normAutofit/>
+          </a:bodyPr>
+          <a:lstStyle/>
+          <a:p>
+            <a:pPr algn="ctr"/>
+            <a:r>
+              <a:rPr lang="en-US" sz="3200" kern="1200" dirty="0" err="1">
+                <a:latin typeface="+mj-lt"/>
+                <a:ea typeface="+mj-ea"/>
+                <a:cs typeface="+mj-cs"/>
+              </a:rPr>
+              <a:t>Startsida</a:t>
+            </a:r>
+            <a:endParaRPr lang="en-US" sz="3200" kern="1200" dirty="0">
+              <a:solidFill>
+                <a:schemeClr val="bg1"/>
+              </a:solidFill>
+              <a:latin typeface="+mj-lt"/>
+              <a:ea typeface="+mj-ea"/>
+              <a:cs typeface="+mj-cs"/>
+            </a:endParaRPr>
+          </a:p>
+        </p:txBody>
+      </p:sp>
+      <p:pic>
+        <p:nvPicPr>
+          <p:cNvPr id="4" name="Platshållare för innehåll 3">
+            <a:extLst>
+              <a:ext uri="{FF2B5EF4-FFF2-40B4-BE49-F238E27FC236}">
+                <a16:creationId xmlns:a16="http://schemas.microsoft.com/office/drawing/2014/main" id="{9D800DF4-9806-4279-9C70-2AAE0D55A7A1}"/>
+              </a:ext>
+            </a:extLst>
+          </p:cNvPr>
+          <p:cNvPicPr>
+            <a:picLocks noGrp="1" noChangeAspect="1"/>
+          </p:cNvPicPr>
+          <p:nvPr>
+            <p:ph idx="1"/>
+          </p:nvPr>
+        </p:nvPicPr>
+        <p:blipFill rotWithShape="1">
+          <a:blip r:embed="rId2"/>
+          <a:srcRect l="5437" r="4784" b="-1"/>
+          <a:stretch/>
+        </p:blipFill>
+        <p:spPr>
+          <a:xfrm>
+            <a:off x="2190031" y="1675227"/>
+            <a:ext cx="7811938" cy="4394199"/>
+          </a:xfrm>
+          <a:prstGeom prst="rect">
+            <a:avLst/>
+          </a:prstGeom>
+        </p:spPr>
+      </p:pic>
+    </p:spTree>
+    <p:extLst>
+      <p:ext uri="{BB962C8B-B14F-4D97-AF65-F5344CB8AC3E}">
+        <p14:creationId xmlns:p14="http://schemas.microsoft.com/office/powerpoint/2010/main" val="3765504647"/>
+      </p:ext>
+    </p:extLst>
+  </p:cSld>
+  <p:clrMapOvr>
+    <a:masterClrMapping/>
+  </p:clrMapOvr>
+</p:sld>
+</file>
+
+<file path=ppt/slides/slide4.xml><?xml version="1.0" encoding="utf-8"?>
+<p:sld xmlns:a="http://schemas.openxmlformats.org/drawingml/2006/main" xmlns:r="http://schemas.openxmlformats.org/officeDocument/2006/relationships" xmlns:p="http://schemas.openxmlformats.org/presentationml/2006/main">
+  <p:cSld>
+    <p:bg>
+      <p:bgPr>
+        <a:solidFill>
+          <a:schemeClr val="bg1"/>
+        </a:solidFill>
+        <a:effectLst/>
+      </p:bgPr>
+    </p:bg>
+    <p:spTree>
+      <p:nvGrpSpPr>
+        <p:cNvPr id="1" name=""/>
+        <p:cNvGrpSpPr/>
+        <p:nvPr/>
+      </p:nvGrpSpPr>
+      <p:grpSpPr>
+        <a:xfrm>
+          <a:off x="0" y="0"/>
+          <a:ext cx="0" cy="0"/>
+          <a:chOff x="0" y="0"/>
+          <a:chExt cx="0" cy="0"/>
+        </a:xfrm>
+      </p:grpSpPr>
+      <p:pic>
+        <p:nvPicPr>
+          <p:cNvPr id="7" name="Platshållare för innehåll 6">
+            <a:extLst>
+              <a:ext uri="{FF2B5EF4-FFF2-40B4-BE49-F238E27FC236}">
+                <a16:creationId xmlns:a16="http://schemas.microsoft.com/office/drawing/2014/main" id="{BCC05400-7A6F-4A5A-8C34-010E2BD61CE8}"/>
+              </a:ext>
+            </a:extLst>
+          </p:cNvPr>
+          <p:cNvPicPr>
+            <a:picLocks noGrp="1" noChangeAspect="1"/>
+          </p:cNvPicPr>
+          <p:nvPr>
+            <p:ph idx="1"/>
+          </p:nvPr>
+        </p:nvPicPr>
+        <p:blipFill>
+          <a:blip r:embed="rId2"/>
+          <a:stretch>
+            <a:fillRect/>
+          </a:stretch>
+        </p:blipFill>
+        <p:spPr>
+          <a:xfrm>
+            <a:off x="1762717" y="1825625"/>
+            <a:ext cx="8666565" cy="4351338"/>
+          </a:xfrm>
+          <a:prstGeom prst="rect">
+            <a:avLst/>
+          </a:prstGeom>
+        </p:spPr>
+      </p:pic>
+    </p:spTree>
+    <p:extLst>
+      <p:ext uri="{BB962C8B-B14F-4D97-AF65-F5344CB8AC3E}">
+        <p14:creationId xmlns:p14="http://schemas.microsoft.com/office/powerpoint/2010/main" val="1008047324"/>
+      </p:ext>
+    </p:extLst>
+  </p:cSld>
+  <p:clrMapOvr>
+    <a:masterClrMapping/>
+  </p:clrMapOvr>
+</p:sld>
+</file>
+
+<file path=ppt/slides/slide5.xml><?xml version="1.0" encoding="utf-8"?>
+<p:sld xmlns:a="http://schemas.openxmlformats.org/drawingml/2006/main" xmlns:r="http://schemas.openxmlformats.org/officeDocument/2006/relationships" xmlns:p="http://schemas.openxmlformats.org/presentationml/2006/main">
+  <p:cSld>
+    <p:bg>
+      <p:bgPr>
+        <a:solidFill>
+          <a:schemeClr val="bg1"/>
+        </a:solidFill>
+        <a:effectLst/>
+      </p:bgPr>
+    </p:bg>
+    <p:spTree>
+      <p:nvGrpSpPr>
+        <p:cNvPr id="1" name=""/>
+        <p:cNvGrpSpPr/>
+        <p:nvPr/>
+      </p:nvGrpSpPr>
+      <p:grpSpPr>
+        <a:xfrm>
+          <a:off x="0" y="0"/>
+          <a:ext cx="0" cy="0"/>
+          <a:chOff x="0" y="0"/>
+          <a:chExt cx="0" cy="0"/>
+        </a:xfrm>
+      </p:grpSpPr>
+      <p:pic>
+        <p:nvPicPr>
+          <p:cNvPr id="7" name="Platshållare för innehåll 6">
+            <a:extLst>
+              <a:ext uri="{FF2B5EF4-FFF2-40B4-BE49-F238E27FC236}">
+                <a16:creationId xmlns:a16="http://schemas.microsoft.com/office/drawing/2014/main" id="{7F848B22-2415-492E-9C07-9C3D7B4229D8}"/>
+              </a:ext>
+            </a:extLst>
+          </p:cNvPr>
+          <p:cNvPicPr>
+            <a:picLocks noGrp="1" noChangeAspect="1"/>
+          </p:cNvPicPr>
+          <p:nvPr>
+            <p:ph idx="1"/>
+          </p:nvPr>
+        </p:nvPicPr>
+        <p:blipFill>
+          <a:blip r:embed="rId2"/>
+          <a:stretch>
+            <a:fillRect/>
+          </a:stretch>
+        </p:blipFill>
+        <p:spPr>
+          <a:xfrm>
+            <a:off x="1793956" y="1825625"/>
+            <a:ext cx="8604087" cy="4351338"/>
+          </a:xfrm>
+          <a:prstGeom prst="rect">
+            <a:avLst/>
+          </a:prstGeom>
+        </p:spPr>
+      </p:pic>
+    </p:spTree>
+    <p:extLst>
+      <p:ext uri="{BB962C8B-B14F-4D97-AF65-F5344CB8AC3E}">
+        <p14:creationId xmlns:p14="http://schemas.microsoft.com/office/powerpoint/2010/main" val="31944701"/>
+      </p:ext>
+    </p:extLst>
+  </p:cSld>
+  <p:clrMapOvr>
+    <a:masterClrMapping/>
+  </p:clrMapOvr>
+</p:sld>
+</file>
+
+<file path=ppt/slides/slide6.xml><?xml version="1.0" encoding="utf-8"?>
+<p:sld xmlns:a="http://schemas.openxmlformats.org/drawingml/2006/main" xmlns:r="http://schemas.openxmlformats.org/officeDocument/2006/relationships" xmlns:p="http://schemas.openxmlformats.org/presentationml/2006/main">
+  <p:cSld>
+    <p:bg>
+      <p:bgPr>
+        <a:solidFill>
+          <a:schemeClr val="bg1"/>
+        </a:solidFill>
+        <a:effectLst/>
+      </p:bgPr>
+    </p:bg>
+    <p:spTree>
+      <p:nvGrpSpPr>
+        <p:cNvPr id="1" name=""/>
+        <p:cNvGrpSpPr/>
+        <p:nvPr/>
+      </p:nvGrpSpPr>
+      <p:grpSpPr>
+        <a:xfrm>
+          <a:off x="0" y="0"/>
+          <a:ext cx="0" cy="0"/>
+          <a:chOff x="0" y="0"/>
+          <a:chExt cx="0" cy="0"/>
+        </a:xfrm>
+      </p:grpSpPr>
+      <p:pic>
+        <p:nvPicPr>
+          <p:cNvPr id="7" name="Platshållare för innehåll 6">
+            <a:extLst>
+              <a:ext uri="{FF2B5EF4-FFF2-40B4-BE49-F238E27FC236}">
+                <a16:creationId xmlns:a16="http://schemas.microsoft.com/office/drawing/2014/main" id="{514FD0EC-6899-4F17-B076-42FF3DAE7D04}"/>
+              </a:ext>
+            </a:extLst>
+          </p:cNvPr>
+          <p:cNvPicPr>
+            <a:picLocks noGrp="1" noChangeAspect="1"/>
+          </p:cNvPicPr>
+          <p:nvPr>
+            <p:ph idx="1"/>
+          </p:nvPr>
+        </p:nvPicPr>
+        <p:blipFill>
+          <a:blip r:embed="rId2"/>
+          <a:stretch>
+            <a:fillRect/>
+          </a:stretch>
+        </p:blipFill>
+        <p:spPr>
+          <a:xfrm>
+            <a:off x="1798381" y="1834956"/>
+            <a:ext cx="8595235" cy="4351338"/>
+          </a:xfrm>
+          <a:prstGeom prst="rect">
+            <a:avLst/>
+          </a:prstGeom>
+        </p:spPr>
+      </p:pic>
+      <p:sp>
+        <p:nvSpPr>
+          <p:cNvPr id="21" name="textruta 20">
+            <a:extLst>
+              <a:ext uri="{FF2B5EF4-FFF2-40B4-BE49-F238E27FC236}">
+                <a16:creationId xmlns:a16="http://schemas.microsoft.com/office/drawing/2014/main" id="{6301593E-7EDF-47FB-8206-D173AAEE3FF2}"/>
+              </a:ext>
+            </a:extLst>
+          </p:cNvPr>
+          <p:cNvSpPr txBox="1"/>
+          <p:nvPr/>
+        </p:nvSpPr>
+        <p:spPr>
+          <a:xfrm>
+            <a:off x="5010536" y="382555"/>
+            <a:ext cx="2170923" cy="1107996"/>
+          </a:xfrm>
+          <a:prstGeom prst="rect">
+            <a:avLst/>
+          </a:prstGeom>
+          <a:noFill/>
+        </p:spPr>
+        <p:txBody>
+          <a:bodyPr wrap="square" rtlCol="0">
+            <a:spAutoFit/>
+          </a:bodyPr>
+          <a:lstStyle/>
+          <a:p>
+            <a:r>
+              <a:rPr lang="sv-SE" sz="6600" dirty="0"/>
+              <a:t>Priser</a:t>
+            </a:r>
+          </a:p>
+        </p:txBody>
+      </p:sp>
+    </p:spTree>
+    <p:extLst>
+      <p:ext uri="{BB962C8B-B14F-4D97-AF65-F5344CB8AC3E}">
+        <p14:creationId xmlns:p14="http://schemas.microsoft.com/office/powerpoint/2010/main" val="1297015533"/>
+      </p:ext>
+    </p:extLst>
+  </p:cSld>
+  <p:clrMapOvr>
+    <a:masterClrMapping/>
+  </p:clrMapOvr>
+</p:sld>
+</file>
+
+<file path=ppt/slides/slide7.xml><?xml version="1.0" encoding="utf-8"?>
+<p:sld xmlns:a="http://schemas.openxmlformats.org/drawingml/2006/main" xmlns:r="http://schemas.openxmlformats.org/officeDocument/2006/relationships" xmlns:p="http://schemas.openxmlformats.org/presentationml/2006/main">
+  <p:cSld>
+    <p:spTree>
+      <p:nvGrpSpPr>
+        <p:cNvPr id="1" name=""/>
+        <p:cNvGrpSpPr/>
+        <p:nvPr/>
+      </p:nvGrpSpPr>
+      <p:grpSpPr>
+        <a:xfrm>
+          <a:off x="0" y="0"/>
+          <a:ext cx="0" cy="0"/>
+          <a:chOff x="0" y="0"/>
+          <a:chExt cx="0" cy="0"/>
+        </a:xfrm>
+      </p:grpSpPr>
+      <p:pic>
+        <p:nvPicPr>
+          <p:cNvPr id="4" name="Platshållare för innehåll 3">
+            <a:extLst>
+              <a:ext uri="{FF2B5EF4-FFF2-40B4-BE49-F238E27FC236}">
+                <a16:creationId xmlns:a16="http://schemas.microsoft.com/office/drawing/2014/main" id="{FB870160-F85D-4CBB-B165-96C320D34DB3}"/>
+              </a:ext>
+            </a:extLst>
+          </p:cNvPr>
+          <p:cNvPicPr>
+            <a:picLocks noGrp="1" noChangeAspect="1"/>
+          </p:cNvPicPr>
+          <p:nvPr>
+            <p:ph idx="1"/>
+          </p:nvPr>
+        </p:nvPicPr>
+        <p:blipFill>
+          <a:blip r:embed="rId2"/>
+          <a:stretch>
+            <a:fillRect/>
+          </a:stretch>
+        </p:blipFill>
+        <p:spPr>
+          <a:xfrm>
+            <a:off x="1233585" y="975000"/>
+            <a:ext cx="9724830" cy="4908000"/>
+          </a:xfrm>
+          <a:prstGeom prst="rect">
+            <a:avLst/>
+          </a:prstGeom>
+        </p:spPr>
+      </p:pic>
+    </p:spTree>
+    <p:extLst>
+      <p:ext uri="{BB962C8B-B14F-4D97-AF65-F5344CB8AC3E}">
+        <p14:creationId xmlns:p14="http://schemas.microsoft.com/office/powerpoint/2010/main" val="3056663397"/>
+      </p:ext>
+    </p:extLst>
+  </p:cSld>
+  <p:clrMapOvr>
+    <a:masterClrMapping/>
+  </p:clrMapOvr>
+</p:sld>
+</file>
+
+<file path=ppt/slides/slide8.xml><?xml version="1.0" encoding="utf-8"?>
+<p:sld xmlns:a="http://schemas.openxmlformats.org/drawingml/2006/main" xmlns:r="http://schemas.openxmlformats.org/officeDocument/2006/relationships" xmlns:p="http://schemas.openxmlformats.org/presentationml/2006/main">
+  <p:cSld>
+    <p:spTree>
+      <p:nvGrpSpPr>
+        <p:cNvPr id="1" name=""/>
+        <p:cNvGrpSpPr/>
+        <p:nvPr/>
+      </p:nvGrpSpPr>
+      <p:grpSpPr>
+        <a:xfrm>
+          <a:off x="0" y="0"/>
+          <a:ext cx="0" cy="0"/>
+          <a:chOff x="0" y="0"/>
+          <a:chExt cx="0" cy="0"/>
+        </a:xfrm>
+      </p:grpSpPr>
+      <p:sp>
+        <p:nvSpPr>
+          <p:cNvPr id="2" name="Rubrik 1">
+            <a:extLst>
+              <a:ext uri="{FF2B5EF4-FFF2-40B4-BE49-F238E27FC236}">
+                <a16:creationId xmlns:a16="http://schemas.microsoft.com/office/drawing/2014/main" id="{C42A1D09-73D9-47E6-8688-655D7562D3F1}"/>
+              </a:ext>
+            </a:extLst>
+          </p:cNvPr>
+          <p:cNvSpPr>
+            <a:spLocks noGrp="1"/>
+          </p:cNvSpPr>
+          <p:nvPr>
+            <p:ph type="title"/>
+          </p:nvPr>
+        </p:nvSpPr>
+        <p:spPr>
+          <a:xfrm>
+            <a:off x="4606990" y="299811"/>
+            <a:ext cx="2978020" cy="1325563"/>
+          </a:xfrm>
+        </p:spPr>
+        <p:txBody>
+          <a:bodyPr>
+            <a:noAutofit/>
+          </a:bodyPr>
+          <a:lstStyle/>
+          <a:p>
+            <a:r>
+              <a:rPr lang="sv-SE" sz="6600" dirty="0"/>
+              <a:t>Tjänster</a:t>
+            </a:r>
+          </a:p>
+        </p:txBody>
+      </p:sp>
+      <p:pic>
+        <p:nvPicPr>
+          <p:cNvPr id="4" name="Platshållare för innehåll 3">
+            <a:extLst>
+              <a:ext uri="{FF2B5EF4-FFF2-40B4-BE49-F238E27FC236}">
+                <a16:creationId xmlns:a16="http://schemas.microsoft.com/office/drawing/2014/main" id="{E4C82D9F-9020-4D4A-A165-DAFF2D469AAF}"/>
+              </a:ext>
+            </a:extLst>
+          </p:cNvPr>
+          <p:cNvPicPr>
+            <a:picLocks noGrp="1" noChangeAspect="1"/>
+          </p:cNvPicPr>
+          <p:nvPr>
+            <p:ph idx="1"/>
+          </p:nvPr>
+        </p:nvPicPr>
+        <p:blipFill>
+          <a:blip r:embed="rId2"/>
+          <a:stretch>
+            <a:fillRect/>
+          </a:stretch>
+        </p:blipFill>
+        <p:spPr>
+          <a:xfrm>
+            <a:off x="1776161" y="1825625"/>
+            <a:ext cx="8639678" cy="4351338"/>
+          </a:xfrm>
+          <a:prstGeom prst="rect">
+            <a:avLst/>
+          </a:prstGeom>
+        </p:spPr>
+      </p:pic>
+    </p:spTree>
+    <p:extLst>
+      <p:ext uri="{BB962C8B-B14F-4D97-AF65-F5344CB8AC3E}">
+        <p14:creationId xmlns:p14="http://schemas.microsoft.com/office/powerpoint/2010/main" val="3632537022"/>
+      </p:ext>
+    </p:extLst>
+  </p:cSld>
+  <p:clrMapOvr>
+    <a:masterClrMapping/>
+  </p:clrMapOvr>
+</p:sld>
+</file>
+
+<file path=ppt/slides/slide9.xml><?xml version="1.0" encoding="utf-8"?>
+<p:sld xmlns:a="http://schemas.openxmlformats.org/drawingml/2006/main" xmlns:r="http://schemas.openxmlformats.org/officeDocument/2006/relationships" xmlns:p="http://schemas.openxmlformats.org/presentationml/2006/main">
+  <p:cSld>
+    <p:spTree>
+      <p:nvGrpSpPr>
+        <p:cNvPr id="1" name=""/>
+        <p:cNvGrpSpPr/>
+        <p:nvPr/>
+      </p:nvGrpSpPr>
+      <p:grpSpPr>
+        <a:xfrm>
+          <a:off x="0" y="0"/>
+          <a:ext cx="0" cy="0"/>
+          <a:chOff x="0" y="0"/>
+          <a:chExt cx="0" cy="0"/>
+        </a:xfrm>
+      </p:grpSpPr>
+      <p:pic>
+        <p:nvPicPr>
+          <p:cNvPr id="4" name="Platshållare för innehåll 3">
+            <a:extLst>
+              <a:ext uri="{FF2B5EF4-FFF2-40B4-BE49-F238E27FC236}">
+                <a16:creationId xmlns:a16="http://schemas.microsoft.com/office/drawing/2014/main" id="{764E970F-ADDC-4D32-961A-5061E4BCE45C}"/>
+              </a:ext>
+            </a:extLst>
+          </p:cNvPr>
+          <p:cNvPicPr>
+            <a:picLocks noGrp="1" noChangeAspect="1"/>
+          </p:cNvPicPr>
+          <p:nvPr>
+            <p:ph idx="1"/>
+          </p:nvPr>
+        </p:nvPicPr>
+        <p:blipFill>
+          <a:blip r:embed="rId2"/>
+          <a:stretch>
+            <a:fillRect/>
+          </a:stretch>
+        </p:blipFill>
+        <p:spPr>
+          <a:xfrm>
+            <a:off x="1163788" y="1101012"/>
+            <a:ext cx="9864424" cy="4973314"/>
+          </a:xfrm>
+          <a:prstGeom prst="rect">
+            <a:avLst/>
+          </a:prstGeom>
+        </p:spPr>
+      </p:pic>
+    </p:spTree>
+    <p:extLst>
+      <p:ext uri="{BB962C8B-B14F-4D97-AF65-F5344CB8AC3E}">
+        <p14:creationId xmlns:p14="http://schemas.microsoft.com/office/powerpoint/2010/main" val="1045053652"/>
       </p:ext>
     </p:extLst>
   </p:cSld>
